--- a/proj4/proj4_report.pptx
+++ b/proj4/proj4_report.pptx
@@ -1,36 +1,36 @@
 
 <file path=ppt/presentation.xml><?xml version="1.0" encoding="utf-8"?>
-<p:presentation xmlns:a="http://schemas.openxmlformats.org/drawingml/2006/main" xmlns:r="http://schemas.openxmlformats.org/officeDocument/2006/relationships" xmlns:mc="http://schemas.openxmlformats.org/markup-compatibility/2006" xmlns:mv="urn:schemas-microsoft-com:mac:vml" xmlns:p="http://schemas.openxmlformats.org/presentationml/2006/main" xmlns:c="http://schemas.openxmlformats.org/drawingml/2006/chart" xmlns:dgm="http://schemas.openxmlformats.org/drawingml/2006/diagram" xmlns:o="urn:schemas-microsoft-com:office:office" xmlns:v="urn:schemas-microsoft-com:vml" xmlns:pvml="urn:schemas-microsoft-com:office:powerpoint" xmlns:com="http://schemas.openxmlformats.org/drawingml/2006/compatibility" xmlns:p14="http://schemas.microsoft.com/office/powerpoint/2010/main" xmlns:p15="http://schemas.microsoft.com/office/powerpoint/2012/main" xmlns:ahyp="http://schemas.microsoft.com/office/drawing/2018/hyperlinkcolor" autoCompressPictures="0" strictFirstAndLastChars="0" saveSubsetFonts="1">
+<p:presentation xmlns:a="http://schemas.openxmlformats.org/drawingml/2006/main" xmlns:r="http://schemas.openxmlformats.org/officeDocument/2006/relationships" xmlns:p="http://schemas.openxmlformats.org/presentationml/2006/main" strictFirstAndLastChars="0" saveSubsetFonts="1" autoCompressPictures="0">
   <p:sldMasterIdLst>
-    <p:sldMasterId id="2147483661" r:id="rId3"/>
+    <p:sldMasterId id="2147483661" r:id="rId1"/>
   </p:sldMasterIdLst>
   <p:notesMasterIdLst>
-    <p:notesMasterId r:id="rId4"/>
+    <p:notesMasterId r:id="rId20"/>
   </p:notesMasterIdLst>
   <p:sldIdLst>
-    <p:sldId id="256" r:id="rId5"/>
-    <p:sldId id="257" r:id="rId6"/>
-    <p:sldId id="258" r:id="rId7"/>
-    <p:sldId id="259" r:id="rId8"/>
-    <p:sldId id="260" r:id="rId9"/>
-    <p:sldId id="261" r:id="rId10"/>
-    <p:sldId id="262" r:id="rId11"/>
-    <p:sldId id="263" r:id="rId12"/>
-    <p:sldId id="264" r:id="rId13"/>
-    <p:sldId id="265" r:id="rId14"/>
-    <p:sldId id="266" r:id="rId15"/>
-    <p:sldId id="267" r:id="rId16"/>
-    <p:sldId id="268" r:id="rId17"/>
-    <p:sldId id="269" r:id="rId18"/>
-    <p:sldId id="270" r:id="rId19"/>
-    <p:sldId id="271" r:id="rId20"/>
-    <p:sldId id="272" r:id="rId21"/>
-    <p:sldId id="273" r:id="rId22"/>
+    <p:sldId id="256" r:id="rId2"/>
+    <p:sldId id="257" r:id="rId3"/>
+    <p:sldId id="258" r:id="rId4"/>
+    <p:sldId id="259" r:id="rId5"/>
+    <p:sldId id="260" r:id="rId6"/>
+    <p:sldId id="261" r:id="rId7"/>
+    <p:sldId id="262" r:id="rId8"/>
+    <p:sldId id="263" r:id="rId9"/>
+    <p:sldId id="264" r:id="rId10"/>
+    <p:sldId id="265" r:id="rId11"/>
+    <p:sldId id="266" r:id="rId12"/>
+    <p:sldId id="267" r:id="rId13"/>
+    <p:sldId id="268" r:id="rId14"/>
+    <p:sldId id="269" r:id="rId15"/>
+    <p:sldId id="270" r:id="rId16"/>
+    <p:sldId id="271" r:id="rId17"/>
+    <p:sldId id="272" r:id="rId18"/>
+    <p:sldId id="273" r:id="rId19"/>
   </p:sldIdLst>
-  <p:sldSz cy="5143500" cx="9144000"/>
+  <p:sldSz cx="9144000" cy="5143500" type="screen16x9"/>
   <p:notesSz cx="6858000" cy="9144000"/>
   <p:defaultTextStyle>
-    <a:defPPr lvl="0" marR="0" rtl="0" algn="l">
+    <a:defPPr marR="0" lvl="0" algn="l" rtl="0">
       <a:lnSpc>
         <a:spcPct val="100000"/>
       </a:lnSpc>
@@ -41,7 +41,7 @@
         <a:spcPts val="0"/>
       </a:spcAft>
     </a:defPPr>
-    <a:lvl1pPr lvl="0" marR="0" rtl="0" algn="l">
+    <a:lvl1pPr marR="0" lvl="0" algn="l" rtl="0">
       <a:lnSpc>
         <a:spcPct val="100000"/>
       </a:lnSpc>
@@ -55,7 +55,7 @@
         <a:srgbClr val="000000"/>
       </a:buClr>
       <a:buFont typeface="Arial"/>
-      <a:defRPr b="0" i="0" sz="1400" u="none" cap="none" strike="noStrike">
+      <a:defRPr sz="1400" b="0" i="0" u="none" strike="noStrike" cap="none">
         <a:solidFill>
           <a:srgbClr val="000000"/>
         </a:solidFill>
@@ -65,7 +65,7 @@
         <a:sym typeface="Arial"/>
       </a:defRPr>
     </a:lvl1pPr>
-    <a:lvl2pPr lvl="1" marR="0" rtl="0" algn="l">
+    <a:lvl2pPr marR="0" lvl="1" algn="l" rtl="0">
       <a:lnSpc>
         <a:spcPct val="100000"/>
       </a:lnSpc>
@@ -79,7 +79,7 @@
         <a:srgbClr val="000000"/>
       </a:buClr>
       <a:buFont typeface="Arial"/>
-      <a:defRPr b="0" i="0" sz="1400" u="none" cap="none" strike="noStrike">
+      <a:defRPr sz="1400" b="0" i="0" u="none" strike="noStrike" cap="none">
         <a:solidFill>
           <a:srgbClr val="000000"/>
         </a:solidFill>
@@ -89,7 +89,7 @@
         <a:sym typeface="Arial"/>
       </a:defRPr>
     </a:lvl2pPr>
-    <a:lvl3pPr lvl="2" marR="0" rtl="0" algn="l">
+    <a:lvl3pPr marR="0" lvl="2" algn="l" rtl="0">
       <a:lnSpc>
         <a:spcPct val="100000"/>
       </a:lnSpc>
@@ -103,7 +103,7 @@
         <a:srgbClr val="000000"/>
       </a:buClr>
       <a:buFont typeface="Arial"/>
-      <a:defRPr b="0" i="0" sz="1400" u="none" cap="none" strike="noStrike">
+      <a:defRPr sz="1400" b="0" i="0" u="none" strike="noStrike" cap="none">
         <a:solidFill>
           <a:srgbClr val="000000"/>
         </a:solidFill>
@@ -113,7 +113,7 @@
         <a:sym typeface="Arial"/>
       </a:defRPr>
     </a:lvl3pPr>
-    <a:lvl4pPr lvl="3" marR="0" rtl="0" algn="l">
+    <a:lvl4pPr marR="0" lvl="3" algn="l" rtl="0">
       <a:lnSpc>
         <a:spcPct val="100000"/>
       </a:lnSpc>
@@ -127,7 +127,7 @@
         <a:srgbClr val="000000"/>
       </a:buClr>
       <a:buFont typeface="Arial"/>
-      <a:defRPr b="0" i="0" sz="1400" u="none" cap="none" strike="noStrike">
+      <a:defRPr sz="1400" b="0" i="0" u="none" strike="noStrike" cap="none">
         <a:solidFill>
           <a:srgbClr val="000000"/>
         </a:solidFill>
@@ -137,7 +137,7 @@
         <a:sym typeface="Arial"/>
       </a:defRPr>
     </a:lvl4pPr>
-    <a:lvl5pPr lvl="4" marR="0" rtl="0" algn="l">
+    <a:lvl5pPr marR="0" lvl="4" algn="l" rtl="0">
       <a:lnSpc>
         <a:spcPct val="100000"/>
       </a:lnSpc>
@@ -151,7 +151,7 @@
         <a:srgbClr val="000000"/>
       </a:buClr>
       <a:buFont typeface="Arial"/>
-      <a:defRPr b="0" i="0" sz="1400" u="none" cap="none" strike="noStrike">
+      <a:defRPr sz="1400" b="0" i="0" u="none" strike="noStrike" cap="none">
         <a:solidFill>
           <a:srgbClr val="000000"/>
         </a:solidFill>
@@ -161,7 +161,7 @@
         <a:sym typeface="Arial"/>
       </a:defRPr>
     </a:lvl5pPr>
-    <a:lvl6pPr lvl="5" marR="0" rtl="0" algn="l">
+    <a:lvl6pPr marR="0" lvl="5" algn="l" rtl="0">
       <a:lnSpc>
         <a:spcPct val="100000"/>
       </a:lnSpc>
@@ -175,7 +175,7 @@
         <a:srgbClr val="000000"/>
       </a:buClr>
       <a:buFont typeface="Arial"/>
-      <a:defRPr b="0" i="0" sz="1400" u="none" cap="none" strike="noStrike">
+      <a:defRPr sz="1400" b="0" i="0" u="none" strike="noStrike" cap="none">
         <a:solidFill>
           <a:srgbClr val="000000"/>
         </a:solidFill>
@@ -185,7 +185,7 @@
         <a:sym typeface="Arial"/>
       </a:defRPr>
     </a:lvl6pPr>
-    <a:lvl7pPr lvl="6" marR="0" rtl="0" algn="l">
+    <a:lvl7pPr marR="0" lvl="6" algn="l" rtl="0">
       <a:lnSpc>
         <a:spcPct val="100000"/>
       </a:lnSpc>
@@ -199,7 +199,7 @@
         <a:srgbClr val="000000"/>
       </a:buClr>
       <a:buFont typeface="Arial"/>
-      <a:defRPr b="0" i="0" sz="1400" u="none" cap="none" strike="noStrike">
+      <a:defRPr sz="1400" b="0" i="0" u="none" strike="noStrike" cap="none">
         <a:solidFill>
           <a:srgbClr val="000000"/>
         </a:solidFill>
@@ -209,7 +209,7 @@
         <a:sym typeface="Arial"/>
       </a:defRPr>
     </a:lvl7pPr>
-    <a:lvl8pPr lvl="7" marR="0" rtl="0" algn="l">
+    <a:lvl8pPr marR="0" lvl="7" algn="l" rtl="0">
       <a:lnSpc>
         <a:spcPct val="100000"/>
       </a:lnSpc>
@@ -223,7 +223,7 @@
         <a:srgbClr val="000000"/>
       </a:buClr>
       <a:buFont typeface="Arial"/>
-      <a:defRPr b="0" i="0" sz="1400" u="none" cap="none" strike="noStrike">
+      <a:defRPr sz="1400" b="0" i="0" u="none" strike="noStrike" cap="none">
         <a:solidFill>
           <a:srgbClr val="000000"/>
         </a:solidFill>
@@ -233,7 +233,7 @@
         <a:sym typeface="Arial"/>
       </a:defRPr>
     </a:lvl8pPr>
-    <a:lvl9pPr lvl="8" marR="0" rtl="0" algn="l">
+    <a:lvl9pPr marR="0" lvl="8" algn="l" rtl="0">
       <a:lnSpc>
         <a:spcPct val="100000"/>
       </a:lnSpc>
@@ -247,7 +247,7 @@
         <a:srgbClr val="000000"/>
       </a:buClr>
       <a:buFont typeface="Arial"/>
-      <a:defRPr b="0" i="0" sz="1400" u="none" cap="none" strike="noStrike">
+      <a:defRPr sz="1400" b="0" i="0" u="none" strike="noStrike" cap="none">
         <a:solidFill>
           <a:srgbClr val="000000"/>
         </a:solidFill>
@@ -262,11 +262,16 @@
 </file>
 
 <file path=ppt/notesMasters/notesMaster1.xml><?xml version="1.0" encoding="utf-8"?>
-<p:notesMaster xmlns:a="http://schemas.openxmlformats.org/drawingml/2006/main" xmlns:r="http://schemas.openxmlformats.org/officeDocument/2006/relationships" xmlns:mc="http://schemas.openxmlformats.org/markup-compatibility/2006" xmlns:mv="urn:schemas-microsoft-com:mac:vml" xmlns:p="http://schemas.openxmlformats.org/presentationml/2006/main" xmlns:c="http://schemas.openxmlformats.org/drawingml/2006/chart" xmlns:dgm="http://schemas.openxmlformats.org/drawingml/2006/diagram" xmlns:o="urn:schemas-microsoft-com:office:office" xmlns:v="urn:schemas-microsoft-com:vml" xmlns:pvml="urn:schemas-microsoft-com:office:powerpoint" xmlns:com="http://schemas.openxmlformats.org/drawingml/2006/compatibility" xmlns:p14="http://schemas.microsoft.com/office/powerpoint/2010/main" xmlns:p15="http://schemas.microsoft.com/office/powerpoint/2012/main" xmlns:ahyp="http://schemas.microsoft.com/office/drawing/2018/hyperlinkcolor">
+<p:notesMaster xmlns:a="http://schemas.openxmlformats.org/drawingml/2006/main" xmlns:r="http://schemas.openxmlformats.org/officeDocument/2006/relationships" xmlns:p="http://schemas.openxmlformats.org/presentationml/2006/main">
   <p:cSld>
+    <p:bg>
+      <p:bgRef idx="1001">
+        <a:schemeClr val="bg1"/>
+      </p:bgRef>
+    </p:bg>
     <p:spTree>
       <p:nvGrpSpPr>
-        <p:cNvPr id="2" name="Shape 2"/>
+        <p:cNvPr id="1" name="Shape 2"/>
         <p:cNvGrpSpPr/>
         <p:nvPr/>
       </p:nvGrpSpPr>
@@ -281,9 +286,11 @@
       <p:sp>
         <p:nvSpPr>
           <p:cNvPr id="3" name="Google Shape;3;n"/>
-          <p:cNvSpPr/>
+          <p:cNvSpPr>
+            <a:spLocks noGrp="1" noRot="1" noChangeAspect="1"/>
+          </p:cNvSpPr>
           <p:nvPr>
-            <p:ph idx="2" type="sldImg"/>
+            <p:ph type="sldImg" idx="2"/>
           </p:nvPr>
         </p:nvSpPr>
         <p:spPr>
@@ -292,9 +299,13 @@
             <a:ext cx="4572225" cy="3429000"/>
           </a:xfrm>
           <a:custGeom>
-            <a:rect b="b" l="l" r="r" t="t"/>
+            <a:avLst/>
+            <a:gdLst/>
+            <a:ahLst/>
+            <a:cxnLst/>
+            <a:rect l="l" t="t" r="r" b="b"/>
             <a:pathLst>
-              <a:path extrusionOk="0" h="120000" w="120000">
+              <a:path w="120000" h="120000" extrusionOk="0">
                 <a:moveTo>
                   <a:pt x="0" y="0"/>
                 </a:moveTo>
@@ -312,23 +323,25 @@
             </a:pathLst>
           </a:custGeom>
           <a:noFill/>
-          <a:ln cap="flat" cmpd="sng" w="9525">
+          <a:ln w="9525" cap="flat" cmpd="sng">
             <a:solidFill>
               <a:srgbClr val="000000"/>
             </a:solidFill>
             <a:prstDash val="solid"/>
             <a:round/>
-            <a:headEnd len="sm" w="sm" type="none"/>
-            <a:tailEnd len="sm" w="sm" type="none"/>
+            <a:headEnd type="none" w="sm" len="sm"/>
+            <a:tailEnd type="none" w="sm" len="sm"/>
           </a:ln>
         </p:spPr>
       </p:sp>
       <p:sp>
         <p:nvSpPr>
           <p:cNvPr id="4" name="Google Shape;4;n"/>
-          <p:cNvSpPr txBox="1"/>
+          <p:cNvSpPr txBox="1">
+            <a:spLocks noGrp="1"/>
+          </p:cNvSpPr>
           <p:nvPr>
-            <p:ph idx="1" type="body"/>
+            <p:ph type="body" idx="1"/>
           </p:nvPr>
         </p:nvSpPr>
         <p:spPr>
@@ -345,11 +358,11 @@
           </a:ln>
         </p:spPr>
         <p:txBody>
-          <a:bodyPr anchorCtr="0" anchor="t" bIns="91425" lIns="91425" spcFirstLastPara="1" rIns="91425" wrap="square" tIns="91425">
+          <a:bodyPr spcFirstLastPara="1" wrap="square" lIns="91425" tIns="91425" rIns="91425" bIns="91425" anchor="t" anchorCtr="0">
             <a:noAutofit/>
           </a:bodyPr>
           <a:lstStyle>
-            <a:lvl1pPr indent="-298450" lvl="0" marL="457200">
+            <a:lvl1pPr marL="457200" lvl="0" indent="-298450">
               <a:spcBef>
                 <a:spcPts val="0"/>
               </a:spcBef>
@@ -360,7 +373,7 @@
               <a:buChar char="●"/>
               <a:defRPr sz="1100"/>
             </a:lvl1pPr>
-            <a:lvl2pPr indent="-298450" lvl="1" marL="914400">
+            <a:lvl2pPr marL="914400" lvl="1" indent="-298450">
               <a:spcBef>
                 <a:spcPts val="0"/>
               </a:spcBef>
@@ -371,7 +384,7 @@
               <a:buChar char="○"/>
               <a:defRPr sz="1100"/>
             </a:lvl2pPr>
-            <a:lvl3pPr indent="-298450" lvl="2" marL="1371600">
+            <a:lvl3pPr marL="1371600" lvl="2" indent="-298450">
               <a:spcBef>
                 <a:spcPts val="0"/>
               </a:spcBef>
@@ -382,7 +395,7 @@
               <a:buChar char="■"/>
               <a:defRPr sz="1100"/>
             </a:lvl3pPr>
-            <a:lvl4pPr indent="-298450" lvl="3" marL="1828800">
+            <a:lvl4pPr marL="1828800" lvl="3" indent="-298450">
               <a:spcBef>
                 <a:spcPts val="0"/>
               </a:spcBef>
@@ -393,7 +406,7 @@
               <a:buChar char="●"/>
               <a:defRPr sz="1100"/>
             </a:lvl4pPr>
-            <a:lvl5pPr indent="-298450" lvl="4" marL="2286000">
+            <a:lvl5pPr marL="2286000" lvl="4" indent="-298450">
               <a:spcBef>
                 <a:spcPts val="0"/>
               </a:spcBef>
@@ -404,7 +417,7 @@
               <a:buChar char="○"/>
               <a:defRPr sz="1100"/>
             </a:lvl5pPr>
-            <a:lvl6pPr indent="-298450" lvl="5" marL="2743200">
+            <a:lvl6pPr marL="2743200" lvl="5" indent="-298450">
               <a:spcBef>
                 <a:spcPts val="0"/>
               </a:spcBef>
@@ -415,7 +428,7 @@
               <a:buChar char="■"/>
               <a:defRPr sz="1100"/>
             </a:lvl6pPr>
-            <a:lvl7pPr indent="-298450" lvl="6" marL="3200400">
+            <a:lvl7pPr marL="3200400" lvl="6" indent="-298450">
               <a:spcBef>
                 <a:spcPts val="0"/>
               </a:spcBef>
@@ -426,7 +439,7 @@
               <a:buChar char="●"/>
               <a:defRPr sz="1100"/>
             </a:lvl7pPr>
-            <a:lvl8pPr indent="-298450" lvl="7" marL="3657600">
+            <a:lvl8pPr marL="3657600" lvl="7" indent="-298450">
               <a:spcBef>
                 <a:spcPts val="0"/>
               </a:spcBef>
@@ -437,7 +450,7 @@
               <a:buChar char="○"/>
               <a:defRPr sz="1100"/>
             </a:lvl8pPr>
-            <a:lvl9pPr indent="-298450" lvl="8" marL="4114800">
+            <a:lvl9pPr marL="4114800" lvl="8" indent="-298450">
               <a:spcBef>
                 <a:spcPts val="0"/>
               </a:spcBef>
@@ -449,14 +462,16 @@
               <a:defRPr sz="1100"/>
             </a:lvl9pPr>
           </a:lstStyle>
-          <a:p/>
+          <a:p>
+            <a:endParaRPr/>
+          </a:p>
         </p:txBody>
       </p:sp>
     </p:spTree>
   </p:cSld>
-  <p:clrMap accent1="accent1" accent2="accent2" accent3="accent3" accent4="accent4" accent5="accent5" accent6="accent6" bg1="lt1" bg2="dk2" tx1="dk1" tx2="lt2" folHlink="folHlink" hlink="hlink"/>
+  <p:clrMap bg1="lt1" tx1="dk1" bg2="dk2" tx2="lt2" accent1="accent1" accent2="accent2" accent3="accent3" accent4="accent4" accent5="accent5" accent6="accent6" hlink="hlink" folHlink="folHlink"/>
   <p:notesStyle>
-    <a:defPPr lvl="0" marR="0" rtl="0" algn="l">
+    <a:defPPr marR="0" lvl="0" algn="l" rtl="0">
       <a:lnSpc>
         <a:spcPct val="100000"/>
       </a:lnSpc>
@@ -467,7 +482,7 @@
         <a:spcPts val="0"/>
       </a:spcAft>
     </a:defPPr>
-    <a:lvl1pPr lvl="0" marR="0" rtl="0" algn="l">
+    <a:lvl1pPr marR="0" lvl="0" algn="l" rtl="0">
       <a:lnSpc>
         <a:spcPct val="100000"/>
       </a:lnSpc>
@@ -481,7 +496,7 @@
         <a:srgbClr val="000000"/>
       </a:buClr>
       <a:buFont typeface="Arial"/>
-      <a:defRPr b="0" i="0" sz="1400" u="none" cap="none" strike="noStrike">
+      <a:defRPr sz="1400" b="0" i="0" u="none" strike="noStrike" cap="none">
         <a:solidFill>
           <a:srgbClr val="000000"/>
         </a:solidFill>
@@ -491,7 +506,7 @@
         <a:sym typeface="Arial"/>
       </a:defRPr>
     </a:lvl1pPr>
-    <a:lvl2pPr lvl="1" marR="0" rtl="0" algn="l">
+    <a:lvl2pPr marR="0" lvl="1" algn="l" rtl="0">
       <a:lnSpc>
         <a:spcPct val="100000"/>
       </a:lnSpc>
@@ -505,7 +520,7 @@
         <a:srgbClr val="000000"/>
       </a:buClr>
       <a:buFont typeface="Arial"/>
-      <a:defRPr b="0" i="0" sz="1400" u="none" cap="none" strike="noStrike">
+      <a:defRPr sz="1400" b="0" i="0" u="none" strike="noStrike" cap="none">
         <a:solidFill>
           <a:srgbClr val="000000"/>
         </a:solidFill>
@@ -515,7 +530,7 @@
         <a:sym typeface="Arial"/>
       </a:defRPr>
     </a:lvl2pPr>
-    <a:lvl3pPr lvl="2" marR="0" rtl="0" algn="l">
+    <a:lvl3pPr marR="0" lvl="2" algn="l" rtl="0">
       <a:lnSpc>
         <a:spcPct val="100000"/>
       </a:lnSpc>
@@ -529,7 +544,7 @@
         <a:srgbClr val="000000"/>
       </a:buClr>
       <a:buFont typeface="Arial"/>
-      <a:defRPr b="0" i="0" sz="1400" u="none" cap="none" strike="noStrike">
+      <a:defRPr sz="1400" b="0" i="0" u="none" strike="noStrike" cap="none">
         <a:solidFill>
           <a:srgbClr val="000000"/>
         </a:solidFill>
@@ -539,7 +554,7 @@
         <a:sym typeface="Arial"/>
       </a:defRPr>
     </a:lvl3pPr>
-    <a:lvl4pPr lvl="3" marR="0" rtl="0" algn="l">
+    <a:lvl4pPr marR="0" lvl="3" algn="l" rtl="0">
       <a:lnSpc>
         <a:spcPct val="100000"/>
       </a:lnSpc>
@@ -553,7 +568,7 @@
         <a:srgbClr val="000000"/>
       </a:buClr>
       <a:buFont typeface="Arial"/>
-      <a:defRPr b="0" i="0" sz="1400" u="none" cap="none" strike="noStrike">
+      <a:defRPr sz="1400" b="0" i="0" u="none" strike="noStrike" cap="none">
         <a:solidFill>
           <a:srgbClr val="000000"/>
         </a:solidFill>
@@ -563,7 +578,7 @@
         <a:sym typeface="Arial"/>
       </a:defRPr>
     </a:lvl4pPr>
-    <a:lvl5pPr lvl="4" marR="0" rtl="0" algn="l">
+    <a:lvl5pPr marR="0" lvl="4" algn="l" rtl="0">
       <a:lnSpc>
         <a:spcPct val="100000"/>
       </a:lnSpc>
@@ -577,7 +592,7 @@
         <a:srgbClr val="000000"/>
       </a:buClr>
       <a:buFont typeface="Arial"/>
-      <a:defRPr b="0" i="0" sz="1400" u="none" cap="none" strike="noStrike">
+      <a:defRPr sz="1400" b="0" i="0" u="none" strike="noStrike" cap="none">
         <a:solidFill>
           <a:srgbClr val="000000"/>
         </a:solidFill>
@@ -587,7 +602,7 @@
         <a:sym typeface="Arial"/>
       </a:defRPr>
     </a:lvl5pPr>
-    <a:lvl6pPr lvl="5" marR="0" rtl="0" algn="l">
+    <a:lvl6pPr marR="0" lvl="5" algn="l" rtl="0">
       <a:lnSpc>
         <a:spcPct val="100000"/>
       </a:lnSpc>
@@ -601,7 +616,7 @@
         <a:srgbClr val="000000"/>
       </a:buClr>
       <a:buFont typeface="Arial"/>
-      <a:defRPr b="0" i="0" sz="1400" u="none" cap="none" strike="noStrike">
+      <a:defRPr sz="1400" b="0" i="0" u="none" strike="noStrike" cap="none">
         <a:solidFill>
           <a:srgbClr val="000000"/>
         </a:solidFill>
@@ -611,7 +626,7 @@
         <a:sym typeface="Arial"/>
       </a:defRPr>
     </a:lvl6pPr>
-    <a:lvl7pPr lvl="6" marR="0" rtl="0" algn="l">
+    <a:lvl7pPr marR="0" lvl="6" algn="l" rtl="0">
       <a:lnSpc>
         <a:spcPct val="100000"/>
       </a:lnSpc>
@@ -625,7 +640,7 @@
         <a:srgbClr val="000000"/>
       </a:buClr>
       <a:buFont typeface="Arial"/>
-      <a:defRPr b="0" i="0" sz="1400" u="none" cap="none" strike="noStrike">
+      <a:defRPr sz="1400" b="0" i="0" u="none" strike="noStrike" cap="none">
         <a:solidFill>
           <a:srgbClr val="000000"/>
         </a:solidFill>
@@ -635,7 +650,7 @@
         <a:sym typeface="Arial"/>
       </a:defRPr>
     </a:lvl7pPr>
-    <a:lvl8pPr lvl="7" marR="0" rtl="0" algn="l">
+    <a:lvl8pPr marR="0" lvl="7" algn="l" rtl="0">
       <a:lnSpc>
         <a:spcPct val="100000"/>
       </a:lnSpc>
@@ -649,7 +664,7 @@
         <a:srgbClr val="000000"/>
       </a:buClr>
       <a:buFont typeface="Arial"/>
-      <a:defRPr b="0" i="0" sz="1400" u="none" cap="none" strike="noStrike">
+      <a:defRPr sz="1400" b="0" i="0" u="none" strike="noStrike" cap="none">
         <a:solidFill>
           <a:srgbClr val="000000"/>
         </a:solidFill>
@@ -659,7 +674,7 @@
         <a:sym typeface="Arial"/>
       </a:defRPr>
     </a:lvl8pPr>
-    <a:lvl9pPr lvl="8" marR="0" rtl="0" algn="l">
+    <a:lvl9pPr marR="0" lvl="8" algn="l" rtl="0">
       <a:lnSpc>
         <a:spcPct val="100000"/>
       </a:lnSpc>
@@ -673,7 +688,7 @@
         <a:srgbClr val="000000"/>
       </a:buClr>
       <a:buFont typeface="Arial"/>
-      <a:defRPr b="0" i="0" sz="1400" u="none" cap="none" strike="noStrike">
+      <a:defRPr sz="1400" b="0" i="0" u="none" strike="noStrike" cap="none">
         <a:solidFill>
           <a:srgbClr val="000000"/>
         </a:solidFill>
@@ -688,11 +703,11 @@
 </file>
 
 <file path=ppt/notesSlides/notesSlide1.xml><?xml version="1.0" encoding="utf-8"?>
-<p:notes xmlns:a="http://schemas.openxmlformats.org/drawingml/2006/main" xmlns:r="http://schemas.openxmlformats.org/officeDocument/2006/relationships" xmlns:mc="http://schemas.openxmlformats.org/markup-compatibility/2006" xmlns:mv="urn:schemas-microsoft-com:mac:vml" xmlns:p="http://schemas.openxmlformats.org/presentationml/2006/main" xmlns:c="http://schemas.openxmlformats.org/drawingml/2006/chart" xmlns:dgm="http://schemas.openxmlformats.org/drawingml/2006/diagram" xmlns:o="urn:schemas-microsoft-com:office:office" xmlns:v="urn:schemas-microsoft-com:vml" xmlns:pvml="urn:schemas-microsoft-com:office:powerpoint" xmlns:com="http://schemas.openxmlformats.org/drawingml/2006/compatibility" xmlns:p14="http://schemas.microsoft.com/office/powerpoint/2010/main" xmlns:p15="http://schemas.microsoft.com/office/powerpoint/2012/main" xmlns:ahyp="http://schemas.microsoft.com/office/drawing/2018/hyperlinkcolor" showMasterPhAnim="0" showMasterSp="0">
+<p:notes xmlns:a="http://schemas.openxmlformats.org/drawingml/2006/main" xmlns:r="http://schemas.openxmlformats.org/officeDocument/2006/relationships" xmlns:p="http://schemas.openxmlformats.org/presentationml/2006/main" showMasterSp="0" showMasterPhAnim="0">
   <p:cSld>
     <p:spTree>
       <p:nvGrpSpPr>
-        <p:cNvPr id="57" name="Shape 57"/>
+        <p:cNvPr id="1" name="Shape 57"/>
         <p:cNvGrpSpPr/>
         <p:nvPr/>
       </p:nvGrpSpPr>
@@ -707,20 +722,26 @@
       <p:sp>
         <p:nvSpPr>
           <p:cNvPr id="58" name="Google Shape;58;gc6e2b6b2a5_0_0:notes"/>
-          <p:cNvSpPr/>
+          <p:cNvSpPr>
+            <a:spLocks noGrp="1" noRot="1" noChangeAspect="1"/>
+          </p:cNvSpPr>
           <p:nvPr>
-            <p:ph idx="2" type="sldImg"/>
+            <p:ph type="sldImg" idx="2"/>
           </p:nvPr>
         </p:nvSpPr>
         <p:spPr>
           <a:xfrm>
-            <a:off x="1143225" y="685800"/>
-            <a:ext cx="4572300" cy="3429000"/>
+            <a:off x="381000" y="685800"/>
+            <a:ext cx="6096000" cy="3429000"/>
           </a:xfrm>
           <a:custGeom>
-            <a:rect b="b" l="l" r="r" t="t"/>
+            <a:avLst/>
+            <a:gdLst/>
+            <a:ahLst/>
+            <a:cxnLst/>
+            <a:rect l="l" t="t" r="r" b="b"/>
             <a:pathLst>
-              <a:path extrusionOk="0" h="120000" w="120000">
+              <a:path w="120000" h="120000" extrusionOk="0">
                 <a:moveTo>
                   <a:pt x="0" y="0"/>
                 </a:moveTo>
@@ -742,9 +763,11 @@
       <p:sp>
         <p:nvSpPr>
           <p:cNvPr id="59" name="Google Shape;59;gc6e2b6b2a5_0_0:notes"/>
-          <p:cNvSpPr txBox="1"/>
+          <p:cNvSpPr txBox="1">
+            <a:spLocks noGrp="1"/>
+          </p:cNvSpPr>
           <p:nvPr>
-            <p:ph idx="1" type="body"/>
+            <p:ph type="body" idx="1"/>
           </p:nvPr>
         </p:nvSpPr>
         <p:spPr>
@@ -757,23 +780,20 @@
           </a:prstGeom>
         </p:spPr>
         <p:txBody>
-          <a:bodyPr anchorCtr="0" anchor="t" bIns="91425" lIns="91425" spcFirstLastPara="1" rIns="91425" wrap="square" tIns="91425">
+          <a:bodyPr spcFirstLastPara="1" wrap="square" lIns="91425" tIns="91425" rIns="91425" bIns="91425" anchor="t" anchorCtr="0">
             <a:noAutofit/>
           </a:bodyPr>
           <a:lstStyle/>
           <a:p>
-            <a:pPr indent="0" lvl="0" marL="0" rtl="0" algn="l">
-              <a:spcBef>
-                <a:spcPts val="0"/>
-              </a:spcBef>
-              <a:spcAft>
-                <a:spcPts val="0"/>
-              </a:spcAft>
-              <a:buNone/>
-            </a:pPr>
-            <a:r>
-              <a:t/>
-            </a:r>
+            <a:pPr marL="0" lvl="0" indent="0" algn="l" rtl="0">
+              <a:spcBef>
+                <a:spcPts val="0"/>
+              </a:spcBef>
+              <a:spcAft>
+                <a:spcPts val="0"/>
+              </a:spcAft>
+              <a:buNone/>
+            </a:pPr>
             <a:endParaRPr/>
           </a:p>
         </p:txBody>
@@ -787,11 +807,11 @@
 </file>
 
 <file path=ppt/notesSlides/notesSlide10.xml><?xml version="1.0" encoding="utf-8"?>
-<p:notes xmlns:a="http://schemas.openxmlformats.org/drawingml/2006/main" xmlns:r="http://schemas.openxmlformats.org/officeDocument/2006/relationships" xmlns:mc="http://schemas.openxmlformats.org/markup-compatibility/2006" xmlns:mv="urn:schemas-microsoft-com:mac:vml" xmlns:p="http://schemas.openxmlformats.org/presentationml/2006/main" xmlns:c="http://schemas.openxmlformats.org/drawingml/2006/chart" xmlns:dgm="http://schemas.openxmlformats.org/drawingml/2006/diagram" xmlns:o="urn:schemas-microsoft-com:office:office" xmlns:v="urn:schemas-microsoft-com:vml" xmlns:pvml="urn:schemas-microsoft-com:office:powerpoint" xmlns:com="http://schemas.openxmlformats.org/drawingml/2006/compatibility" xmlns:p14="http://schemas.microsoft.com/office/powerpoint/2010/main" xmlns:p15="http://schemas.microsoft.com/office/powerpoint/2012/main" xmlns:ahyp="http://schemas.microsoft.com/office/drawing/2018/hyperlinkcolor" showMasterPhAnim="0" showMasterSp="0">
+<p:notes xmlns:a="http://schemas.openxmlformats.org/drawingml/2006/main" xmlns:r="http://schemas.openxmlformats.org/officeDocument/2006/relationships" xmlns:p="http://schemas.openxmlformats.org/presentationml/2006/main" showMasterSp="0" showMasterPhAnim="0">
   <p:cSld>
     <p:spTree>
       <p:nvGrpSpPr>
-        <p:cNvPr id="119" name="Shape 119"/>
+        <p:cNvPr id="1" name="Shape 119"/>
         <p:cNvGrpSpPr/>
         <p:nvPr/>
       </p:nvGrpSpPr>
@@ -806,20 +826,26 @@
       <p:sp>
         <p:nvSpPr>
           <p:cNvPr id="120" name="Google Shape;120;gc6e2b6b2a5_0_89:notes"/>
-          <p:cNvSpPr/>
+          <p:cNvSpPr>
+            <a:spLocks noGrp="1" noRot="1" noChangeAspect="1"/>
+          </p:cNvSpPr>
           <p:nvPr>
-            <p:ph idx="2" type="sldImg"/>
+            <p:ph type="sldImg" idx="2"/>
           </p:nvPr>
         </p:nvSpPr>
         <p:spPr>
           <a:xfrm>
-            <a:off x="1143225" y="685800"/>
-            <a:ext cx="4572300" cy="3429000"/>
+            <a:off x="381000" y="685800"/>
+            <a:ext cx="6096000" cy="3429000"/>
           </a:xfrm>
           <a:custGeom>
-            <a:rect b="b" l="l" r="r" t="t"/>
+            <a:avLst/>
+            <a:gdLst/>
+            <a:ahLst/>
+            <a:cxnLst/>
+            <a:rect l="l" t="t" r="r" b="b"/>
             <a:pathLst>
-              <a:path extrusionOk="0" h="120000" w="120000">
+              <a:path w="120000" h="120000" extrusionOk="0">
                 <a:moveTo>
                   <a:pt x="0" y="0"/>
                 </a:moveTo>
@@ -841,9 +867,11 @@
       <p:sp>
         <p:nvSpPr>
           <p:cNvPr id="121" name="Google Shape;121;gc6e2b6b2a5_0_89:notes"/>
-          <p:cNvSpPr txBox="1"/>
+          <p:cNvSpPr txBox="1">
+            <a:spLocks noGrp="1"/>
+          </p:cNvSpPr>
           <p:nvPr>
-            <p:ph idx="1" type="body"/>
+            <p:ph type="body" idx="1"/>
           </p:nvPr>
         </p:nvSpPr>
         <p:spPr>
@@ -856,12 +884,12 @@
           </a:prstGeom>
         </p:spPr>
         <p:txBody>
-          <a:bodyPr anchorCtr="0" anchor="t" bIns="91425" lIns="91425" spcFirstLastPara="1" rIns="91425" wrap="square" tIns="91425">
+          <a:bodyPr spcFirstLastPara="1" wrap="square" lIns="91425" tIns="91425" rIns="91425" bIns="91425" anchor="t" anchorCtr="0">
             <a:noAutofit/>
           </a:bodyPr>
           <a:lstStyle/>
           <a:p>
-            <a:pPr indent="0" lvl="0" marL="0" rtl="0" algn="l">
+            <a:pPr marL="0" lvl="0" indent="0" algn="l" rtl="0">
               <a:lnSpc>
                 <a:spcPct val="115000"/>
               </a:lnSpc>
@@ -877,9 +905,6 @@
               <a:buFont typeface="Arial"/>
               <a:buNone/>
             </a:pPr>
-            <a:r>
-              <a:t/>
-            </a:r>
             <a:endParaRPr/>
           </a:p>
         </p:txBody>
@@ -893,11 +918,11 @@
 </file>
 
 <file path=ppt/notesSlides/notesSlide11.xml><?xml version="1.0" encoding="utf-8"?>
-<p:notes xmlns:a="http://schemas.openxmlformats.org/drawingml/2006/main" xmlns:r="http://schemas.openxmlformats.org/officeDocument/2006/relationships" xmlns:mc="http://schemas.openxmlformats.org/markup-compatibility/2006" xmlns:mv="urn:schemas-microsoft-com:mac:vml" xmlns:p="http://schemas.openxmlformats.org/presentationml/2006/main" xmlns:c="http://schemas.openxmlformats.org/drawingml/2006/chart" xmlns:dgm="http://schemas.openxmlformats.org/drawingml/2006/diagram" xmlns:o="urn:schemas-microsoft-com:office:office" xmlns:v="urn:schemas-microsoft-com:vml" xmlns:pvml="urn:schemas-microsoft-com:office:powerpoint" xmlns:com="http://schemas.openxmlformats.org/drawingml/2006/compatibility" xmlns:p14="http://schemas.microsoft.com/office/powerpoint/2010/main" xmlns:p15="http://schemas.microsoft.com/office/powerpoint/2012/main" xmlns:ahyp="http://schemas.microsoft.com/office/drawing/2018/hyperlinkcolor" showMasterPhAnim="0" showMasterSp="0">
+<p:notes xmlns:a="http://schemas.openxmlformats.org/drawingml/2006/main" xmlns:r="http://schemas.openxmlformats.org/officeDocument/2006/relationships" xmlns:p="http://schemas.openxmlformats.org/presentationml/2006/main" showMasterSp="0" showMasterPhAnim="0">
   <p:cSld>
     <p:spTree>
       <p:nvGrpSpPr>
-        <p:cNvPr id="126" name="Shape 126"/>
+        <p:cNvPr id="1" name="Shape 126"/>
         <p:cNvGrpSpPr/>
         <p:nvPr/>
       </p:nvGrpSpPr>
@@ -912,20 +937,26 @@
       <p:sp>
         <p:nvSpPr>
           <p:cNvPr id="127" name="Google Shape;127;gc6e2b6b2a5_0_95:notes"/>
-          <p:cNvSpPr/>
+          <p:cNvSpPr>
+            <a:spLocks noGrp="1" noRot="1" noChangeAspect="1"/>
+          </p:cNvSpPr>
           <p:nvPr>
-            <p:ph idx="2" type="sldImg"/>
+            <p:ph type="sldImg" idx="2"/>
           </p:nvPr>
         </p:nvSpPr>
         <p:spPr>
           <a:xfrm>
-            <a:off x="1143225" y="685800"/>
-            <a:ext cx="4572300" cy="3429000"/>
+            <a:off x="381000" y="685800"/>
+            <a:ext cx="6096000" cy="3429000"/>
           </a:xfrm>
           <a:custGeom>
-            <a:rect b="b" l="l" r="r" t="t"/>
+            <a:avLst/>
+            <a:gdLst/>
+            <a:ahLst/>
+            <a:cxnLst/>
+            <a:rect l="l" t="t" r="r" b="b"/>
             <a:pathLst>
-              <a:path extrusionOk="0" h="120000" w="120000">
+              <a:path w="120000" h="120000" extrusionOk="0">
                 <a:moveTo>
                   <a:pt x="0" y="0"/>
                 </a:moveTo>
@@ -947,9 +978,11 @@
       <p:sp>
         <p:nvSpPr>
           <p:cNvPr id="128" name="Google Shape;128;gc6e2b6b2a5_0_95:notes"/>
-          <p:cNvSpPr txBox="1"/>
+          <p:cNvSpPr txBox="1">
+            <a:spLocks noGrp="1"/>
+          </p:cNvSpPr>
           <p:nvPr>
-            <p:ph idx="1" type="body"/>
+            <p:ph type="body" idx="1"/>
           </p:nvPr>
         </p:nvSpPr>
         <p:spPr>
@@ -962,12 +995,12 @@
           </a:prstGeom>
         </p:spPr>
         <p:txBody>
-          <a:bodyPr anchorCtr="0" anchor="t" bIns="91425" lIns="91425" spcFirstLastPara="1" rIns="91425" wrap="square" tIns="91425">
+          <a:bodyPr spcFirstLastPara="1" wrap="square" lIns="91425" tIns="91425" rIns="91425" bIns="91425" anchor="t" anchorCtr="0">
             <a:noAutofit/>
           </a:bodyPr>
           <a:lstStyle/>
           <a:p>
-            <a:pPr indent="0" lvl="0" marL="0" rtl="0" algn="l">
+            <a:pPr marL="0" lvl="0" indent="0" algn="l" rtl="0">
               <a:lnSpc>
                 <a:spcPct val="115000"/>
               </a:lnSpc>
@@ -979,9 +1012,6 @@
               </a:spcAft>
               <a:buNone/>
             </a:pPr>
-            <a:r>
-              <a:t/>
-            </a:r>
             <a:endParaRPr/>
           </a:p>
         </p:txBody>
@@ -995,11 +1025,11 @@
 </file>
 
 <file path=ppt/notesSlides/notesSlide12.xml><?xml version="1.0" encoding="utf-8"?>
-<p:notes xmlns:a="http://schemas.openxmlformats.org/drawingml/2006/main" xmlns:r="http://schemas.openxmlformats.org/officeDocument/2006/relationships" xmlns:mc="http://schemas.openxmlformats.org/markup-compatibility/2006" xmlns:mv="urn:schemas-microsoft-com:mac:vml" xmlns:p="http://schemas.openxmlformats.org/presentationml/2006/main" xmlns:c="http://schemas.openxmlformats.org/drawingml/2006/chart" xmlns:dgm="http://schemas.openxmlformats.org/drawingml/2006/diagram" xmlns:o="urn:schemas-microsoft-com:office:office" xmlns:v="urn:schemas-microsoft-com:vml" xmlns:pvml="urn:schemas-microsoft-com:office:powerpoint" xmlns:com="http://schemas.openxmlformats.org/drawingml/2006/compatibility" xmlns:p14="http://schemas.microsoft.com/office/powerpoint/2010/main" xmlns:p15="http://schemas.microsoft.com/office/powerpoint/2012/main" xmlns:ahyp="http://schemas.microsoft.com/office/drawing/2018/hyperlinkcolor" showMasterPhAnim="0" showMasterSp="0">
+<p:notes xmlns:a="http://schemas.openxmlformats.org/drawingml/2006/main" xmlns:r="http://schemas.openxmlformats.org/officeDocument/2006/relationships" xmlns:p="http://schemas.openxmlformats.org/presentationml/2006/main" showMasterSp="0" showMasterPhAnim="0">
   <p:cSld>
     <p:spTree>
       <p:nvGrpSpPr>
-        <p:cNvPr id="133" name="Shape 133"/>
+        <p:cNvPr id="1" name="Shape 133"/>
         <p:cNvGrpSpPr/>
         <p:nvPr/>
       </p:nvGrpSpPr>
@@ -1014,20 +1044,26 @@
       <p:sp>
         <p:nvSpPr>
           <p:cNvPr id="134" name="Google Shape;134;gc6e2b6b2a5_0_101:notes"/>
-          <p:cNvSpPr/>
+          <p:cNvSpPr>
+            <a:spLocks noGrp="1" noRot="1" noChangeAspect="1"/>
+          </p:cNvSpPr>
           <p:nvPr>
-            <p:ph idx="2" type="sldImg"/>
+            <p:ph type="sldImg" idx="2"/>
           </p:nvPr>
         </p:nvSpPr>
         <p:spPr>
           <a:xfrm>
-            <a:off x="1143225" y="685800"/>
-            <a:ext cx="4572300" cy="3429000"/>
+            <a:off x="381000" y="685800"/>
+            <a:ext cx="6096000" cy="3429000"/>
           </a:xfrm>
           <a:custGeom>
-            <a:rect b="b" l="l" r="r" t="t"/>
+            <a:avLst/>
+            <a:gdLst/>
+            <a:ahLst/>
+            <a:cxnLst/>
+            <a:rect l="l" t="t" r="r" b="b"/>
             <a:pathLst>
-              <a:path extrusionOk="0" h="120000" w="120000">
+              <a:path w="120000" h="120000" extrusionOk="0">
                 <a:moveTo>
                   <a:pt x="0" y="0"/>
                 </a:moveTo>
@@ -1049,9 +1085,11 @@
       <p:sp>
         <p:nvSpPr>
           <p:cNvPr id="135" name="Google Shape;135;gc6e2b6b2a5_0_101:notes"/>
-          <p:cNvSpPr txBox="1"/>
+          <p:cNvSpPr txBox="1">
+            <a:spLocks noGrp="1"/>
+          </p:cNvSpPr>
           <p:nvPr>
-            <p:ph idx="1" type="body"/>
+            <p:ph type="body" idx="1"/>
           </p:nvPr>
         </p:nvSpPr>
         <p:spPr>
@@ -1064,23 +1102,20 @@
           </a:prstGeom>
         </p:spPr>
         <p:txBody>
-          <a:bodyPr anchorCtr="0" anchor="t" bIns="91425" lIns="91425" spcFirstLastPara="1" rIns="91425" wrap="square" tIns="91425">
+          <a:bodyPr spcFirstLastPara="1" wrap="square" lIns="91425" tIns="91425" rIns="91425" bIns="91425" anchor="t" anchorCtr="0">
             <a:noAutofit/>
           </a:bodyPr>
           <a:lstStyle/>
           <a:p>
-            <a:pPr indent="0" lvl="0" marL="0" rtl="0" algn="l">
-              <a:spcBef>
-                <a:spcPts val="0"/>
-              </a:spcBef>
-              <a:spcAft>
-                <a:spcPts val="0"/>
-              </a:spcAft>
-              <a:buNone/>
-            </a:pPr>
-            <a:r>
-              <a:t/>
-            </a:r>
+            <a:pPr marL="0" lvl="0" indent="0" algn="l" rtl="0">
+              <a:spcBef>
+                <a:spcPts val="0"/>
+              </a:spcBef>
+              <a:spcAft>
+                <a:spcPts val="0"/>
+              </a:spcAft>
+              <a:buNone/>
+            </a:pPr>
             <a:endParaRPr/>
           </a:p>
         </p:txBody>
@@ -1094,11 +1129,11 @@
 </file>
 
 <file path=ppt/notesSlides/notesSlide13.xml><?xml version="1.0" encoding="utf-8"?>
-<p:notes xmlns:a="http://schemas.openxmlformats.org/drawingml/2006/main" xmlns:r="http://schemas.openxmlformats.org/officeDocument/2006/relationships" xmlns:mc="http://schemas.openxmlformats.org/markup-compatibility/2006" xmlns:mv="urn:schemas-microsoft-com:mac:vml" xmlns:p="http://schemas.openxmlformats.org/presentationml/2006/main" xmlns:c="http://schemas.openxmlformats.org/drawingml/2006/chart" xmlns:dgm="http://schemas.openxmlformats.org/drawingml/2006/diagram" xmlns:o="urn:schemas-microsoft-com:office:office" xmlns:v="urn:schemas-microsoft-com:vml" xmlns:pvml="urn:schemas-microsoft-com:office:powerpoint" xmlns:com="http://schemas.openxmlformats.org/drawingml/2006/compatibility" xmlns:p14="http://schemas.microsoft.com/office/powerpoint/2010/main" xmlns:p15="http://schemas.microsoft.com/office/powerpoint/2012/main" xmlns:ahyp="http://schemas.microsoft.com/office/drawing/2018/hyperlinkcolor" showMasterPhAnim="0" showMasterSp="0">
+<p:notes xmlns:a="http://schemas.openxmlformats.org/drawingml/2006/main" xmlns:r="http://schemas.openxmlformats.org/officeDocument/2006/relationships" xmlns:p="http://schemas.openxmlformats.org/presentationml/2006/main" showMasterSp="0" showMasterPhAnim="0">
   <p:cSld>
     <p:spTree>
       <p:nvGrpSpPr>
-        <p:cNvPr id="140" name="Shape 140"/>
+        <p:cNvPr id="1" name="Shape 140"/>
         <p:cNvGrpSpPr/>
         <p:nvPr/>
       </p:nvGrpSpPr>
@@ -1113,20 +1148,26 @@
       <p:sp>
         <p:nvSpPr>
           <p:cNvPr id="141" name="Google Shape;141;gc6e2b6b2a5_0_107:notes"/>
-          <p:cNvSpPr/>
+          <p:cNvSpPr>
+            <a:spLocks noGrp="1" noRot="1" noChangeAspect="1"/>
+          </p:cNvSpPr>
           <p:nvPr>
-            <p:ph idx="2" type="sldImg"/>
+            <p:ph type="sldImg" idx="2"/>
           </p:nvPr>
         </p:nvSpPr>
         <p:spPr>
           <a:xfrm>
-            <a:off x="1143225" y="685800"/>
-            <a:ext cx="4572300" cy="3429000"/>
+            <a:off x="381000" y="685800"/>
+            <a:ext cx="6096000" cy="3429000"/>
           </a:xfrm>
           <a:custGeom>
-            <a:rect b="b" l="l" r="r" t="t"/>
+            <a:avLst/>
+            <a:gdLst/>
+            <a:ahLst/>
+            <a:cxnLst/>
+            <a:rect l="l" t="t" r="r" b="b"/>
             <a:pathLst>
-              <a:path extrusionOk="0" h="120000" w="120000">
+              <a:path w="120000" h="120000" extrusionOk="0">
                 <a:moveTo>
                   <a:pt x="0" y="0"/>
                 </a:moveTo>
@@ -1148,9 +1189,11 @@
       <p:sp>
         <p:nvSpPr>
           <p:cNvPr id="142" name="Google Shape;142;gc6e2b6b2a5_0_107:notes"/>
-          <p:cNvSpPr txBox="1"/>
+          <p:cNvSpPr txBox="1">
+            <a:spLocks noGrp="1"/>
+          </p:cNvSpPr>
           <p:nvPr>
-            <p:ph idx="1" type="body"/>
+            <p:ph type="body" idx="1"/>
           </p:nvPr>
         </p:nvSpPr>
         <p:spPr>
@@ -1163,12 +1206,12 @@
           </a:prstGeom>
         </p:spPr>
         <p:txBody>
-          <a:bodyPr anchorCtr="0" anchor="t" bIns="91425" lIns="91425" spcFirstLastPara="1" rIns="91425" wrap="square" tIns="91425">
+          <a:bodyPr spcFirstLastPara="1" wrap="square" lIns="91425" tIns="91425" rIns="91425" bIns="91425" anchor="t" anchorCtr="0">
             <a:noAutofit/>
           </a:bodyPr>
           <a:lstStyle/>
           <a:p>
-            <a:pPr indent="0" lvl="0" marL="0" rtl="0" algn="l">
+            <a:pPr marL="0" lvl="0" indent="0" algn="l" rtl="0">
               <a:lnSpc>
                 <a:spcPct val="115000"/>
               </a:lnSpc>
@@ -1184,9 +1227,6 @@
               <a:buFont typeface="Arial"/>
               <a:buNone/>
             </a:pPr>
-            <a:r>
-              <a:t/>
-            </a:r>
             <a:endParaRPr/>
           </a:p>
         </p:txBody>
@@ -1200,11 +1240,11 @@
 </file>
 
 <file path=ppt/notesSlides/notesSlide14.xml><?xml version="1.0" encoding="utf-8"?>
-<p:notes xmlns:a="http://schemas.openxmlformats.org/drawingml/2006/main" xmlns:r="http://schemas.openxmlformats.org/officeDocument/2006/relationships" xmlns:mc="http://schemas.openxmlformats.org/markup-compatibility/2006" xmlns:mv="urn:schemas-microsoft-com:mac:vml" xmlns:p="http://schemas.openxmlformats.org/presentationml/2006/main" xmlns:c="http://schemas.openxmlformats.org/drawingml/2006/chart" xmlns:dgm="http://schemas.openxmlformats.org/drawingml/2006/diagram" xmlns:o="urn:schemas-microsoft-com:office:office" xmlns:v="urn:schemas-microsoft-com:vml" xmlns:pvml="urn:schemas-microsoft-com:office:powerpoint" xmlns:com="http://schemas.openxmlformats.org/drawingml/2006/compatibility" xmlns:p14="http://schemas.microsoft.com/office/powerpoint/2010/main" xmlns:p15="http://schemas.microsoft.com/office/powerpoint/2012/main" xmlns:ahyp="http://schemas.microsoft.com/office/drawing/2018/hyperlinkcolor" showMasterPhAnim="0" showMasterSp="0">
+<p:notes xmlns:a="http://schemas.openxmlformats.org/drawingml/2006/main" xmlns:r="http://schemas.openxmlformats.org/officeDocument/2006/relationships" xmlns:p="http://schemas.openxmlformats.org/presentationml/2006/main" showMasterSp="0" showMasterPhAnim="0">
   <p:cSld>
     <p:spTree>
       <p:nvGrpSpPr>
-        <p:cNvPr id="147" name="Shape 147"/>
+        <p:cNvPr id="1" name="Shape 147"/>
         <p:cNvGrpSpPr/>
         <p:nvPr/>
       </p:nvGrpSpPr>
@@ -1219,20 +1259,26 @@
       <p:sp>
         <p:nvSpPr>
           <p:cNvPr id="148" name="Google Shape;148;gc6e2b6b2a5_0_119:notes"/>
-          <p:cNvSpPr/>
+          <p:cNvSpPr>
+            <a:spLocks noGrp="1" noRot="1" noChangeAspect="1"/>
+          </p:cNvSpPr>
           <p:nvPr>
-            <p:ph idx="2" type="sldImg"/>
+            <p:ph type="sldImg" idx="2"/>
           </p:nvPr>
         </p:nvSpPr>
         <p:spPr>
           <a:xfrm>
-            <a:off x="1143225" y="685800"/>
-            <a:ext cx="4572300" cy="3429000"/>
+            <a:off x="381000" y="685800"/>
+            <a:ext cx="6096000" cy="3429000"/>
           </a:xfrm>
           <a:custGeom>
-            <a:rect b="b" l="l" r="r" t="t"/>
+            <a:avLst/>
+            <a:gdLst/>
+            <a:ahLst/>
+            <a:cxnLst/>
+            <a:rect l="l" t="t" r="r" b="b"/>
             <a:pathLst>
-              <a:path extrusionOk="0" h="120000" w="120000">
+              <a:path w="120000" h="120000" extrusionOk="0">
                 <a:moveTo>
                   <a:pt x="0" y="0"/>
                 </a:moveTo>
@@ -1254,9 +1300,11 @@
       <p:sp>
         <p:nvSpPr>
           <p:cNvPr id="149" name="Google Shape;149;gc6e2b6b2a5_0_119:notes"/>
-          <p:cNvSpPr txBox="1"/>
+          <p:cNvSpPr txBox="1">
+            <a:spLocks noGrp="1"/>
+          </p:cNvSpPr>
           <p:nvPr>
-            <p:ph idx="1" type="body"/>
+            <p:ph type="body" idx="1"/>
           </p:nvPr>
         </p:nvSpPr>
         <p:spPr>
@@ -1269,12 +1317,12 @@
           </a:prstGeom>
         </p:spPr>
         <p:txBody>
-          <a:bodyPr anchorCtr="0" anchor="t" bIns="91425" lIns="91425" spcFirstLastPara="1" rIns="91425" wrap="square" tIns="91425">
+          <a:bodyPr spcFirstLastPara="1" wrap="square" lIns="91425" tIns="91425" rIns="91425" bIns="91425" anchor="t" anchorCtr="0">
             <a:noAutofit/>
           </a:bodyPr>
           <a:lstStyle/>
           <a:p>
-            <a:pPr indent="0" lvl="0" marL="0" rtl="0" algn="l">
+            <a:pPr marL="0" lvl="0" indent="0" algn="l" rtl="0">
               <a:lnSpc>
                 <a:spcPct val="115000"/>
               </a:lnSpc>
@@ -1286,9 +1334,6 @@
               </a:spcAft>
               <a:buNone/>
             </a:pPr>
-            <a:r>
-              <a:t/>
-            </a:r>
             <a:endParaRPr/>
           </a:p>
         </p:txBody>
@@ -1302,11 +1347,11 @@
 </file>
 
 <file path=ppt/notesSlides/notesSlide15.xml><?xml version="1.0" encoding="utf-8"?>
-<p:notes xmlns:a="http://schemas.openxmlformats.org/drawingml/2006/main" xmlns:r="http://schemas.openxmlformats.org/officeDocument/2006/relationships" xmlns:mc="http://schemas.openxmlformats.org/markup-compatibility/2006" xmlns:mv="urn:schemas-microsoft-com:mac:vml" xmlns:p="http://schemas.openxmlformats.org/presentationml/2006/main" xmlns:c="http://schemas.openxmlformats.org/drawingml/2006/chart" xmlns:dgm="http://schemas.openxmlformats.org/drawingml/2006/diagram" xmlns:o="urn:schemas-microsoft-com:office:office" xmlns:v="urn:schemas-microsoft-com:vml" xmlns:pvml="urn:schemas-microsoft-com:office:powerpoint" xmlns:com="http://schemas.openxmlformats.org/drawingml/2006/compatibility" xmlns:p14="http://schemas.microsoft.com/office/powerpoint/2010/main" xmlns:p15="http://schemas.microsoft.com/office/powerpoint/2012/main" xmlns:ahyp="http://schemas.microsoft.com/office/drawing/2018/hyperlinkcolor" showMasterPhAnim="0" showMasterSp="0">
+<p:notes xmlns:a="http://schemas.openxmlformats.org/drawingml/2006/main" xmlns:r="http://schemas.openxmlformats.org/officeDocument/2006/relationships" xmlns:p="http://schemas.openxmlformats.org/presentationml/2006/main" showMasterSp="0" showMasterPhAnim="0">
   <p:cSld>
     <p:spTree>
       <p:nvGrpSpPr>
-        <p:cNvPr id="154" name="Shape 154"/>
+        <p:cNvPr id="1" name="Shape 154"/>
         <p:cNvGrpSpPr/>
         <p:nvPr/>
       </p:nvGrpSpPr>
@@ -1321,20 +1366,26 @@
       <p:sp>
         <p:nvSpPr>
           <p:cNvPr id="155" name="Google Shape;155;gc6e2b6b2a5_0_125:notes"/>
-          <p:cNvSpPr/>
+          <p:cNvSpPr>
+            <a:spLocks noGrp="1" noRot="1" noChangeAspect="1"/>
+          </p:cNvSpPr>
           <p:nvPr>
-            <p:ph idx="2" type="sldImg"/>
+            <p:ph type="sldImg" idx="2"/>
           </p:nvPr>
         </p:nvSpPr>
         <p:spPr>
           <a:xfrm>
-            <a:off x="1143225" y="685800"/>
-            <a:ext cx="4572300" cy="3429000"/>
+            <a:off x="381000" y="685800"/>
+            <a:ext cx="6096000" cy="3429000"/>
           </a:xfrm>
           <a:custGeom>
-            <a:rect b="b" l="l" r="r" t="t"/>
+            <a:avLst/>
+            <a:gdLst/>
+            <a:ahLst/>
+            <a:cxnLst/>
+            <a:rect l="l" t="t" r="r" b="b"/>
             <a:pathLst>
-              <a:path extrusionOk="0" h="120000" w="120000">
+              <a:path w="120000" h="120000" extrusionOk="0">
                 <a:moveTo>
                   <a:pt x="0" y="0"/>
                 </a:moveTo>
@@ -1356,9 +1407,11 @@
       <p:sp>
         <p:nvSpPr>
           <p:cNvPr id="156" name="Google Shape;156;gc6e2b6b2a5_0_125:notes"/>
-          <p:cNvSpPr txBox="1"/>
+          <p:cNvSpPr txBox="1">
+            <a:spLocks noGrp="1"/>
+          </p:cNvSpPr>
           <p:nvPr>
-            <p:ph idx="1" type="body"/>
+            <p:ph type="body" idx="1"/>
           </p:nvPr>
         </p:nvSpPr>
         <p:spPr>
@@ -1371,12 +1424,12 @@
           </a:prstGeom>
         </p:spPr>
         <p:txBody>
-          <a:bodyPr anchorCtr="0" anchor="t" bIns="91425" lIns="91425" spcFirstLastPara="1" rIns="91425" wrap="square" tIns="91425">
+          <a:bodyPr spcFirstLastPara="1" wrap="square" lIns="91425" tIns="91425" rIns="91425" bIns="91425" anchor="t" anchorCtr="0">
             <a:noAutofit/>
           </a:bodyPr>
           <a:lstStyle/>
           <a:p>
-            <a:pPr indent="0" lvl="0" marL="0" rtl="0" algn="l">
+            <a:pPr marL="0" lvl="0" indent="0" algn="l" rtl="0">
               <a:lnSpc>
                 <a:spcPct val="115000"/>
               </a:lnSpc>
@@ -1388,9 +1441,6 @@
               </a:spcAft>
               <a:buNone/>
             </a:pPr>
-            <a:r>
-              <a:t/>
-            </a:r>
             <a:endParaRPr/>
           </a:p>
         </p:txBody>
@@ -1404,11 +1454,11 @@
 </file>
 
 <file path=ppt/notesSlides/notesSlide16.xml><?xml version="1.0" encoding="utf-8"?>
-<p:notes xmlns:a="http://schemas.openxmlformats.org/drawingml/2006/main" xmlns:r="http://schemas.openxmlformats.org/officeDocument/2006/relationships" xmlns:mc="http://schemas.openxmlformats.org/markup-compatibility/2006" xmlns:mv="urn:schemas-microsoft-com:mac:vml" xmlns:p="http://schemas.openxmlformats.org/presentationml/2006/main" xmlns:c="http://schemas.openxmlformats.org/drawingml/2006/chart" xmlns:dgm="http://schemas.openxmlformats.org/drawingml/2006/diagram" xmlns:o="urn:schemas-microsoft-com:office:office" xmlns:v="urn:schemas-microsoft-com:vml" xmlns:pvml="urn:schemas-microsoft-com:office:powerpoint" xmlns:com="http://schemas.openxmlformats.org/drawingml/2006/compatibility" xmlns:p14="http://schemas.microsoft.com/office/powerpoint/2010/main" xmlns:p15="http://schemas.microsoft.com/office/powerpoint/2012/main" xmlns:ahyp="http://schemas.microsoft.com/office/drawing/2018/hyperlinkcolor" showMasterPhAnim="0" showMasterSp="0">
+<p:notes xmlns:a="http://schemas.openxmlformats.org/drawingml/2006/main" xmlns:r="http://schemas.openxmlformats.org/officeDocument/2006/relationships" xmlns:p="http://schemas.openxmlformats.org/presentationml/2006/main" showMasterSp="0" showMasterPhAnim="0">
   <p:cSld>
     <p:spTree>
       <p:nvGrpSpPr>
-        <p:cNvPr id="161" name="Shape 161"/>
+        <p:cNvPr id="1" name="Shape 161"/>
         <p:cNvGrpSpPr/>
         <p:nvPr/>
       </p:nvGrpSpPr>
@@ -1423,20 +1473,26 @@
       <p:sp>
         <p:nvSpPr>
           <p:cNvPr id="162" name="Google Shape;162;gc6e2b6b2a5_0_149:notes"/>
-          <p:cNvSpPr/>
+          <p:cNvSpPr>
+            <a:spLocks noGrp="1" noRot="1" noChangeAspect="1"/>
+          </p:cNvSpPr>
           <p:nvPr>
-            <p:ph idx="2" type="sldImg"/>
+            <p:ph type="sldImg" idx="2"/>
           </p:nvPr>
         </p:nvSpPr>
         <p:spPr>
           <a:xfrm>
-            <a:off x="1143225" y="685800"/>
-            <a:ext cx="4572300" cy="3429000"/>
+            <a:off x="381000" y="685800"/>
+            <a:ext cx="6096000" cy="3429000"/>
           </a:xfrm>
           <a:custGeom>
-            <a:rect b="b" l="l" r="r" t="t"/>
+            <a:avLst/>
+            <a:gdLst/>
+            <a:ahLst/>
+            <a:cxnLst/>
+            <a:rect l="l" t="t" r="r" b="b"/>
             <a:pathLst>
-              <a:path extrusionOk="0" h="120000" w="120000">
+              <a:path w="120000" h="120000" extrusionOk="0">
                 <a:moveTo>
                   <a:pt x="0" y="0"/>
                 </a:moveTo>
@@ -1458,9 +1514,11 @@
       <p:sp>
         <p:nvSpPr>
           <p:cNvPr id="163" name="Google Shape;163;gc6e2b6b2a5_0_149:notes"/>
-          <p:cNvSpPr txBox="1"/>
+          <p:cNvSpPr txBox="1">
+            <a:spLocks noGrp="1"/>
+          </p:cNvSpPr>
           <p:nvPr>
-            <p:ph idx="1" type="body"/>
+            <p:ph type="body" idx="1"/>
           </p:nvPr>
         </p:nvSpPr>
         <p:spPr>
@@ -1473,12 +1531,12 @@
           </a:prstGeom>
         </p:spPr>
         <p:txBody>
-          <a:bodyPr anchorCtr="0" anchor="t" bIns="91425" lIns="91425" spcFirstLastPara="1" rIns="91425" wrap="square" tIns="91425">
+          <a:bodyPr spcFirstLastPara="1" wrap="square" lIns="91425" tIns="91425" rIns="91425" bIns="91425" anchor="t" anchorCtr="0">
             <a:noAutofit/>
           </a:bodyPr>
           <a:lstStyle/>
           <a:p>
-            <a:pPr indent="0" lvl="0" marL="0" rtl="0" algn="l">
+            <a:pPr marL="0" lvl="0" indent="0" algn="l" rtl="0">
               <a:lnSpc>
                 <a:spcPct val="115000"/>
               </a:lnSpc>
@@ -1490,9 +1548,6 @@
               </a:spcAft>
               <a:buNone/>
             </a:pPr>
-            <a:r>
-              <a:t/>
-            </a:r>
             <a:endParaRPr/>
           </a:p>
         </p:txBody>
@@ -1506,11 +1561,11 @@
 </file>
 
 <file path=ppt/notesSlides/notesSlide17.xml><?xml version="1.0" encoding="utf-8"?>
-<p:notes xmlns:a="http://schemas.openxmlformats.org/drawingml/2006/main" xmlns:r="http://schemas.openxmlformats.org/officeDocument/2006/relationships" xmlns:mc="http://schemas.openxmlformats.org/markup-compatibility/2006" xmlns:mv="urn:schemas-microsoft-com:mac:vml" xmlns:p="http://schemas.openxmlformats.org/presentationml/2006/main" xmlns:c="http://schemas.openxmlformats.org/drawingml/2006/chart" xmlns:dgm="http://schemas.openxmlformats.org/drawingml/2006/diagram" xmlns:o="urn:schemas-microsoft-com:office:office" xmlns:v="urn:schemas-microsoft-com:vml" xmlns:pvml="urn:schemas-microsoft-com:office:powerpoint" xmlns:com="http://schemas.openxmlformats.org/drawingml/2006/compatibility" xmlns:p14="http://schemas.microsoft.com/office/powerpoint/2010/main" xmlns:p15="http://schemas.microsoft.com/office/powerpoint/2012/main" xmlns:ahyp="http://schemas.microsoft.com/office/drawing/2018/hyperlinkcolor" showMasterPhAnim="0" showMasterSp="0">
+<p:notes xmlns:a="http://schemas.openxmlformats.org/drawingml/2006/main" xmlns:r="http://schemas.openxmlformats.org/officeDocument/2006/relationships" xmlns:p="http://schemas.openxmlformats.org/presentationml/2006/main" showMasterSp="0" showMasterPhAnim="0">
   <p:cSld>
     <p:spTree>
       <p:nvGrpSpPr>
-        <p:cNvPr id="168" name="Shape 168"/>
+        <p:cNvPr id="1" name="Shape 168"/>
         <p:cNvGrpSpPr/>
         <p:nvPr/>
       </p:nvGrpSpPr>
@@ -1525,20 +1580,26 @@
       <p:sp>
         <p:nvSpPr>
           <p:cNvPr id="169" name="Google Shape;169;gca3b2cdb71_0_1:notes"/>
-          <p:cNvSpPr/>
+          <p:cNvSpPr>
+            <a:spLocks noGrp="1" noRot="1" noChangeAspect="1"/>
+          </p:cNvSpPr>
           <p:nvPr>
-            <p:ph idx="2" type="sldImg"/>
+            <p:ph type="sldImg" idx="2"/>
           </p:nvPr>
         </p:nvSpPr>
         <p:spPr>
           <a:xfrm>
-            <a:off x="1143225" y="685800"/>
-            <a:ext cx="4572300" cy="3429000"/>
+            <a:off x="381000" y="685800"/>
+            <a:ext cx="6096000" cy="3429000"/>
           </a:xfrm>
           <a:custGeom>
-            <a:rect b="b" l="l" r="r" t="t"/>
+            <a:avLst/>
+            <a:gdLst/>
+            <a:ahLst/>
+            <a:cxnLst/>
+            <a:rect l="l" t="t" r="r" b="b"/>
             <a:pathLst>
-              <a:path extrusionOk="0" h="120000" w="120000">
+              <a:path w="120000" h="120000" extrusionOk="0">
                 <a:moveTo>
                   <a:pt x="0" y="0"/>
                 </a:moveTo>
@@ -1560,9 +1621,11 @@
       <p:sp>
         <p:nvSpPr>
           <p:cNvPr id="170" name="Google Shape;170;gca3b2cdb71_0_1:notes"/>
-          <p:cNvSpPr txBox="1"/>
+          <p:cNvSpPr txBox="1">
+            <a:spLocks noGrp="1"/>
+          </p:cNvSpPr>
           <p:nvPr>
-            <p:ph idx="1" type="body"/>
+            <p:ph type="body" idx="1"/>
           </p:nvPr>
         </p:nvSpPr>
         <p:spPr>
@@ -1575,23 +1638,20 @@
           </a:prstGeom>
         </p:spPr>
         <p:txBody>
-          <a:bodyPr anchorCtr="0" anchor="t" bIns="91425" lIns="91425" spcFirstLastPara="1" rIns="91425" wrap="square" tIns="91425">
+          <a:bodyPr spcFirstLastPara="1" wrap="square" lIns="91425" tIns="91425" rIns="91425" bIns="91425" anchor="t" anchorCtr="0">
             <a:noAutofit/>
           </a:bodyPr>
           <a:lstStyle/>
           <a:p>
-            <a:pPr indent="0" lvl="0" marL="0" rtl="0" algn="l">
-              <a:spcBef>
-                <a:spcPts val="0"/>
-              </a:spcBef>
-              <a:spcAft>
-                <a:spcPts val="0"/>
-              </a:spcAft>
-              <a:buNone/>
-            </a:pPr>
-            <a:r>
-              <a:t/>
-            </a:r>
+            <a:pPr marL="0" lvl="0" indent="0" algn="l" rtl="0">
+              <a:spcBef>
+                <a:spcPts val="0"/>
+              </a:spcBef>
+              <a:spcAft>
+                <a:spcPts val="0"/>
+              </a:spcAft>
+              <a:buNone/>
+            </a:pPr>
             <a:endParaRPr/>
           </a:p>
         </p:txBody>
@@ -1605,11 +1665,11 @@
 </file>
 
 <file path=ppt/notesSlides/notesSlide18.xml><?xml version="1.0" encoding="utf-8"?>
-<p:notes xmlns:a="http://schemas.openxmlformats.org/drawingml/2006/main" xmlns:r="http://schemas.openxmlformats.org/officeDocument/2006/relationships" xmlns:mc="http://schemas.openxmlformats.org/markup-compatibility/2006" xmlns:mv="urn:schemas-microsoft-com:mac:vml" xmlns:p="http://schemas.openxmlformats.org/presentationml/2006/main" xmlns:c="http://schemas.openxmlformats.org/drawingml/2006/chart" xmlns:dgm="http://schemas.openxmlformats.org/drawingml/2006/diagram" xmlns:o="urn:schemas-microsoft-com:office:office" xmlns:v="urn:schemas-microsoft-com:vml" xmlns:pvml="urn:schemas-microsoft-com:office:powerpoint" xmlns:com="http://schemas.openxmlformats.org/drawingml/2006/compatibility" xmlns:p14="http://schemas.microsoft.com/office/powerpoint/2010/main" xmlns:p15="http://schemas.microsoft.com/office/powerpoint/2012/main" xmlns:ahyp="http://schemas.microsoft.com/office/drawing/2018/hyperlinkcolor" showMasterPhAnim="0" showMasterSp="0">
+<p:notes xmlns:a="http://schemas.openxmlformats.org/drawingml/2006/main" xmlns:r="http://schemas.openxmlformats.org/officeDocument/2006/relationships" xmlns:p="http://schemas.openxmlformats.org/presentationml/2006/main" showMasterSp="0" showMasterPhAnim="0">
   <p:cSld>
     <p:spTree>
       <p:nvGrpSpPr>
-        <p:cNvPr id="175" name="Shape 175"/>
+        <p:cNvPr id="1" name="Shape 175"/>
         <p:cNvGrpSpPr/>
         <p:nvPr/>
       </p:nvGrpSpPr>
@@ -1624,20 +1684,26 @@
       <p:sp>
         <p:nvSpPr>
           <p:cNvPr id="176" name="Google Shape;176;gca7acc7d1d_0_0:notes"/>
-          <p:cNvSpPr/>
+          <p:cNvSpPr>
+            <a:spLocks noGrp="1" noRot="1" noChangeAspect="1"/>
+          </p:cNvSpPr>
           <p:nvPr>
-            <p:ph idx="2" type="sldImg"/>
+            <p:ph type="sldImg" idx="2"/>
           </p:nvPr>
         </p:nvSpPr>
         <p:spPr>
           <a:xfrm>
-            <a:off x="1143225" y="685800"/>
-            <a:ext cx="4572300" cy="3429000"/>
+            <a:off x="381000" y="685800"/>
+            <a:ext cx="6096000" cy="3429000"/>
           </a:xfrm>
           <a:custGeom>
-            <a:rect b="b" l="l" r="r" t="t"/>
+            <a:avLst/>
+            <a:gdLst/>
+            <a:ahLst/>
+            <a:cxnLst/>
+            <a:rect l="l" t="t" r="r" b="b"/>
             <a:pathLst>
-              <a:path extrusionOk="0" h="120000" w="120000">
+              <a:path w="120000" h="120000" extrusionOk="0">
                 <a:moveTo>
                   <a:pt x="0" y="0"/>
                 </a:moveTo>
@@ -1659,9 +1725,11 @@
       <p:sp>
         <p:nvSpPr>
           <p:cNvPr id="177" name="Google Shape;177;gca7acc7d1d_0_0:notes"/>
-          <p:cNvSpPr txBox="1"/>
+          <p:cNvSpPr txBox="1">
+            <a:spLocks noGrp="1"/>
+          </p:cNvSpPr>
           <p:nvPr>
-            <p:ph idx="1" type="body"/>
+            <p:ph type="body" idx="1"/>
           </p:nvPr>
         </p:nvSpPr>
         <p:spPr>
@@ -1674,12 +1742,12 @@
           </a:prstGeom>
         </p:spPr>
         <p:txBody>
-          <a:bodyPr anchorCtr="0" anchor="t" bIns="91425" lIns="91425" spcFirstLastPara="1" rIns="91425" wrap="square" tIns="91425">
+          <a:bodyPr spcFirstLastPara="1" wrap="square" lIns="91425" tIns="91425" rIns="91425" bIns="91425" anchor="t" anchorCtr="0">
             <a:noAutofit/>
           </a:bodyPr>
           <a:lstStyle/>
           <a:p>
-            <a:pPr indent="0" lvl="0" marL="0" rtl="0" algn="l">
+            <a:pPr marL="0" lvl="0" indent="0" algn="l" rtl="0">
               <a:lnSpc>
                 <a:spcPct val="115000"/>
               </a:lnSpc>
@@ -1691,9 +1759,6 @@
               </a:spcAft>
               <a:buNone/>
             </a:pPr>
-            <a:r>
-              <a:t/>
-            </a:r>
             <a:endParaRPr/>
           </a:p>
         </p:txBody>
@@ -1707,11 +1772,11 @@
 </file>
 
 <file path=ppt/notesSlides/notesSlide2.xml><?xml version="1.0" encoding="utf-8"?>
-<p:notes xmlns:a="http://schemas.openxmlformats.org/drawingml/2006/main" xmlns:r="http://schemas.openxmlformats.org/officeDocument/2006/relationships" xmlns:mc="http://schemas.openxmlformats.org/markup-compatibility/2006" xmlns:mv="urn:schemas-microsoft-com:mac:vml" xmlns:p="http://schemas.openxmlformats.org/presentationml/2006/main" xmlns:c="http://schemas.openxmlformats.org/drawingml/2006/chart" xmlns:dgm="http://schemas.openxmlformats.org/drawingml/2006/diagram" xmlns:o="urn:schemas-microsoft-com:office:office" xmlns:v="urn:schemas-microsoft-com:vml" xmlns:pvml="urn:schemas-microsoft-com:office:powerpoint" xmlns:com="http://schemas.openxmlformats.org/drawingml/2006/compatibility" xmlns:p14="http://schemas.microsoft.com/office/powerpoint/2010/main" xmlns:p15="http://schemas.microsoft.com/office/powerpoint/2012/main" xmlns:ahyp="http://schemas.microsoft.com/office/drawing/2018/hyperlinkcolor" showMasterPhAnim="0" showMasterSp="0">
+<p:notes xmlns:a="http://schemas.openxmlformats.org/drawingml/2006/main" xmlns:r="http://schemas.openxmlformats.org/officeDocument/2006/relationships" xmlns:p="http://schemas.openxmlformats.org/presentationml/2006/main" showMasterSp="0" showMasterPhAnim="0">
   <p:cSld>
     <p:spTree>
       <p:nvGrpSpPr>
-        <p:cNvPr id="63" name="Shape 63"/>
+        <p:cNvPr id="1" name="Shape 63"/>
         <p:cNvGrpSpPr/>
         <p:nvPr/>
       </p:nvGrpSpPr>
@@ -1726,20 +1791,26 @@
       <p:sp>
         <p:nvSpPr>
           <p:cNvPr id="64" name="Google Shape;64;gc6e2b6b2a5_0_11:notes"/>
-          <p:cNvSpPr/>
+          <p:cNvSpPr>
+            <a:spLocks noGrp="1" noRot="1" noChangeAspect="1"/>
+          </p:cNvSpPr>
           <p:nvPr>
-            <p:ph idx="2" type="sldImg"/>
+            <p:ph type="sldImg" idx="2"/>
           </p:nvPr>
         </p:nvSpPr>
         <p:spPr>
           <a:xfrm>
-            <a:off x="1143225" y="685800"/>
-            <a:ext cx="4572300" cy="3429000"/>
+            <a:off x="381000" y="685800"/>
+            <a:ext cx="6096000" cy="3429000"/>
           </a:xfrm>
           <a:custGeom>
-            <a:rect b="b" l="l" r="r" t="t"/>
+            <a:avLst/>
+            <a:gdLst/>
+            <a:ahLst/>
+            <a:cxnLst/>
+            <a:rect l="l" t="t" r="r" b="b"/>
             <a:pathLst>
-              <a:path extrusionOk="0" h="120000" w="120000">
+              <a:path w="120000" h="120000" extrusionOk="0">
                 <a:moveTo>
                   <a:pt x="0" y="0"/>
                 </a:moveTo>
@@ -1761,9 +1832,11 @@
       <p:sp>
         <p:nvSpPr>
           <p:cNvPr id="65" name="Google Shape;65;gc6e2b6b2a5_0_11:notes"/>
-          <p:cNvSpPr txBox="1"/>
+          <p:cNvSpPr txBox="1">
+            <a:spLocks noGrp="1"/>
+          </p:cNvSpPr>
           <p:nvPr>
-            <p:ph idx="1" type="body"/>
+            <p:ph type="body" idx="1"/>
           </p:nvPr>
         </p:nvSpPr>
         <p:spPr>
@@ -1776,23 +1849,20 @@
           </a:prstGeom>
         </p:spPr>
         <p:txBody>
-          <a:bodyPr anchorCtr="0" anchor="t" bIns="91425" lIns="91425" spcFirstLastPara="1" rIns="91425" wrap="square" tIns="91425">
+          <a:bodyPr spcFirstLastPara="1" wrap="square" lIns="91425" tIns="91425" rIns="91425" bIns="91425" anchor="t" anchorCtr="0">
             <a:noAutofit/>
           </a:bodyPr>
           <a:lstStyle/>
           <a:p>
-            <a:pPr indent="0" lvl="0" marL="0" rtl="0" algn="l">
-              <a:spcBef>
-                <a:spcPts val="0"/>
-              </a:spcBef>
-              <a:spcAft>
-                <a:spcPts val="0"/>
-              </a:spcAft>
-              <a:buNone/>
-            </a:pPr>
-            <a:r>
-              <a:t/>
-            </a:r>
+            <a:pPr marL="0" lvl="0" indent="0" algn="l" rtl="0">
+              <a:spcBef>
+                <a:spcPts val="0"/>
+              </a:spcBef>
+              <a:spcAft>
+                <a:spcPts val="0"/>
+              </a:spcAft>
+              <a:buNone/>
+            </a:pPr>
             <a:endParaRPr/>
           </a:p>
         </p:txBody>
@@ -1806,11 +1876,11 @@
 </file>
 
 <file path=ppt/notesSlides/notesSlide3.xml><?xml version="1.0" encoding="utf-8"?>
-<p:notes xmlns:a="http://schemas.openxmlformats.org/drawingml/2006/main" xmlns:r="http://schemas.openxmlformats.org/officeDocument/2006/relationships" xmlns:mc="http://schemas.openxmlformats.org/markup-compatibility/2006" xmlns:mv="urn:schemas-microsoft-com:mac:vml" xmlns:p="http://schemas.openxmlformats.org/presentationml/2006/main" xmlns:c="http://schemas.openxmlformats.org/drawingml/2006/chart" xmlns:dgm="http://schemas.openxmlformats.org/drawingml/2006/diagram" xmlns:o="urn:schemas-microsoft-com:office:office" xmlns:v="urn:schemas-microsoft-com:vml" xmlns:pvml="urn:schemas-microsoft-com:office:powerpoint" xmlns:com="http://schemas.openxmlformats.org/drawingml/2006/compatibility" xmlns:p14="http://schemas.microsoft.com/office/powerpoint/2010/main" xmlns:p15="http://schemas.microsoft.com/office/powerpoint/2012/main" xmlns:ahyp="http://schemas.microsoft.com/office/drawing/2018/hyperlinkcolor" showMasterPhAnim="0" showMasterSp="0">
+<p:notes xmlns:a="http://schemas.openxmlformats.org/drawingml/2006/main" xmlns:r="http://schemas.openxmlformats.org/officeDocument/2006/relationships" xmlns:p="http://schemas.openxmlformats.org/presentationml/2006/main" showMasterSp="0" showMasterPhAnim="0">
   <p:cSld>
     <p:spTree>
       <p:nvGrpSpPr>
-        <p:cNvPr id="70" name="Shape 70"/>
+        <p:cNvPr id="1" name="Shape 70"/>
         <p:cNvGrpSpPr/>
         <p:nvPr/>
       </p:nvGrpSpPr>
@@ -1825,20 +1895,26 @@
       <p:sp>
         <p:nvSpPr>
           <p:cNvPr id="71" name="Google Shape;71;gc6e2b6b2a5_0_17:notes"/>
-          <p:cNvSpPr/>
+          <p:cNvSpPr>
+            <a:spLocks noGrp="1" noRot="1" noChangeAspect="1"/>
+          </p:cNvSpPr>
           <p:nvPr>
-            <p:ph idx="2" type="sldImg"/>
+            <p:ph type="sldImg" idx="2"/>
           </p:nvPr>
         </p:nvSpPr>
         <p:spPr>
           <a:xfrm>
-            <a:off x="1143225" y="685800"/>
-            <a:ext cx="4572300" cy="3429000"/>
+            <a:off x="381000" y="685800"/>
+            <a:ext cx="6096000" cy="3429000"/>
           </a:xfrm>
           <a:custGeom>
-            <a:rect b="b" l="l" r="r" t="t"/>
+            <a:avLst/>
+            <a:gdLst/>
+            <a:ahLst/>
+            <a:cxnLst/>
+            <a:rect l="l" t="t" r="r" b="b"/>
             <a:pathLst>
-              <a:path extrusionOk="0" h="120000" w="120000">
+              <a:path w="120000" h="120000" extrusionOk="0">
                 <a:moveTo>
                   <a:pt x="0" y="0"/>
                 </a:moveTo>
@@ -1860,9 +1936,11 @@
       <p:sp>
         <p:nvSpPr>
           <p:cNvPr id="72" name="Google Shape;72;gc6e2b6b2a5_0_17:notes"/>
-          <p:cNvSpPr txBox="1"/>
+          <p:cNvSpPr txBox="1">
+            <a:spLocks noGrp="1"/>
+          </p:cNvSpPr>
           <p:nvPr>
-            <p:ph idx="1" type="body"/>
+            <p:ph type="body" idx="1"/>
           </p:nvPr>
         </p:nvSpPr>
         <p:spPr>
@@ -1875,23 +1953,20 @@
           </a:prstGeom>
         </p:spPr>
         <p:txBody>
-          <a:bodyPr anchorCtr="0" anchor="t" bIns="91425" lIns="91425" spcFirstLastPara="1" rIns="91425" wrap="square" tIns="91425">
+          <a:bodyPr spcFirstLastPara="1" wrap="square" lIns="91425" tIns="91425" rIns="91425" bIns="91425" anchor="t" anchorCtr="0">
             <a:noAutofit/>
           </a:bodyPr>
           <a:lstStyle/>
           <a:p>
-            <a:pPr indent="0" lvl="0" marL="0" rtl="0" algn="l">
-              <a:spcBef>
-                <a:spcPts val="0"/>
-              </a:spcBef>
-              <a:spcAft>
-                <a:spcPts val="0"/>
-              </a:spcAft>
-              <a:buNone/>
-            </a:pPr>
-            <a:r>
-              <a:t/>
-            </a:r>
+            <a:pPr marL="0" lvl="0" indent="0" algn="l" rtl="0">
+              <a:spcBef>
+                <a:spcPts val="0"/>
+              </a:spcBef>
+              <a:spcAft>
+                <a:spcPts val="0"/>
+              </a:spcAft>
+              <a:buNone/>
+            </a:pPr>
             <a:endParaRPr/>
           </a:p>
         </p:txBody>
@@ -1905,11 +1980,11 @@
 </file>
 
 <file path=ppt/notesSlides/notesSlide4.xml><?xml version="1.0" encoding="utf-8"?>
-<p:notes xmlns:a="http://schemas.openxmlformats.org/drawingml/2006/main" xmlns:r="http://schemas.openxmlformats.org/officeDocument/2006/relationships" xmlns:mc="http://schemas.openxmlformats.org/markup-compatibility/2006" xmlns:mv="urn:schemas-microsoft-com:mac:vml" xmlns:p="http://schemas.openxmlformats.org/presentationml/2006/main" xmlns:c="http://schemas.openxmlformats.org/drawingml/2006/chart" xmlns:dgm="http://schemas.openxmlformats.org/drawingml/2006/diagram" xmlns:o="urn:schemas-microsoft-com:office:office" xmlns:v="urn:schemas-microsoft-com:vml" xmlns:pvml="urn:schemas-microsoft-com:office:powerpoint" xmlns:com="http://schemas.openxmlformats.org/drawingml/2006/compatibility" xmlns:p14="http://schemas.microsoft.com/office/powerpoint/2010/main" xmlns:p15="http://schemas.microsoft.com/office/powerpoint/2012/main" xmlns:ahyp="http://schemas.microsoft.com/office/drawing/2018/hyperlinkcolor" showMasterPhAnim="0" showMasterSp="0">
+<p:notes xmlns:a="http://schemas.openxmlformats.org/drawingml/2006/main" xmlns:r="http://schemas.openxmlformats.org/officeDocument/2006/relationships" xmlns:p="http://schemas.openxmlformats.org/presentationml/2006/main" showMasterSp="0" showMasterPhAnim="0">
   <p:cSld>
     <p:spTree>
       <p:nvGrpSpPr>
-        <p:cNvPr id="77" name="Shape 77"/>
+        <p:cNvPr id="1" name="Shape 77"/>
         <p:cNvGrpSpPr/>
         <p:nvPr/>
       </p:nvGrpSpPr>
@@ -1924,20 +1999,26 @@
       <p:sp>
         <p:nvSpPr>
           <p:cNvPr id="78" name="Google Shape;78;gc6e2b6b2a5_0_23:notes"/>
-          <p:cNvSpPr/>
+          <p:cNvSpPr>
+            <a:spLocks noGrp="1" noRot="1" noChangeAspect="1"/>
+          </p:cNvSpPr>
           <p:nvPr>
-            <p:ph idx="2" type="sldImg"/>
+            <p:ph type="sldImg" idx="2"/>
           </p:nvPr>
         </p:nvSpPr>
         <p:spPr>
           <a:xfrm>
-            <a:off x="1143225" y="685800"/>
-            <a:ext cx="4572300" cy="3429000"/>
+            <a:off x="381000" y="685800"/>
+            <a:ext cx="6096000" cy="3429000"/>
           </a:xfrm>
           <a:custGeom>
-            <a:rect b="b" l="l" r="r" t="t"/>
+            <a:avLst/>
+            <a:gdLst/>
+            <a:ahLst/>
+            <a:cxnLst/>
+            <a:rect l="l" t="t" r="r" b="b"/>
             <a:pathLst>
-              <a:path extrusionOk="0" h="120000" w="120000">
+              <a:path w="120000" h="120000" extrusionOk="0">
                 <a:moveTo>
                   <a:pt x="0" y="0"/>
                 </a:moveTo>
@@ -1959,9 +2040,11 @@
       <p:sp>
         <p:nvSpPr>
           <p:cNvPr id="79" name="Google Shape;79;gc6e2b6b2a5_0_23:notes"/>
-          <p:cNvSpPr txBox="1"/>
+          <p:cNvSpPr txBox="1">
+            <a:spLocks noGrp="1"/>
+          </p:cNvSpPr>
           <p:nvPr>
-            <p:ph idx="1" type="body"/>
+            <p:ph type="body" idx="1"/>
           </p:nvPr>
         </p:nvSpPr>
         <p:spPr>
@@ -1974,23 +2057,20 @@
           </a:prstGeom>
         </p:spPr>
         <p:txBody>
-          <a:bodyPr anchorCtr="0" anchor="t" bIns="91425" lIns="91425" spcFirstLastPara="1" rIns="91425" wrap="square" tIns="91425">
+          <a:bodyPr spcFirstLastPara="1" wrap="square" lIns="91425" tIns="91425" rIns="91425" bIns="91425" anchor="t" anchorCtr="0">
             <a:noAutofit/>
           </a:bodyPr>
           <a:lstStyle/>
           <a:p>
-            <a:pPr indent="0" lvl="0" marL="0" rtl="0" algn="l">
-              <a:spcBef>
-                <a:spcPts val="0"/>
-              </a:spcBef>
-              <a:spcAft>
-                <a:spcPts val="0"/>
-              </a:spcAft>
-              <a:buNone/>
-            </a:pPr>
-            <a:r>
-              <a:t/>
-            </a:r>
+            <a:pPr marL="0" lvl="0" indent="0" algn="l" rtl="0">
+              <a:spcBef>
+                <a:spcPts val="0"/>
+              </a:spcBef>
+              <a:spcAft>
+                <a:spcPts val="0"/>
+              </a:spcAft>
+              <a:buNone/>
+            </a:pPr>
             <a:endParaRPr/>
           </a:p>
         </p:txBody>
@@ -2004,11 +2084,11 @@
 </file>
 
 <file path=ppt/notesSlides/notesSlide5.xml><?xml version="1.0" encoding="utf-8"?>
-<p:notes xmlns:a="http://schemas.openxmlformats.org/drawingml/2006/main" xmlns:r="http://schemas.openxmlformats.org/officeDocument/2006/relationships" xmlns:mc="http://schemas.openxmlformats.org/markup-compatibility/2006" xmlns:mv="urn:schemas-microsoft-com:mac:vml" xmlns:p="http://schemas.openxmlformats.org/presentationml/2006/main" xmlns:c="http://schemas.openxmlformats.org/drawingml/2006/chart" xmlns:dgm="http://schemas.openxmlformats.org/drawingml/2006/diagram" xmlns:o="urn:schemas-microsoft-com:office:office" xmlns:v="urn:schemas-microsoft-com:vml" xmlns:pvml="urn:schemas-microsoft-com:office:powerpoint" xmlns:com="http://schemas.openxmlformats.org/drawingml/2006/compatibility" xmlns:p14="http://schemas.microsoft.com/office/powerpoint/2010/main" xmlns:p15="http://schemas.microsoft.com/office/powerpoint/2012/main" xmlns:ahyp="http://schemas.microsoft.com/office/drawing/2018/hyperlinkcolor" showMasterPhAnim="0" showMasterSp="0">
+<p:notes xmlns:a="http://schemas.openxmlformats.org/drawingml/2006/main" xmlns:r="http://schemas.openxmlformats.org/officeDocument/2006/relationships" xmlns:p="http://schemas.openxmlformats.org/presentationml/2006/main" showMasterSp="0" showMasterPhAnim="0">
   <p:cSld>
     <p:spTree>
       <p:nvGrpSpPr>
-        <p:cNvPr id="84" name="Shape 84"/>
+        <p:cNvPr id="1" name="Shape 84"/>
         <p:cNvGrpSpPr/>
         <p:nvPr/>
       </p:nvGrpSpPr>
@@ -2023,20 +2103,26 @@
       <p:sp>
         <p:nvSpPr>
           <p:cNvPr id="85" name="Google Shape;85;gc6e2b6b2a5_0_29:notes"/>
-          <p:cNvSpPr/>
+          <p:cNvSpPr>
+            <a:spLocks noGrp="1" noRot="1" noChangeAspect="1"/>
+          </p:cNvSpPr>
           <p:nvPr>
-            <p:ph idx="2" type="sldImg"/>
+            <p:ph type="sldImg" idx="2"/>
           </p:nvPr>
         </p:nvSpPr>
         <p:spPr>
           <a:xfrm>
-            <a:off x="1143225" y="685800"/>
-            <a:ext cx="4572300" cy="3429000"/>
+            <a:off x="381000" y="685800"/>
+            <a:ext cx="6096000" cy="3429000"/>
           </a:xfrm>
           <a:custGeom>
-            <a:rect b="b" l="l" r="r" t="t"/>
+            <a:avLst/>
+            <a:gdLst/>
+            <a:ahLst/>
+            <a:cxnLst/>
+            <a:rect l="l" t="t" r="r" b="b"/>
             <a:pathLst>
-              <a:path extrusionOk="0" h="120000" w="120000">
+              <a:path w="120000" h="120000" extrusionOk="0">
                 <a:moveTo>
                   <a:pt x="0" y="0"/>
                 </a:moveTo>
@@ -2058,9 +2144,11 @@
       <p:sp>
         <p:nvSpPr>
           <p:cNvPr id="86" name="Google Shape;86;gc6e2b6b2a5_0_29:notes"/>
-          <p:cNvSpPr txBox="1"/>
+          <p:cNvSpPr txBox="1">
+            <a:spLocks noGrp="1"/>
+          </p:cNvSpPr>
           <p:nvPr>
-            <p:ph idx="1" type="body"/>
+            <p:ph type="body" idx="1"/>
           </p:nvPr>
         </p:nvSpPr>
         <p:spPr>
@@ -2073,23 +2161,20 @@
           </a:prstGeom>
         </p:spPr>
         <p:txBody>
-          <a:bodyPr anchorCtr="0" anchor="t" bIns="91425" lIns="91425" spcFirstLastPara="1" rIns="91425" wrap="square" tIns="91425">
+          <a:bodyPr spcFirstLastPara="1" wrap="square" lIns="91425" tIns="91425" rIns="91425" bIns="91425" anchor="t" anchorCtr="0">
             <a:noAutofit/>
           </a:bodyPr>
           <a:lstStyle/>
           <a:p>
-            <a:pPr indent="0" lvl="0" marL="0" rtl="0" algn="l">
-              <a:spcBef>
-                <a:spcPts val="0"/>
-              </a:spcBef>
-              <a:spcAft>
-                <a:spcPts val="0"/>
-              </a:spcAft>
-              <a:buNone/>
-            </a:pPr>
-            <a:r>
-              <a:t/>
-            </a:r>
+            <a:pPr marL="0" lvl="0" indent="0" algn="l" rtl="0">
+              <a:spcBef>
+                <a:spcPts val="0"/>
+              </a:spcBef>
+              <a:spcAft>
+                <a:spcPts val="0"/>
+              </a:spcAft>
+              <a:buNone/>
+            </a:pPr>
             <a:endParaRPr/>
           </a:p>
         </p:txBody>
@@ -2103,11 +2188,11 @@
 </file>
 
 <file path=ppt/notesSlides/notesSlide6.xml><?xml version="1.0" encoding="utf-8"?>
-<p:notes xmlns:a="http://schemas.openxmlformats.org/drawingml/2006/main" xmlns:r="http://schemas.openxmlformats.org/officeDocument/2006/relationships" xmlns:mc="http://schemas.openxmlformats.org/markup-compatibility/2006" xmlns:mv="urn:schemas-microsoft-com:mac:vml" xmlns:p="http://schemas.openxmlformats.org/presentationml/2006/main" xmlns:c="http://schemas.openxmlformats.org/drawingml/2006/chart" xmlns:dgm="http://schemas.openxmlformats.org/drawingml/2006/diagram" xmlns:o="urn:schemas-microsoft-com:office:office" xmlns:v="urn:schemas-microsoft-com:vml" xmlns:pvml="urn:schemas-microsoft-com:office:powerpoint" xmlns:com="http://schemas.openxmlformats.org/drawingml/2006/compatibility" xmlns:p14="http://schemas.microsoft.com/office/powerpoint/2010/main" xmlns:p15="http://schemas.microsoft.com/office/powerpoint/2012/main" xmlns:ahyp="http://schemas.microsoft.com/office/drawing/2018/hyperlinkcolor" showMasterPhAnim="0" showMasterSp="0">
+<p:notes xmlns:a="http://schemas.openxmlformats.org/drawingml/2006/main" xmlns:r="http://schemas.openxmlformats.org/officeDocument/2006/relationships" xmlns:p="http://schemas.openxmlformats.org/presentationml/2006/main" showMasterSp="0" showMasterPhAnim="0">
   <p:cSld>
     <p:spTree>
       <p:nvGrpSpPr>
-        <p:cNvPr id="91" name="Shape 91"/>
+        <p:cNvPr id="1" name="Shape 91"/>
         <p:cNvGrpSpPr/>
         <p:nvPr/>
       </p:nvGrpSpPr>
@@ -2122,20 +2207,26 @@
       <p:sp>
         <p:nvSpPr>
           <p:cNvPr id="92" name="Google Shape;92;gc6e2b6b2a5_0_47:notes"/>
-          <p:cNvSpPr/>
+          <p:cNvSpPr>
+            <a:spLocks noGrp="1" noRot="1" noChangeAspect="1"/>
+          </p:cNvSpPr>
           <p:nvPr>
-            <p:ph idx="2" type="sldImg"/>
+            <p:ph type="sldImg" idx="2"/>
           </p:nvPr>
         </p:nvSpPr>
         <p:spPr>
           <a:xfrm>
-            <a:off x="1143225" y="685800"/>
-            <a:ext cx="4572300" cy="3429000"/>
+            <a:off x="381000" y="685800"/>
+            <a:ext cx="6096000" cy="3429000"/>
           </a:xfrm>
           <a:custGeom>
-            <a:rect b="b" l="l" r="r" t="t"/>
+            <a:avLst/>
+            <a:gdLst/>
+            <a:ahLst/>
+            <a:cxnLst/>
+            <a:rect l="l" t="t" r="r" b="b"/>
             <a:pathLst>
-              <a:path extrusionOk="0" h="120000" w="120000">
+              <a:path w="120000" h="120000" extrusionOk="0">
                 <a:moveTo>
                   <a:pt x="0" y="0"/>
                 </a:moveTo>
@@ -2157,9 +2248,11 @@
       <p:sp>
         <p:nvSpPr>
           <p:cNvPr id="93" name="Google Shape;93;gc6e2b6b2a5_0_47:notes"/>
-          <p:cNvSpPr txBox="1"/>
+          <p:cNvSpPr txBox="1">
+            <a:spLocks noGrp="1"/>
+          </p:cNvSpPr>
           <p:nvPr>
-            <p:ph idx="1" type="body"/>
+            <p:ph type="body" idx="1"/>
           </p:nvPr>
         </p:nvSpPr>
         <p:spPr>
@@ -2172,23 +2265,20 @@
           </a:prstGeom>
         </p:spPr>
         <p:txBody>
-          <a:bodyPr anchorCtr="0" anchor="t" bIns="91425" lIns="91425" spcFirstLastPara="1" rIns="91425" wrap="square" tIns="91425">
+          <a:bodyPr spcFirstLastPara="1" wrap="square" lIns="91425" tIns="91425" rIns="91425" bIns="91425" anchor="t" anchorCtr="0">
             <a:noAutofit/>
           </a:bodyPr>
           <a:lstStyle/>
           <a:p>
-            <a:pPr indent="0" lvl="0" marL="0" rtl="0" algn="l">
-              <a:spcBef>
-                <a:spcPts val="0"/>
-              </a:spcBef>
-              <a:spcAft>
-                <a:spcPts val="0"/>
-              </a:spcAft>
-              <a:buNone/>
-            </a:pPr>
-            <a:r>
-              <a:t/>
-            </a:r>
+            <a:pPr marL="0" lvl="0" indent="0" algn="l" rtl="0">
+              <a:spcBef>
+                <a:spcPts val="0"/>
+              </a:spcBef>
+              <a:spcAft>
+                <a:spcPts val="0"/>
+              </a:spcAft>
+              <a:buNone/>
+            </a:pPr>
             <a:endParaRPr/>
           </a:p>
         </p:txBody>
@@ -2202,11 +2292,11 @@
 </file>
 
 <file path=ppt/notesSlides/notesSlide7.xml><?xml version="1.0" encoding="utf-8"?>
-<p:notes xmlns:a="http://schemas.openxmlformats.org/drawingml/2006/main" xmlns:r="http://schemas.openxmlformats.org/officeDocument/2006/relationships" xmlns:mc="http://schemas.openxmlformats.org/markup-compatibility/2006" xmlns:mv="urn:schemas-microsoft-com:mac:vml" xmlns:p="http://schemas.openxmlformats.org/presentationml/2006/main" xmlns:c="http://schemas.openxmlformats.org/drawingml/2006/chart" xmlns:dgm="http://schemas.openxmlformats.org/drawingml/2006/diagram" xmlns:o="urn:schemas-microsoft-com:office:office" xmlns:v="urn:schemas-microsoft-com:vml" xmlns:pvml="urn:schemas-microsoft-com:office:powerpoint" xmlns:com="http://schemas.openxmlformats.org/drawingml/2006/compatibility" xmlns:p14="http://schemas.microsoft.com/office/powerpoint/2010/main" xmlns:p15="http://schemas.microsoft.com/office/powerpoint/2012/main" xmlns:ahyp="http://schemas.microsoft.com/office/drawing/2018/hyperlinkcolor" showMasterPhAnim="0" showMasterSp="0">
+<p:notes xmlns:a="http://schemas.openxmlformats.org/drawingml/2006/main" xmlns:r="http://schemas.openxmlformats.org/officeDocument/2006/relationships" xmlns:p="http://schemas.openxmlformats.org/presentationml/2006/main" showMasterSp="0" showMasterPhAnim="0">
   <p:cSld>
     <p:spTree>
       <p:nvGrpSpPr>
-        <p:cNvPr id="98" name="Shape 98"/>
+        <p:cNvPr id="1" name="Shape 98"/>
         <p:cNvGrpSpPr/>
         <p:nvPr/>
       </p:nvGrpSpPr>
@@ -2221,20 +2311,26 @@
       <p:sp>
         <p:nvSpPr>
           <p:cNvPr id="99" name="Google Shape;99;gc6e2b6b2a5_0_53:notes"/>
-          <p:cNvSpPr/>
+          <p:cNvSpPr>
+            <a:spLocks noGrp="1" noRot="1" noChangeAspect="1"/>
+          </p:cNvSpPr>
           <p:nvPr>
-            <p:ph idx="2" type="sldImg"/>
+            <p:ph type="sldImg" idx="2"/>
           </p:nvPr>
         </p:nvSpPr>
         <p:spPr>
           <a:xfrm>
-            <a:off x="1143225" y="685800"/>
-            <a:ext cx="4572300" cy="3429000"/>
+            <a:off x="381000" y="685800"/>
+            <a:ext cx="6096000" cy="3429000"/>
           </a:xfrm>
           <a:custGeom>
-            <a:rect b="b" l="l" r="r" t="t"/>
+            <a:avLst/>
+            <a:gdLst/>
+            <a:ahLst/>
+            <a:cxnLst/>
+            <a:rect l="l" t="t" r="r" b="b"/>
             <a:pathLst>
-              <a:path extrusionOk="0" h="120000" w="120000">
+              <a:path w="120000" h="120000" extrusionOk="0">
                 <a:moveTo>
                   <a:pt x="0" y="0"/>
                 </a:moveTo>
@@ -2256,9 +2352,11 @@
       <p:sp>
         <p:nvSpPr>
           <p:cNvPr id="100" name="Google Shape;100;gc6e2b6b2a5_0_53:notes"/>
-          <p:cNvSpPr txBox="1"/>
+          <p:cNvSpPr txBox="1">
+            <a:spLocks noGrp="1"/>
+          </p:cNvSpPr>
           <p:nvPr>
-            <p:ph idx="1" type="body"/>
+            <p:ph type="body" idx="1"/>
           </p:nvPr>
         </p:nvSpPr>
         <p:spPr>
@@ -2271,23 +2369,20 @@
           </a:prstGeom>
         </p:spPr>
         <p:txBody>
-          <a:bodyPr anchorCtr="0" anchor="t" bIns="91425" lIns="91425" spcFirstLastPara="1" rIns="91425" wrap="square" tIns="91425">
+          <a:bodyPr spcFirstLastPara="1" wrap="square" lIns="91425" tIns="91425" rIns="91425" bIns="91425" anchor="t" anchorCtr="0">
             <a:noAutofit/>
           </a:bodyPr>
           <a:lstStyle/>
           <a:p>
-            <a:pPr indent="0" lvl="0" marL="0" rtl="0" algn="l">
-              <a:spcBef>
-                <a:spcPts val="0"/>
-              </a:spcBef>
-              <a:spcAft>
-                <a:spcPts val="0"/>
-              </a:spcAft>
-              <a:buNone/>
-            </a:pPr>
-            <a:r>
-              <a:t/>
-            </a:r>
+            <a:pPr marL="0" lvl="0" indent="0" algn="l" rtl="0">
+              <a:spcBef>
+                <a:spcPts val="0"/>
+              </a:spcBef>
+              <a:spcAft>
+                <a:spcPts val="0"/>
+              </a:spcAft>
+              <a:buNone/>
+            </a:pPr>
             <a:endParaRPr/>
           </a:p>
         </p:txBody>
@@ -2301,11 +2396,11 @@
 </file>
 
 <file path=ppt/notesSlides/notesSlide8.xml><?xml version="1.0" encoding="utf-8"?>
-<p:notes xmlns:a="http://schemas.openxmlformats.org/drawingml/2006/main" xmlns:r="http://schemas.openxmlformats.org/officeDocument/2006/relationships" xmlns:mc="http://schemas.openxmlformats.org/markup-compatibility/2006" xmlns:mv="urn:schemas-microsoft-com:mac:vml" xmlns:p="http://schemas.openxmlformats.org/presentationml/2006/main" xmlns:c="http://schemas.openxmlformats.org/drawingml/2006/chart" xmlns:dgm="http://schemas.openxmlformats.org/drawingml/2006/diagram" xmlns:o="urn:schemas-microsoft-com:office:office" xmlns:v="urn:schemas-microsoft-com:vml" xmlns:pvml="urn:schemas-microsoft-com:office:powerpoint" xmlns:com="http://schemas.openxmlformats.org/drawingml/2006/compatibility" xmlns:p14="http://schemas.microsoft.com/office/powerpoint/2010/main" xmlns:p15="http://schemas.microsoft.com/office/powerpoint/2012/main" xmlns:ahyp="http://schemas.microsoft.com/office/drawing/2018/hyperlinkcolor" showMasterPhAnim="0" showMasterSp="0">
+<p:notes xmlns:a="http://schemas.openxmlformats.org/drawingml/2006/main" xmlns:r="http://schemas.openxmlformats.org/officeDocument/2006/relationships" xmlns:p="http://schemas.openxmlformats.org/presentationml/2006/main" showMasterSp="0" showMasterPhAnim="0">
   <p:cSld>
     <p:spTree>
       <p:nvGrpSpPr>
-        <p:cNvPr id="105" name="Shape 105"/>
+        <p:cNvPr id="1" name="Shape 105"/>
         <p:cNvGrpSpPr/>
         <p:nvPr/>
       </p:nvGrpSpPr>
@@ -2320,20 +2415,26 @@
       <p:sp>
         <p:nvSpPr>
           <p:cNvPr id="106" name="Google Shape;106;gc8b26616ac_0_0:notes"/>
-          <p:cNvSpPr/>
+          <p:cNvSpPr>
+            <a:spLocks noGrp="1" noRot="1" noChangeAspect="1"/>
+          </p:cNvSpPr>
           <p:nvPr>
-            <p:ph idx="2" type="sldImg"/>
+            <p:ph type="sldImg" idx="2"/>
           </p:nvPr>
         </p:nvSpPr>
         <p:spPr>
           <a:xfrm>
-            <a:off x="1143225" y="685800"/>
-            <a:ext cx="4572300" cy="3429000"/>
+            <a:off x="381000" y="685800"/>
+            <a:ext cx="6096000" cy="3429000"/>
           </a:xfrm>
           <a:custGeom>
-            <a:rect b="b" l="l" r="r" t="t"/>
+            <a:avLst/>
+            <a:gdLst/>
+            <a:ahLst/>
+            <a:cxnLst/>
+            <a:rect l="l" t="t" r="r" b="b"/>
             <a:pathLst>
-              <a:path extrusionOk="0" h="120000" w="120000">
+              <a:path w="120000" h="120000" extrusionOk="0">
                 <a:moveTo>
                   <a:pt x="0" y="0"/>
                 </a:moveTo>
@@ -2355,9 +2456,11 @@
       <p:sp>
         <p:nvSpPr>
           <p:cNvPr id="107" name="Google Shape;107;gc8b26616ac_0_0:notes"/>
-          <p:cNvSpPr txBox="1"/>
+          <p:cNvSpPr txBox="1">
+            <a:spLocks noGrp="1"/>
+          </p:cNvSpPr>
           <p:nvPr>
-            <p:ph idx="1" type="body"/>
+            <p:ph type="body" idx="1"/>
           </p:nvPr>
         </p:nvSpPr>
         <p:spPr>
@@ -2370,23 +2473,20 @@
           </a:prstGeom>
         </p:spPr>
         <p:txBody>
-          <a:bodyPr anchorCtr="0" anchor="t" bIns="91425" lIns="91425" spcFirstLastPara="1" rIns="91425" wrap="square" tIns="91425">
+          <a:bodyPr spcFirstLastPara="1" wrap="square" lIns="91425" tIns="91425" rIns="91425" bIns="91425" anchor="t" anchorCtr="0">
             <a:noAutofit/>
           </a:bodyPr>
           <a:lstStyle/>
           <a:p>
-            <a:pPr indent="0" lvl="0" marL="0" rtl="0" algn="l">
-              <a:spcBef>
-                <a:spcPts val="0"/>
-              </a:spcBef>
-              <a:spcAft>
-                <a:spcPts val="0"/>
-              </a:spcAft>
-              <a:buNone/>
-            </a:pPr>
-            <a:r>
-              <a:t/>
-            </a:r>
+            <a:pPr marL="0" lvl="0" indent="0" algn="l" rtl="0">
+              <a:spcBef>
+                <a:spcPts val="0"/>
+              </a:spcBef>
+              <a:spcAft>
+                <a:spcPts val="0"/>
+              </a:spcAft>
+              <a:buNone/>
+            </a:pPr>
             <a:endParaRPr/>
           </a:p>
         </p:txBody>
@@ -2400,11 +2500,11 @@
 </file>
 
 <file path=ppt/notesSlides/notesSlide9.xml><?xml version="1.0" encoding="utf-8"?>
-<p:notes xmlns:a="http://schemas.openxmlformats.org/drawingml/2006/main" xmlns:r="http://schemas.openxmlformats.org/officeDocument/2006/relationships" xmlns:mc="http://schemas.openxmlformats.org/markup-compatibility/2006" xmlns:mv="urn:schemas-microsoft-com:mac:vml" xmlns:p="http://schemas.openxmlformats.org/presentationml/2006/main" xmlns:c="http://schemas.openxmlformats.org/drawingml/2006/chart" xmlns:dgm="http://schemas.openxmlformats.org/drawingml/2006/diagram" xmlns:o="urn:schemas-microsoft-com:office:office" xmlns:v="urn:schemas-microsoft-com:vml" xmlns:pvml="urn:schemas-microsoft-com:office:powerpoint" xmlns:com="http://schemas.openxmlformats.org/drawingml/2006/compatibility" xmlns:p14="http://schemas.microsoft.com/office/powerpoint/2010/main" xmlns:p15="http://schemas.microsoft.com/office/powerpoint/2012/main" xmlns:ahyp="http://schemas.microsoft.com/office/drawing/2018/hyperlinkcolor" showMasterPhAnim="0" showMasterSp="0">
+<p:notes xmlns:a="http://schemas.openxmlformats.org/drawingml/2006/main" xmlns:r="http://schemas.openxmlformats.org/officeDocument/2006/relationships" xmlns:p="http://schemas.openxmlformats.org/presentationml/2006/main" showMasterSp="0" showMasterPhAnim="0">
   <p:cSld>
     <p:spTree>
       <p:nvGrpSpPr>
-        <p:cNvPr id="112" name="Shape 112"/>
+        <p:cNvPr id="1" name="Shape 112"/>
         <p:cNvGrpSpPr/>
         <p:nvPr/>
       </p:nvGrpSpPr>
@@ -2419,20 +2519,26 @@
       <p:sp>
         <p:nvSpPr>
           <p:cNvPr id="113" name="Google Shape;113;gc6e2b6b2a5_0_83:notes"/>
-          <p:cNvSpPr/>
+          <p:cNvSpPr>
+            <a:spLocks noGrp="1" noRot="1" noChangeAspect="1"/>
+          </p:cNvSpPr>
           <p:nvPr>
-            <p:ph idx="2" type="sldImg"/>
+            <p:ph type="sldImg" idx="2"/>
           </p:nvPr>
         </p:nvSpPr>
         <p:spPr>
           <a:xfrm>
-            <a:off x="1143225" y="685800"/>
-            <a:ext cx="4572300" cy="3429000"/>
+            <a:off x="381000" y="685800"/>
+            <a:ext cx="6096000" cy="3429000"/>
           </a:xfrm>
           <a:custGeom>
-            <a:rect b="b" l="l" r="r" t="t"/>
+            <a:avLst/>
+            <a:gdLst/>
+            <a:ahLst/>
+            <a:cxnLst/>
+            <a:rect l="l" t="t" r="r" b="b"/>
             <a:pathLst>
-              <a:path extrusionOk="0" h="120000" w="120000">
+              <a:path w="120000" h="120000" extrusionOk="0">
                 <a:moveTo>
                   <a:pt x="0" y="0"/>
                 </a:moveTo>
@@ -2454,9 +2560,11 @@
       <p:sp>
         <p:nvSpPr>
           <p:cNvPr id="114" name="Google Shape;114;gc6e2b6b2a5_0_83:notes"/>
-          <p:cNvSpPr txBox="1"/>
+          <p:cNvSpPr txBox="1">
+            <a:spLocks noGrp="1"/>
+          </p:cNvSpPr>
           <p:nvPr>
-            <p:ph idx="1" type="body"/>
+            <p:ph type="body" idx="1"/>
           </p:nvPr>
         </p:nvSpPr>
         <p:spPr>
@@ -2469,23 +2577,20 @@
           </a:prstGeom>
         </p:spPr>
         <p:txBody>
-          <a:bodyPr anchorCtr="0" anchor="t" bIns="91425" lIns="91425" spcFirstLastPara="1" rIns="91425" wrap="square" tIns="91425">
+          <a:bodyPr spcFirstLastPara="1" wrap="square" lIns="91425" tIns="91425" rIns="91425" bIns="91425" anchor="t" anchorCtr="0">
             <a:noAutofit/>
           </a:bodyPr>
           <a:lstStyle/>
           <a:p>
-            <a:pPr indent="0" lvl="0" marL="0" rtl="0" algn="l">
-              <a:spcBef>
-                <a:spcPts val="0"/>
-              </a:spcBef>
-              <a:spcAft>
-                <a:spcPts val="0"/>
-              </a:spcAft>
-              <a:buNone/>
-            </a:pPr>
-            <a:r>
-              <a:t/>
-            </a:r>
+            <a:pPr marL="0" lvl="0" indent="0" algn="l" rtl="0">
+              <a:spcBef>
+                <a:spcPts val="0"/>
+              </a:spcBef>
+              <a:spcAft>
+                <a:spcPts val="0"/>
+              </a:spcAft>
+              <a:buNone/>
+            </a:pPr>
             <a:endParaRPr/>
           </a:p>
         </p:txBody>
@@ -2499,11 +2604,11 @@
 </file>
 
 <file path=ppt/slideLayouts/slideLayout1.xml><?xml version="1.0" encoding="utf-8"?>
-<p:sldLayout xmlns:a="http://schemas.openxmlformats.org/drawingml/2006/main" xmlns:r="http://schemas.openxmlformats.org/officeDocument/2006/relationships" xmlns:mc="http://schemas.openxmlformats.org/markup-compatibility/2006" xmlns:mv="urn:schemas-microsoft-com:mac:vml" xmlns:p="http://schemas.openxmlformats.org/presentationml/2006/main" xmlns:c="http://schemas.openxmlformats.org/drawingml/2006/chart" xmlns:dgm="http://schemas.openxmlformats.org/drawingml/2006/diagram" xmlns:o="urn:schemas-microsoft-com:office:office" xmlns:v="urn:schemas-microsoft-com:vml" xmlns:pvml="urn:schemas-microsoft-com:office:powerpoint" xmlns:com="http://schemas.openxmlformats.org/drawingml/2006/compatibility" xmlns:p14="http://schemas.microsoft.com/office/powerpoint/2010/main" xmlns:p15="http://schemas.microsoft.com/office/powerpoint/2012/main" xmlns:ahyp="http://schemas.microsoft.com/office/drawing/2018/hyperlinkcolor" matchingName="Title slide" type="title">
+<p:sldLayout xmlns:a="http://schemas.openxmlformats.org/drawingml/2006/main" xmlns:r="http://schemas.openxmlformats.org/officeDocument/2006/relationships" xmlns:p="http://schemas.openxmlformats.org/presentationml/2006/main" matchingName="Title slide" type="title">
   <p:cSld name="TITLE">
     <p:spTree>
       <p:nvGrpSpPr>
-        <p:cNvPr id="9" name="Shape 9"/>
+        <p:cNvPr id="1" name="Shape 9"/>
         <p:cNvGrpSpPr/>
         <p:nvPr/>
       </p:nvGrpSpPr>
@@ -2518,7 +2623,9 @@
       <p:sp>
         <p:nvSpPr>
           <p:cNvPr id="10" name="Google Shape;10;p2"/>
-          <p:cNvSpPr txBox="1"/>
+          <p:cNvSpPr txBox="1">
+            <a:spLocks noGrp="1"/>
+          </p:cNvSpPr>
           <p:nvPr>
             <p:ph type="ctrTitle"/>
           </p:nvPr>
@@ -2533,7 +2640,7 @@
           </a:prstGeom>
         </p:spPr>
         <p:txBody>
-          <a:bodyPr anchorCtr="0" anchor="b" bIns="91425" lIns="91425" spcFirstLastPara="1" rIns="91425" wrap="square" tIns="91425">
+          <a:bodyPr spcFirstLastPara="1" wrap="square" lIns="91425" tIns="91425" rIns="91425" bIns="91425" anchor="b" anchorCtr="0">
             <a:normAutofit/>
           </a:bodyPr>
           <a:lstStyle>
@@ -2637,15 +2744,19 @@
               <a:defRPr sz="5200"/>
             </a:lvl9pPr>
           </a:lstStyle>
-          <a:p/>
+          <a:p>
+            <a:endParaRPr/>
+          </a:p>
         </p:txBody>
       </p:sp>
       <p:sp>
         <p:nvSpPr>
           <p:cNvPr id="11" name="Google Shape;11;p2"/>
-          <p:cNvSpPr txBox="1"/>
+          <p:cNvSpPr txBox="1">
+            <a:spLocks noGrp="1"/>
+          </p:cNvSpPr>
           <p:nvPr>
-            <p:ph idx="1" type="subTitle"/>
+            <p:ph type="subTitle" idx="1"/>
           </p:nvPr>
         </p:nvSpPr>
         <p:spPr>
@@ -2658,7 +2769,7 @@
           </a:prstGeom>
         </p:spPr>
         <p:txBody>
-          <a:bodyPr anchorCtr="0" anchor="t" bIns="91425" lIns="91425" spcFirstLastPara="1" rIns="91425" wrap="square" tIns="91425">
+          <a:bodyPr spcFirstLastPara="1" wrap="square" lIns="91425" tIns="91425" rIns="91425" bIns="91425" anchor="t" anchorCtr="0">
             <a:normAutofit/>
           </a:bodyPr>
           <a:lstStyle>
@@ -2789,15 +2900,19 @@
               <a:defRPr sz="2800"/>
             </a:lvl9pPr>
           </a:lstStyle>
-          <a:p/>
+          <a:p>
+            <a:endParaRPr/>
+          </a:p>
         </p:txBody>
       </p:sp>
       <p:sp>
         <p:nvSpPr>
           <p:cNvPr id="12" name="Google Shape;12;p2"/>
-          <p:cNvSpPr txBox="1"/>
+          <p:cNvSpPr txBox="1">
+            <a:spLocks noGrp="1"/>
+          </p:cNvSpPr>
           <p:nvPr>
-            <p:ph idx="12" type="sldNum"/>
+            <p:ph type="sldNum" idx="12"/>
           </p:nvPr>
         </p:nvSpPr>
         <p:spPr>
@@ -2810,7 +2925,7 @@
           </a:prstGeom>
         </p:spPr>
         <p:txBody>
-          <a:bodyPr anchorCtr="0" anchor="ctr" bIns="91425" lIns="91425" spcFirstLastPara="1" rIns="91425" wrap="square" tIns="91425">
+          <a:bodyPr spcFirstLastPara="1" wrap="square" lIns="91425" tIns="91425" rIns="91425" bIns="91425" anchor="ctr" anchorCtr="0">
             <a:normAutofit/>
           </a:bodyPr>
           <a:lstStyle>
@@ -2852,7 +2967,7 @@
             </a:lvl9pPr>
           </a:lstStyle>
           <a:p>
-            <a:pPr indent="0" lvl="0" marL="0" rtl="0" algn="r">
+            <a:pPr marL="0" lvl="0" indent="0" algn="r" rtl="0">
               <a:spcBef>
                 <a:spcPts val="0"/>
               </a:spcBef>
@@ -2878,11 +2993,11 @@
 </file>
 
 <file path=ppt/slideLayouts/slideLayout10.xml><?xml version="1.0" encoding="utf-8"?>
-<p:sldLayout xmlns:a="http://schemas.openxmlformats.org/drawingml/2006/main" xmlns:r="http://schemas.openxmlformats.org/officeDocument/2006/relationships" xmlns:mc="http://schemas.openxmlformats.org/markup-compatibility/2006" xmlns:mv="urn:schemas-microsoft-com:mac:vml" xmlns:p="http://schemas.openxmlformats.org/presentationml/2006/main" xmlns:c="http://schemas.openxmlformats.org/drawingml/2006/chart" xmlns:dgm="http://schemas.openxmlformats.org/drawingml/2006/diagram" xmlns:o="urn:schemas-microsoft-com:office:office" xmlns:v="urn:schemas-microsoft-com:vml" xmlns:pvml="urn:schemas-microsoft-com:office:powerpoint" xmlns:com="http://schemas.openxmlformats.org/drawingml/2006/compatibility" xmlns:p14="http://schemas.microsoft.com/office/powerpoint/2010/main" xmlns:p15="http://schemas.microsoft.com/office/powerpoint/2012/main" xmlns:ahyp="http://schemas.microsoft.com/office/drawing/2018/hyperlinkcolor" matchingName="Big number">
+<p:sldLayout xmlns:a="http://schemas.openxmlformats.org/drawingml/2006/main" xmlns:r="http://schemas.openxmlformats.org/officeDocument/2006/relationships" xmlns:p="http://schemas.openxmlformats.org/presentationml/2006/main" matchingName="Big number">
   <p:cSld name="BIG_NUMBER">
     <p:spTree>
       <p:nvGrpSpPr>
-        <p:cNvPr id="44" name="Shape 44"/>
+        <p:cNvPr id="1" name="Shape 44"/>
         <p:cNvGrpSpPr/>
         <p:nvPr/>
       </p:nvGrpSpPr>
@@ -2897,9 +3012,11 @@
       <p:sp>
         <p:nvSpPr>
           <p:cNvPr id="45" name="Google Shape;45;p11"/>
-          <p:cNvSpPr txBox="1"/>
+          <p:cNvSpPr txBox="1">
+            <a:spLocks noGrp="1"/>
+          </p:cNvSpPr>
           <p:nvPr>
-            <p:ph hasCustomPrompt="1" type="title"/>
+            <p:ph type="title" hasCustomPrompt="1"/>
           </p:nvPr>
         </p:nvSpPr>
         <p:spPr>
@@ -2912,7 +3029,7 @@
           </a:prstGeom>
         </p:spPr>
         <p:txBody>
-          <a:bodyPr anchorCtr="0" anchor="b" bIns="91425" lIns="91425" spcFirstLastPara="1" rIns="91425" wrap="square" tIns="91425">
+          <a:bodyPr spcFirstLastPara="1" wrap="square" lIns="91425" tIns="91425" rIns="91425" bIns="91425" anchor="b" anchorCtr="0">
             <a:normAutofit/>
           </a:bodyPr>
           <a:lstStyle>
@@ -3026,9 +3143,11 @@
       <p:sp>
         <p:nvSpPr>
           <p:cNvPr id="46" name="Google Shape;46;p11"/>
-          <p:cNvSpPr txBox="1"/>
+          <p:cNvSpPr txBox="1">
+            <a:spLocks noGrp="1"/>
+          </p:cNvSpPr>
           <p:nvPr>
-            <p:ph idx="1" type="body"/>
+            <p:ph type="body" idx="1"/>
           </p:nvPr>
         </p:nvSpPr>
         <p:spPr>
@@ -3041,11 +3160,11 @@
           </a:prstGeom>
         </p:spPr>
         <p:txBody>
-          <a:bodyPr anchorCtr="0" anchor="t" bIns="91425" lIns="91425" spcFirstLastPara="1" rIns="91425" wrap="square" tIns="91425">
+          <a:bodyPr spcFirstLastPara="1" wrap="square" lIns="91425" tIns="91425" rIns="91425" bIns="91425" anchor="t" anchorCtr="0">
             <a:normAutofit/>
           </a:bodyPr>
           <a:lstStyle>
-            <a:lvl1pPr indent="-342900" lvl="0" marL="457200" algn="ctr">
+            <a:lvl1pPr marL="457200" lvl="0" indent="-342900" algn="ctr">
               <a:spcBef>
                 <a:spcPts val="0"/>
               </a:spcBef>
@@ -3056,7 +3175,7 @@
               <a:buChar char="●"/>
               <a:defRPr/>
             </a:lvl1pPr>
-            <a:lvl2pPr indent="-317500" lvl="1" marL="914400" algn="ctr">
+            <a:lvl2pPr marL="914400" lvl="1" indent="-317500" algn="ctr">
               <a:spcBef>
                 <a:spcPts val="0"/>
               </a:spcBef>
@@ -3067,7 +3186,7 @@
               <a:buChar char="○"/>
               <a:defRPr/>
             </a:lvl2pPr>
-            <a:lvl3pPr indent="-317500" lvl="2" marL="1371600" algn="ctr">
+            <a:lvl3pPr marL="1371600" lvl="2" indent="-317500" algn="ctr">
               <a:spcBef>
                 <a:spcPts val="0"/>
               </a:spcBef>
@@ -3078,7 +3197,7 @@
               <a:buChar char="■"/>
               <a:defRPr/>
             </a:lvl3pPr>
-            <a:lvl4pPr indent="-317500" lvl="3" marL="1828800" algn="ctr">
+            <a:lvl4pPr marL="1828800" lvl="3" indent="-317500" algn="ctr">
               <a:spcBef>
                 <a:spcPts val="0"/>
               </a:spcBef>
@@ -3089,7 +3208,7 @@
               <a:buChar char="●"/>
               <a:defRPr/>
             </a:lvl4pPr>
-            <a:lvl5pPr indent="-317500" lvl="4" marL="2286000" algn="ctr">
+            <a:lvl5pPr marL="2286000" lvl="4" indent="-317500" algn="ctr">
               <a:spcBef>
                 <a:spcPts val="0"/>
               </a:spcBef>
@@ -3100,7 +3219,7 @@
               <a:buChar char="○"/>
               <a:defRPr/>
             </a:lvl5pPr>
-            <a:lvl6pPr indent="-317500" lvl="5" marL="2743200" algn="ctr">
+            <a:lvl6pPr marL="2743200" lvl="5" indent="-317500" algn="ctr">
               <a:spcBef>
                 <a:spcPts val="0"/>
               </a:spcBef>
@@ -3111,7 +3230,7 @@
               <a:buChar char="■"/>
               <a:defRPr/>
             </a:lvl6pPr>
-            <a:lvl7pPr indent="-317500" lvl="6" marL="3200400" algn="ctr">
+            <a:lvl7pPr marL="3200400" lvl="6" indent="-317500" algn="ctr">
               <a:spcBef>
                 <a:spcPts val="0"/>
               </a:spcBef>
@@ -3122,7 +3241,7 @@
               <a:buChar char="●"/>
               <a:defRPr/>
             </a:lvl7pPr>
-            <a:lvl8pPr indent="-317500" lvl="7" marL="3657600" algn="ctr">
+            <a:lvl8pPr marL="3657600" lvl="7" indent="-317500" algn="ctr">
               <a:spcBef>
                 <a:spcPts val="0"/>
               </a:spcBef>
@@ -3133,7 +3252,7 @@
               <a:buChar char="○"/>
               <a:defRPr/>
             </a:lvl8pPr>
-            <a:lvl9pPr indent="-317500" lvl="8" marL="4114800" algn="ctr">
+            <a:lvl9pPr marL="4114800" lvl="8" indent="-317500" algn="ctr">
               <a:spcBef>
                 <a:spcPts val="0"/>
               </a:spcBef>
@@ -3145,15 +3264,19 @@
               <a:defRPr/>
             </a:lvl9pPr>
           </a:lstStyle>
-          <a:p/>
+          <a:p>
+            <a:endParaRPr/>
+          </a:p>
         </p:txBody>
       </p:sp>
       <p:sp>
         <p:nvSpPr>
           <p:cNvPr id="47" name="Google Shape;47;p11"/>
-          <p:cNvSpPr txBox="1"/>
+          <p:cNvSpPr txBox="1">
+            <a:spLocks noGrp="1"/>
+          </p:cNvSpPr>
           <p:nvPr>
-            <p:ph idx="12" type="sldNum"/>
+            <p:ph type="sldNum" idx="12"/>
           </p:nvPr>
         </p:nvSpPr>
         <p:spPr>
@@ -3166,7 +3289,7 @@
           </a:prstGeom>
         </p:spPr>
         <p:txBody>
-          <a:bodyPr anchorCtr="0" anchor="ctr" bIns="91425" lIns="91425" spcFirstLastPara="1" rIns="91425" wrap="square" tIns="91425">
+          <a:bodyPr spcFirstLastPara="1" wrap="square" lIns="91425" tIns="91425" rIns="91425" bIns="91425" anchor="ctr" anchorCtr="0">
             <a:normAutofit/>
           </a:bodyPr>
           <a:lstStyle>
@@ -3208,7 +3331,7 @@
             </a:lvl9pPr>
           </a:lstStyle>
           <a:p>
-            <a:pPr indent="0" lvl="0" marL="0" rtl="0" algn="r">
+            <a:pPr marL="0" lvl="0" indent="0" algn="r" rtl="0">
               <a:spcBef>
                 <a:spcPts val="0"/>
               </a:spcBef>
@@ -3234,11 +3357,11 @@
 </file>
 
 <file path=ppt/slideLayouts/slideLayout11.xml><?xml version="1.0" encoding="utf-8"?>
-<p:sldLayout xmlns:a="http://schemas.openxmlformats.org/drawingml/2006/main" xmlns:r="http://schemas.openxmlformats.org/officeDocument/2006/relationships" xmlns:mc="http://schemas.openxmlformats.org/markup-compatibility/2006" xmlns:mv="urn:schemas-microsoft-com:mac:vml" xmlns:p="http://schemas.openxmlformats.org/presentationml/2006/main" xmlns:c="http://schemas.openxmlformats.org/drawingml/2006/chart" xmlns:dgm="http://schemas.openxmlformats.org/drawingml/2006/diagram" xmlns:o="urn:schemas-microsoft-com:office:office" xmlns:v="urn:schemas-microsoft-com:vml" xmlns:pvml="urn:schemas-microsoft-com:office:powerpoint" xmlns:com="http://schemas.openxmlformats.org/drawingml/2006/compatibility" xmlns:p14="http://schemas.microsoft.com/office/powerpoint/2010/main" xmlns:p15="http://schemas.microsoft.com/office/powerpoint/2012/main" xmlns:ahyp="http://schemas.microsoft.com/office/drawing/2018/hyperlinkcolor" matchingName="Blank" type="blank">
+<p:sldLayout xmlns:a="http://schemas.openxmlformats.org/drawingml/2006/main" xmlns:r="http://schemas.openxmlformats.org/officeDocument/2006/relationships" xmlns:p="http://schemas.openxmlformats.org/presentationml/2006/main" matchingName="Blank" type="blank">
   <p:cSld name="BLANK">
     <p:spTree>
       <p:nvGrpSpPr>
-        <p:cNvPr id="48" name="Shape 48"/>
+        <p:cNvPr id="1" name="Shape 48"/>
         <p:cNvGrpSpPr/>
         <p:nvPr/>
       </p:nvGrpSpPr>
@@ -3253,9 +3376,11 @@
       <p:sp>
         <p:nvSpPr>
           <p:cNvPr id="49" name="Google Shape;49;p12"/>
-          <p:cNvSpPr txBox="1"/>
+          <p:cNvSpPr txBox="1">
+            <a:spLocks noGrp="1"/>
+          </p:cNvSpPr>
           <p:nvPr>
-            <p:ph idx="12" type="sldNum"/>
+            <p:ph type="sldNum" idx="12"/>
           </p:nvPr>
         </p:nvSpPr>
         <p:spPr>
@@ -3268,7 +3393,7 @@
           </a:prstGeom>
         </p:spPr>
         <p:txBody>
-          <a:bodyPr anchorCtr="0" anchor="ctr" bIns="91425" lIns="91425" spcFirstLastPara="1" rIns="91425" wrap="square" tIns="91425">
+          <a:bodyPr spcFirstLastPara="1" wrap="square" lIns="91425" tIns="91425" rIns="91425" bIns="91425" anchor="ctr" anchorCtr="0">
             <a:normAutofit/>
           </a:bodyPr>
           <a:lstStyle>
@@ -3310,7 +3435,7 @@
             </a:lvl9pPr>
           </a:lstStyle>
           <a:p>
-            <a:pPr indent="0" lvl="0" marL="0" rtl="0" algn="r">
+            <a:pPr marL="0" lvl="0" indent="0" algn="r" rtl="0">
               <a:spcBef>
                 <a:spcPts val="0"/>
               </a:spcBef>
@@ -3336,11 +3461,11 @@
 </file>
 
 <file path=ppt/slideLayouts/slideLayout12.xml><?xml version="1.0" encoding="utf-8"?>
-<p:sldLayout xmlns:a="http://schemas.openxmlformats.org/drawingml/2006/main" xmlns:r="http://schemas.openxmlformats.org/officeDocument/2006/relationships" xmlns:mc="http://schemas.openxmlformats.org/markup-compatibility/2006" xmlns:mv="urn:schemas-microsoft-com:mac:vml" xmlns:p="http://schemas.openxmlformats.org/presentationml/2006/main" xmlns:c="http://schemas.openxmlformats.org/drawingml/2006/chart" xmlns:dgm="http://schemas.openxmlformats.org/drawingml/2006/diagram" xmlns:o="urn:schemas-microsoft-com:office:office" xmlns:v="urn:schemas-microsoft-com:vml" xmlns:pvml="urn:schemas-microsoft-com:office:powerpoint" xmlns:com="http://schemas.openxmlformats.org/drawingml/2006/compatibility" xmlns:p14="http://schemas.microsoft.com/office/powerpoint/2010/main" xmlns:p15="http://schemas.microsoft.com/office/powerpoint/2012/main" xmlns:ahyp="http://schemas.microsoft.com/office/drawing/2018/hyperlinkcolor" matchingName="Title Slide">
+<p:sldLayout xmlns:a="http://schemas.openxmlformats.org/drawingml/2006/main" xmlns:r="http://schemas.openxmlformats.org/officeDocument/2006/relationships" xmlns:p="http://schemas.openxmlformats.org/presentationml/2006/main" matchingName="Title Slide">
   <p:cSld name="TITLE_AND_BODY_1">
     <p:spTree>
       <p:nvGrpSpPr>
-        <p:cNvPr id="50" name="Shape 50"/>
+        <p:cNvPr id="1" name="Shape 50"/>
         <p:cNvGrpSpPr/>
         <p:nvPr/>
       </p:nvGrpSpPr>
@@ -3355,7 +3480,9 @@
       <p:sp>
         <p:nvSpPr>
           <p:cNvPr id="51" name="Google Shape;51;p13"/>
-          <p:cNvSpPr txBox="1"/>
+          <p:cNvSpPr txBox="1">
+            <a:spLocks noGrp="1"/>
+          </p:cNvSpPr>
           <p:nvPr>
             <p:ph type="title"/>
           </p:nvPr>
@@ -3374,11 +3501,11 @@
           </a:ln>
         </p:spPr>
         <p:txBody>
-          <a:bodyPr anchorCtr="0" anchor="ctr" bIns="0" lIns="0" spcFirstLastPara="1" rIns="0" wrap="square" tIns="0">
+          <a:bodyPr spcFirstLastPara="1" wrap="square" lIns="0" tIns="0" rIns="0" bIns="0" anchor="ctr" anchorCtr="0">
             <a:normAutofit/>
           </a:bodyPr>
           <a:lstStyle>
-            <a:lvl1pPr lvl="0" rtl="0" algn="l">
+            <a:lvl1pPr lvl="0" algn="l" rtl="0">
               <a:lnSpc>
                 <a:spcPct val="90000"/>
               </a:lnSpc>
@@ -3484,15 +3611,19 @@
               <a:defRPr/>
             </a:lvl9pPr>
           </a:lstStyle>
-          <a:p/>
+          <a:p>
+            <a:endParaRPr/>
+          </a:p>
         </p:txBody>
       </p:sp>
       <p:sp>
         <p:nvSpPr>
           <p:cNvPr id="52" name="Google Shape;52;p13"/>
-          <p:cNvSpPr txBox="1"/>
+          <p:cNvSpPr txBox="1">
+            <a:spLocks noGrp="1"/>
+          </p:cNvSpPr>
           <p:nvPr>
-            <p:ph idx="1" type="subTitle"/>
+            <p:ph type="subTitle" idx="1"/>
           </p:nvPr>
         </p:nvSpPr>
         <p:spPr>
@@ -3509,11 +3640,11 @@
           </a:ln>
         </p:spPr>
         <p:txBody>
-          <a:bodyPr anchorCtr="0" anchor="ctr" bIns="0" lIns="0" spcFirstLastPara="1" rIns="0" wrap="square" tIns="0">
+          <a:bodyPr spcFirstLastPara="1" wrap="square" lIns="0" tIns="0" rIns="0" bIns="0" anchor="ctr" anchorCtr="0">
             <a:normAutofit/>
           </a:bodyPr>
           <a:lstStyle>
-            <a:lvl1pPr lvl="0" rtl="0" algn="l">
+            <a:lvl1pPr lvl="0" algn="l" rtl="0">
               <a:lnSpc>
                 <a:spcPct val="90000"/>
               </a:lnSpc>
@@ -3530,7 +3661,7 @@
               <a:buChar char="●"/>
               <a:defRPr/>
             </a:lvl1pPr>
-            <a:lvl2pPr lvl="1" rtl="0" algn="l">
+            <a:lvl2pPr lvl="1" algn="l" rtl="0">
               <a:lnSpc>
                 <a:spcPct val="90000"/>
               </a:lnSpc>
@@ -3547,7 +3678,7 @@
               <a:buChar char="○"/>
               <a:defRPr/>
             </a:lvl2pPr>
-            <a:lvl3pPr lvl="2" rtl="0" algn="l">
+            <a:lvl3pPr lvl="2" algn="l" rtl="0">
               <a:lnSpc>
                 <a:spcPct val="90000"/>
               </a:lnSpc>
@@ -3564,7 +3695,7 @@
               <a:buChar char="■"/>
               <a:defRPr/>
             </a:lvl3pPr>
-            <a:lvl4pPr lvl="3" rtl="0" algn="l">
+            <a:lvl4pPr lvl="3" algn="l" rtl="0">
               <a:lnSpc>
                 <a:spcPct val="90000"/>
               </a:lnSpc>
@@ -3581,7 +3712,7 @@
               <a:buChar char="●"/>
               <a:defRPr/>
             </a:lvl4pPr>
-            <a:lvl5pPr lvl="4" rtl="0" algn="l">
+            <a:lvl5pPr lvl="4" algn="l" rtl="0">
               <a:lnSpc>
                 <a:spcPct val="90000"/>
               </a:lnSpc>
@@ -3598,7 +3729,7 @@
               <a:buChar char="○"/>
               <a:defRPr/>
             </a:lvl5pPr>
-            <a:lvl6pPr lvl="5" rtl="0" algn="l">
+            <a:lvl6pPr lvl="5" algn="l" rtl="0">
               <a:lnSpc>
                 <a:spcPct val="90000"/>
               </a:lnSpc>
@@ -3615,7 +3746,7 @@
               <a:buChar char="■"/>
               <a:defRPr/>
             </a:lvl6pPr>
-            <a:lvl7pPr lvl="6" rtl="0" algn="l">
+            <a:lvl7pPr lvl="6" algn="l" rtl="0">
               <a:lnSpc>
                 <a:spcPct val="90000"/>
               </a:lnSpc>
@@ -3632,7 +3763,7 @@
               <a:buChar char="●"/>
               <a:defRPr/>
             </a:lvl7pPr>
-            <a:lvl8pPr lvl="7" rtl="0" algn="l">
+            <a:lvl8pPr lvl="7" algn="l" rtl="0">
               <a:lnSpc>
                 <a:spcPct val="90000"/>
               </a:lnSpc>
@@ -3649,7 +3780,7 @@
               <a:buChar char="○"/>
               <a:defRPr/>
             </a:lvl8pPr>
-            <a:lvl9pPr lvl="8" rtl="0" algn="l">
+            <a:lvl9pPr lvl="8" algn="l" rtl="0">
               <a:lnSpc>
                 <a:spcPct val="90000"/>
               </a:lnSpc>
@@ -3667,7 +3798,9 @@
               <a:defRPr/>
             </a:lvl9pPr>
           </a:lstStyle>
-          <a:p/>
+          <a:p>
+            <a:endParaRPr/>
+          </a:p>
         </p:txBody>
       </p:sp>
     </p:spTree>
@@ -3679,11 +3812,11 @@
 </file>
 
 <file path=ppt/slideLayouts/slideLayout13.xml><?xml version="1.0" encoding="utf-8"?>
-<p:sldLayout xmlns:a="http://schemas.openxmlformats.org/drawingml/2006/main" xmlns:r="http://schemas.openxmlformats.org/officeDocument/2006/relationships" xmlns:mc="http://schemas.openxmlformats.org/markup-compatibility/2006" xmlns:mv="urn:schemas-microsoft-com:mac:vml" xmlns:p="http://schemas.openxmlformats.org/presentationml/2006/main" xmlns:c="http://schemas.openxmlformats.org/drawingml/2006/chart" xmlns:dgm="http://schemas.openxmlformats.org/drawingml/2006/diagram" xmlns:o="urn:schemas-microsoft-com:office:office" xmlns:v="urn:schemas-microsoft-com:vml" xmlns:pvml="urn:schemas-microsoft-com:office:powerpoint" xmlns:com="http://schemas.openxmlformats.org/drawingml/2006/compatibility" xmlns:p14="http://schemas.microsoft.com/office/powerpoint/2010/main" xmlns:p15="http://schemas.microsoft.com/office/powerpoint/2012/main" xmlns:ahyp="http://schemas.microsoft.com/office/drawing/2018/hyperlinkcolor" matchingName="Title, 2 Content" type="twoObj">
+<p:sldLayout xmlns:a="http://schemas.openxmlformats.org/drawingml/2006/main" xmlns:r="http://schemas.openxmlformats.org/officeDocument/2006/relationships" xmlns:p="http://schemas.openxmlformats.org/presentationml/2006/main" matchingName="Title, 2 Content" type="twoObj">
   <p:cSld name="TWO_OBJECTS">
     <p:spTree>
       <p:nvGrpSpPr>
-        <p:cNvPr id="53" name="Shape 53"/>
+        <p:cNvPr id="1" name="Shape 53"/>
         <p:cNvGrpSpPr/>
         <p:nvPr/>
       </p:nvGrpSpPr>
@@ -3698,7 +3831,9 @@
       <p:sp>
         <p:nvSpPr>
           <p:cNvPr id="54" name="Google Shape;54;p14"/>
-          <p:cNvSpPr txBox="1"/>
+          <p:cNvSpPr txBox="1">
+            <a:spLocks noGrp="1"/>
+          </p:cNvSpPr>
           <p:nvPr>
             <p:ph type="title"/>
           </p:nvPr>
@@ -3717,11 +3852,11 @@
           </a:ln>
         </p:spPr>
         <p:txBody>
-          <a:bodyPr anchorCtr="0" anchor="ctr" bIns="0" lIns="0" spcFirstLastPara="1" rIns="0" wrap="square" tIns="0">
+          <a:bodyPr spcFirstLastPara="1" wrap="square" lIns="0" tIns="0" rIns="0" bIns="0" anchor="ctr" anchorCtr="0">
             <a:normAutofit/>
           </a:bodyPr>
           <a:lstStyle>
-            <a:lvl1pPr lvl="0" rtl="0" algn="l">
+            <a:lvl1pPr lvl="0" algn="l" rtl="0">
               <a:lnSpc>
                 <a:spcPct val="90000"/>
               </a:lnSpc>
@@ -3827,15 +3962,19 @@
               <a:defRPr/>
             </a:lvl9pPr>
           </a:lstStyle>
-          <a:p/>
+          <a:p>
+            <a:endParaRPr/>
+          </a:p>
         </p:txBody>
       </p:sp>
       <p:sp>
         <p:nvSpPr>
           <p:cNvPr id="55" name="Google Shape;55;p14"/>
-          <p:cNvSpPr txBox="1"/>
+          <p:cNvSpPr txBox="1">
+            <a:spLocks noGrp="1"/>
+          </p:cNvSpPr>
           <p:nvPr>
-            <p:ph idx="1" type="body"/>
+            <p:ph type="body" idx="1"/>
           </p:nvPr>
         </p:nvSpPr>
         <p:spPr>
@@ -3852,11 +3991,11 @@
           </a:ln>
         </p:spPr>
         <p:txBody>
-          <a:bodyPr anchorCtr="0" anchor="t" bIns="0" lIns="0" spcFirstLastPara="1" rIns="0" wrap="square" tIns="0">
+          <a:bodyPr spcFirstLastPara="1" wrap="square" lIns="0" tIns="0" rIns="0" bIns="0" anchor="t" anchorCtr="0">
             <a:normAutofit/>
           </a:bodyPr>
           <a:lstStyle>
-            <a:lvl1pPr indent="-342900" lvl="0" marL="457200" rtl="0" algn="l">
+            <a:lvl1pPr marL="457200" lvl="0" indent="-342900" algn="l" rtl="0">
               <a:lnSpc>
                 <a:spcPct val="90000"/>
               </a:lnSpc>
@@ -3873,7 +4012,7 @@
               <a:buChar char="●"/>
               <a:defRPr/>
             </a:lvl1pPr>
-            <a:lvl2pPr indent="-342900" lvl="1" marL="914400" rtl="0" algn="l">
+            <a:lvl2pPr marL="914400" lvl="1" indent="-342900" algn="l" rtl="0">
               <a:lnSpc>
                 <a:spcPct val="90000"/>
               </a:lnSpc>
@@ -3890,7 +4029,7 @@
               <a:buChar char="○"/>
               <a:defRPr/>
             </a:lvl2pPr>
-            <a:lvl3pPr indent="-342900" lvl="2" marL="1371600" rtl="0" algn="l">
+            <a:lvl3pPr marL="1371600" lvl="2" indent="-342900" algn="l" rtl="0">
               <a:lnSpc>
                 <a:spcPct val="90000"/>
               </a:lnSpc>
@@ -3907,7 +4046,7 @@
               <a:buChar char="■"/>
               <a:defRPr/>
             </a:lvl3pPr>
-            <a:lvl4pPr indent="-342900" lvl="3" marL="1828800" rtl="0" algn="l">
+            <a:lvl4pPr marL="1828800" lvl="3" indent="-342900" algn="l" rtl="0">
               <a:lnSpc>
                 <a:spcPct val="90000"/>
               </a:lnSpc>
@@ -3924,7 +4063,7 @@
               <a:buChar char="●"/>
               <a:defRPr/>
             </a:lvl4pPr>
-            <a:lvl5pPr indent="-342900" lvl="4" marL="2286000" rtl="0" algn="l">
+            <a:lvl5pPr marL="2286000" lvl="4" indent="-342900" algn="l" rtl="0">
               <a:lnSpc>
                 <a:spcPct val="90000"/>
               </a:lnSpc>
@@ -3941,7 +4080,7 @@
               <a:buChar char="○"/>
               <a:defRPr/>
             </a:lvl5pPr>
-            <a:lvl6pPr indent="-342900" lvl="5" marL="2743200" rtl="0" algn="l">
+            <a:lvl6pPr marL="2743200" lvl="5" indent="-342900" algn="l" rtl="0">
               <a:lnSpc>
                 <a:spcPct val="90000"/>
               </a:lnSpc>
@@ -3958,7 +4097,7 @@
               <a:buChar char="■"/>
               <a:defRPr/>
             </a:lvl6pPr>
-            <a:lvl7pPr indent="-342900" lvl="6" marL="3200400" rtl="0" algn="l">
+            <a:lvl7pPr marL="3200400" lvl="6" indent="-342900" algn="l" rtl="0">
               <a:lnSpc>
                 <a:spcPct val="90000"/>
               </a:lnSpc>
@@ -3975,7 +4114,7 @@
               <a:buChar char="●"/>
               <a:defRPr/>
             </a:lvl7pPr>
-            <a:lvl8pPr indent="-342900" lvl="7" marL="3657600" rtl="0" algn="l">
+            <a:lvl8pPr marL="3657600" lvl="7" indent="-342900" algn="l" rtl="0">
               <a:lnSpc>
                 <a:spcPct val="90000"/>
               </a:lnSpc>
@@ -3992,7 +4131,7 @@
               <a:buChar char="○"/>
               <a:defRPr/>
             </a:lvl8pPr>
-            <a:lvl9pPr indent="-342900" lvl="8" marL="4114800" rtl="0" algn="l">
+            <a:lvl9pPr marL="4114800" lvl="8" indent="-342900" algn="l" rtl="0">
               <a:lnSpc>
                 <a:spcPct val="90000"/>
               </a:lnSpc>
@@ -4010,15 +4149,19 @@
               <a:defRPr/>
             </a:lvl9pPr>
           </a:lstStyle>
-          <a:p/>
+          <a:p>
+            <a:endParaRPr/>
+          </a:p>
         </p:txBody>
       </p:sp>
       <p:sp>
         <p:nvSpPr>
           <p:cNvPr id="56" name="Google Shape;56;p14"/>
-          <p:cNvSpPr txBox="1"/>
+          <p:cNvSpPr txBox="1">
+            <a:spLocks noGrp="1"/>
+          </p:cNvSpPr>
           <p:nvPr>
-            <p:ph idx="2" type="body"/>
+            <p:ph type="body" idx="2"/>
           </p:nvPr>
         </p:nvSpPr>
         <p:spPr>
@@ -4035,11 +4178,11 @@
           </a:ln>
         </p:spPr>
         <p:txBody>
-          <a:bodyPr anchorCtr="0" anchor="t" bIns="0" lIns="0" spcFirstLastPara="1" rIns="0" wrap="square" tIns="0">
+          <a:bodyPr spcFirstLastPara="1" wrap="square" lIns="0" tIns="0" rIns="0" bIns="0" anchor="t" anchorCtr="0">
             <a:normAutofit/>
           </a:bodyPr>
           <a:lstStyle>
-            <a:lvl1pPr indent="-342900" lvl="0" marL="457200" rtl="0" algn="l">
+            <a:lvl1pPr marL="457200" lvl="0" indent="-342900" algn="l" rtl="0">
               <a:lnSpc>
                 <a:spcPct val="90000"/>
               </a:lnSpc>
@@ -4056,7 +4199,7 @@
               <a:buChar char="●"/>
               <a:defRPr/>
             </a:lvl1pPr>
-            <a:lvl2pPr indent="-342900" lvl="1" marL="914400" rtl="0" algn="l">
+            <a:lvl2pPr marL="914400" lvl="1" indent="-342900" algn="l" rtl="0">
               <a:lnSpc>
                 <a:spcPct val="90000"/>
               </a:lnSpc>
@@ -4073,7 +4216,7 @@
               <a:buChar char="○"/>
               <a:defRPr/>
             </a:lvl2pPr>
-            <a:lvl3pPr indent="-342900" lvl="2" marL="1371600" rtl="0" algn="l">
+            <a:lvl3pPr marL="1371600" lvl="2" indent="-342900" algn="l" rtl="0">
               <a:lnSpc>
                 <a:spcPct val="90000"/>
               </a:lnSpc>
@@ -4090,7 +4233,7 @@
               <a:buChar char="■"/>
               <a:defRPr/>
             </a:lvl3pPr>
-            <a:lvl4pPr indent="-342900" lvl="3" marL="1828800" rtl="0" algn="l">
+            <a:lvl4pPr marL="1828800" lvl="3" indent="-342900" algn="l" rtl="0">
               <a:lnSpc>
                 <a:spcPct val="90000"/>
               </a:lnSpc>
@@ -4107,7 +4250,7 @@
               <a:buChar char="●"/>
               <a:defRPr/>
             </a:lvl4pPr>
-            <a:lvl5pPr indent="-342900" lvl="4" marL="2286000" rtl="0" algn="l">
+            <a:lvl5pPr marL="2286000" lvl="4" indent="-342900" algn="l" rtl="0">
               <a:lnSpc>
                 <a:spcPct val="90000"/>
               </a:lnSpc>
@@ -4124,7 +4267,7 @@
               <a:buChar char="○"/>
               <a:defRPr/>
             </a:lvl5pPr>
-            <a:lvl6pPr indent="-342900" lvl="5" marL="2743200" rtl="0" algn="l">
+            <a:lvl6pPr marL="2743200" lvl="5" indent="-342900" algn="l" rtl="0">
               <a:lnSpc>
                 <a:spcPct val="90000"/>
               </a:lnSpc>
@@ -4141,7 +4284,7 @@
               <a:buChar char="■"/>
               <a:defRPr/>
             </a:lvl6pPr>
-            <a:lvl7pPr indent="-342900" lvl="6" marL="3200400" rtl="0" algn="l">
+            <a:lvl7pPr marL="3200400" lvl="6" indent="-342900" algn="l" rtl="0">
               <a:lnSpc>
                 <a:spcPct val="90000"/>
               </a:lnSpc>
@@ -4158,7 +4301,7 @@
               <a:buChar char="●"/>
               <a:defRPr/>
             </a:lvl7pPr>
-            <a:lvl8pPr indent="-342900" lvl="7" marL="3657600" rtl="0" algn="l">
+            <a:lvl8pPr marL="3657600" lvl="7" indent="-342900" algn="l" rtl="0">
               <a:lnSpc>
                 <a:spcPct val="90000"/>
               </a:lnSpc>
@@ -4175,7 +4318,7 @@
               <a:buChar char="○"/>
               <a:defRPr/>
             </a:lvl8pPr>
-            <a:lvl9pPr indent="-342900" lvl="8" marL="4114800" rtl="0" algn="l">
+            <a:lvl9pPr marL="4114800" lvl="8" indent="-342900" algn="l" rtl="0">
               <a:lnSpc>
                 <a:spcPct val="90000"/>
               </a:lnSpc>
@@ -4193,7 +4336,9 @@
               <a:defRPr/>
             </a:lvl9pPr>
           </a:lstStyle>
-          <a:p/>
+          <a:p>
+            <a:endParaRPr/>
+          </a:p>
         </p:txBody>
       </p:sp>
     </p:spTree>
@@ -4205,11 +4350,11 @@
 </file>
 
 <file path=ppt/slideLayouts/slideLayout2.xml><?xml version="1.0" encoding="utf-8"?>
-<p:sldLayout xmlns:a="http://schemas.openxmlformats.org/drawingml/2006/main" xmlns:r="http://schemas.openxmlformats.org/officeDocument/2006/relationships" xmlns:mc="http://schemas.openxmlformats.org/markup-compatibility/2006" xmlns:mv="urn:schemas-microsoft-com:mac:vml" xmlns:p="http://schemas.openxmlformats.org/presentationml/2006/main" xmlns:c="http://schemas.openxmlformats.org/drawingml/2006/chart" xmlns:dgm="http://schemas.openxmlformats.org/drawingml/2006/diagram" xmlns:o="urn:schemas-microsoft-com:office:office" xmlns:v="urn:schemas-microsoft-com:vml" xmlns:pvml="urn:schemas-microsoft-com:office:powerpoint" xmlns:com="http://schemas.openxmlformats.org/drawingml/2006/compatibility" xmlns:p14="http://schemas.microsoft.com/office/powerpoint/2010/main" xmlns:p15="http://schemas.microsoft.com/office/powerpoint/2012/main" xmlns:ahyp="http://schemas.microsoft.com/office/drawing/2018/hyperlinkcolor" matchingName="Section header" type="secHead">
+<p:sldLayout xmlns:a="http://schemas.openxmlformats.org/drawingml/2006/main" xmlns:r="http://schemas.openxmlformats.org/officeDocument/2006/relationships" xmlns:p="http://schemas.openxmlformats.org/presentationml/2006/main" matchingName="Section header" type="secHead">
   <p:cSld name="SECTION_HEADER">
     <p:spTree>
       <p:nvGrpSpPr>
-        <p:cNvPr id="13" name="Shape 13"/>
+        <p:cNvPr id="1" name="Shape 13"/>
         <p:cNvGrpSpPr/>
         <p:nvPr/>
       </p:nvGrpSpPr>
@@ -4224,7 +4369,9 @@
       <p:sp>
         <p:nvSpPr>
           <p:cNvPr id="14" name="Google Shape;14;p3"/>
-          <p:cNvSpPr txBox="1"/>
+          <p:cNvSpPr txBox="1">
+            <a:spLocks noGrp="1"/>
+          </p:cNvSpPr>
           <p:nvPr>
             <p:ph type="title"/>
           </p:nvPr>
@@ -4239,7 +4386,7 @@
           </a:prstGeom>
         </p:spPr>
         <p:txBody>
-          <a:bodyPr anchorCtr="0" anchor="ctr" bIns="91425" lIns="91425" spcFirstLastPara="1" rIns="91425" wrap="square" tIns="91425">
+          <a:bodyPr spcFirstLastPara="1" wrap="square" lIns="91425" tIns="91425" rIns="91425" bIns="91425" anchor="ctr" anchorCtr="0">
             <a:normAutofit/>
           </a:bodyPr>
           <a:lstStyle>
@@ -4343,15 +4490,19 @@
               <a:defRPr sz="3600"/>
             </a:lvl9pPr>
           </a:lstStyle>
-          <a:p/>
+          <a:p>
+            <a:endParaRPr/>
+          </a:p>
         </p:txBody>
       </p:sp>
       <p:sp>
         <p:nvSpPr>
           <p:cNvPr id="15" name="Google Shape;15;p3"/>
-          <p:cNvSpPr txBox="1"/>
+          <p:cNvSpPr txBox="1">
+            <a:spLocks noGrp="1"/>
+          </p:cNvSpPr>
           <p:nvPr>
-            <p:ph idx="12" type="sldNum"/>
+            <p:ph type="sldNum" idx="12"/>
           </p:nvPr>
         </p:nvSpPr>
         <p:spPr>
@@ -4364,7 +4515,7 @@
           </a:prstGeom>
         </p:spPr>
         <p:txBody>
-          <a:bodyPr anchorCtr="0" anchor="ctr" bIns="91425" lIns="91425" spcFirstLastPara="1" rIns="91425" wrap="square" tIns="91425">
+          <a:bodyPr spcFirstLastPara="1" wrap="square" lIns="91425" tIns="91425" rIns="91425" bIns="91425" anchor="ctr" anchorCtr="0">
             <a:normAutofit/>
           </a:bodyPr>
           <a:lstStyle>
@@ -4406,7 +4557,7 @@
             </a:lvl9pPr>
           </a:lstStyle>
           <a:p>
-            <a:pPr indent="0" lvl="0" marL="0" rtl="0" algn="r">
+            <a:pPr marL="0" lvl="0" indent="0" algn="r" rtl="0">
               <a:spcBef>
                 <a:spcPts val="0"/>
               </a:spcBef>
@@ -4432,11 +4583,11 @@
 </file>
 
 <file path=ppt/slideLayouts/slideLayout3.xml><?xml version="1.0" encoding="utf-8"?>
-<p:sldLayout xmlns:a="http://schemas.openxmlformats.org/drawingml/2006/main" xmlns:r="http://schemas.openxmlformats.org/officeDocument/2006/relationships" xmlns:mc="http://schemas.openxmlformats.org/markup-compatibility/2006" xmlns:mv="urn:schemas-microsoft-com:mac:vml" xmlns:p="http://schemas.openxmlformats.org/presentationml/2006/main" xmlns:c="http://schemas.openxmlformats.org/drawingml/2006/chart" xmlns:dgm="http://schemas.openxmlformats.org/drawingml/2006/diagram" xmlns:o="urn:schemas-microsoft-com:office:office" xmlns:v="urn:schemas-microsoft-com:vml" xmlns:pvml="urn:schemas-microsoft-com:office:powerpoint" xmlns:com="http://schemas.openxmlformats.org/drawingml/2006/compatibility" xmlns:p14="http://schemas.microsoft.com/office/powerpoint/2010/main" xmlns:p15="http://schemas.microsoft.com/office/powerpoint/2012/main" xmlns:ahyp="http://schemas.microsoft.com/office/drawing/2018/hyperlinkcolor" matchingName="Title and body" type="tx">
+<p:sldLayout xmlns:a="http://schemas.openxmlformats.org/drawingml/2006/main" xmlns:r="http://schemas.openxmlformats.org/officeDocument/2006/relationships" xmlns:p="http://schemas.openxmlformats.org/presentationml/2006/main" matchingName="Title and body" type="tx">
   <p:cSld name="TITLE_AND_BODY">
     <p:spTree>
       <p:nvGrpSpPr>
-        <p:cNvPr id="16" name="Shape 16"/>
+        <p:cNvPr id="1" name="Shape 16"/>
         <p:cNvGrpSpPr/>
         <p:nvPr/>
       </p:nvGrpSpPr>
@@ -4451,7 +4602,9 @@
       <p:sp>
         <p:nvSpPr>
           <p:cNvPr id="17" name="Google Shape;17;p4"/>
-          <p:cNvSpPr txBox="1"/>
+          <p:cNvSpPr txBox="1">
+            <a:spLocks noGrp="1"/>
+          </p:cNvSpPr>
           <p:nvPr>
             <p:ph type="title"/>
           </p:nvPr>
@@ -4466,7 +4619,7 @@
           </a:prstGeom>
         </p:spPr>
         <p:txBody>
-          <a:bodyPr anchorCtr="0" anchor="t" bIns="91425" lIns="91425" spcFirstLastPara="1" rIns="91425" wrap="square" tIns="91425">
+          <a:bodyPr spcFirstLastPara="1" wrap="square" lIns="91425" tIns="91425" rIns="91425" bIns="91425" anchor="t" anchorCtr="0">
             <a:normAutofit/>
           </a:bodyPr>
           <a:lstStyle>
@@ -4570,15 +4723,19 @@
               <a:defRPr/>
             </a:lvl9pPr>
           </a:lstStyle>
-          <a:p/>
+          <a:p>
+            <a:endParaRPr/>
+          </a:p>
         </p:txBody>
       </p:sp>
       <p:sp>
         <p:nvSpPr>
           <p:cNvPr id="18" name="Google Shape;18;p4"/>
-          <p:cNvSpPr txBox="1"/>
+          <p:cNvSpPr txBox="1">
+            <a:spLocks noGrp="1"/>
+          </p:cNvSpPr>
           <p:nvPr>
-            <p:ph idx="1" type="body"/>
+            <p:ph type="body" idx="1"/>
           </p:nvPr>
         </p:nvSpPr>
         <p:spPr>
@@ -4591,11 +4748,11 @@
           </a:prstGeom>
         </p:spPr>
         <p:txBody>
-          <a:bodyPr anchorCtr="0" anchor="t" bIns="91425" lIns="91425" spcFirstLastPara="1" rIns="91425" wrap="square" tIns="91425">
+          <a:bodyPr spcFirstLastPara="1" wrap="square" lIns="91425" tIns="91425" rIns="91425" bIns="91425" anchor="t" anchorCtr="0">
             <a:normAutofit/>
           </a:bodyPr>
           <a:lstStyle>
-            <a:lvl1pPr indent="-342900" lvl="0" marL="457200">
+            <a:lvl1pPr marL="457200" lvl="0" indent="-342900">
               <a:spcBef>
                 <a:spcPts val="0"/>
               </a:spcBef>
@@ -4606,7 +4763,7 @@
               <a:buChar char="●"/>
               <a:defRPr/>
             </a:lvl1pPr>
-            <a:lvl2pPr indent="-317500" lvl="1" marL="914400">
+            <a:lvl2pPr marL="914400" lvl="1" indent="-317500">
               <a:spcBef>
                 <a:spcPts val="0"/>
               </a:spcBef>
@@ -4617,7 +4774,7 @@
               <a:buChar char="○"/>
               <a:defRPr/>
             </a:lvl2pPr>
-            <a:lvl3pPr indent="-317500" lvl="2" marL="1371600">
+            <a:lvl3pPr marL="1371600" lvl="2" indent="-317500">
               <a:spcBef>
                 <a:spcPts val="0"/>
               </a:spcBef>
@@ -4628,7 +4785,7 @@
               <a:buChar char="■"/>
               <a:defRPr/>
             </a:lvl3pPr>
-            <a:lvl4pPr indent="-317500" lvl="3" marL="1828800">
+            <a:lvl4pPr marL="1828800" lvl="3" indent="-317500">
               <a:spcBef>
                 <a:spcPts val="0"/>
               </a:spcBef>
@@ -4639,7 +4796,7 @@
               <a:buChar char="●"/>
               <a:defRPr/>
             </a:lvl4pPr>
-            <a:lvl5pPr indent="-317500" lvl="4" marL="2286000">
+            <a:lvl5pPr marL="2286000" lvl="4" indent="-317500">
               <a:spcBef>
                 <a:spcPts val="0"/>
               </a:spcBef>
@@ -4650,7 +4807,7 @@
               <a:buChar char="○"/>
               <a:defRPr/>
             </a:lvl5pPr>
-            <a:lvl6pPr indent="-317500" lvl="5" marL="2743200">
+            <a:lvl6pPr marL="2743200" lvl="5" indent="-317500">
               <a:spcBef>
                 <a:spcPts val="0"/>
               </a:spcBef>
@@ -4661,7 +4818,7 @@
               <a:buChar char="■"/>
               <a:defRPr/>
             </a:lvl6pPr>
-            <a:lvl7pPr indent="-317500" lvl="6" marL="3200400">
+            <a:lvl7pPr marL="3200400" lvl="6" indent="-317500">
               <a:spcBef>
                 <a:spcPts val="0"/>
               </a:spcBef>
@@ -4672,7 +4829,7 @@
               <a:buChar char="●"/>
               <a:defRPr/>
             </a:lvl7pPr>
-            <a:lvl8pPr indent="-317500" lvl="7" marL="3657600">
+            <a:lvl8pPr marL="3657600" lvl="7" indent="-317500">
               <a:spcBef>
                 <a:spcPts val="0"/>
               </a:spcBef>
@@ -4683,7 +4840,7 @@
               <a:buChar char="○"/>
               <a:defRPr/>
             </a:lvl8pPr>
-            <a:lvl9pPr indent="-317500" lvl="8" marL="4114800">
+            <a:lvl9pPr marL="4114800" lvl="8" indent="-317500">
               <a:spcBef>
                 <a:spcPts val="0"/>
               </a:spcBef>
@@ -4695,15 +4852,19 @@
               <a:defRPr/>
             </a:lvl9pPr>
           </a:lstStyle>
-          <a:p/>
+          <a:p>
+            <a:endParaRPr/>
+          </a:p>
         </p:txBody>
       </p:sp>
       <p:sp>
         <p:nvSpPr>
           <p:cNvPr id="19" name="Google Shape;19;p4"/>
-          <p:cNvSpPr txBox="1"/>
+          <p:cNvSpPr txBox="1">
+            <a:spLocks noGrp="1"/>
+          </p:cNvSpPr>
           <p:nvPr>
-            <p:ph idx="12" type="sldNum"/>
+            <p:ph type="sldNum" idx="12"/>
           </p:nvPr>
         </p:nvSpPr>
         <p:spPr>
@@ -4716,7 +4877,7 @@
           </a:prstGeom>
         </p:spPr>
         <p:txBody>
-          <a:bodyPr anchorCtr="0" anchor="ctr" bIns="91425" lIns="91425" spcFirstLastPara="1" rIns="91425" wrap="square" tIns="91425">
+          <a:bodyPr spcFirstLastPara="1" wrap="square" lIns="91425" tIns="91425" rIns="91425" bIns="91425" anchor="ctr" anchorCtr="0">
             <a:normAutofit/>
           </a:bodyPr>
           <a:lstStyle>
@@ -4758,7 +4919,7 @@
             </a:lvl9pPr>
           </a:lstStyle>
           <a:p>
-            <a:pPr indent="0" lvl="0" marL="0" rtl="0" algn="r">
+            <a:pPr marL="0" lvl="0" indent="0" algn="r" rtl="0">
               <a:spcBef>
                 <a:spcPts val="0"/>
               </a:spcBef>
@@ -4784,11 +4945,11 @@
 </file>
 
 <file path=ppt/slideLayouts/slideLayout4.xml><?xml version="1.0" encoding="utf-8"?>
-<p:sldLayout xmlns:a="http://schemas.openxmlformats.org/drawingml/2006/main" xmlns:r="http://schemas.openxmlformats.org/officeDocument/2006/relationships" xmlns:mc="http://schemas.openxmlformats.org/markup-compatibility/2006" xmlns:mv="urn:schemas-microsoft-com:mac:vml" xmlns:p="http://schemas.openxmlformats.org/presentationml/2006/main" xmlns:c="http://schemas.openxmlformats.org/drawingml/2006/chart" xmlns:dgm="http://schemas.openxmlformats.org/drawingml/2006/diagram" xmlns:o="urn:schemas-microsoft-com:office:office" xmlns:v="urn:schemas-microsoft-com:vml" xmlns:pvml="urn:schemas-microsoft-com:office:powerpoint" xmlns:com="http://schemas.openxmlformats.org/drawingml/2006/compatibility" xmlns:p14="http://schemas.microsoft.com/office/powerpoint/2010/main" xmlns:p15="http://schemas.microsoft.com/office/powerpoint/2012/main" xmlns:ahyp="http://schemas.microsoft.com/office/drawing/2018/hyperlinkcolor" matchingName="Title and two columns" type="twoColTx">
+<p:sldLayout xmlns:a="http://schemas.openxmlformats.org/drawingml/2006/main" xmlns:r="http://schemas.openxmlformats.org/officeDocument/2006/relationships" xmlns:p="http://schemas.openxmlformats.org/presentationml/2006/main" matchingName="Title and two columns" type="twoColTx">
   <p:cSld name="TITLE_AND_TWO_COLUMNS">
     <p:spTree>
       <p:nvGrpSpPr>
-        <p:cNvPr id="20" name="Shape 20"/>
+        <p:cNvPr id="1" name="Shape 20"/>
         <p:cNvGrpSpPr/>
         <p:nvPr/>
       </p:nvGrpSpPr>
@@ -4803,7 +4964,9 @@
       <p:sp>
         <p:nvSpPr>
           <p:cNvPr id="21" name="Google Shape;21;p5"/>
-          <p:cNvSpPr txBox="1"/>
+          <p:cNvSpPr txBox="1">
+            <a:spLocks noGrp="1"/>
+          </p:cNvSpPr>
           <p:nvPr>
             <p:ph type="title"/>
           </p:nvPr>
@@ -4818,7 +4981,7 @@
           </a:prstGeom>
         </p:spPr>
         <p:txBody>
-          <a:bodyPr anchorCtr="0" anchor="t" bIns="91425" lIns="91425" spcFirstLastPara="1" rIns="91425" wrap="square" tIns="91425">
+          <a:bodyPr spcFirstLastPara="1" wrap="square" lIns="91425" tIns="91425" rIns="91425" bIns="91425" anchor="t" anchorCtr="0">
             <a:normAutofit/>
           </a:bodyPr>
           <a:lstStyle>
@@ -4922,15 +5085,19 @@
               <a:defRPr/>
             </a:lvl9pPr>
           </a:lstStyle>
-          <a:p/>
+          <a:p>
+            <a:endParaRPr/>
+          </a:p>
         </p:txBody>
       </p:sp>
       <p:sp>
         <p:nvSpPr>
           <p:cNvPr id="22" name="Google Shape;22;p5"/>
-          <p:cNvSpPr txBox="1"/>
+          <p:cNvSpPr txBox="1">
+            <a:spLocks noGrp="1"/>
+          </p:cNvSpPr>
           <p:nvPr>
-            <p:ph idx="1" type="body"/>
+            <p:ph type="body" idx="1"/>
           </p:nvPr>
         </p:nvSpPr>
         <p:spPr>
@@ -4943,11 +5110,11 @@
           </a:prstGeom>
         </p:spPr>
         <p:txBody>
-          <a:bodyPr anchorCtr="0" anchor="t" bIns="91425" lIns="91425" spcFirstLastPara="1" rIns="91425" wrap="square" tIns="91425">
+          <a:bodyPr spcFirstLastPara="1" wrap="square" lIns="91425" tIns="91425" rIns="91425" bIns="91425" anchor="t" anchorCtr="0">
             <a:normAutofit/>
           </a:bodyPr>
           <a:lstStyle>
-            <a:lvl1pPr indent="-317500" lvl="0" marL="457200">
+            <a:lvl1pPr marL="457200" lvl="0" indent="-317500">
               <a:spcBef>
                 <a:spcPts val="0"/>
               </a:spcBef>
@@ -4958,7 +5125,7 @@
               <a:buChar char="●"/>
               <a:defRPr sz="1400"/>
             </a:lvl1pPr>
-            <a:lvl2pPr indent="-304800" lvl="1" marL="914400">
+            <a:lvl2pPr marL="914400" lvl="1" indent="-304800">
               <a:spcBef>
                 <a:spcPts val="0"/>
               </a:spcBef>
@@ -4969,7 +5136,7 @@
               <a:buChar char="○"/>
               <a:defRPr sz="1200"/>
             </a:lvl2pPr>
-            <a:lvl3pPr indent="-304800" lvl="2" marL="1371600">
+            <a:lvl3pPr marL="1371600" lvl="2" indent="-304800">
               <a:spcBef>
                 <a:spcPts val="0"/>
               </a:spcBef>
@@ -4980,7 +5147,7 @@
               <a:buChar char="■"/>
               <a:defRPr sz="1200"/>
             </a:lvl3pPr>
-            <a:lvl4pPr indent="-304800" lvl="3" marL="1828800">
+            <a:lvl4pPr marL="1828800" lvl="3" indent="-304800">
               <a:spcBef>
                 <a:spcPts val="0"/>
               </a:spcBef>
@@ -4991,7 +5158,7 @@
               <a:buChar char="●"/>
               <a:defRPr sz="1200"/>
             </a:lvl4pPr>
-            <a:lvl5pPr indent="-304800" lvl="4" marL="2286000">
+            <a:lvl5pPr marL="2286000" lvl="4" indent="-304800">
               <a:spcBef>
                 <a:spcPts val="0"/>
               </a:spcBef>
@@ -5002,7 +5169,7 @@
               <a:buChar char="○"/>
               <a:defRPr sz="1200"/>
             </a:lvl5pPr>
-            <a:lvl6pPr indent="-304800" lvl="5" marL="2743200">
+            <a:lvl6pPr marL="2743200" lvl="5" indent="-304800">
               <a:spcBef>
                 <a:spcPts val="0"/>
               </a:spcBef>
@@ -5013,7 +5180,7 @@
               <a:buChar char="■"/>
               <a:defRPr sz="1200"/>
             </a:lvl6pPr>
-            <a:lvl7pPr indent="-304800" lvl="6" marL="3200400">
+            <a:lvl7pPr marL="3200400" lvl="6" indent="-304800">
               <a:spcBef>
                 <a:spcPts val="0"/>
               </a:spcBef>
@@ -5024,7 +5191,7 @@
               <a:buChar char="●"/>
               <a:defRPr sz="1200"/>
             </a:lvl7pPr>
-            <a:lvl8pPr indent="-304800" lvl="7" marL="3657600">
+            <a:lvl8pPr marL="3657600" lvl="7" indent="-304800">
               <a:spcBef>
                 <a:spcPts val="0"/>
               </a:spcBef>
@@ -5035,7 +5202,7 @@
               <a:buChar char="○"/>
               <a:defRPr sz="1200"/>
             </a:lvl8pPr>
-            <a:lvl9pPr indent="-304800" lvl="8" marL="4114800">
+            <a:lvl9pPr marL="4114800" lvl="8" indent="-304800">
               <a:spcBef>
                 <a:spcPts val="0"/>
               </a:spcBef>
@@ -5047,15 +5214,19 @@
               <a:defRPr sz="1200"/>
             </a:lvl9pPr>
           </a:lstStyle>
-          <a:p/>
+          <a:p>
+            <a:endParaRPr/>
+          </a:p>
         </p:txBody>
       </p:sp>
       <p:sp>
         <p:nvSpPr>
           <p:cNvPr id="23" name="Google Shape;23;p5"/>
-          <p:cNvSpPr txBox="1"/>
+          <p:cNvSpPr txBox="1">
+            <a:spLocks noGrp="1"/>
+          </p:cNvSpPr>
           <p:nvPr>
-            <p:ph idx="2" type="body"/>
+            <p:ph type="body" idx="2"/>
           </p:nvPr>
         </p:nvSpPr>
         <p:spPr>
@@ -5068,11 +5239,11 @@
           </a:prstGeom>
         </p:spPr>
         <p:txBody>
-          <a:bodyPr anchorCtr="0" anchor="t" bIns="91425" lIns="91425" spcFirstLastPara="1" rIns="91425" wrap="square" tIns="91425">
+          <a:bodyPr spcFirstLastPara="1" wrap="square" lIns="91425" tIns="91425" rIns="91425" bIns="91425" anchor="t" anchorCtr="0">
             <a:normAutofit/>
           </a:bodyPr>
           <a:lstStyle>
-            <a:lvl1pPr indent="-317500" lvl="0" marL="457200">
+            <a:lvl1pPr marL="457200" lvl="0" indent="-317500">
               <a:spcBef>
                 <a:spcPts val="0"/>
               </a:spcBef>
@@ -5083,7 +5254,7 @@
               <a:buChar char="●"/>
               <a:defRPr sz="1400"/>
             </a:lvl1pPr>
-            <a:lvl2pPr indent="-304800" lvl="1" marL="914400">
+            <a:lvl2pPr marL="914400" lvl="1" indent="-304800">
               <a:spcBef>
                 <a:spcPts val="0"/>
               </a:spcBef>
@@ -5094,7 +5265,7 @@
               <a:buChar char="○"/>
               <a:defRPr sz="1200"/>
             </a:lvl2pPr>
-            <a:lvl3pPr indent="-304800" lvl="2" marL="1371600">
+            <a:lvl3pPr marL="1371600" lvl="2" indent="-304800">
               <a:spcBef>
                 <a:spcPts val="0"/>
               </a:spcBef>
@@ -5105,7 +5276,7 @@
               <a:buChar char="■"/>
               <a:defRPr sz="1200"/>
             </a:lvl3pPr>
-            <a:lvl4pPr indent="-304800" lvl="3" marL="1828800">
+            <a:lvl4pPr marL="1828800" lvl="3" indent="-304800">
               <a:spcBef>
                 <a:spcPts val="0"/>
               </a:spcBef>
@@ -5116,7 +5287,7 @@
               <a:buChar char="●"/>
               <a:defRPr sz="1200"/>
             </a:lvl4pPr>
-            <a:lvl5pPr indent="-304800" lvl="4" marL="2286000">
+            <a:lvl5pPr marL="2286000" lvl="4" indent="-304800">
               <a:spcBef>
                 <a:spcPts val="0"/>
               </a:spcBef>
@@ -5127,7 +5298,7 @@
               <a:buChar char="○"/>
               <a:defRPr sz="1200"/>
             </a:lvl5pPr>
-            <a:lvl6pPr indent="-304800" lvl="5" marL="2743200">
+            <a:lvl6pPr marL="2743200" lvl="5" indent="-304800">
               <a:spcBef>
                 <a:spcPts val="0"/>
               </a:spcBef>
@@ -5138,7 +5309,7 @@
               <a:buChar char="■"/>
               <a:defRPr sz="1200"/>
             </a:lvl6pPr>
-            <a:lvl7pPr indent="-304800" lvl="6" marL="3200400">
+            <a:lvl7pPr marL="3200400" lvl="6" indent="-304800">
               <a:spcBef>
                 <a:spcPts val="0"/>
               </a:spcBef>
@@ -5149,7 +5320,7 @@
               <a:buChar char="●"/>
               <a:defRPr sz="1200"/>
             </a:lvl7pPr>
-            <a:lvl8pPr indent="-304800" lvl="7" marL="3657600">
+            <a:lvl8pPr marL="3657600" lvl="7" indent="-304800">
               <a:spcBef>
                 <a:spcPts val="0"/>
               </a:spcBef>
@@ -5160,7 +5331,7 @@
               <a:buChar char="○"/>
               <a:defRPr sz="1200"/>
             </a:lvl8pPr>
-            <a:lvl9pPr indent="-304800" lvl="8" marL="4114800">
+            <a:lvl9pPr marL="4114800" lvl="8" indent="-304800">
               <a:spcBef>
                 <a:spcPts val="0"/>
               </a:spcBef>
@@ -5172,15 +5343,19 @@
               <a:defRPr sz="1200"/>
             </a:lvl9pPr>
           </a:lstStyle>
-          <a:p/>
+          <a:p>
+            <a:endParaRPr/>
+          </a:p>
         </p:txBody>
       </p:sp>
       <p:sp>
         <p:nvSpPr>
           <p:cNvPr id="24" name="Google Shape;24;p5"/>
-          <p:cNvSpPr txBox="1"/>
+          <p:cNvSpPr txBox="1">
+            <a:spLocks noGrp="1"/>
+          </p:cNvSpPr>
           <p:nvPr>
-            <p:ph idx="12" type="sldNum"/>
+            <p:ph type="sldNum" idx="12"/>
           </p:nvPr>
         </p:nvSpPr>
         <p:spPr>
@@ -5193,7 +5368,7 @@
           </a:prstGeom>
         </p:spPr>
         <p:txBody>
-          <a:bodyPr anchorCtr="0" anchor="ctr" bIns="91425" lIns="91425" spcFirstLastPara="1" rIns="91425" wrap="square" tIns="91425">
+          <a:bodyPr spcFirstLastPara="1" wrap="square" lIns="91425" tIns="91425" rIns="91425" bIns="91425" anchor="ctr" anchorCtr="0">
             <a:normAutofit/>
           </a:bodyPr>
           <a:lstStyle>
@@ -5235,7 +5410,7 @@
             </a:lvl9pPr>
           </a:lstStyle>
           <a:p>
-            <a:pPr indent="0" lvl="0" marL="0" rtl="0" algn="r">
+            <a:pPr marL="0" lvl="0" indent="0" algn="r" rtl="0">
               <a:spcBef>
                 <a:spcPts val="0"/>
               </a:spcBef>
@@ -5261,11 +5436,11 @@
 </file>
 
 <file path=ppt/slideLayouts/slideLayout5.xml><?xml version="1.0" encoding="utf-8"?>
-<p:sldLayout xmlns:a="http://schemas.openxmlformats.org/drawingml/2006/main" xmlns:r="http://schemas.openxmlformats.org/officeDocument/2006/relationships" xmlns:mc="http://schemas.openxmlformats.org/markup-compatibility/2006" xmlns:mv="urn:schemas-microsoft-com:mac:vml" xmlns:p="http://schemas.openxmlformats.org/presentationml/2006/main" xmlns:c="http://schemas.openxmlformats.org/drawingml/2006/chart" xmlns:dgm="http://schemas.openxmlformats.org/drawingml/2006/diagram" xmlns:o="urn:schemas-microsoft-com:office:office" xmlns:v="urn:schemas-microsoft-com:vml" xmlns:pvml="urn:schemas-microsoft-com:office:powerpoint" xmlns:com="http://schemas.openxmlformats.org/drawingml/2006/compatibility" xmlns:p14="http://schemas.microsoft.com/office/powerpoint/2010/main" xmlns:p15="http://schemas.microsoft.com/office/powerpoint/2012/main" xmlns:ahyp="http://schemas.microsoft.com/office/drawing/2018/hyperlinkcolor" matchingName="Title only" type="titleOnly">
+<p:sldLayout xmlns:a="http://schemas.openxmlformats.org/drawingml/2006/main" xmlns:r="http://schemas.openxmlformats.org/officeDocument/2006/relationships" xmlns:p="http://schemas.openxmlformats.org/presentationml/2006/main" matchingName="Title only" type="titleOnly">
   <p:cSld name="TITLE_ONLY">
     <p:spTree>
       <p:nvGrpSpPr>
-        <p:cNvPr id="25" name="Shape 25"/>
+        <p:cNvPr id="1" name="Shape 25"/>
         <p:cNvGrpSpPr/>
         <p:nvPr/>
       </p:nvGrpSpPr>
@@ -5280,7 +5455,9 @@
       <p:sp>
         <p:nvSpPr>
           <p:cNvPr id="26" name="Google Shape;26;p6"/>
-          <p:cNvSpPr txBox="1"/>
+          <p:cNvSpPr txBox="1">
+            <a:spLocks noGrp="1"/>
+          </p:cNvSpPr>
           <p:nvPr>
             <p:ph type="title"/>
           </p:nvPr>
@@ -5295,7 +5472,7 @@
           </a:prstGeom>
         </p:spPr>
         <p:txBody>
-          <a:bodyPr anchorCtr="0" anchor="t" bIns="91425" lIns="91425" spcFirstLastPara="1" rIns="91425" wrap="square" tIns="91425">
+          <a:bodyPr spcFirstLastPara="1" wrap="square" lIns="91425" tIns="91425" rIns="91425" bIns="91425" anchor="t" anchorCtr="0">
             <a:normAutofit/>
           </a:bodyPr>
           <a:lstStyle>
@@ -5399,15 +5576,19 @@
               <a:defRPr/>
             </a:lvl9pPr>
           </a:lstStyle>
-          <a:p/>
+          <a:p>
+            <a:endParaRPr/>
+          </a:p>
         </p:txBody>
       </p:sp>
       <p:sp>
         <p:nvSpPr>
           <p:cNvPr id="27" name="Google Shape;27;p6"/>
-          <p:cNvSpPr txBox="1"/>
+          <p:cNvSpPr txBox="1">
+            <a:spLocks noGrp="1"/>
+          </p:cNvSpPr>
           <p:nvPr>
-            <p:ph idx="12" type="sldNum"/>
+            <p:ph type="sldNum" idx="12"/>
           </p:nvPr>
         </p:nvSpPr>
         <p:spPr>
@@ -5420,7 +5601,7 @@
           </a:prstGeom>
         </p:spPr>
         <p:txBody>
-          <a:bodyPr anchorCtr="0" anchor="ctr" bIns="91425" lIns="91425" spcFirstLastPara="1" rIns="91425" wrap="square" tIns="91425">
+          <a:bodyPr spcFirstLastPara="1" wrap="square" lIns="91425" tIns="91425" rIns="91425" bIns="91425" anchor="ctr" anchorCtr="0">
             <a:normAutofit/>
           </a:bodyPr>
           <a:lstStyle>
@@ -5462,7 +5643,7 @@
             </a:lvl9pPr>
           </a:lstStyle>
           <a:p>
-            <a:pPr indent="0" lvl="0" marL="0" rtl="0" algn="r">
+            <a:pPr marL="0" lvl="0" indent="0" algn="r" rtl="0">
               <a:spcBef>
                 <a:spcPts val="0"/>
               </a:spcBef>
@@ -5488,11 +5669,11 @@
 </file>
 
 <file path=ppt/slideLayouts/slideLayout6.xml><?xml version="1.0" encoding="utf-8"?>
-<p:sldLayout xmlns:a="http://schemas.openxmlformats.org/drawingml/2006/main" xmlns:r="http://schemas.openxmlformats.org/officeDocument/2006/relationships" xmlns:mc="http://schemas.openxmlformats.org/markup-compatibility/2006" xmlns:mv="urn:schemas-microsoft-com:mac:vml" xmlns:p="http://schemas.openxmlformats.org/presentationml/2006/main" xmlns:c="http://schemas.openxmlformats.org/drawingml/2006/chart" xmlns:dgm="http://schemas.openxmlformats.org/drawingml/2006/diagram" xmlns:o="urn:schemas-microsoft-com:office:office" xmlns:v="urn:schemas-microsoft-com:vml" xmlns:pvml="urn:schemas-microsoft-com:office:powerpoint" xmlns:com="http://schemas.openxmlformats.org/drawingml/2006/compatibility" xmlns:p14="http://schemas.microsoft.com/office/powerpoint/2010/main" xmlns:p15="http://schemas.microsoft.com/office/powerpoint/2012/main" xmlns:ahyp="http://schemas.microsoft.com/office/drawing/2018/hyperlinkcolor" matchingName="One column text">
+<p:sldLayout xmlns:a="http://schemas.openxmlformats.org/drawingml/2006/main" xmlns:r="http://schemas.openxmlformats.org/officeDocument/2006/relationships" xmlns:p="http://schemas.openxmlformats.org/presentationml/2006/main" matchingName="One column text">
   <p:cSld name="ONE_COLUMN_TEXT">
     <p:spTree>
       <p:nvGrpSpPr>
-        <p:cNvPr id="28" name="Shape 28"/>
+        <p:cNvPr id="1" name="Shape 28"/>
         <p:cNvGrpSpPr/>
         <p:nvPr/>
       </p:nvGrpSpPr>
@@ -5507,7 +5688,9 @@
       <p:sp>
         <p:nvSpPr>
           <p:cNvPr id="29" name="Google Shape;29;p7"/>
-          <p:cNvSpPr txBox="1"/>
+          <p:cNvSpPr txBox="1">
+            <a:spLocks noGrp="1"/>
+          </p:cNvSpPr>
           <p:nvPr>
             <p:ph type="title"/>
           </p:nvPr>
@@ -5522,7 +5705,7 @@
           </a:prstGeom>
         </p:spPr>
         <p:txBody>
-          <a:bodyPr anchorCtr="0" anchor="b" bIns="91425" lIns="91425" spcFirstLastPara="1" rIns="91425" wrap="square" tIns="91425">
+          <a:bodyPr spcFirstLastPara="1" wrap="square" lIns="91425" tIns="91425" rIns="91425" bIns="91425" anchor="b" anchorCtr="0">
             <a:normAutofit/>
           </a:bodyPr>
           <a:lstStyle>
@@ -5626,15 +5809,19 @@
               <a:defRPr sz="2400"/>
             </a:lvl9pPr>
           </a:lstStyle>
-          <a:p/>
+          <a:p>
+            <a:endParaRPr/>
+          </a:p>
         </p:txBody>
       </p:sp>
       <p:sp>
         <p:nvSpPr>
           <p:cNvPr id="30" name="Google Shape;30;p7"/>
-          <p:cNvSpPr txBox="1"/>
+          <p:cNvSpPr txBox="1">
+            <a:spLocks noGrp="1"/>
+          </p:cNvSpPr>
           <p:nvPr>
-            <p:ph idx="1" type="body"/>
+            <p:ph type="body" idx="1"/>
           </p:nvPr>
         </p:nvSpPr>
         <p:spPr>
@@ -5647,11 +5834,11 @@
           </a:prstGeom>
         </p:spPr>
         <p:txBody>
-          <a:bodyPr anchorCtr="0" anchor="t" bIns="91425" lIns="91425" spcFirstLastPara="1" rIns="91425" wrap="square" tIns="91425">
+          <a:bodyPr spcFirstLastPara="1" wrap="square" lIns="91425" tIns="91425" rIns="91425" bIns="91425" anchor="t" anchorCtr="0">
             <a:normAutofit/>
           </a:bodyPr>
           <a:lstStyle>
-            <a:lvl1pPr indent="-304800" lvl="0" marL="457200">
+            <a:lvl1pPr marL="457200" lvl="0" indent="-304800">
               <a:spcBef>
                 <a:spcPts val="0"/>
               </a:spcBef>
@@ -5662,7 +5849,7 @@
               <a:buChar char="●"/>
               <a:defRPr sz="1200"/>
             </a:lvl1pPr>
-            <a:lvl2pPr indent="-304800" lvl="1" marL="914400">
+            <a:lvl2pPr marL="914400" lvl="1" indent="-304800">
               <a:spcBef>
                 <a:spcPts val="0"/>
               </a:spcBef>
@@ -5673,7 +5860,7 @@
               <a:buChar char="○"/>
               <a:defRPr sz="1200"/>
             </a:lvl2pPr>
-            <a:lvl3pPr indent="-304800" lvl="2" marL="1371600">
+            <a:lvl3pPr marL="1371600" lvl="2" indent="-304800">
               <a:spcBef>
                 <a:spcPts val="0"/>
               </a:spcBef>
@@ -5684,7 +5871,7 @@
               <a:buChar char="■"/>
               <a:defRPr sz="1200"/>
             </a:lvl3pPr>
-            <a:lvl4pPr indent="-304800" lvl="3" marL="1828800">
+            <a:lvl4pPr marL="1828800" lvl="3" indent="-304800">
               <a:spcBef>
                 <a:spcPts val="0"/>
               </a:spcBef>
@@ -5695,7 +5882,7 @@
               <a:buChar char="●"/>
               <a:defRPr sz="1200"/>
             </a:lvl4pPr>
-            <a:lvl5pPr indent="-304800" lvl="4" marL="2286000">
+            <a:lvl5pPr marL="2286000" lvl="4" indent="-304800">
               <a:spcBef>
                 <a:spcPts val="0"/>
               </a:spcBef>
@@ -5706,7 +5893,7 @@
               <a:buChar char="○"/>
               <a:defRPr sz="1200"/>
             </a:lvl5pPr>
-            <a:lvl6pPr indent="-304800" lvl="5" marL="2743200">
+            <a:lvl6pPr marL="2743200" lvl="5" indent="-304800">
               <a:spcBef>
                 <a:spcPts val="0"/>
               </a:spcBef>
@@ -5717,7 +5904,7 @@
               <a:buChar char="■"/>
               <a:defRPr sz="1200"/>
             </a:lvl6pPr>
-            <a:lvl7pPr indent="-304800" lvl="6" marL="3200400">
+            <a:lvl7pPr marL="3200400" lvl="6" indent="-304800">
               <a:spcBef>
                 <a:spcPts val="0"/>
               </a:spcBef>
@@ -5728,7 +5915,7 @@
               <a:buChar char="●"/>
               <a:defRPr sz="1200"/>
             </a:lvl7pPr>
-            <a:lvl8pPr indent="-304800" lvl="7" marL="3657600">
+            <a:lvl8pPr marL="3657600" lvl="7" indent="-304800">
               <a:spcBef>
                 <a:spcPts val="0"/>
               </a:spcBef>
@@ -5739,7 +5926,7 @@
               <a:buChar char="○"/>
               <a:defRPr sz="1200"/>
             </a:lvl8pPr>
-            <a:lvl9pPr indent="-304800" lvl="8" marL="4114800">
+            <a:lvl9pPr marL="4114800" lvl="8" indent="-304800">
               <a:spcBef>
                 <a:spcPts val="0"/>
               </a:spcBef>
@@ -5751,15 +5938,19 @@
               <a:defRPr sz="1200"/>
             </a:lvl9pPr>
           </a:lstStyle>
-          <a:p/>
+          <a:p>
+            <a:endParaRPr/>
+          </a:p>
         </p:txBody>
       </p:sp>
       <p:sp>
         <p:nvSpPr>
           <p:cNvPr id="31" name="Google Shape;31;p7"/>
-          <p:cNvSpPr txBox="1"/>
+          <p:cNvSpPr txBox="1">
+            <a:spLocks noGrp="1"/>
+          </p:cNvSpPr>
           <p:nvPr>
-            <p:ph idx="12" type="sldNum"/>
+            <p:ph type="sldNum" idx="12"/>
           </p:nvPr>
         </p:nvSpPr>
         <p:spPr>
@@ -5772,7 +5963,7 @@
           </a:prstGeom>
         </p:spPr>
         <p:txBody>
-          <a:bodyPr anchorCtr="0" anchor="ctr" bIns="91425" lIns="91425" spcFirstLastPara="1" rIns="91425" wrap="square" tIns="91425">
+          <a:bodyPr spcFirstLastPara="1" wrap="square" lIns="91425" tIns="91425" rIns="91425" bIns="91425" anchor="ctr" anchorCtr="0">
             <a:normAutofit/>
           </a:bodyPr>
           <a:lstStyle>
@@ -5814,7 +6005,7 @@
             </a:lvl9pPr>
           </a:lstStyle>
           <a:p>
-            <a:pPr indent="0" lvl="0" marL="0" rtl="0" algn="r">
+            <a:pPr marL="0" lvl="0" indent="0" algn="r" rtl="0">
               <a:spcBef>
                 <a:spcPts val="0"/>
               </a:spcBef>
@@ -5840,11 +6031,11 @@
 </file>
 
 <file path=ppt/slideLayouts/slideLayout7.xml><?xml version="1.0" encoding="utf-8"?>
-<p:sldLayout xmlns:a="http://schemas.openxmlformats.org/drawingml/2006/main" xmlns:r="http://schemas.openxmlformats.org/officeDocument/2006/relationships" xmlns:mc="http://schemas.openxmlformats.org/markup-compatibility/2006" xmlns:mv="urn:schemas-microsoft-com:mac:vml" xmlns:p="http://schemas.openxmlformats.org/presentationml/2006/main" xmlns:c="http://schemas.openxmlformats.org/drawingml/2006/chart" xmlns:dgm="http://schemas.openxmlformats.org/drawingml/2006/diagram" xmlns:o="urn:schemas-microsoft-com:office:office" xmlns:v="urn:schemas-microsoft-com:vml" xmlns:pvml="urn:schemas-microsoft-com:office:powerpoint" xmlns:com="http://schemas.openxmlformats.org/drawingml/2006/compatibility" xmlns:p14="http://schemas.microsoft.com/office/powerpoint/2010/main" xmlns:p15="http://schemas.microsoft.com/office/powerpoint/2012/main" xmlns:ahyp="http://schemas.microsoft.com/office/drawing/2018/hyperlinkcolor" matchingName="Main point">
+<p:sldLayout xmlns:a="http://schemas.openxmlformats.org/drawingml/2006/main" xmlns:r="http://schemas.openxmlformats.org/officeDocument/2006/relationships" xmlns:p="http://schemas.openxmlformats.org/presentationml/2006/main" matchingName="Main point">
   <p:cSld name="MAIN_POINT">
     <p:spTree>
       <p:nvGrpSpPr>
-        <p:cNvPr id="32" name="Shape 32"/>
+        <p:cNvPr id="1" name="Shape 32"/>
         <p:cNvGrpSpPr/>
         <p:nvPr/>
       </p:nvGrpSpPr>
@@ -5859,7 +6050,9 @@
       <p:sp>
         <p:nvSpPr>
           <p:cNvPr id="33" name="Google Shape;33;p8"/>
-          <p:cNvSpPr txBox="1"/>
+          <p:cNvSpPr txBox="1">
+            <a:spLocks noGrp="1"/>
+          </p:cNvSpPr>
           <p:nvPr>
             <p:ph type="title"/>
           </p:nvPr>
@@ -5874,7 +6067,7 @@
           </a:prstGeom>
         </p:spPr>
         <p:txBody>
-          <a:bodyPr anchorCtr="0" anchor="ctr" bIns="91425" lIns="91425" spcFirstLastPara="1" rIns="91425" wrap="square" tIns="91425">
+          <a:bodyPr spcFirstLastPara="1" wrap="square" lIns="91425" tIns="91425" rIns="91425" bIns="91425" anchor="ctr" anchorCtr="0">
             <a:normAutofit/>
           </a:bodyPr>
           <a:lstStyle>
@@ -5978,15 +6171,19 @@
               <a:defRPr sz="4800"/>
             </a:lvl9pPr>
           </a:lstStyle>
-          <a:p/>
+          <a:p>
+            <a:endParaRPr/>
+          </a:p>
         </p:txBody>
       </p:sp>
       <p:sp>
         <p:nvSpPr>
           <p:cNvPr id="34" name="Google Shape;34;p8"/>
-          <p:cNvSpPr txBox="1"/>
+          <p:cNvSpPr txBox="1">
+            <a:spLocks noGrp="1"/>
+          </p:cNvSpPr>
           <p:nvPr>
-            <p:ph idx="12" type="sldNum"/>
+            <p:ph type="sldNum" idx="12"/>
           </p:nvPr>
         </p:nvSpPr>
         <p:spPr>
@@ -5999,7 +6196,7 @@
           </a:prstGeom>
         </p:spPr>
         <p:txBody>
-          <a:bodyPr anchorCtr="0" anchor="ctr" bIns="91425" lIns="91425" spcFirstLastPara="1" rIns="91425" wrap="square" tIns="91425">
+          <a:bodyPr spcFirstLastPara="1" wrap="square" lIns="91425" tIns="91425" rIns="91425" bIns="91425" anchor="ctr" anchorCtr="0">
             <a:normAutofit/>
           </a:bodyPr>
           <a:lstStyle>
@@ -6041,7 +6238,7 @@
             </a:lvl9pPr>
           </a:lstStyle>
           <a:p>
-            <a:pPr indent="0" lvl="0" marL="0" rtl="0" algn="r">
+            <a:pPr marL="0" lvl="0" indent="0" algn="r" rtl="0">
               <a:spcBef>
                 <a:spcPts val="0"/>
               </a:spcBef>
@@ -6067,11 +6264,11 @@
 </file>
 
 <file path=ppt/slideLayouts/slideLayout8.xml><?xml version="1.0" encoding="utf-8"?>
-<p:sldLayout xmlns:a="http://schemas.openxmlformats.org/drawingml/2006/main" xmlns:r="http://schemas.openxmlformats.org/officeDocument/2006/relationships" xmlns:mc="http://schemas.openxmlformats.org/markup-compatibility/2006" xmlns:mv="urn:schemas-microsoft-com:mac:vml" xmlns:p="http://schemas.openxmlformats.org/presentationml/2006/main" xmlns:c="http://schemas.openxmlformats.org/drawingml/2006/chart" xmlns:dgm="http://schemas.openxmlformats.org/drawingml/2006/diagram" xmlns:o="urn:schemas-microsoft-com:office:office" xmlns:v="urn:schemas-microsoft-com:vml" xmlns:pvml="urn:schemas-microsoft-com:office:powerpoint" xmlns:com="http://schemas.openxmlformats.org/drawingml/2006/compatibility" xmlns:p14="http://schemas.microsoft.com/office/powerpoint/2010/main" xmlns:p15="http://schemas.microsoft.com/office/powerpoint/2012/main" xmlns:ahyp="http://schemas.microsoft.com/office/drawing/2018/hyperlinkcolor" matchingName="Section title and description">
+<p:sldLayout xmlns:a="http://schemas.openxmlformats.org/drawingml/2006/main" xmlns:r="http://schemas.openxmlformats.org/officeDocument/2006/relationships" xmlns:p="http://schemas.openxmlformats.org/presentationml/2006/main" matchingName="Section title and description">
   <p:cSld name="SECTION_TITLE_AND_DESCRIPTION">
     <p:spTree>
       <p:nvGrpSpPr>
-        <p:cNvPr id="35" name="Shape 35"/>
+        <p:cNvPr id="1" name="Shape 35"/>
         <p:cNvGrpSpPr/>
         <p:nvPr/>
       </p:nvGrpSpPr>
@@ -6105,23 +6302,20 @@
           </a:ln>
         </p:spPr>
         <p:txBody>
-          <a:bodyPr anchorCtr="0" anchor="ctr" bIns="91425" lIns="91425" spcFirstLastPara="1" rIns="91425" wrap="square" tIns="91425">
+          <a:bodyPr spcFirstLastPara="1" wrap="square" lIns="91425" tIns="91425" rIns="91425" bIns="91425" anchor="ctr" anchorCtr="0">
             <a:noAutofit/>
           </a:bodyPr>
           <a:lstStyle/>
           <a:p>
-            <a:pPr indent="0" lvl="0" marL="0" rtl="0" algn="l">
-              <a:spcBef>
-                <a:spcPts val="0"/>
-              </a:spcBef>
-              <a:spcAft>
-                <a:spcPts val="0"/>
-              </a:spcAft>
-              <a:buNone/>
-            </a:pPr>
-            <a:r>
-              <a:t/>
-            </a:r>
+            <a:pPr marL="0" lvl="0" indent="0" algn="l" rtl="0">
+              <a:spcBef>
+                <a:spcPts val="0"/>
+              </a:spcBef>
+              <a:spcAft>
+                <a:spcPts val="0"/>
+              </a:spcAft>
+              <a:buNone/>
+            </a:pPr>
             <a:endParaRPr/>
           </a:p>
         </p:txBody>
@@ -6129,7 +6323,9 @@
       <p:sp>
         <p:nvSpPr>
           <p:cNvPr id="37" name="Google Shape;37;p9"/>
-          <p:cNvSpPr txBox="1"/>
+          <p:cNvSpPr txBox="1">
+            <a:spLocks noGrp="1"/>
+          </p:cNvSpPr>
           <p:nvPr>
             <p:ph type="title"/>
           </p:nvPr>
@@ -6144,7 +6340,7 @@
           </a:prstGeom>
         </p:spPr>
         <p:txBody>
-          <a:bodyPr anchorCtr="0" anchor="b" bIns="91425" lIns="91425" spcFirstLastPara="1" rIns="91425" wrap="square" tIns="91425">
+          <a:bodyPr spcFirstLastPara="1" wrap="square" lIns="91425" tIns="91425" rIns="91425" bIns="91425" anchor="b" anchorCtr="0">
             <a:normAutofit/>
           </a:bodyPr>
           <a:lstStyle>
@@ -6248,15 +6444,19 @@
               <a:defRPr sz="4200"/>
             </a:lvl9pPr>
           </a:lstStyle>
-          <a:p/>
+          <a:p>
+            <a:endParaRPr/>
+          </a:p>
         </p:txBody>
       </p:sp>
       <p:sp>
         <p:nvSpPr>
           <p:cNvPr id="38" name="Google Shape;38;p9"/>
-          <p:cNvSpPr txBox="1"/>
+          <p:cNvSpPr txBox="1">
+            <a:spLocks noGrp="1"/>
+          </p:cNvSpPr>
           <p:nvPr>
-            <p:ph idx="1" type="subTitle"/>
+            <p:ph type="subTitle" idx="1"/>
           </p:nvPr>
         </p:nvSpPr>
         <p:spPr>
@@ -6269,7 +6469,7 @@
           </a:prstGeom>
         </p:spPr>
         <p:txBody>
-          <a:bodyPr anchorCtr="0" anchor="t" bIns="91425" lIns="91425" spcFirstLastPara="1" rIns="91425" wrap="square" tIns="91425">
+          <a:bodyPr spcFirstLastPara="1" wrap="square" lIns="91425" tIns="91425" rIns="91425" bIns="91425" anchor="t" anchorCtr="0">
             <a:normAutofit/>
           </a:bodyPr>
           <a:lstStyle>
@@ -6400,15 +6600,19 @@
               <a:defRPr sz="2100"/>
             </a:lvl9pPr>
           </a:lstStyle>
-          <a:p/>
+          <a:p>
+            <a:endParaRPr/>
+          </a:p>
         </p:txBody>
       </p:sp>
       <p:sp>
         <p:nvSpPr>
           <p:cNvPr id="39" name="Google Shape;39;p9"/>
-          <p:cNvSpPr txBox="1"/>
+          <p:cNvSpPr txBox="1">
+            <a:spLocks noGrp="1"/>
+          </p:cNvSpPr>
           <p:nvPr>
-            <p:ph idx="2" type="body"/>
+            <p:ph type="body" idx="2"/>
           </p:nvPr>
         </p:nvSpPr>
         <p:spPr>
@@ -6421,11 +6625,11 @@
           </a:prstGeom>
         </p:spPr>
         <p:txBody>
-          <a:bodyPr anchorCtr="0" anchor="ctr" bIns="91425" lIns="91425" spcFirstLastPara="1" rIns="91425" wrap="square" tIns="91425">
+          <a:bodyPr spcFirstLastPara="1" wrap="square" lIns="91425" tIns="91425" rIns="91425" bIns="91425" anchor="ctr" anchorCtr="0">
             <a:normAutofit/>
           </a:bodyPr>
           <a:lstStyle>
-            <a:lvl1pPr indent="-342900" lvl="0" marL="457200">
+            <a:lvl1pPr marL="457200" lvl="0" indent="-342900">
               <a:spcBef>
                 <a:spcPts val="0"/>
               </a:spcBef>
@@ -6436,7 +6640,7 @@
               <a:buChar char="●"/>
               <a:defRPr/>
             </a:lvl1pPr>
-            <a:lvl2pPr indent="-317500" lvl="1" marL="914400">
+            <a:lvl2pPr marL="914400" lvl="1" indent="-317500">
               <a:spcBef>
                 <a:spcPts val="0"/>
               </a:spcBef>
@@ -6447,7 +6651,7 @@
               <a:buChar char="○"/>
               <a:defRPr/>
             </a:lvl2pPr>
-            <a:lvl3pPr indent="-317500" lvl="2" marL="1371600">
+            <a:lvl3pPr marL="1371600" lvl="2" indent="-317500">
               <a:spcBef>
                 <a:spcPts val="0"/>
               </a:spcBef>
@@ -6458,7 +6662,7 @@
               <a:buChar char="■"/>
               <a:defRPr/>
             </a:lvl3pPr>
-            <a:lvl4pPr indent="-317500" lvl="3" marL="1828800">
+            <a:lvl4pPr marL="1828800" lvl="3" indent="-317500">
               <a:spcBef>
                 <a:spcPts val="0"/>
               </a:spcBef>
@@ -6469,7 +6673,7 @@
               <a:buChar char="●"/>
               <a:defRPr/>
             </a:lvl4pPr>
-            <a:lvl5pPr indent="-317500" lvl="4" marL="2286000">
+            <a:lvl5pPr marL="2286000" lvl="4" indent="-317500">
               <a:spcBef>
                 <a:spcPts val="0"/>
               </a:spcBef>
@@ -6480,7 +6684,7 @@
               <a:buChar char="○"/>
               <a:defRPr/>
             </a:lvl5pPr>
-            <a:lvl6pPr indent="-317500" lvl="5" marL="2743200">
+            <a:lvl6pPr marL="2743200" lvl="5" indent="-317500">
               <a:spcBef>
                 <a:spcPts val="0"/>
               </a:spcBef>
@@ -6491,7 +6695,7 @@
               <a:buChar char="■"/>
               <a:defRPr/>
             </a:lvl6pPr>
-            <a:lvl7pPr indent="-317500" lvl="6" marL="3200400">
+            <a:lvl7pPr marL="3200400" lvl="6" indent="-317500">
               <a:spcBef>
                 <a:spcPts val="0"/>
               </a:spcBef>
@@ -6502,7 +6706,7 @@
               <a:buChar char="●"/>
               <a:defRPr/>
             </a:lvl7pPr>
-            <a:lvl8pPr indent="-317500" lvl="7" marL="3657600">
+            <a:lvl8pPr marL="3657600" lvl="7" indent="-317500">
               <a:spcBef>
                 <a:spcPts val="0"/>
               </a:spcBef>
@@ -6513,7 +6717,7 @@
               <a:buChar char="○"/>
               <a:defRPr/>
             </a:lvl8pPr>
-            <a:lvl9pPr indent="-317500" lvl="8" marL="4114800">
+            <a:lvl9pPr marL="4114800" lvl="8" indent="-317500">
               <a:spcBef>
                 <a:spcPts val="0"/>
               </a:spcBef>
@@ -6525,15 +6729,19 @@
               <a:defRPr/>
             </a:lvl9pPr>
           </a:lstStyle>
-          <a:p/>
+          <a:p>
+            <a:endParaRPr/>
+          </a:p>
         </p:txBody>
       </p:sp>
       <p:sp>
         <p:nvSpPr>
           <p:cNvPr id="40" name="Google Shape;40;p9"/>
-          <p:cNvSpPr txBox="1"/>
+          <p:cNvSpPr txBox="1">
+            <a:spLocks noGrp="1"/>
+          </p:cNvSpPr>
           <p:nvPr>
-            <p:ph idx="12" type="sldNum"/>
+            <p:ph type="sldNum" idx="12"/>
           </p:nvPr>
         </p:nvSpPr>
         <p:spPr>
@@ -6546,7 +6754,7 @@
           </a:prstGeom>
         </p:spPr>
         <p:txBody>
-          <a:bodyPr anchorCtr="0" anchor="ctr" bIns="91425" lIns="91425" spcFirstLastPara="1" rIns="91425" wrap="square" tIns="91425">
+          <a:bodyPr spcFirstLastPara="1" wrap="square" lIns="91425" tIns="91425" rIns="91425" bIns="91425" anchor="ctr" anchorCtr="0">
             <a:normAutofit/>
           </a:bodyPr>
           <a:lstStyle>
@@ -6588,7 +6796,7 @@
             </a:lvl9pPr>
           </a:lstStyle>
           <a:p>
-            <a:pPr indent="0" lvl="0" marL="0" rtl="0" algn="r">
+            <a:pPr marL="0" lvl="0" indent="0" algn="r" rtl="0">
               <a:spcBef>
                 <a:spcPts val="0"/>
               </a:spcBef>
@@ -6614,11 +6822,11 @@
 </file>
 
 <file path=ppt/slideLayouts/slideLayout9.xml><?xml version="1.0" encoding="utf-8"?>
-<p:sldLayout xmlns:a="http://schemas.openxmlformats.org/drawingml/2006/main" xmlns:r="http://schemas.openxmlformats.org/officeDocument/2006/relationships" xmlns:mc="http://schemas.openxmlformats.org/markup-compatibility/2006" xmlns:mv="urn:schemas-microsoft-com:mac:vml" xmlns:p="http://schemas.openxmlformats.org/presentationml/2006/main" xmlns:c="http://schemas.openxmlformats.org/drawingml/2006/chart" xmlns:dgm="http://schemas.openxmlformats.org/drawingml/2006/diagram" xmlns:o="urn:schemas-microsoft-com:office:office" xmlns:v="urn:schemas-microsoft-com:vml" xmlns:pvml="urn:schemas-microsoft-com:office:powerpoint" xmlns:com="http://schemas.openxmlformats.org/drawingml/2006/compatibility" xmlns:p14="http://schemas.microsoft.com/office/powerpoint/2010/main" xmlns:p15="http://schemas.microsoft.com/office/powerpoint/2012/main" xmlns:ahyp="http://schemas.microsoft.com/office/drawing/2018/hyperlinkcolor" matchingName="Caption">
+<p:sldLayout xmlns:a="http://schemas.openxmlformats.org/drawingml/2006/main" xmlns:r="http://schemas.openxmlformats.org/officeDocument/2006/relationships" xmlns:p="http://schemas.openxmlformats.org/presentationml/2006/main" matchingName="Caption">
   <p:cSld name="CAPTION_ONLY">
     <p:spTree>
       <p:nvGrpSpPr>
-        <p:cNvPr id="41" name="Shape 41"/>
+        <p:cNvPr id="1" name="Shape 41"/>
         <p:cNvGrpSpPr/>
         <p:nvPr/>
       </p:nvGrpSpPr>
@@ -6633,9 +6841,11 @@
       <p:sp>
         <p:nvSpPr>
           <p:cNvPr id="42" name="Google Shape;42;p10"/>
-          <p:cNvSpPr txBox="1"/>
+          <p:cNvSpPr txBox="1">
+            <a:spLocks noGrp="1"/>
+          </p:cNvSpPr>
           <p:nvPr>
-            <p:ph idx="1" type="body"/>
+            <p:ph type="body" idx="1"/>
           </p:nvPr>
         </p:nvSpPr>
         <p:spPr>
@@ -6648,11 +6858,11 @@
           </a:prstGeom>
         </p:spPr>
         <p:txBody>
-          <a:bodyPr anchorCtr="0" anchor="ctr" bIns="91425" lIns="91425" spcFirstLastPara="1" rIns="91425" wrap="square" tIns="91425">
+          <a:bodyPr spcFirstLastPara="1" wrap="square" lIns="91425" tIns="91425" rIns="91425" bIns="91425" anchor="ctr" anchorCtr="0">
             <a:normAutofit/>
           </a:bodyPr>
           <a:lstStyle>
-            <a:lvl1pPr indent="-228600" lvl="0" marL="457200">
+            <a:lvl1pPr marL="457200" lvl="0" indent="-228600">
               <a:lnSpc>
                 <a:spcPct val="100000"/>
               </a:lnSpc>
@@ -6667,15 +6877,19 @@
               <a:defRPr/>
             </a:lvl1pPr>
           </a:lstStyle>
-          <a:p/>
+          <a:p>
+            <a:endParaRPr/>
+          </a:p>
         </p:txBody>
       </p:sp>
       <p:sp>
         <p:nvSpPr>
           <p:cNvPr id="43" name="Google Shape;43;p10"/>
-          <p:cNvSpPr txBox="1"/>
+          <p:cNvSpPr txBox="1">
+            <a:spLocks noGrp="1"/>
+          </p:cNvSpPr>
           <p:nvPr>
-            <p:ph idx="12" type="sldNum"/>
+            <p:ph type="sldNum" idx="12"/>
           </p:nvPr>
         </p:nvSpPr>
         <p:spPr>
@@ -6688,7 +6902,7 @@
           </a:prstGeom>
         </p:spPr>
         <p:txBody>
-          <a:bodyPr anchorCtr="0" anchor="ctr" bIns="91425" lIns="91425" spcFirstLastPara="1" rIns="91425" wrap="square" tIns="91425">
+          <a:bodyPr spcFirstLastPara="1" wrap="square" lIns="91425" tIns="91425" rIns="91425" bIns="91425" anchor="ctr" anchorCtr="0">
             <a:normAutofit/>
           </a:bodyPr>
           <a:lstStyle>
@@ -6730,7 +6944,7 @@
             </a:lvl9pPr>
           </a:lstStyle>
           <a:p>
-            <a:pPr indent="0" lvl="0" marL="0" rtl="0" algn="r">
+            <a:pPr marL="0" lvl="0" indent="0" algn="r" rtl="0">
               <a:spcBef>
                 <a:spcPts val="0"/>
               </a:spcBef>
@@ -6756,18 +6970,19 @@
 </file>
 
 <file path=ppt/slideMasters/slideMaster1.xml><?xml version="1.0" encoding="utf-8"?>
-<p:sldMaster xmlns:a="http://schemas.openxmlformats.org/drawingml/2006/main" xmlns:r="http://schemas.openxmlformats.org/officeDocument/2006/relationships" xmlns:mc="http://schemas.openxmlformats.org/markup-compatibility/2006" xmlns:mv="urn:schemas-microsoft-com:mac:vml" xmlns:p="http://schemas.openxmlformats.org/presentationml/2006/main" xmlns:c="http://schemas.openxmlformats.org/drawingml/2006/chart" xmlns:dgm="http://schemas.openxmlformats.org/drawingml/2006/diagram" xmlns:o="urn:schemas-microsoft-com:office:office" xmlns:v="urn:schemas-microsoft-com:vml" xmlns:pvml="urn:schemas-microsoft-com:office:powerpoint" xmlns:com="http://schemas.openxmlformats.org/drawingml/2006/compatibility" xmlns:p14="http://schemas.microsoft.com/office/powerpoint/2010/main" xmlns:p15="http://schemas.microsoft.com/office/powerpoint/2012/main" xmlns:ahyp="http://schemas.microsoft.com/office/drawing/2018/hyperlinkcolor">
+<p:sldMaster xmlns:a="http://schemas.openxmlformats.org/drawingml/2006/main" xmlns:r="http://schemas.openxmlformats.org/officeDocument/2006/relationships" xmlns:p="http://schemas.openxmlformats.org/presentationml/2006/main">
   <p:cSld name="simple-light-2">
     <p:bg>
       <p:bgPr>
         <a:solidFill>
           <a:schemeClr val="lt1"/>
         </a:solidFill>
+        <a:effectLst/>
       </p:bgPr>
     </p:bg>
     <p:spTree>
       <p:nvGrpSpPr>
-        <p:cNvPr id="5" name="Shape 5"/>
+        <p:cNvPr id="1" name="Shape 5"/>
         <p:cNvGrpSpPr/>
         <p:nvPr/>
       </p:nvGrpSpPr>
@@ -6782,7 +6997,9 @@
       <p:sp>
         <p:nvSpPr>
           <p:cNvPr id="6" name="Google Shape;6;p1"/>
-          <p:cNvSpPr txBox="1"/>
+          <p:cNvSpPr txBox="1">
+            <a:spLocks noGrp="1"/>
+          </p:cNvSpPr>
           <p:nvPr>
             <p:ph type="title"/>
           </p:nvPr>
@@ -6801,7 +7018,7 @@
           </a:ln>
         </p:spPr>
         <p:txBody>
-          <a:bodyPr anchorCtr="0" anchor="t" bIns="91425" lIns="91425" spcFirstLastPara="1" rIns="91425" wrap="square" tIns="91425">
+          <a:bodyPr spcFirstLastPara="1" wrap="square" lIns="91425" tIns="91425" rIns="91425" bIns="91425" anchor="t" anchorCtr="0">
             <a:normAutofit/>
           </a:bodyPr>
           <a:lstStyle>
@@ -6968,15 +7185,19 @@
               </a:defRPr>
             </a:lvl9pPr>
           </a:lstStyle>
-          <a:p/>
+          <a:p>
+            <a:endParaRPr/>
+          </a:p>
         </p:txBody>
       </p:sp>
       <p:sp>
         <p:nvSpPr>
           <p:cNvPr id="7" name="Google Shape;7;p1"/>
-          <p:cNvSpPr txBox="1"/>
+          <p:cNvSpPr txBox="1">
+            <a:spLocks noGrp="1"/>
+          </p:cNvSpPr>
           <p:nvPr>
-            <p:ph idx="1" type="body"/>
+            <p:ph type="body" idx="1"/>
           </p:nvPr>
         </p:nvSpPr>
         <p:spPr>
@@ -6993,11 +7214,11 @@
           </a:ln>
         </p:spPr>
         <p:txBody>
-          <a:bodyPr anchorCtr="0" anchor="t" bIns="91425" lIns="91425" spcFirstLastPara="1" rIns="91425" wrap="square" tIns="91425">
+          <a:bodyPr spcFirstLastPara="1" wrap="square" lIns="91425" tIns="91425" rIns="91425" bIns="91425" anchor="t" anchorCtr="0">
             <a:normAutofit/>
           </a:bodyPr>
           <a:lstStyle>
-            <a:lvl1pPr indent="-342900" lvl="0" marL="457200">
+            <a:lvl1pPr marL="457200" lvl="0" indent="-342900">
               <a:lnSpc>
                 <a:spcPct val="115000"/>
               </a:lnSpc>
@@ -7018,7 +7239,7 @@
                 </a:solidFill>
               </a:defRPr>
             </a:lvl1pPr>
-            <a:lvl2pPr indent="-317500" lvl="1" marL="914400">
+            <a:lvl2pPr marL="914400" lvl="1" indent="-317500">
               <a:lnSpc>
                 <a:spcPct val="115000"/>
               </a:lnSpc>
@@ -7039,7 +7260,7 @@
                 </a:solidFill>
               </a:defRPr>
             </a:lvl2pPr>
-            <a:lvl3pPr indent="-317500" lvl="2" marL="1371600">
+            <a:lvl3pPr marL="1371600" lvl="2" indent="-317500">
               <a:lnSpc>
                 <a:spcPct val="115000"/>
               </a:lnSpc>
@@ -7060,7 +7281,7 @@
                 </a:solidFill>
               </a:defRPr>
             </a:lvl3pPr>
-            <a:lvl4pPr indent="-317500" lvl="3" marL="1828800">
+            <a:lvl4pPr marL="1828800" lvl="3" indent="-317500">
               <a:lnSpc>
                 <a:spcPct val="115000"/>
               </a:lnSpc>
@@ -7081,7 +7302,7 @@
                 </a:solidFill>
               </a:defRPr>
             </a:lvl4pPr>
-            <a:lvl5pPr indent="-317500" lvl="4" marL="2286000">
+            <a:lvl5pPr marL="2286000" lvl="4" indent="-317500">
               <a:lnSpc>
                 <a:spcPct val="115000"/>
               </a:lnSpc>
@@ -7102,7 +7323,7 @@
                 </a:solidFill>
               </a:defRPr>
             </a:lvl5pPr>
-            <a:lvl6pPr indent="-317500" lvl="5" marL="2743200">
+            <a:lvl6pPr marL="2743200" lvl="5" indent="-317500">
               <a:lnSpc>
                 <a:spcPct val="115000"/>
               </a:lnSpc>
@@ -7123,7 +7344,7 @@
                 </a:solidFill>
               </a:defRPr>
             </a:lvl6pPr>
-            <a:lvl7pPr indent="-317500" lvl="6" marL="3200400">
+            <a:lvl7pPr marL="3200400" lvl="6" indent="-317500">
               <a:lnSpc>
                 <a:spcPct val="115000"/>
               </a:lnSpc>
@@ -7144,7 +7365,7 @@
                 </a:solidFill>
               </a:defRPr>
             </a:lvl7pPr>
-            <a:lvl8pPr indent="-317500" lvl="7" marL="3657600">
+            <a:lvl8pPr marL="3657600" lvl="7" indent="-317500">
               <a:lnSpc>
                 <a:spcPct val="115000"/>
               </a:lnSpc>
@@ -7165,7 +7386,7 @@
                 </a:solidFill>
               </a:defRPr>
             </a:lvl8pPr>
-            <a:lvl9pPr indent="-317500" lvl="8" marL="4114800">
+            <a:lvl9pPr marL="4114800" lvl="8" indent="-317500">
               <a:lnSpc>
                 <a:spcPct val="115000"/>
               </a:lnSpc>
@@ -7187,15 +7408,19 @@
               </a:defRPr>
             </a:lvl9pPr>
           </a:lstStyle>
-          <a:p/>
+          <a:p>
+            <a:endParaRPr/>
+          </a:p>
         </p:txBody>
       </p:sp>
       <p:sp>
         <p:nvSpPr>
           <p:cNvPr id="8" name="Google Shape;8;p1"/>
-          <p:cNvSpPr txBox="1"/>
+          <p:cNvSpPr txBox="1">
+            <a:spLocks noGrp="1"/>
+          </p:cNvSpPr>
           <p:nvPr>
-            <p:ph idx="12" type="sldNum"/>
+            <p:ph type="sldNum" idx="12"/>
           </p:nvPr>
         </p:nvSpPr>
         <p:spPr>
@@ -7212,7 +7437,7 @@
           </a:ln>
         </p:spPr>
         <p:txBody>
-          <a:bodyPr anchorCtr="0" anchor="ctr" bIns="91425" lIns="91425" spcFirstLastPara="1" rIns="91425" wrap="square" tIns="91425">
+          <a:bodyPr spcFirstLastPara="1" wrap="square" lIns="91425" tIns="91425" rIns="91425" bIns="91425" anchor="ctr" anchorCtr="0">
             <a:normAutofit/>
           </a:bodyPr>
           <a:lstStyle>
@@ -7290,7 +7515,7 @@
             </a:lvl9pPr>
           </a:lstStyle>
           <a:p>
-            <a:pPr indent="0" lvl="0" marL="0" rtl="0" algn="r">
+            <a:pPr marL="0" lvl="0" indent="0" algn="r" rtl="0">
               <a:spcBef>
                 <a:spcPts val="0"/>
               </a:spcBef>
@@ -7309,7 +7534,7 @@
       </p:sp>
     </p:spTree>
   </p:cSld>
-  <p:clrMap accent1="accent1" accent2="accent2" accent3="accent3" accent4="accent4" accent5="accent5" accent6="accent6" bg1="lt1" bg2="dk2" tx1="dk1" tx2="lt2" folHlink="folHlink" hlink="hlink"/>
+  <p:clrMap bg1="lt1" tx1="dk1" bg2="dk2" tx2="lt2" accent1="accent1" accent2="accent2" accent3="accent3" accent4="accent4" accent5="accent5" accent6="accent6" hlink="hlink" folHlink="folHlink"/>
   <p:sldLayoutIdLst>
     <p:sldLayoutId id="2147483648" r:id="rId1"/>
     <p:sldLayoutId id="2147483649" r:id="rId2"/>
@@ -7325,10 +7550,10 @@
     <p:sldLayoutId id="2147483659" r:id="rId12"/>
     <p:sldLayoutId id="2147483660" r:id="rId13"/>
   </p:sldLayoutIdLst>
-  <p:hf dt="0" ftr="0" hdr="0" sldNum="0"/>
+  <p:hf sldNum="0" hdr="0" ftr="0" dt="0"/>
   <p:txStyles>
     <p:titleStyle>
-      <a:defPPr lvl="0" marR="0" rtl="0" algn="l">
+      <a:defPPr marR="0" lvl="0" algn="l" rtl="0">
         <a:lnSpc>
           <a:spcPct val="100000"/>
         </a:lnSpc>
@@ -7339,7 +7564,7 @@
           <a:spcPts val="0"/>
         </a:spcAft>
       </a:defPPr>
-      <a:lvl1pPr lvl="0" marR="0" rtl="0" algn="l">
+      <a:lvl1pPr marR="0" lvl="0" algn="l" rtl="0">
         <a:lnSpc>
           <a:spcPct val="100000"/>
         </a:lnSpc>
@@ -7353,7 +7578,7 @@
           <a:srgbClr val="000000"/>
         </a:buClr>
         <a:buFont typeface="Arial"/>
-        <a:defRPr b="0" i="0" sz="1400" u="none" cap="none" strike="noStrike">
+        <a:defRPr sz="1400" b="0" i="0" u="none" strike="noStrike" cap="none">
           <a:solidFill>
             <a:srgbClr val="000000"/>
           </a:solidFill>
@@ -7363,7 +7588,7 @@
           <a:sym typeface="Arial"/>
         </a:defRPr>
       </a:lvl1pPr>
-      <a:lvl2pPr lvl="1" marR="0" rtl="0" algn="l">
+      <a:lvl2pPr marR="0" lvl="1" algn="l" rtl="0">
         <a:lnSpc>
           <a:spcPct val="100000"/>
         </a:lnSpc>
@@ -7377,7 +7602,7 @@
           <a:srgbClr val="000000"/>
         </a:buClr>
         <a:buFont typeface="Arial"/>
-        <a:defRPr b="0" i="0" sz="1400" u="none" cap="none" strike="noStrike">
+        <a:defRPr sz="1400" b="0" i="0" u="none" strike="noStrike" cap="none">
           <a:solidFill>
             <a:srgbClr val="000000"/>
           </a:solidFill>
@@ -7387,7 +7612,7 @@
           <a:sym typeface="Arial"/>
         </a:defRPr>
       </a:lvl2pPr>
-      <a:lvl3pPr lvl="2" marR="0" rtl="0" algn="l">
+      <a:lvl3pPr marR="0" lvl="2" algn="l" rtl="0">
         <a:lnSpc>
           <a:spcPct val="100000"/>
         </a:lnSpc>
@@ -7401,7 +7626,7 @@
           <a:srgbClr val="000000"/>
         </a:buClr>
         <a:buFont typeface="Arial"/>
-        <a:defRPr b="0" i="0" sz="1400" u="none" cap="none" strike="noStrike">
+        <a:defRPr sz="1400" b="0" i="0" u="none" strike="noStrike" cap="none">
           <a:solidFill>
             <a:srgbClr val="000000"/>
           </a:solidFill>
@@ -7411,7 +7636,7 @@
           <a:sym typeface="Arial"/>
         </a:defRPr>
       </a:lvl3pPr>
-      <a:lvl4pPr lvl="3" marR="0" rtl="0" algn="l">
+      <a:lvl4pPr marR="0" lvl="3" algn="l" rtl="0">
         <a:lnSpc>
           <a:spcPct val="100000"/>
         </a:lnSpc>
@@ -7425,7 +7650,7 @@
           <a:srgbClr val="000000"/>
         </a:buClr>
         <a:buFont typeface="Arial"/>
-        <a:defRPr b="0" i="0" sz="1400" u="none" cap="none" strike="noStrike">
+        <a:defRPr sz="1400" b="0" i="0" u="none" strike="noStrike" cap="none">
           <a:solidFill>
             <a:srgbClr val="000000"/>
           </a:solidFill>
@@ -7435,7 +7660,7 @@
           <a:sym typeface="Arial"/>
         </a:defRPr>
       </a:lvl4pPr>
-      <a:lvl5pPr lvl="4" marR="0" rtl="0" algn="l">
+      <a:lvl5pPr marR="0" lvl="4" algn="l" rtl="0">
         <a:lnSpc>
           <a:spcPct val="100000"/>
         </a:lnSpc>
@@ -7449,7 +7674,7 @@
           <a:srgbClr val="000000"/>
         </a:buClr>
         <a:buFont typeface="Arial"/>
-        <a:defRPr b="0" i="0" sz="1400" u="none" cap="none" strike="noStrike">
+        <a:defRPr sz="1400" b="0" i="0" u="none" strike="noStrike" cap="none">
           <a:solidFill>
             <a:srgbClr val="000000"/>
           </a:solidFill>
@@ -7459,7 +7684,7 @@
           <a:sym typeface="Arial"/>
         </a:defRPr>
       </a:lvl5pPr>
-      <a:lvl6pPr lvl="5" marR="0" rtl="0" algn="l">
+      <a:lvl6pPr marR="0" lvl="5" algn="l" rtl="0">
         <a:lnSpc>
           <a:spcPct val="100000"/>
         </a:lnSpc>
@@ -7473,7 +7698,7 @@
           <a:srgbClr val="000000"/>
         </a:buClr>
         <a:buFont typeface="Arial"/>
-        <a:defRPr b="0" i="0" sz="1400" u="none" cap="none" strike="noStrike">
+        <a:defRPr sz="1400" b="0" i="0" u="none" strike="noStrike" cap="none">
           <a:solidFill>
             <a:srgbClr val="000000"/>
           </a:solidFill>
@@ -7483,7 +7708,7 @@
           <a:sym typeface="Arial"/>
         </a:defRPr>
       </a:lvl6pPr>
-      <a:lvl7pPr lvl="6" marR="0" rtl="0" algn="l">
+      <a:lvl7pPr marR="0" lvl="6" algn="l" rtl="0">
         <a:lnSpc>
           <a:spcPct val="100000"/>
         </a:lnSpc>
@@ -7497,7 +7722,7 @@
           <a:srgbClr val="000000"/>
         </a:buClr>
         <a:buFont typeface="Arial"/>
-        <a:defRPr b="0" i="0" sz="1400" u="none" cap="none" strike="noStrike">
+        <a:defRPr sz="1400" b="0" i="0" u="none" strike="noStrike" cap="none">
           <a:solidFill>
             <a:srgbClr val="000000"/>
           </a:solidFill>
@@ -7507,7 +7732,7 @@
           <a:sym typeface="Arial"/>
         </a:defRPr>
       </a:lvl7pPr>
-      <a:lvl8pPr lvl="7" marR="0" rtl="0" algn="l">
+      <a:lvl8pPr marR="0" lvl="7" algn="l" rtl="0">
         <a:lnSpc>
           <a:spcPct val="100000"/>
         </a:lnSpc>
@@ -7521,7 +7746,7 @@
           <a:srgbClr val="000000"/>
         </a:buClr>
         <a:buFont typeface="Arial"/>
-        <a:defRPr b="0" i="0" sz="1400" u="none" cap="none" strike="noStrike">
+        <a:defRPr sz="1400" b="0" i="0" u="none" strike="noStrike" cap="none">
           <a:solidFill>
             <a:srgbClr val="000000"/>
           </a:solidFill>
@@ -7531,7 +7756,7 @@
           <a:sym typeface="Arial"/>
         </a:defRPr>
       </a:lvl8pPr>
-      <a:lvl9pPr lvl="8" marR="0" rtl="0" algn="l">
+      <a:lvl9pPr marR="0" lvl="8" algn="l" rtl="0">
         <a:lnSpc>
           <a:spcPct val="100000"/>
         </a:lnSpc>
@@ -7545,7 +7770,7 @@
           <a:srgbClr val="000000"/>
         </a:buClr>
         <a:buFont typeface="Arial"/>
-        <a:defRPr b="0" i="0" sz="1400" u="none" cap="none" strike="noStrike">
+        <a:defRPr sz="1400" b="0" i="0" u="none" strike="noStrike" cap="none">
           <a:solidFill>
             <a:srgbClr val="000000"/>
           </a:solidFill>
@@ -7557,7 +7782,7 @@
       </a:lvl9pPr>
     </p:titleStyle>
     <p:bodyStyle>
-      <a:defPPr lvl="0" marR="0" rtl="0" algn="l">
+      <a:defPPr marR="0" lvl="0" algn="l" rtl="0">
         <a:lnSpc>
           <a:spcPct val="100000"/>
         </a:lnSpc>
@@ -7568,7 +7793,7 @@
           <a:spcPts val="0"/>
         </a:spcAft>
       </a:defPPr>
-      <a:lvl1pPr lvl="0" marR="0" rtl="0" algn="l">
+      <a:lvl1pPr marR="0" lvl="0" algn="l" rtl="0">
         <a:lnSpc>
           <a:spcPct val="100000"/>
         </a:lnSpc>
@@ -7582,7 +7807,7 @@
           <a:srgbClr val="000000"/>
         </a:buClr>
         <a:buFont typeface="Arial"/>
-        <a:defRPr b="0" i="0" sz="1400" u="none" cap="none" strike="noStrike">
+        <a:defRPr sz="1400" b="0" i="0" u="none" strike="noStrike" cap="none">
           <a:solidFill>
             <a:srgbClr val="000000"/>
           </a:solidFill>
@@ -7592,7 +7817,7 @@
           <a:sym typeface="Arial"/>
         </a:defRPr>
       </a:lvl1pPr>
-      <a:lvl2pPr lvl="1" marR="0" rtl="0" algn="l">
+      <a:lvl2pPr marR="0" lvl="1" algn="l" rtl="0">
         <a:lnSpc>
           <a:spcPct val="100000"/>
         </a:lnSpc>
@@ -7606,7 +7831,7 @@
           <a:srgbClr val="000000"/>
         </a:buClr>
         <a:buFont typeface="Arial"/>
-        <a:defRPr b="0" i="0" sz="1400" u="none" cap="none" strike="noStrike">
+        <a:defRPr sz="1400" b="0" i="0" u="none" strike="noStrike" cap="none">
           <a:solidFill>
             <a:srgbClr val="000000"/>
           </a:solidFill>
@@ -7616,7 +7841,7 @@
           <a:sym typeface="Arial"/>
         </a:defRPr>
       </a:lvl2pPr>
-      <a:lvl3pPr lvl="2" marR="0" rtl="0" algn="l">
+      <a:lvl3pPr marR="0" lvl="2" algn="l" rtl="0">
         <a:lnSpc>
           <a:spcPct val="100000"/>
         </a:lnSpc>
@@ -7630,7 +7855,7 @@
           <a:srgbClr val="000000"/>
         </a:buClr>
         <a:buFont typeface="Arial"/>
-        <a:defRPr b="0" i="0" sz="1400" u="none" cap="none" strike="noStrike">
+        <a:defRPr sz="1400" b="0" i="0" u="none" strike="noStrike" cap="none">
           <a:solidFill>
             <a:srgbClr val="000000"/>
           </a:solidFill>
@@ -7640,7 +7865,7 @@
           <a:sym typeface="Arial"/>
         </a:defRPr>
       </a:lvl3pPr>
-      <a:lvl4pPr lvl="3" marR="0" rtl="0" algn="l">
+      <a:lvl4pPr marR="0" lvl="3" algn="l" rtl="0">
         <a:lnSpc>
           <a:spcPct val="100000"/>
         </a:lnSpc>
@@ -7654,7 +7879,7 @@
           <a:srgbClr val="000000"/>
         </a:buClr>
         <a:buFont typeface="Arial"/>
-        <a:defRPr b="0" i="0" sz="1400" u="none" cap="none" strike="noStrike">
+        <a:defRPr sz="1400" b="0" i="0" u="none" strike="noStrike" cap="none">
           <a:solidFill>
             <a:srgbClr val="000000"/>
           </a:solidFill>
@@ -7664,7 +7889,7 @@
           <a:sym typeface="Arial"/>
         </a:defRPr>
       </a:lvl4pPr>
-      <a:lvl5pPr lvl="4" marR="0" rtl="0" algn="l">
+      <a:lvl5pPr marR="0" lvl="4" algn="l" rtl="0">
         <a:lnSpc>
           <a:spcPct val="100000"/>
         </a:lnSpc>
@@ -7678,7 +7903,7 @@
           <a:srgbClr val="000000"/>
         </a:buClr>
         <a:buFont typeface="Arial"/>
-        <a:defRPr b="0" i="0" sz="1400" u="none" cap="none" strike="noStrike">
+        <a:defRPr sz="1400" b="0" i="0" u="none" strike="noStrike" cap="none">
           <a:solidFill>
             <a:srgbClr val="000000"/>
           </a:solidFill>
@@ -7688,7 +7913,7 @@
           <a:sym typeface="Arial"/>
         </a:defRPr>
       </a:lvl5pPr>
-      <a:lvl6pPr lvl="5" marR="0" rtl="0" algn="l">
+      <a:lvl6pPr marR="0" lvl="5" algn="l" rtl="0">
         <a:lnSpc>
           <a:spcPct val="100000"/>
         </a:lnSpc>
@@ -7702,7 +7927,7 @@
           <a:srgbClr val="000000"/>
         </a:buClr>
         <a:buFont typeface="Arial"/>
-        <a:defRPr b="0" i="0" sz="1400" u="none" cap="none" strike="noStrike">
+        <a:defRPr sz="1400" b="0" i="0" u="none" strike="noStrike" cap="none">
           <a:solidFill>
             <a:srgbClr val="000000"/>
           </a:solidFill>
@@ -7712,7 +7937,7 @@
           <a:sym typeface="Arial"/>
         </a:defRPr>
       </a:lvl6pPr>
-      <a:lvl7pPr lvl="6" marR="0" rtl="0" algn="l">
+      <a:lvl7pPr marR="0" lvl="6" algn="l" rtl="0">
         <a:lnSpc>
           <a:spcPct val="100000"/>
         </a:lnSpc>
@@ -7726,7 +7951,7 @@
           <a:srgbClr val="000000"/>
         </a:buClr>
         <a:buFont typeface="Arial"/>
-        <a:defRPr b="0" i="0" sz="1400" u="none" cap="none" strike="noStrike">
+        <a:defRPr sz="1400" b="0" i="0" u="none" strike="noStrike" cap="none">
           <a:solidFill>
             <a:srgbClr val="000000"/>
           </a:solidFill>
@@ -7736,7 +7961,7 @@
           <a:sym typeface="Arial"/>
         </a:defRPr>
       </a:lvl7pPr>
-      <a:lvl8pPr lvl="7" marR="0" rtl="0" algn="l">
+      <a:lvl8pPr marR="0" lvl="7" algn="l" rtl="0">
         <a:lnSpc>
           <a:spcPct val="100000"/>
         </a:lnSpc>
@@ -7750,7 +7975,7 @@
           <a:srgbClr val="000000"/>
         </a:buClr>
         <a:buFont typeface="Arial"/>
-        <a:defRPr b="0" i="0" sz="1400" u="none" cap="none" strike="noStrike">
+        <a:defRPr sz="1400" b="0" i="0" u="none" strike="noStrike" cap="none">
           <a:solidFill>
             <a:srgbClr val="000000"/>
           </a:solidFill>
@@ -7760,7 +7985,7 @@
           <a:sym typeface="Arial"/>
         </a:defRPr>
       </a:lvl8pPr>
-      <a:lvl9pPr lvl="8" marR="0" rtl="0" algn="l">
+      <a:lvl9pPr marR="0" lvl="8" algn="l" rtl="0">
         <a:lnSpc>
           <a:spcPct val="100000"/>
         </a:lnSpc>
@@ -7774,7 +7999,7 @@
           <a:srgbClr val="000000"/>
         </a:buClr>
         <a:buFont typeface="Arial"/>
-        <a:defRPr b="0" i="0" sz="1400" u="none" cap="none" strike="noStrike">
+        <a:defRPr sz="1400" b="0" i="0" u="none" strike="noStrike" cap="none">
           <a:solidFill>
             <a:srgbClr val="000000"/>
           </a:solidFill>
@@ -7786,7 +8011,7 @@
       </a:lvl9pPr>
     </p:bodyStyle>
     <p:otherStyle>
-      <a:defPPr lvl="0" marR="0" rtl="0" algn="l">
+      <a:defPPr marR="0" lvl="0" algn="l" rtl="0">
         <a:lnSpc>
           <a:spcPct val="100000"/>
         </a:lnSpc>
@@ -7797,7 +8022,7 @@
           <a:spcPts val="0"/>
         </a:spcAft>
       </a:defPPr>
-      <a:lvl1pPr lvl="0" marR="0" rtl="0" algn="l">
+      <a:lvl1pPr marR="0" lvl="0" algn="l" rtl="0">
         <a:lnSpc>
           <a:spcPct val="100000"/>
         </a:lnSpc>
@@ -7811,7 +8036,7 @@
           <a:srgbClr val="000000"/>
         </a:buClr>
         <a:buFont typeface="Arial"/>
-        <a:defRPr b="0" i="0" sz="1400" u="none" cap="none" strike="noStrike">
+        <a:defRPr sz="1400" b="0" i="0" u="none" strike="noStrike" cap="none">
           <a:solidFill>
             <a:srgbClr val="000000"/>
           </a:solidFill>
@@ -7821,7 +8046,7 @@
           <a:sym typeface="Arial"/>
         </a:defRPr>
       </a:lvl1pPr>
-      <a:lvl2pPr lvl="1" marR="0" rtl="0" algn="l">
+      <a:lvl2pPr marR="0" lvl="1" algn="l" rtl="0">
         <a:lnSpc>
           <a:spcPct val="100000"/>
         </a:lnSpc>
@@ -7835,7 +8060,7 @@
           <a:srgbClr val="000000"/>
         </a:buClr>
         <a:buFont typeface="Arial"/>
-        <a:defRPr b="0" i="0" sz="1400" u="none" cap="none" strike="noStrike">
+        <a:defRPr sz="1400" b="0" i="0" u="none" strike="noStrike" cap="none">
           <a:solidFill>
             <a:srgbClr val="000000"/>
           </a:solidFill>
@@ -7845,7 +8070,7 @@
           <a:sym typeface="Arial"/>
         </a:defRPr>
       </a:lvl2pPr>
-      <a:lvl3pPr lvl="2" marR="0" rtl="0" algn="l">
+      <a:lvl3pPr marR="0" lvl="2" algn="l" rtl="0">
         <a:lnSpc>
           <a:spcPct val="100000"/>
         </a:lnSpc>
@@ -7859,7 +8084,7 @@
           <a:srgbClr val="000000"/>
         </a:buClr>
         <a:buFont typeface="Arial"/>
-        <a:defRPr b="0" i="0" sz="1400" u="none" cap="none" strike="noStrike">
+        <a:defRPr sz="1400" b="0" i="0" u="none" strike="noStrike" cap="none">
           <a:solidFill>
             <a:srgbClr val="000000"/>
           </a:solidFill>
@@ -7869,7 +8094,7 @@
           <a:sym typeface="Arial"/>
         </a:defRPr>
       </a:lvl3pPr>
-      <a:lvl4pPr lvl="3" marR="0" rtl="0" algn="l">
+      <a:lvl4pPr marR="0" lvl="3" algn="l" rtl="0">
         <a:lnSpc>
           <a:spcPct val="100000"/>
         </a:lnSpc>
@@ -7883,7 +8108,7 @@
           <a:srgbClr val="000000"/>
         </a:buClr>
         <a:buFont typeface="Arial"/>
-        <a:defRPr b="0" i="0" sz="1400" u="none" cap="none" strike="noStrike">
+        <a:defRPr sz="1400" b="0" i="0" u="none" strike="noStrike" cap="none">
           <a:solidFill>
             <a:srgbClr val="000000"/>
           </a:solidFill>
@@ -7893,7 +8118,7 @@
           <a:sym typeface="Arial"/>
         </a:defRPr>
       </a:lvl4pPr>
-      <a:lvl5pPr lvl="4" marR="0" rtl="0" algn="l">
+      <a:lvl5pPr marR="0" lvl="4" algn="l" rtl="0">
         <a:lnSpc>
           <a:spcPct val="100000"/>
         </a:lnSpc>
@@ -7907,7 +8132,7 @@
           <a:srgbClr val="000000"/>
         </a:buClr>
         <a:buFont typeface="Arial"/>
-        <a:defRPr b="0" i="0" sz="1400" u="none" cap="none" strike="noStrike">
+        <a:defRPr sz="1400" b="0" i="0" u="none" strike="noStrike" cap="none">
           <a:solidFill>
             <a:srgbClr val="000000"/>
           </a:solidFill>
@@ -7917,7 +8142,7 @@
           <a:sym typeface="Arial"/>
         </a:defRPr>
       </a:lvl5pPr>
-      <a:lvl6pPr lvl="5" marR="0" rtl="0" algn="l">
+      <a:lvl6pPr marR="0" lvl="5" algn="l" rtl="0">
         <a:lnSpc>
           <a:spcPct val="100000"/>
         </a:lnSpc>
@@ -7931,7 +8156,7 @@
           <a:srgbClr val="000000"/>
         </a:buClr>
         <a:buFont typeface="Arial"/>
-        <a:defRPr b="0" i="0" sz="1400" u="none" cap="none" strike="noStrike">
+        <a:defRPr sz="1400" b="0" i="0" u="none" strike="noStrike" cap="none">
           <a:solidFill>
             <a:srgbClr val="000000"/>
           </a:solidFill>
@@ -7941,7 +8166,7 @@
           <a:sym typeface="Arial"/>
         </a:defRPr>
       </a:lvl6pPr>
-      <a:lvl7pPr lvl="6" marR="0" rtl="0" algn="l">
+      <a:lvl7pPr marR="0" lvl="6" algn="l" rtl="0">
         <a:lnSpc>
           <a:spcPct val="100000"/>
         </a:lnSpc>
@@ -7955,7 +8180,7 @@
           <a:srgbClr val="000000"/>
         </a:buClr>
         <a:buFont typeface="Arial"/>
-        <a:defRPr b="0" i="0" sz="1400" u="none" cap="none" strike="noStrike">
+        <a:defRPr sz="1400" b="0" i="0" u="none" strike="noStrike" cap="none">
           <a:solidFill>
             <a:srgbClr val="000000"/>
           </a:solidFill>
@@ -7965,7 +8190,7 @@
           <a:sym typeface="Arial"/>
         </a:defRPr>
       </a:lvl7pPr>
-      <a:lvl8pPr lvl="7" marR="0" rtl="0" algn="l">
+      <a:lvl8pPr marR="0" lvl="7" algn="l" rtl="0">
         <a:lnSpc>
           <a:spcPct val="100000"/>
         </a:lnSpc>
@@ -7979,7 +8204,7 @@
           <a:srgbClr val="000000"/>
         </a:buClr>
         <a:buFont typeface="Arial"/>
-        <a:defRPr b="0" i="0" sz="1400" u="none" cap="none" strike="noStrike">
+        <a:defRPr sz="1400" b="0" i="0" u="none" strike="noStrike" cap="none">
           <a:solidFill>
             <a:srgbClr val="000000"/>
           </a:solidFill>
@@ -7989,7 +8214,7 @@
           <a:sym typeface="Arial"/>
         </a:defRPr>
       </a:lvl8pPr>
-      <a:lvl9pPr lvl="8" marR="0" rtl="0" algn="l">
+      <a:lvl9pPr marR="0" lvl="8" algn="l" rtl="0">
         <a:lnSpc>
           <a:spcPct val="100000"/>
         </a:lnSpc>
@@ -8003,7 +8228,7 @@
           <a:srgbClr val="000000"/>
         </a:buClr>
         <a:buFont typeface="Arial"/>
-        <a:defRPr b="0" i="0" sz="1400" u="none" cap="none" strike="noStrike">
+        <a:defRPr sz="1400" b="0" i="0" u="none" strike="noStrike" cap="none">
           <a:solidFill>
             <a:srgbClr val="000000"/>
           </a:solidFill>
@@ -8019,11 +8244,11 @@
 </file>
 
 <file path=ppt/slides/slide1.xml><?xml version="1.0" encoding="utf-8"?>
-<p:sld xmlns:a="http://schemas.openxmlformats.org/drawingml/2006/main" xmlns:r="http://schemas.openxmlformats.org/officeDocument/2006/relationships" xmlns:mc="http://schemas.openxmlformats.org/markup-compatibility/2006" xmlns:mv="urn:schemas-microsoft-com:mac:vml" xmlns:p="http://schemas.openxmlformats.org/presentationml/2006/main" xmlns:c="http://schemas.openxmlformats.org/drawingml/2006/chart" xmlns:dgm="http://schemas.openxmlformats.org/drawingml/2006/diagram" xmlns:o="urn:schemas-microsoft-com:office:office" xmlns:v="urn:schemas-microsoft-com:vml" xmlns:pvml="urn:schemas-microsoft-com:office:powerpoint" xmlns:com="http://schemas.openxmlformats.org/drawingml/2006/compatibility" xmlns:p14="http://schemas.microsoft.com/office/powerpoint/2010/main" xmlns:p15="http://schemas.microsoft.com/office/powerpoint/2012/main" xmlns:ahyp="http://schemas.microsoft.com/office/drawing/2018/hyperlinkcolor">
+<p:sld xmlns:a="http://schemas.openxmlformats.org/drawingml/2006/main" xmlns:r="http://schemas.openxmlformats.org/officeDocument/2006/relationships" xmlns:p="http://schemas.openxmlformats.org/presentationml/2006/main">
   <p:cSld>
     <p:spTree>
       <p:nvGrpSpPr>
-        <p:cNvPr id="60" name="Shape 60"/>
+        <p:cNvPr id="1" name="Shape 60"/>
         <p:cNvGrpSpPr/>
         <p:nvPr/>
       </p:nvGrpSpPr>
@@ -8038,7 +8263,9 @@
       <p:sp>
         <p:nvSpPr>
           <p:cNvPr id="61" name="Google Shape;61;p15"/>
-          <p:cNvSpPr txBox="1"/>
+          <p:cNvSpPr txBox="1">
+            <a:spLocks noGrp="1"/>
+          </p:cNvSpPr>
           <p:nvPr>
             <p:ph type="ctrTitle"/>
           </p:nvPr>
@@ -8053,12 +8280,12 @@
           </a:prstGeom>
         </p:spPr>
         <p:txBody>
-          <a:bodyPr anchorCtr="0" anchor="b" bIns="91425" lIns="91425" spcFirstLastPara="1" rIns="91425" wrap="square" tIns="91425">
+          <a:bodyPr spcFirstLastPara="1" wrap="square" lIns="91425" tIns="91425" rIns="91425" bIns="91425" anchor="b" anchorCtr="0">
             <a:normAutofit/>
           </a:bodyPr>
           <a:lstStyle/>
           <a:p>
-            <a:pPr indent="0" lvl="0" marL="0" rtl="0" algn="ctr">
+            <a:pPr marL="0" lvl="0" indent="0" algn="ctr" rtl="0">
               <a:spcBef>
                 <a:spcPts val="0"/>
               </a:spcBef>
@@ -8078,9 +8305,11 @@
       <p:sp>
         <p:nvSpPr>
           <p:cNvPr id="62" name="Google Shape;62;p15"/>
-          <p:cNvSpPr txBox="1"/>
+          <p:cNvSpPr txBox="1">
+            <a:spLocks noGrp="1"/>
+          </p:cNvSpPr>
           <p:nvPr>
-            <p:ph idx="1" type="subTitle"/>
+            <p:ph type="subTitle" idx="1"/>
           </p:nvPr>
         </p:nvSpPr>
         <p:spPr>
@@ -8093,12 +8322,12 @@
           </a:prstGeom>
         </p:spPr>
         <p:txBody>
-          <a:bodyPr anchorCtr="0" anchor="t" bIns="91425" lIns="91425" spcFirstLastPara="1" rIns="91425" wrap="square" tIns="91425">
+          <a:bodyPr spcFirstLastPara="1" wrap="square" lIns="91425" tIns="91425" rIns="91425" bIns="91425" anchor="t" anchorCtr="0">
             <a:normAutofit lnSpcReduction="20000"/>
           </a:bodyPr>
           <a:lstStyle/>
           <a:p>
-            <a:pPr indent="0" lvl="0" marL="0" rtl="0" algn="ctr">
+            <a:pPr marL="0" lvl="0" indent="0" algn="ctr" rtl="0">
               <a:spcBef>
                 <a:spcPts val="0"/>
               </a:spcBef>
@@ -8108,29 +8337,17 @@
               <a:buNone/>
             </a:pPr>
             <a:r>
-              <a:rPr lang="en-US"/>
-              <a:t>[name]</a:t>
+              <a:rPr lang="en-US" dirty="0" err="1"/>
+              <a:t>Bojun</a:t>
             </a:r>
-            <a:endParaRPr/>
-          </a:p>
-          <a:p>
-            <a:pPr indent="0" lvl="0" marL="0" rtl="0" algn="ctr">
-              <a:spcBef>
-                <a:spcPts val="0"/>
-              </a:spcBef>
-              <a:spcAft>
-                <a:spcPts val="0"/>
-              </a:spcAft>
-              <a:buNone/>
-            </a:pPr>
             <a:r>
-              <a:rPr lang="en-US"/>
-              <a:t>[GT email]</a:t>
+              <a:rPr lang="en-US" dirty="0"/>
+              <a:t> Yang</a:t>
             </a:r>
-            <a:endParaRPr/>
-          </a:p>
-          <a:p>
-            <a:pPr indent="0" lvl="0" marL="0" rtl="0" algn="ctr">
+            <a:endParaRPr dirty="0"/>
+          </a:p>
+          <a:p>
+            <a:pPr marL="0" lvl="0" indent="0" algn="ctr" rtl="0">
               <a:spcBef>
                 <a:spcPts val="0"/>
               </a:spcBef>
@@ -8140,13 +8357,13 @@
               <a:buNone/>
             </a:pPr>
             <a:r>
-              <a:rPr lang="en-US"/>
-              <a:t>[GT username]</a:t>
+              <a:rPr lang="en-US" dirty="0"/>
+              <a:t>byang301@gatech.edu</a:t>
             </a:r>
-            <a:endParaRPr/>
-          </a:p>
-          <a:p>
-            <a:pPr indent="0" lvl="0" marL="0" rtl="0" algn="ctr">
+            <a:endParaRPr dirty="0"/>
+          </a:p>
+          <a:p>
+            <a:pPr marL="0" lvl="0" indent="0" algn="ctr" rtl="0">
               <a:spcBef>
                 <a:spcPts val="0"/>
               </a:spcBef>
@@ -8156,10 +8373,26 @@
               <a:buNone/>
             </a:pPr>
             <a:r>
-              <a:rPr lang="en-US"/>
-              <a:t>[GT ID]</a:t>
+              <a:rPr lang="en-US" dirty="0"/>
+              <a:t>byang301</a:t>
             </a:r>
-            <a:endParaRPr/>
+            <a:endParaRPr dirty="0"/>
+          </a:p>
+          <a:p>
+            <a:pPr marL="0" lvl="0" indent="0" algn="ctr" rtl="0">
+              <a:spcBef>
+                <a:spcPts val="0"/>
+              </a:spcBef>
+              <a:spcAft>
+                <a:spcPts val="0"/>
+              </a:spcAft>
+              <a:buNone/>
+            </a:pPr>
+            <a:r>
+              <a:rPr lang="en-US" dirty="0"/>
+              <a:t>903254309</a:t>
+            </a:r>
+            <a:endParaRPr dirty="0"/>
           </a:p>
         </p:txBody>
       </p:sp>
@@ -8172,11 +8405,11 @@
 </file>
 
 <file path=ppt/slides/slide10.xml><?xml version="1.0" encoding="utf-8"?>
-<p:sld xmlns:a="http://schemas.openxmlformats.org/drawingml/2006/main" xmlns:r="http://schemas.openxmlformats.org/officeDocument/2006/relationships" xmlns:mc="http://schemas.openxmlformats.org/markup-compatibility/2006" xmlns:mv="urn:schemas-microsoft-com:mac:vml" xmlns:p="http://schemas.openxmlformats.org/presentationml/2006/main" xmlns:c="http://schemas.openxmlformats.org/drawingml/2006/chart" xmlns:dgm="http://schemas.openxmlformats.org/drawingml/2006/diagram" xmlns:o="urn:schemas-microsoft-com:office:office" xmlns:v="urn:schemas-microsoft-com:vml" xmlns:pvml="urn:schemas-microsoft-com:office:powerpoint" xmlns:com="http://schemas.openxmlformats.org/drawingml/2006/compatibility" xmlns:p14="http://schemas.microsoft.com/office/powerpoint/2010/main" xmlns:p15="http://schemas.microsoft.com/office/powerpoint/2012/main" xmlns:ahyp="http://schemas.microsoft.com/office/drawing/2018/hyperlinkcolor">
+<p:sld xmlns:a="http://schemas.openxmlformats.org/drawingml/2006/main" xmlns:r="http://schemas.openxmlformats.org/officeDocument/2006/relationships" xmlns:p="http://schemas.openxmlformats.org/presentationml/2006/main">
   <p:cSld>
     <p:spTree>
       <p:nvGrpSpPr>
-        <p:cNvPr id="122" name="Shape 122"/>
+        <p:cNvPr id="1" name="Shape 122"/>
         <p:cNvGrpSpPr/>
         <p:nvPr/>
       </p:nvGrpSpPr>
@@ -8191,7 +8424,9 @@
       <p:sp>
         <p:nvSpPr>
           <p:cNvPr id="123" name="Google Shape;123;p24"/>
-          <p:cNvSpPr txBox="1"/>
+          <p:cNvSpPr txBox="1">
+            <a:spLocks noGrp="1"/>
+          </p:cNvSpPr>
           <p:nvPr>
             <p:ph type="title"/>
           </p:nvPr>
@@ -8206,12 +8441,12 @@
           </a:prstGeom>
         </p:spPr>
         <p:txBody>
-          <a:bodyPr anchorCtr="0" anchor="t" bIns="91425" lIns="91425" spcFirstLastPara="1" rIns="91425" wrap="square" tIns="91425">
+          <a:bodyPr spcFirstLastPara="1" wrap="square" lIns="91425" tIns="91425" rIns="91425" bIns="91425" anchor="t" anchorCtr="0">
             <a:normAutofit fontScale="90000"/>
           </a:bodyPr>
           <a:lstStyle/>
           <a:p>
-            <a:pPr indent="0" lvl="0" marL="0" rtl="0" algn="l">
+            <a:pPr marL="0" lvl="0" indent="0" algn="l" rtl="0">
               <a:spcBef>
                 <a:spcPts val="0"/>
               </a:spcBef>
@@ -8231,9 +8466,11 @@
       <p:sp>
         <p:nvSpPr>
           <p:cNvPr id="124" name="Google Shape;124;p24"/>
-          <p:cNvSpPr txBox="1"/>
+          <p:cNvSpPr txBox="1">
+            <a:spLocks noGrp="1"/>
+          </p:cNvSpPr>
           <p:nvPr>
-            <p:ph idx="1" type="body"/>
+            <p:ph type="body" idx="1"/>
           </p:nvPr>
         </p:nvSpPr>
         <p:spPr>
@@ -8246,12 +8483,12 @@
           </a:prstGeom>
         </p:spPr>
         <p:txBody>
-          <a:bodyPr anchorCtr="0" anchor="t" bIns="91425" lIns="91425" spcFirstLastPara="1" rIns="91425" wrap="square" tIns="91425">
+          <a:bodyPr spcFirstLastPara="1" wrap="square" lIns="91425" tIns="91425" rIns="91425" bIns="91425" anchor="t" anchorCtr="0">
             <a:normAutofit/>
           </a:bodyPr>
           <a:lstStyle/>
           <a:p>
-            <a:pPr indent="0" lvl="0" marL="0" rtl="0" algn="l">
+            <a:pPr marL="0" lvl="0" indent="0" algn="l" rtl="0">
               <a:spcBef>
                 <a:spcPts val="0"/>
               </a:spcBef>
@@ -8261,27 +8498,21 @@
               <a:buNone/>
             </a:pPr>
             <a:r>
-              <a:rPr lang="en-US"/>
-              <a:t>[What regions of the image does smoothing seem to perform better on? Why do </a:t>
+              <a:rPr lang="en-US" dirty="0"/>
+              <a:t>Smoothing performs better on the chair, which is a large static structure. I think it does better because it is isolated from other objects and has a clear distinction between the chair and the background.</a:t>
             </a:r>
-            <a:r>
-              <a:rPr lang="en-US"/>
-              <a:t>you think so</a:t>
-            </a:r>
-            <a:r>
-              <a:rPr lang="en-US"/>
-              <a:t>?]</a:t>
-            </a:r>
-            <a:endParaRPr/>
+            <a:endParaRPr dirty="0"/>
           </a:p>
         </p:txBody>
       </p:sp>
       <p:sp>
         <p:nvSpPr>
           <p:cNvPr id="125" name="Google Shape;125;p24"/>
-          <p:cNvSpPr txBox="1"/>
+          <p:cNvSpPr txBox="1">
+            <a:spLocks noGrp="1"/>
+          </p:cNvSpPr>
           <p:nvPr>
-            <p:ph idx="2" type="body"/>
+            <p:ph type="body" idx="2"/>
           </p:nvPr>
         </p:nvSpPr>
         <p:spPr>
@@ -8294,40 +8525,25 @@
           </a:prstGeom>
         </p:spPr>
         <p:txBody>
-          <a:bodyPr anchorCtr="0" anchor="t" bIns="91425" lIns="91425" spcFirstLastPara="1" rIns="91425" wrap="square" tIns="91425">
+          <a:bodyPr spcFirstLastPara="1" wrap="square" lIns="91425" tIns="91425" rIns="91425" bIns="91425" anchor="t" anchorCtr="0">
             <a:normAutofit/>
           </a:bodyPr>
           <a:lstStyle/>
           <a:p>
-            <a:pPr indent="0" lvl="0" marL="0" rtl="0" algn="l">
-              <a:spcBef>
-                <a:spcPts val="0"/>
-              </a:spcBef>
-              <a:spcAft>
-                <a:spcPts val="0"/>
+            <a:pPr marL="0" lvl="0" indent="0" algn="l" rtl="0">
+              <a:spcBef>
+                <a:spcPts val="1200"/>
+              </a:spcBef>
+              <a:spcAft>
+                <a:spcPts val="1200"/>
               </a:spcAft>
               <a:buNone/>
             </a:pPr>
             <a:r>
-              <a:rPr lang="en-US"/>
-              <a:t>[What regions of the image does smoothing seem to perform worse on? Why do you think so?]</a:t>
+              <a:rPr lang="en-US" dirty="0"/>
+              <a:t>It performs worse on areas that have many multiple objects that shift, like the small table with books on top. The smoothing merged the objects into one and we can only see a vague outline.</a:t>
             </a:r>
-            <a:endParaRPr/>
-          </a:p>
-          <a:p>
-            <a:pPr indent="0" lvl="0" marL="0" rtl="0" algn="l">
-              <a:spcBef>
-                <a:spcPts val="1200"/>
-              </a:spcBef>
-              <a:spcAft>
-                <a:spcPts val="1200"/>
-              </a:spcAft>
-              <a:buNone/>
-            </a:pPr>
-            <a:r>
-              <a:t/>
-            </a:r>
-            <a:endParaRPr/>
+            <a:endParaRPr dirty="0"/>
           </a:p>
         </p:txBody>
       </p:sp>
@@ -8340,11 +8556,11 @@
 </file>
 
 <file path=ppt/slides/slide11.xml><?xml version="1.0" encoding="utf-8"?>
-<p:sld xmlns:a="http://schemas.openxmlformats.org/drawingml/2006/main" xmlns:r="http://schemas.openxmlformats.org/officeDocument/2006/relationships" xmlns:mc="http://schemas.openxmlformats.org/markup-compatibility/2006" xmlns:mv="urn:schemas-microsoft-com:mac:vml" xmlns:p="http://schemas.openxmlformats.org/presentationml/2006/main" xmlns:c="http://schemas.openxmlformats.org/drawingml/2006/chart" xmlns:dgm="http://schemas.openxmlformats.org/drawingml/2006/diagram" xmlns:o="urn:schemas-microsoft-com:office:office" xmlns:v="urn:schemas-microsoft-com:vml" xmlns:pvml="urn:schemas-microsoft-com:office:powerpoint" xmlns:com="http://schemas.openxmlformats.org/drawingml/2006/compatibility" xmlns:p14="http://schemas.microsoft.com/office/powerpoint/2010/main" xmlns:p15="http://schemas.microsoft.com/office/powerpoint/2012/main" xmlns:ahyp="http://schemas.microsoft.com/office/drawing/2018/hyperlinkcolor">
+<p:sld xmlns:a="http://schemas.openxmlformats.org/drawingml/2006/main" xmlns:r="http://schemas.openxmlformats.org/officeDocument/2006/relationships" xmlns:p="http://schemas.openxmlformats.org/presentationml/2006/main">
   <p:cSld>
     <p:spTree>
       <p:nvGrpSpPr>
-        <p:cNvPr id="129" name="Shape 129"/>
+        <p:cNvPr id="1" name="Shape 129"/>
         <p:cNvGrpSpPr/>
         <p:nvPr/>
       </p:nvGrpSpPr>
@@ -8359,7 +8575,9 @@
       <p:sp>
         <p:nvSpPr>
           <p:cNvPr id="130" name="Google Shape;130;p25"/>
-          <p:cNvSpPr txBox="1"/>
+          <p:cNvSpPr txBox="1">
+            <a:spLocks noGrp="1"/>
+          </p:cNvSpPr>
           <p:nvPr>
             <p:ph type="title"/>
           </p:nvPr>
@@ -8374,12 +8592,12 @@
           </a:prstGeom>
         </p:spPr>
         <p:txBody>
-          <a:bodyPr anchorCtr="0" anchor="t" bIns="91425" lIns="91425" spcFirstLastPara="1" rIns="91425" wrap="square" tIns="91425">
+          <a:bodyPr spcFirstLastPara="1" wrap="square" lIns="91425" tIns="91425" rIns="91425" bIns="91425" anchor="t" anchorCtr="0">
             <a:normAutofit fontScale="90000"/>
           </a:bodyPr>
           <a:lstStyle/>
           <a:p>
-            <a:pPr indent="0" lvl="0" marL="0" rtl="0" algn="l">
+            <a:pPr marL="0" lvl="0" indent="0" algn="l" rtl="0">
               <a:spcBef>
                 <a:spcPts val="0"/>
               </a:spcBef>
@@ -8399,9 +8617,11 @@
       <p:sp>
         <p:nvSpPr>
           <p:cNvPr id="131" name="Google Shape;131;p25"/>
-          <p:cNvSpPr txBox="1"/>
+          <p:cNvSpPr txBox="1">
+            <a:spLocks noGrp="1"/>
+          </p:cNvSpPr>
           <p:nvPr>
-            <p:ph idx="1" type="body"/>
+            <p:ph type="body" idx="1"/>
           </p:nvPr>
         </p:nvSpPr>
         <p:spPr>
@@ -8414,12 +8634,12 @@
           </a:prstGeom>
         </p:spPr>
         <p:txBody>
-          <a:bodyPr anchorCtr="0" anchor="t" bIns="91425" lIns="91425" spcFirstLastPara="1" rIns="91425" wrap="square" tIns="91425">
+          <a:bodyPr spcFirstLastPara="1" wrap="square" lIns="91425" tIns="91425" rIns="91425" bIns="91425" anchor="t" anchorCtr="0">
             <a:normAutofit/>
           </a:bodyPr>
           <a:lstStyle/>
           <a:p>
-            <a:pPr indent="0" lvl="0" marL="0" rtl="0" algn="l">
+            <a:pPr marL="0" lvl="0" indent="0" algn="l" rtl="0">
               <a:spcBef>
                 <a:spcPts val="0"/>
               </a:spcBef>
@@ -8429,19 +8649,36 @@
               <a:buNone/>
             </a:pPr>
             <a:r>
-              <a:rPr lang="en-US"/>
+              <a:rPr lang="en-US" dirty="0"/>
               <a:t>[Describe how semi-global matching works.]</a:t>
             </a:r>
-            <a:endParaRPr/>
+          </a:p>
+          <a:p>
+            <a:pPr marL="0" lvl="0" indent="0" algn="l" rtl="0">
+              <a:spcBef>
+                <a:spcPts val="0"/>
+              </a:spcBef>
+              <a:spcAft>
+                <a:spcPts val="1200"/>
+              </a:spcAft>
+              <a:buNone/>
+            </a:pPr>
+            <a:r>
+              <a:rPr lang="en-US" dirty="0"/>
+              <a:t>Semi global matching performs line optimization using multiple directions and to calculate an aggregated cost using the disparities from each direction. </a:t>
+            </a:r>
+            <a:endParaRPr dirty="0"/>
           </a:p>
         </p:txBody>
       </p:sp>
       <p:sp>
         <p:nvSpPr>
           <p:cNvPr id="132" name="Google Shape;132;p25"/>
-          <p:cNvSpPr txBox="1"/>
+          <p:cNvSpPr txBox="1">
+            <a:spLocks noGrp="1"/>
+          </p:cNvSpPr>
           <p:nvPr>
-            <p:ph idx="2" type="body"/>
+            <p:ph type="body" idx="2"/>
           </p:nvPr>
         </p:nvSpPr>
         <p:spPr>
@@ -8454,12 +8691,12 @@
           </a:prstGeom>
         </p:spPr>
         <p:txBody>
-          <a:bodyPr anchorCtr="0" anchor="t" bIns="91425" lIns="91425" spcFirstLastPara="1" rIns="91425" wrap="square" tIns="91425">
+          <a:bodyPr spcFirstLastPara="1" wrap="square" lIns="91425" tIns="91425" rIns="91425" bIns="91425" anchor="t" anchorCtr="0">
             <a:normAutofit/>
           </a:bodyPr>
           <a:lstStyle/>
           <a:p>
-            <a:pPr indent="0" lvl="0" marL="0" rtl="0" algn="l">
+            <a:pPr marL="0" lvl="0" indent="0" algn="l" rtl="0">
               <a:spcBef>
                 <a:spcPts val="0"/>
               </a:spcBef>
@@ -8469,10 +8706,10 @@
               <a:buNone/>
             </a:pPr>
             <a:r>
-              <a:rPr lang="en-US"/>
-              <a:t>[Would smoothing still work for images with both horizontal and vertical shifts?]</a:t>
+              <a:rPr lang="en-US" dirty="0"/>
+              <a:t>Yes, because SGM calculates the disparities in multiple different directions.</a:t>
             </a:r>
-            <a:endParaRPr/>
+            <a:endParaRPr dirty="0"/>
           </a:p>
         </p:txBody>
       </p:sp>
@@ -8485,11 +8722,11 @@
 </file>
 
 <file path=ppt/slides/slide12.xml><?xml version="1.0" encoding="utf-8"?>
-<p:sld xmlns:a="http://schemas.openxmlformats.org/drawingml/2006/main" xmlns:r="http://schemas.openxmlformats.org/officeDocument/2006/relationships" xmlns:mc="http://schemas.openxmlformats.org/markup-compatibility/2006" xmlns:mv="urn:schemas-microsoft-com:mac:vml" xmlns:p="http://schemas.openxmlformats.org/presentationml/2006/main" xmlns:c="http://schemas.openxmlformats.org/drawingml/2006/chart" xmlns:dgm="http://schemas.openxmlformats.org/drawingml/2006/diagram" xmlns:o="urn:schemas-microsoft-com:office:office" xmlns:v="urn:schemas-microsoft-com:vml" xmlns:pvml="urn:schemas-microsoft-com:office:powerpoint" xmlns:com="http://schemas.openxmlformats.org/drawingml/2006/compatibility" xmlns:p14="http://schemas.microsoft.com/office/powerpoint/2010/main" xmlns:p15="http://schemas.microsoft.com/office/powerpoint/2012/main" xmlns:ahyp="http://schemas.microsoft.com/office/drawing/2018/hyperlinkcolor">
+<p:sld xmlns:a="http://schemas.openxmlformats.org/drawingml/2006/main" xmlns:r="http://schemas.openxmlformats.org/officeDocument/2006/relationships" xmlns:p="http://schemas.openxmlformats.org/presentationml/2006/main">
   <p:cSld>
     <p:spTree>
       <p:nvGrpSpPr>
-        <p:cNvPr id="136" name="Shape 136"/>
+        <p:cNvPr id="1" name="Shape 136"/>
         <p:cNvGrpSpPr/>
         <p:nvPr/>
       </p:nvGrpSpPr>
@@ -8504,7 +8741,9 @@
       <p:sp>
         <p:nvSpPr>
           <p:cNvPr id="137" name="Google Shape;137;p26"/>
-          <p:cNvSpPr txBox="1"/>
+          <p:cNvSpPr txBox="1">
+            <a:spLocks noGrp="1"/>
+          </p:cNvSpPr>
           <p:nvPr>
             <p:ph type="title"/>
           </p:nvPr>
@@ -8519,12 +8758,12 @@
           </a:prstGeom>
         </p:spPr>
         <p:txBody>
-          <a:bodyPr anchorCtr="0" anchor="t" bIns="91425" lIns="91425" spcFirstLastPara="1" rIns="91425" wrap="square" tIns="91425">
+          <a:bodyPr spcFirstLastPara="1" wrap="square" lIns="91425" tIns="91425" rIns="91425" bIns="91425" anchor="t" anchorCtr="0">
             <a:normAutofit fontScale="90000"/>
           </a:bodyPr>
           <a:lstStyle/>
           <a:p>
-            <a:pPr indent="0" lvl="0" marL="0" rtl="0" algn="l">
+            <a:pPr marL="0" lvl="0" indent="0" algn="l" rtl="0">
               <a:spcBef>
                 <a:spcPts val="0"/>
               </a:spcBef>
@@ -8544,9 +8783,11 @@
       <p:sp>
         <p:nvSpPr>
           <p:cNvPr id="138" name="Google Shape;138;p26"/>
-          <p:cNvSpPr txBox="1"/>
+          <p:cNvSpPr txBox="1">
+            <a:spLocks noGrp="1"/>
+          </p:cNvSpPr>
           <p:nvPr>
-            <p:ph idx="1" type="body"/>
+            <p:ph type="body" idx="1"/>
           </p:nvPr>
         </p:nvSpPr>
         <p:spPr>
@@ -8559,12 +8800,12 @@
           </a:prstGeom>
         </p:spPr>
         <p:txBody>
-          <a:bodyPr anchorCtr="0" anchor="t" bIns="91425" lIns="91425" spcFirstLastPara="1" rIns="91425" wrap="square" tIns="91425">
+          <a:bodyPr spcFirstLastPara="1" wrap="square" lIns="91425" tIns="91425" rIns="91425" bIns="91425" anchor="t" anchorCtr="0">
             <a:normAutofit/>
           </a:bodyPr>
           <a:lstStyle/>
           <a:p>
-            <a:pPr indent="0" lvl="0" marL="0" rtl="0" algn="l">
+            <a:pPr marL="0" lvl="0" indent="0" algn="l" rtl="0">
               <a:spcBef>
                 <a:spcPts val="0"/>
               </a:spcBef>
@@ -8574,19 +8815,21 @@
               <a:buNone/>
             </a:pPr>
             <a:r>
-              <a:rPr lang="en-US"/>
+              <a:rPr lang="en-US" dirty="0"/>
               <a:t>[Copy-paste your MCNET architecture as printed out in part2_disparity.ipynb]</a:t>
             </a:r>
-            <a:endParaRPr/>
+            <a:endParaRPr dirty="0"/>
           </a:p>
         </p:txBody>
       </p:sp>
       <p:sp>
         <p:nvSpPr>
           <p:cNvPr id="139" name="Google Shape;139;p26"/>
-          <p:cNvSpPr txBox="1"/>
+          <p:cNvSpPr txBox="1">
+            <a:spLocks noGrp="1"/>
+          </p:cNvSpPr>
           <p:nvPr>
-            <p:ph idx="2" type="body"/>
+            <p:ph type="body" idx="2"/>
           </p:nvPr>
         </p:nvSpPr>
         <p:spPr>
@@ -8599,12 +8842,12 @@
           </a:prstGeom>
         </p:spPr>
         <p:txBody>
-          <a:bodyPr anchorCtr="0" anchor="t" bIns="91425" lIns="91425" spcFirstLastPara="1" rIns="91425" wrap="square" tIns="91425">
+          <a:bodyPr spcFirstLastPara="1" wrap="square" lIns="91425" tIns="91425" rIns="91425" bIns="91425" anchor="t" anchorCtr="0">
             <a:normAutofit/>
           </a:bodyPr>
           <a:lstStyle/>
           <a:p>
-            <a:pPr indent="0" lvl="0" marL="0" rtl="0" algn="l">
+            <a:pPr marL="0" lvl="0" indent="0" algn="l" rtl="0">
               <a:spcBef>
                 <a:spcPts val="0"/>
               </a:spcBef>
@@ -8614,21 +8857,55 @@
               <a:buNone/>
             </a:pPr>
             <a:r>
-              <a:rPr lang="en-US"/>
-              <a:t>[What does the ReLU </a:t>
+              <a:rPr lang="en-US" dirty="0" err="1"/>
+              <a:t>ReLU</a:t>
             </a:r>
             <a:r>
-              <a:rPr lang="en-US"/>
-              <a:t>activation</a:t>
+              <a:rPr lang="en-US" dirty="0"/>
+              <a:t> activation function is 0 for x &lt; 0 and x for x &gt; 0. </a:t>
             </a:r>
             <a:r>
-              <a:rPr lang="en-US"/>
-              <a:t> function do? Why do we use it?]</a:t>
+              <a:rPr lang="en-US" dirty="0" err="1"/>
+              <a:t>ReLU</a:t>
             </a:r>
-            <a:endParaRPr/>
+            <a:r>
+              <a:rPr lang="en-US" dirty="0"/>
+              <a:t> outputs the input directly if it is positive, otherwise it will be zero. We use it because we negative feature values have no meaning to us, and disparity values should be positive. </a:t>
+            </a:r>
+            <a:endParaRPr dirty="0"/>
           </a:p>
         </p:txBody>
       </p:sp>
+      <p:pic>
+        <p:nvPicPr>
+          <p:cNvPr id="2" name="Picture 1">
+            <a:extLst>
+              <a:ext uri="{FF2B5EF4-FFF2-40B4-BE49-F238E27FC236}">
+                <a16:creationId xmlns:a16="http://schemas.microsoft.com/office/drawing/2014/main" id="{82751C44-A728-9F48-B453-13482EF46B4E}"/>
+              </a:ext>
+            </a:extLst>
+          </p:cNvPr>
+          <p:cNvPicPr>
+            <a:picLocks noChangeAspect="1"/>
+          </p:cNvPicPr>
+          <p:nvPr/>
+        </p:nvPicPr>
+        <p:blipFill>
+          <a:blip r:embed="rId3"/>
+          <a:stretch>
+            <a:fillRect/>
+          </a:stretch>
+        </p:blipFill>
+        <p:spPr>
+          <a:xfrm>
+            <a:off x="311699" y="1152475"/>
+            <a:ext cx="4246147" cy="2743664"/>
+          </a:xfrm>
+          <a:prstGeom prst="rect">
+            <a:avLst/>
+          </a:prstGeom>
+        </p:spPr>
+      </p:pic>
     </p:spTree>
   </p:cSld>
   <p:clrMapOvr>
@@ -8638,11 +8915,11 @@
 </file>
 
 <file path=ppt/slides/slide13.xml><?xml version="1.0" encoding="utf-8"?>
-<p:sld xmlns:a="http://schemas.openxmlformats.org/drawingml/2006/main" xmlns:r="http://schemas.openxmlformats.org/officeDocument/2006/relationships" xmlns:mc="http://schemas.openxmlformats.org/markup-compatibility/2006" xmlns:mv="urn:schemas-microsoft-com:mac:vml" xmlns:p="http://schemas.openxmlformats.org/presentationml/2006/main" xmlns:c="http://schemas.openxmlformats.org/drawingml/2006/chart" xmlns:dgm="http://schemas.openxmlformats.org/drawingml/2006/diagram" xmlns:o="urn:schemas-microsoft-com:office:office" xmlns:v="urn:schemas-microsoft-com:vml" xmlns:pvml="urn:schemas-microsoft-com:office:powerpoint" xmlns:com="http://schemas.openxmlformats.org/drawingml/2006/compatibility" xmlns:p14="http://schemas.microsoft.com/office/powerpoint/2010/main" xmlns:p15="http://schemas.microsoft.com/office/powerpoint/2012/main" xmlns:ahyp="http://schemas.microsoft.com/office/drawing/2018/hyperlinkcolor">
+<p:sld xmlns:a="http://schemas.openxmlformats.org/drawingml/2006/main" xmlns:r="http://schemas.openxmlformats.org/officeDocument/2006/relationships" xmlns:p="http://schemas.openxmlformats.org/presentationml/2006/main">
   <p:cSld>
     <p:spTree>
       <p:nvGrpSpPr>
-        <p:cNvPr id="143" name="Shape 143"/>
+        <p:cNvPr id="1" name="Shape 143"/>
         <p:cNvGrpSpPr/>
         <p:nvPr/>
       </p:nvGrpSpPr>
@@ -8657,7 +8934,9 @@
       <p:sp>
         <p:nvSpPr>
           <p:cNvPr id="144" name="Google Shape;144;p27"/>
-          <p:cNvSpPr txBox="1"/>
+          <p:cNvSpPr txBox="1">
+            <a:spLocks noGrp="1"/>
+          </p:cNvSpPr>
           <p:nvPr>
             <p:ph type="title"/>
           </p:nvPr>
@@ -8672,12 +8951,12 @@
           </a:prstGeom>
         </p:spPr>
         <p:txBody>
-          <a:bodyPr anchorCtr="0" anchor="t" bIns="91425" lIns="91425" spcFirstLastPara="1" rIns="91425" wrap="square" tIns="91425">
+          <a:bodyPr spcFirstLastPara="1" wrap="square" lIns="91425" tIns="91425" rIns="91425" bIns="91425" anchor="t" anchorCtr="0">
             <a:normAutofit fontScale="90000"/>
           </a:bodyPr>
           <a:lstStyle/>
           <a:p>
-            <a:pPr indent="0" lvl="0" marL="0" rtl="0" algn="l">
+            <a:pPr marL="0" lvl="0" indent="0" algn="l" rtl="0">
               <a:spcBef>
                 <a:spcPts val="0"/>
               </a:spcBef>
@@ -8697,9 +8976,11 @@
       <p:sp>
         <p:nvSpPr>
           <p:cNvPr id="145" name="Google Shape;145;p27"/>
-          <p:cNvSpPr txBox="1"/>
+          <p:cNvSpPr txBox="1">
+            <a:spLocks noGrp="1"/>
+          </p:cNvSpPr>
           <p:nvPr>
-            <p:ph idx="1" type="body"/>
+            <p:ph type="body" idx="1"/>
           </p:nvPr>
         </p:nvSpPr>
         <p:spPr>
@@ -8712,12 +8993,12 @@
           </a:prstGeom>
         </p:spPr>
         <p:txBody>
-          <a:bodyPr anchorCtr="0" anchor="t" bIns="91425" lIns="91425" spcFirstLastPara="1" rIns="91425" wrap="square" tIns="91425">
+          <a:bodyPr spcFirstLastPara="1" wrap="square" lIns="91425" tIns="91425" rIns="91425" bIns="91425" anchor="t" anchorCtr="0">
             <a:normAutofit/>
           </a:bodyPr>
           <a:lstStyle/>
           <a:p>
-            <a:pPr indent="0" lvl="0" marL="0" rtl="0" algn="l">
+            <a:pPr marL="0" lvl="0" indent="0" algn="l" rtl="0">
               <a:spcBef>
                 <a:spcPts val="0"/>
               </a:spcBef>
@@ -8727,19 +9008,21 @@
               <a:buNone/>
             </a:pPr>
             <a:r>
-              <a:rPr lang="en-US"/>
+              <a:rPr lang="en-US" dirty="0"/>
               <a:t>[insert visualization of a patch with window size 41 from image A + positive patch from image B + negative patch from image B]</a:t>
             </a:r>
-            <a:endParaRPr/>
+            <a:endParaRPr dirty="0"/>
           </a:p>
         </p:txBody>
       </p:sp>
       <p:sp>
         <p:nvSpPr>
           <p:cNvPr id="146" name="Google Shape;146;p27"/>
-          <p:cNvSpPr txBox="1"/>
+          <p:cNvSpPr txBox="1">
+            <a:spLocks noGrp="1"/>
+          </p:cNvSpPr>
           <p:nvPr>
-            <p:ph idx="2" type="body"/>
+            <p:ph type="body" idx="2"/>
           </p:nvPr>
         </p:nvSpPr>
         <p:spPr>
@@ -8752,12 +9035,12 @@
           </a:prstGeom>
         </p:spPr>
         <p:txBody>
-          <a:bodyPr anchorCtr="0" anchor="t" bIns="91425" lIns="91425" spcFirstLastPara="1" rIns="91425" wrap="square" tIns="91425">
+          <a:bodyPr spcFirstLastPara="1" wrap="square" lIns="91425" tIns="91425" rIns="91425" bIns="91425" anchor="t" anchorCtr="0">
             <a:normAutofit/>
           </a:bodyPr>
           <a:lstStyle/>
           <a:p>
-            <a:pPr indent="0" lvl="0" marL="0" rtl="0" algn="l">
+            <a:pPr marL="0" lvl="0" indent="0" algn="l" rtl="0">
               <a:spcBef>
                 <a:spcPts val="0"/>
               </a:spcBef>
@@ -8766,14 +9049,63 @@
               </a:spcAft>
               <a:buNone/>
             </a:pPr>
+            <a:r>
+              <a:rPr lang="en-US" dirty="0"/>
+              <a:t>[Given a true disparity map for each stereo pair, how do we extract positive and negative patches for training?]</a:t>
+            </a:r>
+          </a:p>
+          <a:p>
+            <a:pPr marL="0" lvl="0" indent="0" algn="l" rtl="0">
+              <a:spcBef>
+                <a:spcPts val="0"/>
+              </a:spcBef>
+              <a:spcAft>
+                <a:spcPts val="1200"/>
+              </a:spcAft>
+              <a:buNone/>
+            </a:pPr>
+            <a:r>
+              <a:rPr lang="en-US" dirty="0"/>
+              <a:t>We extract positive and negative patches by using the true disparity for positive patch sand changing the true disparity by a random value for </a:t>
+            </a:r>
             <a:r>
               <a:rPr lang="en-US"/>
-              <a:t>[Given a true disparity map for each stereo pair, how do we extract positive and negative patches for training?]</a:t>
+              <a:t>negative patches.</a:t>
             </a:r>
-            <a:endParaRPr/>
+            <a:endParaRPr dirty="0"/>
           </a:p>
         </p:txBody>
       </p:sp>
+      <p:pic>
+        <p:nvPicPr>
+          <p:cNvPr id="2" name="Picture 1">
+            <a:extLst>
+              <a:ext uri="{FF2B5EF4-FFF2-40B4-BE49-F238E27FC236}">
+                <a16:creationId xmlns:a16="http://schemas.microsoft.com/office/drawing/2014/main" id="{D1C94E98-3382-354B-AFDA-EA76A27C5AFB}"/>
+              </a:ext>
+            </a:extLst>
+          </p:cNvPr>
+          <p:cNvPicPr>
+            <a:picLocks noChangeAspect="1"/>
+          </p:cNvPicPr>
+          <p:nvPr/>
+        </p:nvPicPr>
+        <p:blipFill>
+          <a:blip r:embed="rId3"/>
+          <a:stretch>
+            <a:fillRect/>
+          </a:stretch>
+        </p:blipFill>
+        <p:spPr>
+          <a:xfrm>
+            <a:off x="85581" y="970030"/>
+            <a:ext cx="4635500" cy="1765300"/>
+          </a:xfrm>
+          <a:prstGeom prst="rect">
+            <a:avLst/>
+          </a:prstGeom>
+        </p:spPr>
+      </p:pic>
     </p:spTree>
   </p:cSld>
   <p:clrMapOvr>
@@ -8783,11 +9115,11 @@
 </file>
 
 <file path=ppt/slides/slide14.xml><?xml version="1.0" encoding="utf-8"?>
-<p:sld xmlns:a="http://schemas.openxmlformats.org/drawingml/2006/main" xmlns:r="http://schemas.openxmlformats.org/officeDocument/2006/relationships" xmlns:mc="http://schemas.openxmlformats.org/markup-compatibility/2006" xmlns:mv="urn:schemas-microsoft-com:mac:vml" xmlns:p="http://schemas.openxmlformats.org/presentationml/2006/main" xmlns:c="http://schemas.openxmlformats.org/drawingml/2006/chart" xmlns:dgm="http://schemas.openxmlformats.org/drawingml/2006/diagram" xmlns:o="urn:schemas-microsoft-com:office:office" xmlns:v="urn:schemas-microsoft-com:vml" xmlns:pvml="urn:schemas-microsoft-com:office:powerpoint" xmlns:com="http://schemas.openxmlformats.org/drawingml/2006/compatibility" xmlns:p14="http://schemas.microsoft.com/office/powerpoint/2010/main" xmlns:p15="http://schemas.microsoft.com/office/powerpoint/2012/main" xmlns:ahyp="http://schemas.microsoft.com/office/drawing/2018/hyperlinkcolor">
+<p:sld xmlns:a="http://schemas.openxmlformats.org/drawingml/2006/main" xmlns:r="http://schemas.openxmlformats.org/officeDocument/2006/relationships" xmlns:p="http://schemas.openxmlformats.org/presentationml/2006/main">
   <p:cSld>
     <p:spTree>
       <p:nvGrpSpPr>
-        <p:cNvPr id="150" name="Shape 150"/>
+        <p:cNvPr id="1" name="Shape 150"/>
         <p:cNvGrpSpPr/>
         <p:nvPr/>
       </p:nvGrpSpPr>
@@ -8802,7 +9134,9 @@
       <p:sp>
         <p:nvSpPr>
           <p:cNvPr id="151" name="Google Shape;151;p28"/>
-          <p:cNvSpPr txBox="1"/>
+          <p:cNvSpPr txBox="1">
+            <a:spLocks noGrp="1"/>
+          </p:cNvSpPr>
           <p:nvPr>
             <p:ph type="title"/>
           </p:nvPr>
@@ -8817,12 +9151,12 @@
           </a:prstGeom>
         </p:spPr>
         <p:txBody>
-          <a:bodyPr anchorCtr="0" anchor="t" bIns="91425" lIns="91425" spcFirstLastPara="1" rIns="91425" wrap="square" tIns="91425">
+          <a:bodyPr spcFirstLastPara="1" wrap="square" lIns="91425" tIns="91425" rIns="91425" bIns="91425" anchor="t" anchorCtr="0">
             <a:normAutofit fontScale="90000"/>
           </a:bodyPr>
           <a:lstStyle/>
           <a:p>
-            <a:pPr indent="0" lvl="0" marL="0" rtl="0" algn="l">
+            <a:pPr marL="0" lvl="0" indent="0" algn="l" rtl="0">
               <a:spcBef>
                 <a:spcPts val="0"/>
               </a:spcBef>
@@ -8842,9 +9176,11 @@
       <p:sp>
         <p:nvSpPr>
           <p:cNvPr id="152" name="Google Shape;152;p28"/>
-          <p:cNvSpPr txBox="1"/>
+          <p:cNvSpPr txBox="1">
+            <a:spLocks noGrp="1"/>
+          </p:cNvSpPr>
           <p:nvPr>
-            <p:ph idx="1" type="body"/>
+            <p:ph type="body" idx="1"/>
           </p:nvPr>
         </p:nvSpPr>
         <p:spPr>
@@ -8857,12 +9193,12 @@
           </a:prstGeom>
         </p:spPr>
         <p:txBody>
-          <a:bodyPr anchorCtr="0" anchor="t" bIns="91425" lIns="91425" spcFirstLastPara="1" rIns="91425" wrap="square" tIns="91425">
+          <a:bodyPr spcFirstLastPara="1" wrap="square" lIns="91425" tIns="91425" rIns="91425" bIns="91425" anchor="t" anchorCtr="0">
             <a:normAutofit/>
           </a:bodyPr>
           <a:lstStyle/>
           <a:p>
-            <a:pPr indent="0" lvl="0" marL="0" rtl="0" algn="l">
+            <a:pPr marL="0" lvl="0" indent="0" algn="l" rtl="0">
               <a:spcBef>
                 <a:spcPts val="0"/>
               </a:spcBef>
@@ -8878,7 +9214,7 @@
             <a:endParaRPr/>
           </a:p>
           <a:p>
-            <a:pPr indent="0" lvl="0" marL="0" rtl="0" algn="l">
+            <a:pPr marL="0" lvl="0" indent="0" algn="l" rtl="0">
               <a:spcBef>
                 <a:spcPts val="0"/>
               </a:spcBef>
@@ -8892,114 +9228,90 @@
               <a:buFont typeface="Arial"/>
               <a:buNone/>
             </a:pPr>
-            <a:r>
-              <a:t/>
-            </a:r>
             <a:endParaRPr/>
           </a:p>
           <a:p>
-            <a:pPr indent="0" lvl="0" marL="0" rtl="0" algn="l">
-              <a:spcBef>
-                <a:spcPts val="0"/>
-              </a:spcBef>
-              <a:spcAft>
-                <a:spcPts val="0"/>
-              </a:spcAft>
-              <a:buNone/>
-            </a:pPr>
-            <a:r>
-              <a:t/>
-            </a:r>
+            <a:pPr marL="0" lvl="0" indent="0" algn="l" rtl="0">
+              <a:spcBef>
+                <a:spcPts val="0"/>
+              </a:spcBef>
+              <a:spcAft>
+                <a:spcPts val="0"/>
+              </a:spcAft>
+              <a:buNone/>
+            </a:pPr>
             <a:endParaRPr/>
           </a:p>
           <a:p>
-            <a:pPr indent="0" lvl="0" marL="0" rtl="0" algn="l">
-              <a:spcBef>
-                <a:spcPts val="0"/>
-              </a:spcBef>
-              <a:spcAft>
-                <a:spcPts val="0"/>
-              </a:spcAft>
-              <a:buNone/>
-            </a:pPr>
-            <a:r>
-              <a:t/>
-            </a:r>
+            <a:pPr marL="0" lvl="0" indent="0" algn="l" rtl="0">
+              <a:spcBef>
+                <a:spcPts val="0"/>
+              </a:spcBef>
+              <a:spcAft>
+                <a:spcPts val="0"/>
+              </a:spcAft>
+              <a:buNone/>
+            </a:pPr>
             <a:endParaRPr/>
           </a:p>
           <a:p>
-            <a:pPr indent="0" lvl="0" marL="0" rtl="0" algn="l">
-              <a:spcBef>
-                <a:spcPts val="0"/>
-              </a:spcBef>
-              <a:spcAft>
-                <a:spcPts val="0"/>
-              </a:spcAft>
-              <a:buNone/>
-            </a:pPr>
-            <a:r>
-              <a:t/>
-            </a:r>
+            <a:pPr marL="0" lvl="0" indent="0" algn="l" rtl="0">
+              <a:spcBef>
+                <a:spcPts val="0"/>
+              </a:spcBef>
+              <a:spcAft>
+                <a:spcPts val="0"/>
+              </a:spcAft>
+              <a:buNone/>
+            </a:pPr>
             <a:endParaRPr/>
           </a:p>
           <a:p>
-            <a:pPr indent="0" lvl="0" marL="0" rtl="0" algn="l">
-              <a:spcBef>
-                <a:spcPts val="0"/>
-              </a:spcBef>
-              <a:spcAft>
-                <a:spcPts val="0"/>
-              </a:spcAft>
-              <a:buNone/>
-            </a:pPr>
-            <a:r>
-              <a:t/>
-            </a:r>
+            <a:pPr marL="0" lvl="0" indent="0" algn="l" rtl="0">
+              <a:spcBef>
+                <a:spcPts val="0"/>
+              </a:spcBef>
+              <a:spcAft>
+                <a:spcPts val="0"/>
+              </a:spcAft>
+              <a:buNone/>
+            </a:pPr>
             <a:endParaRPr/>
           </a:p>
           <a:p>
-            <a:pPr indent="0" lvl="0" marL="0" rtl="0" algn="l">
-              <a:spcBef>
-                <a:spcPts val="0"/>
-              </a:spcBef>
-              <a:spcAft>
-                <a:spcPts val="0"/>
-              </a:spcAft>
-              <a:buNone/>
-            </a:pPr>
-            <a:r>
-              <a:t/>
-            </a:r>
+            <a:pPr marL="0" lvl="0" indent="0" algn="l" rtl="0">
+              <a:spcBef>
+                <a:spcPts val="0"/>
+              </a:spcBef>
+              <a:spcAft>
+                <a:spcPts val="0"/>
+              </a:spcAft>
+              <a:buNone/>
+            </a:pPr>
             <a:endParaRPr/>
           </a:p>
           <a:p>
-            <a:pPr indent="0" lvl="0" marL="0" rtl="0" algn="l">
-              <a:spcBef>
-                <a:spcPts val="0"/>
-              </a:spcBef>
-              <a:spcAft>
-                <a:spcPts val="0"/>
-              </a:spcAft>
-              <a:buNone/>
-            </a:pPr>
-            <a:r>
-              <a:t/>
-            </a:r>
+            <a:pPr marL="0" lvl="0" indent="0" algn="l" rtl="0">
+              <a:spcBef>
+                <a:spcPts val="0"/>
+              </a:spcBef>
+              <a:spcAft>
+                <a:spcPts val="0"/>
+              </a:spcAft>
+              <a:buNone/>
+            </a:pPr>
             <a:endParaRPr/>
           </a:p>
           <a:p>
-            <a:pPr indent="0" lvl="0" marL="0" rtl="0" algn="l">
-              <a:spcBef>
-                <a:spcPts val="0"/>
-              </a:spcBef>
-              <a:spcAft>
-                <a:spcPts val="0"/>
-              </a:spcAft>
-              <a:buNone/>
-            </a:pPr>
-            <a:r>
-              <a:t/>
-            </a:r>
+            <a:pPr marL="0" lvl="0" indent="0" algn="l" rtl="0">
+              <a:spcBef>
+                <a:spcPts val="0"/>
+              </a:spcBef>
+              <a:spcAft>
+                <a:spcPts val="0"/>
+              </a:spcAft>
+              <a:buNone/>
+            </a:pPr>
             <a:endParaRPr/>
           </a:p>
         </p:txBody>
@@ -9007,9 +9319,11 @@
       <p:sp>
         <p:nvSpPr>
           <p:cNvPr id="153" name="Google Shape;153;p28"/>
-          <p:cNvSpPr txBox="1"/>
+          <p:cNvSpPr txBox="1">
+            <a:spLocks noGrp="1"/>
+          </p:cNvSpPr>
           <p:nvPr>
-            <p:ph idx="2" type="body"/>
+            <p:ph type="body" idx="2"/>
           </p:nvPr>
         </p:nvSpPr>
         <p:spPr>
@@ -9022,12 +9336,12 @@
           </a:prstGeom>
         </p:spPr>
         <p:txBody>
-          <a:bodyPr anchorCtr="0" anchor="t" bIns="91425" lIns="91425" spcFirstLastPara="1" rIns="91425" wrap="square" tIns="91425">
+          <a:bodyPr spcFirstLastPara="1" wrap="square" lIns="91425" tIns="91425" rIns="91425" bIns="91425" anchor="t" anchorCtr="0">
             <a:normAutofit/>
           </a:bodyPr>
           <a:lstStyle/>
           <a:p>
-            <a:pPr indent="0" lvl="0" marL="0" rtl="0" algn="l">
+            <a:pPr marL="0" lvl="0" indent="0" algn="l" rtl="0">
               <a:spcBef>
                 <a:spcPts val="0"/>
               </a:spcBef>
@@ -9038,16 +9352,42 @@
             </a:pPr>
             <a:r>
               <a:rPr lang="en-US"/>
-              <a:t>[</a:t>
-            </a:r>
-            <a:r>
-              <a:rPr lang="en-US"/>
-              <a:t>Insert a plot of the train and validation accuracies of your best network.]</a:t>
+              <a:t>[Insert a plot of the train and validation accuracies of your best network.]</a:t>
             </a:r>
             <a:endParaRPr/>
           </a:p>
         </p:txBody>
       </p:sp>
+      <p:pic>
+        <p:nvPicPr>
+          <p:cNvPr id="2" name="Picture 1">
+            <a:extLst>
+              <a:ext uri="{FF2B5EF4-FFF2-40B4-BE49-F238E27FC236}">
+                <a16:creationId xmlns:a16="http://schemas.microsoft.com/office/drawing/2014/main" id="{0373FA96-E3A0-AB4E-AF35-0FCBA55C9E65}"/>
+              </a:ext>
+            </a:extLst>
+          </p:cNvPr>
+          <p:cNvPicPr>
+            <a:picLocks noChangeAspect="1"/>
+          </p:cNvPicPr>
+          <p:nvPr/>
+        </p:nvPicPr>
+        <p:blipFill>
+          <a:blip r:embed="rId3"/>
+          <a:stretch>
+            <a:fillRect/>
+          </a:stretch>
+        </p:blipFill>
+        <p:spPr>
+          <a:xfrm>
+            <a:off x="311700" y="1152474"/>
+            <a:ext cx="8699642" cy="2385855"/>
+          </a:xfrm>
+          <a:prstGeom prst="rect">
+            <a:avLst/>
+          </a:prstGeom>
+        </p:spPr>
+      </p:pic>
     </p:spTree>
   </p:cSld>
   <p:clrMapOvr>
@@ -9057,11 +9397,11 @@
 </file>
 
 <file path=ppt/slides/slide15.xml><?xml version="1.0" encoding="utf-8"?>
-<p:sld xmlns:a="http://schemas.openxmlformats.org/drawingml/2006/main" xmlns:r="http://schemas.openxmlformats.org/officeDocument/2006/relationships" xmlns:mc="http://schemas.openxmlformats.org/markup-compatibility/2006" xmlns:mv="urn:schemas-microsoft-com:mac:vml" xmlns:p="http://schemas.openxmlformats.org/presentationml/2006/main" xmlns:c="http://schemas.openxmlformats.org/drawingml/2006/chart" xmlns:dgm="http://schemas.openxmlformats.org/drawingml/2006/diagram" xmlns:o="urn:schemas-microsoft-com:office:office" xmlns:v="urn:schemas-microsoft-com:vml" xmlns:pvml="urn:schemas-microsoft-com:office:powerpoint" xmlns:com="http://schemas.openxmlformats.org/drawingml/2006/compatibility" xmlns:p14="http://schemas.microsoft.com/office/powerpoint/2010/main" xmlns:p15="http://schemas.microsoft.com/office/powerpoint/2012/main" xmlns:ahyp="http://schemas.microsoft.com/office/drawing/2018/hyperlinkcolor">
+<p:sld xmlns:a="http://schemas.openxmlformats.org/drawingml/2006/main" xmlns:r="http://schemas.openxmlformats.org/officeDocument/2006/relationships" xmlns:p="http://schemas.openxmlformats.org/presentationml/2006/main">
   <p:cSld>
     <p:spTree>
       <p:nvGrpSpPr>
-        <p:cNvPr id="157" name="Shape 157"/>
+        <p:cNvPr id="1" name="Shape 157"/>
         <p:cNvGrpSpPr/>
         <p:nvPr/>
       </p:nvGrpSpPr>
@@ -9076,7 +9416,9 @@
       <p:sp>
         <p:nvSpPr>
           <p:cNvPr id="158" name="Google Shape;158;p29"/>
-          <p:cNvSpPr txBox="1"/>
+          <p:cNvSpPr txBox="1">
+            <a:spLocks noGrp="1"/>
+          </p:cNvSpPr>
           <p:nvPr>
             <p:ph type="title"/>
           </p:nvPr>
@@ -9091,12 +9433,12 @@
           </a:prstGeom>
         </p:spPr>
         <p:txBody>
-          <a:bodyPr anchorCtr="0" anchor="t" bIns="91425" lIns="91425" spcFirstLastPara="1" rIns="91425" wrap="square" tIns="91425">
+          <a:bodyPr spcFirstLastPara="1" wrap="square" lIns="91425" tIns="91425" rIns="91425" bIns="91425" anchor="t" anchorCtr="0">
             <a:normAutofit fontScale="90000"/>
           </a:bodyPr>
           <a:lstStyle/>
           <a:p>
-            <a:pPr indent="0" lvl="0" marL="0" rtl="0" algn="l">
+            <a:pPr marL="0" lvl="0" indent="0" algn="l" rtl="0">
               <a:spcBef>
                 <a:spcPts val="0"/>
               </a:spcBef>
@@ -9116,9 +9458,11 @@
       <p:sp>
         <p:nvSpPr>
           <p:cNvPr id="159" name="Google Shape;159;p29"/>
-          <p:cNvSpPr txBox="1"/>
+          <p:cNvSpPr txBox="1">
+            <a:spLocks noGrp="1"/>
+          </p:cNvSpPr>
           <p:nvPr>
-            <p:ph idx="1" type="body"/>
+            <p:ph type="body" idx="1"/>
           </p:nvPr>
         </p:nvSpPr>
         <p:spPr>
@@ -9131,12 +9475,12 @@
           </a:prstGeom>
         </p:spPr>
         <p:txBody>
-          <a:bodyPr anchorCtr="0" anchor="t" bIns="91425" lIns="91425" spcFirstLastPara="1" rIns="91425" wrap="square" tIns="91425">
+          <a:bodyPr spcFirstLastPara="1" wrap="square" lIns="91425" tIns="91425" rIns="91425" bIns="91425" anchor="t" anchorCtr="0">
             <a:normAutofit/>
           </a:bodyPr>
           <a:lstStyle/>
           <a:p>
-            <a:pPr indent="0" lvl="0" marL="0" rtl="0" algn="l">
+            <a:pPr marL="0" lvl="0" indent="0" algn="l" rtl="0">
               <a:spcBef>
                 <a:spcPts val="0"/>
               </a:spcBef>
@@ -9151,19 +9495,29 @@
               <a:buNone/>
             </a:pPr>
             <a:r>
-              <a:rPr lang="en-US"/>
-              <a:t>[How does using a large learning rate value (e.g., 1) vs. a small value (e.g., 1e-5) affect training? Why?]</a:t>
+              <a:rPr lang="en-US" dirty="0"/>
+              <a:t>Neural nets are trained using gradient descent and the learning rate controls the size of each step of the descent. A small learning rate can cause the model to converge slowly and get stuck at local </a:t>
             </a:r>
-            <a:endParaRPr/>
+            <a:r>
+              <a:rPr lang="en-US" dirty="0" err="1"/>
+              <a:t>minimas</a:t>
+            </a:r>
+            <a:r>
+              <a:rPr lang="en-US" dirty="0"/>
+              <a:t>. A too large learning rate can cause the model to be unstable, meaning the model overestimates and never converges to the optimal point. If a large learning is still stable, it can still cause the model to converge too quickly at a suboptimal solution.</a:t>
+            </a:r>
+            <a:endParaRPr dirty="0"/>
           </a:p>
         </p:txBody>
       </p:sp>
       <p:sp>
         <p:nvSpPr>
           <p:cNvPr id="160" name="Google Shape;160;p29"/>
-          <p:cNvSpPr txBox="1"/>
+          <p:cNvSpPr txBox="1">
+            <a:spLocks noGrp="1"/>
+          </p:cNvSpPr>
           <p:nvPr>
-            <p:ph idx="2" type="body"/>
+            <p:ph type="body" idx="2"/>
           </p:nvPr>
         </p:nvSpPr>
         <p:spPr>
@@ -9176,12 +9530,12 @@
           </a:prstGeom>
         </p:spPr>
         <p:txBody>
-          <a:bodyPr anchorCtr="0" anchor="t" bIns="91425" lIns="91425" spcFirstLastPara="1" rIns="91425" wrap="square" tIns="91425">
+          <a:bodyPr spcFirstLastPara="1" wrap="square" lIns="91425" tIns="91425" rIns="91425" bIns="91425" anchor="t" anchorCtr="0">
             <a:normAutofit/>
           </a:bodyPr>
           <a:lstStyle/>
           <a:p>
-            <a:pPr indent="0" lvl="0" marL="0" rtl="0" algn="l">
+            <a:pPr marL="0" lvl="0" indent="0" algn="l" rtl="0">
               <a:spcBef>
                 <a:spcPts val="0"/>
               </a:spcBef>
@@ -9191,10 +9545,10 @@
               <a:buNone/>
             </a:pPr>
             <a:r>
-              <a:rPr lang="en-US"/>
-              <a:t>[What is the effect of varying the window size on performance? Do you think there is an optimal window size for all images? Why or why not?]</a:t>
+              <a:rPr lang="en-US" dirty="0"/>
+              <a:t>A smaller window size takes longer to compute since there are more windows and features to consider. Window size can also affect accuracy. A small window could have false positives, thinking two patches are similar when they are not. A too large window can introduce less distinct similarity values, since a large window could always include something that did not shift. I do not think there is an optimal window size for all images because an optimal window size depends on the objects within the image. I think each image can have an optimal window size but that window size changes for different images. </a:t>
             </a:r>
-            <a:endParaRPr/>
+            <a:endParaRPr dirty="0"/>
           </a:p>
         </p:txBody>
       </p:sp>
@@ -9207,11 +9561,11 @@
 </file>
 
 <file path=ppt/slides/slide16.xml><?xml version="1.0" encoding="utf-8"?>
-<p:sld xmlns:a="http://schemas.openxmlformats.org/drawingml/2006/main" xmlns:r="http://schemas.openxmlformats.org/officeDocument/2006/relationships" xmlns:mc="http://schemas.openxmlformats.org/markup-compatibility/2006" xmlns:mv="urn:schemas-microsoft-com:mac:vml" xmlns:p="http://schemas.openxmlformats.org/presentationml/2006/main" xmlns:c="http://schemas.openxmlformats.org/drawingml/2006/chart" xmlns:dgm="http://schemas.openxmlformats.org/drawingml/2006/diagram" xmlns:o="urn:schemas-microsoft-com:office:office" xmlns:v="urn:schemas-microsoft-com:vml" xmlns:pvml="urn:schemas-microsoft-com:office:powerpoint" xmlns:com="http://schemas.openxmlformats.org/drawingml/2006/compatibility" xmlns:p14="http://schemas.microsoft.com/office/powerpoint/2010/main" xmlns:p15="http://schemas.microsoft.com/office/powerpoint/2012/main" xmlns:ahyp="http://schemas.microsoft.com/office/drawing/2018/hyperlinkcolor">
+<p:sld xmlns:a="http://schemas.openxmlformats.org/drawingml/2006/main" xmlns:r="http://schemas.openxmlformats.org/officeDocument/2006/relationships" xmlns:p="http://schemas.openxmlformats.org/presentationml/2006/main">
   <p:cSld>
     <p:spTree>
       <p:nvGrpSpPr>
-        <p:cNvPr id="164" name="Shape 164"/>
+        <p:cNvPr id="1" name="Shape 164"/>
         <p:cNvGrpSpPr/>
         <p:nvPr/>
       </p:nvGrpSpPr>
@@ -9226,7 +9580,9 @@
       <p:sp>
         <p:nvSpPr>
           <p:cNvPr id="165" name="Google Shape;165;p30"/>
-          <p:cNvSpPr txBox="1"/>
+          <p:cNvSpPr txBox="1">
+            <a:spLocks noGrp="1"/>
+          </p:cNvSpPr>
           <p:nvPr>
             <p:ph type="title"/>
           </p:nvPr>
@@ -9241,12 +9597,12 @@
           </a:prstGeom>
         </p:spPr>
         <p:txBody>
-          <a:bodyPr anchorCtr="0" anchor="t" bIns="91425" lIns="91425" spcFirstLastPara="1" rIns="91425" wrap="square" tIns="91425">
+          <a:bodyPr spcFirstLastPara="1" wrap="square" lIns="91425" tIns="91425" rIns="91425" bIns="91425" anchor="t" anchorCtr="0">
             <a:normAutofit fontScale="90000"/>
           </a:bodyPr>
           <a:lstStyle/>
           <a:p>
-            <a:pPr indent="0" lvl="0" marL="0" rtl="0" algn="l">
+            <a:pPr marL="0" lvl="0" indent="0" algn="l" rtl="0">
               <a:spcBef>
                 <a:spcPts val="0"/>
               </a:spcBef>
@@ -9266,9 +9622,11 @@
       <p:sp>
         <p:nvSpPr>
           <p:cNvPr id="166" name="Google Shape;166;p30"/>
-          <p:cNvSpPr txBox="1"/>
+          <p:cNvSpPr txBox="1">
+            <a:spLocks noGrp="1"/>
+          </p:cNvSpPr>
           <p:nvPr>
-            <p:ph idx="1" type="body"/>
+            <p:ph type="body" idx="1"/>
           </p:nvPr>
         </p:nvSpPr>
         <p:spPr>
@@ -9281,12 +9639,12 @@
           </a:prstGeom>
         </p:spPr>
         <p:txBody>
-          <a:bodyPr anchorCtr="0" anchor="t" bIns="91425" lIns="91425" spcFirstLastPara="1" rIns="91425" wrap="square" tIns="91425">
+          <a:bodyPr spcFirstLastPara="1" wrap="square" lIns="91425" tIns="91425" rIns="91425" bIns="91425" anchor="t" anchorCtr="0">
             <a:normAutofit/>
           </a:bodyPr>
           <a:lstStyle/>
           <a:p>
-            <a:pPr indent="0" lvl="0" marL="0" rtl="0" algn="l">
+            <a:pPr marL="0" lvl="0" indent="0" algn="l" rtl="0">
               <a:spcBef>
                 <a:spcPts val="0"/>
               </a:spcBef>
@@ -9306,9 +9664,11 @@
       <p:sp>
         <p:nvSpPr>
           <p:cNvPr id="167" name="Google Shape;167;p30"/>
-          <p:cNvSpPr txBox="1"/>
+          <p:cNvSpPr txBox="1">
+            <a:spLocks noGrp="1"/>
+          </p:cNvSpPr>
           <p:nvPr>
-            <p:ph idx="2" type="body"/>
+            <p:ph type="body" idx="2"/>
           </p:nvPr>
         </p:nvSpPr>
         <p:spPr>
@@ -9321,12 +9681,12 @@
           </a:prstGeom>
         </p:spPr>
         <p:txBody>
-          <a:bodyPr anchorCtr="0" anchor="t" bIns="91425" lIns="91425" spcFirstLastPara="1" rIns="91425" wrap="square" tIns="91425">
+          <a:bodyPr spcFirstLastPara="1" wrap="square" lIns="91425" tIns="91425" rIns="91425" bIns="91425" anchor="t" anchorCtr="0">
             <a:normAutofit/>
           </a:bodyPr>
           <a:lstStyle/>
           <a:p>
-            <a:pPr indent="0" lvl="0" marL="0" rtl="0" algn="l">
+            <a:pPr marL="0" lvl="0" indent="0" algn="l" rtl="0">
               <a:spcBef>
                 <a:spcPts val="0"/>
               </a:spcBef>
@@ -9336,13 +9696,88 @@
               <a:buNone/>
             </a:pPr>
             <a:r>
-              <a:rPr lang="en-US"/>
+              <a:rPr lang="en-US" dirty="0"/>
               <a:t>[Is MC-CNN or SAD/SSD better?]</a:t>
             </a:r>
-            <a:endParaRPr/>
+          </a:p>
+          <a:p>
+            <a:pPr marL="0" lvl="0" indent="0" algn="l" rtl="0">
+              <a:spcBef>
+                <a:spcPts val="0"/>
+              </a:spcBef>
+              <a:spcAft>
+                <a:spcPts val="1200"/>
+              </a:spcAft>
+              <a:buNone/>
+            </a:pPr>
+            <a:r>
+              <a:rPr lang="en-US" dirty="0"/>
+              <a:t>MC-CNN should be better in theory. My results were not as great but MC-CNN shows a distinct optimal solution at around 17. SSD and SAD are a bit more ambiguous.</a:t>
+            </a:r>
+            <a:endParaRPr dirty="0"/>
           </a:p>
         </p:txBody>
       </p:sp>
+      <p:pic>
+        <p:nvPicPr>
+          <p:cNvPr id="2" name="Picture 1">
+            <a:extLst>
+              <a:ext uri="{FF2B5EF4-FFF2-40B4-BE49-F238E27FC236}">
+                <a16:creationId xmlns:a16="http://schemas.microsoft.com/office/drawing/2014/main" id="{1732565B-B82F-7848-8609-56D28AD17344}"/>
+              </a:ext>
+            </a:extLst>
+          </p:cNvPr>
+          <p:cNvPicPr>
+            <a:picLocks noChangeAspect="1"/>
+          </p:cNvPicPr>
+          <p:nvPr/>
+        </p:nvPicPr>
+        <p:blipFill>
+          <a:blip r:embed="rId3"/>
+          <a:stretch>
+            <a:fillRect/>
+          </a:stretch>
+        </p:blipFill>
+        <p:spPr>
+          <a:xfrm>
+            <a:off x="150302" y="1017725"/>
+            <a:ext cx="4597400" cy="1524000"/>
+          </a:xfrm>
+          <a:prstGeom prst="rect">
+            <a:avLst/>
+          </a:prstGeom>
+        </p:spPr>
+      </p:pic>
+      <p:pic>
+        <p:nvPicPr>
+          <p:cNvPr id="3" name="Picture 2">
+            <a:extLst>
+              <a:ext uri="{FF2B5EF4-FFF2-40B4-BE49-F238E27FC236}">
+                <a16:creationId xmlns:a16="http://schemas.microsoft.com/office/drawing/2014/main" id="{30DA2790-2D9E-8449-BD96-8DC624DD4961}"/>
+              </a:ext>
+            </a:extLst>
+          </p:cNvPr>
+          <p:cNvPicPr>
+            <a:picLocks noChangeAspect="1"/>
+          </p:cNvPicPr>
+          <p:nvPr/>
+        </p:nvPicPr>
+        <p:blipFill>
+          <a:blip r:embed="rId4"/>
+          <a:stretch>
+            <a:fillRect/>
+          </a:stretch>
+        </p:blipFill>
+        <p:spPr>
+          <a:xfrm>
+            <a:off x="910369" y="2676475"/>
+            <a:ext cx="2425700" cy="1511300"/>
+          </a:xfrm>
+          <a:prstGeom prst="rect">
+            <a:avLst/>
+          </a:prstGeom>
+        </p:spPr>
+      </p:pic>
     </p:spTree>
   </p:cSld>
   <p:clrMapOvr>
@@ -9352,11 +9787,11 @@
 </file>
 
 <file path=ppt/slides/slide17.xml><?xml version="1.0" encoding="utf-8"?>
-<p:sld xmlns:a="http://schemas.openxmlformats.org/drawingml/2006/main" xmlns:r="http://schemas.openxmlformats.org/officeDocument/2006/relationships" xmlns:mc="http://schemas.openxmlformats.org/markup-compatibility/2006" xmlns:mv="urn:schemas-microsoft-com:mac:vml" xmlns:p="http://schemas.openxmlformats.org/presentationml/2006/main" xmlns:c="http://schemas.openxmlformats.org/drawingml/2006/chart" xmlns:dgm="http://schemas.openxmlformats.org/drawingml/2006/diagram" xmlns:o="urn:schemas-microsoft-com:office:office" xmlns:v="urn:schemas-microsoft-com:vml" xmlns:pvml="urn:schemas-microsoft-com:office:powerpoint" xmlns:com="http://schemas.openxmlformats.org/drawingml/2006/compatibility" xmlns:p14="http://schemas.microsoft.com/office/powerpoint/2010/main" xmlns:p15="http://schemas.microsoft.com/office/powerpoint/2012/main" xmlns:ahyp="http://schemas.microsoft.com/office/drawing/2018/hyperlinkcolor">
+<p:sld xmlns:a="http://schemas.openxmlformats.org/drawingml/2006/main" xmlns:r="http://schemas.openxmlformats.org/officeDocument/2006/relationships" xmlns:p="http://schemas.openxmlformats.org/presentationml/2006/main">
   <p:cSld>
     <p:spTree>
       <p:nvGrpSpPr>
-        <p:cNvPr id="171" name="Shape 171"/>
+        <p:cNvPr id="1" name="Shape 171"/>
         <p:cNvGrpSpPr/>
         <p:nvPr/>
       </p:nvGrpSpPr>
@@ -9371,7 +9806,9 @@
       <p:sp>
         <p:nvSpPr>
           <p:cNvPr id="172" name="Google Shape;172;p31"/>
-          <p:cNvSpPr txBox="1"/>
+          <p:cNvSpPr txBox="1">
+            <a:spLocks noGrp="1"/>
+          </p:cNvSpPr>
           <p:nvPr>
             <p:ph type="title"/>
           </p:nvPr>
@@ -9386,12 +9823,12 @@
           </a:prstGeom>
         </p:spPr>
         <p:txBody>
-          <a:bodyPr anchorCtr="0" anchor="t" bIns="91425" lIns="91425" spcFirstLastPara="1" rIns="91425" wrap="square" tIns="91425">
+          <a:bodyPr spcFirstLastPara="1" wrap="square" lIns="91425" tIns="91425" rIns="91425" bIns="91425" anchor="t" anchorCtr="0">
             <a:normAutofit fontScale="90000"/>
           </a:bodyPr>
           <a:lstStyle/>
           <a:p>
-            <a:pPr indent="0" lvl="0" marL="0" rtl="0" algn="l">
+            <a:pPr marL="0" lvl="0" indent="0" algn="l" rtl="0">
               <a:spcBef>
                 <a:spcPts val="0"/>
               </a:spcBef>
@@ -9412,18 +9849,15 @@
             <a:endParaRPr/>
           </a:p>
           <a:p>
-            <a:pPr indent="0" lvl="0" marL="0" rtl="0" algn="l">
-              <a:spcBef>
-                <a:spcPts val="0"/>
-              </a:spcBef>
-              <a:spcAft>
-                <a:spcPts val="0"/>
-              </a:spcAft>
-              <a:buNone/>
-            </a:pPr>
-            <a:r>
-              <a:t/>
-            </a:r>
+            <a:pPr marL="0" lvl="0" indent="0" algn="l" rtl="0">
+              <a:spcBef>
+                <a:spcPts val="0"/>
+              </a:spcBef>
+              <a:spcAft>
+                <a:spcPts val="0"/>
+              </a:spcAft>
+              <a:buNone/>
+            </a:pPr>
             <a:endParaRPr/>
           </a:p>
         </p:txBody>
@@ -9431,9 +9865,11 @@
       <p:sp>
         <p:nvSpPr>
           <p:cNvPr id="173" name="Google Shape;173;p31"/>
-          <p:cNvSpPr txBox="1"/>
+          <p:cNvSpPr txBox="1">
+            <a:spLocks noGrp="1"/>
+          </p:cNvSpPr>
           <p:nvPr>
-            <p:ph idx="1" type="body"/>
+            <p:ph type="body" idx="1"/>
           </p:nvPr>
         </p:nvSpPr>
         <p:spPr>
@@ -9446,12 +9882,12 @@
           </a:prstGeom>
         </p:spPr>
         <p:txBody>
-          <a:bodyPr anchorCtr="0" anchor="t" bIns="91425" lIns="91425" spcFirstLastPara="1" rIns="91425" wrap="square" tIns="91425">
+          <a:bodyPr spcFirstLastPara="1" wrap="square" lIns="91425" tIns="91425" rIns="91425" bIns="91425" anchor="t" anchorCtr="0">
             <a:normAutofit/>
           </a:bodyPr>
           <a:lstStyle/>
           <a:p>
-            <a:pPr indent="0" lvl="0" marL="0" rtl="0" algn="l">
+            <a:pPr marL="0" lvl="0" indent="0" algn="l" rtl="0">
               <a:spcBef>
                 <a:spcPts val="0"/>
               </a:spcBef>
@@ -9466,13 +9902,13 @@
               <a:buNone/>
             </a:pPr>
             <a:r>
-              <a:rPr lang="en-US"/>
+              <a:rPr lang="en-US" dirty="0"/>
               <a:t>[What techniques are discussed in the MC-CNN paper to augment the size of the training set?]</a:t>
             </a:r>
-            <a:endParaRPr/>
-          </a:p>
-          <a:p>
-            <a:pPr indent="0" lvl="0" marL="0" rtl="0" algn="l">
+            <a:endParaRPr dirty="0"/>
+          </a:p>
+          <a:p>
+            <a:pPr marL="0" lvl="0" indent="0" algn="l" rtl="0">
               <a:spcBef>
                 <a:spcPts val="0"/>
               </a:spcBef>
@@ -9487,14 +9923,41 @@
               <a:buNone/>
             </a:pPr>
             <a:r>
-              <a:t/>
+              <a:rPr lang="en-US" dirty="0"/>
+              <a:t>The training patches are randomly rotated, scaled, and sheared. Their brightness and contrast are also changed. </a:t>
             </a:r>
-            <a:endParaRPr/>
-          </a:p>
-          <a:p>
-            <a:pPr indent="0" lvl="0" marL="0" rtl="0" algn="l">
-              <a:spcBef>
-                <a:spcPts val="1200"/>
+            <a:endParaRPr dirty="0"/>
+          </a:p>
+        </p:txBody>
+      </p:sp>
+      <p:sp>
+        <p:nvSpPr>
+          <p:cNvPr id="174" name="Google Shape;174;p31"/>
+          <p:cNvSpPr txBox="1">
+            <a:spLocks noGrp="1"/>
+          </p:cNvSpPr>
+          <p:nvPr>
+            <p:ph type="body" idx="2"/>
+          </p:nvPr>
+        </p:nvSpPr>
+        <p:spPr>
+          <a:xfrm>
+            <a:off x="4832400" y="1152475"/>
+            <a:ext cx="3999900" cy="3416400"/>
+          </a:xfrm>
+          <a:prstGeom prst="rect">
+            <a:avLst/>
+          </a:prstGeom>
+        </p:spPr>
+        <p:txBody>
+          <a:bodyPr spcFirstLastPara="1" wrap="square" lIns="91425" tIns="91425" rIns="91425" bIns="91425" anchor="t" anchorCtr="0">
+            <a:normAutofit/>
+          </a:bodyPr>
+          <a:lstStyle/>
+          <a:p>
+            <a:pPr marL="0" lvl="0" indent="0" algn="l" rtl="0">
+              <a:spcBef>
+                <a:spcPts val="0"/>
               </a:spcBef>
               <a:spcAft>
                 <a:spcPts val="0"/>
@@ -9507,51 +9970,13 @@
               <a:buNone/>
             </a:pPr>
             <a:r>
-              <a:t/>
+              <a:rPr lang="en-US"/>
+              <a:t>[insert visualization of the bicycle disparity map using 11x11 blocks with SAD]</a:t>
             </a:r>
             <a:endParaRPr/>
           </a:p>
           <a:p>
-            <a:pPr indent="0" lvl="0" marL="0" rtl="0" algn="l">
-              <a:spcBef>
-                <a:spcPts val="1200"/>
-              </a:spcBef>
-              <a:spcAft>
-                <a:spcPts val="1200"/>
-              </a:spcAft>
-              <a:buNone/>
-            </a:pPr>
-            <a:r>
-              <a:t/>
-            </a:r>
-            <a:endParaRPr/>
-          </a:p>
-        </p:txBody>
-      </p:sp>
-      <p:sp>
-        <p:nvSpPr>
-          <p:cNvPr id="174" name="Google Shape;174;p31"/>
-          <p:cNvSpPr txBox="1"/>
-          <p:nvPr>
-            <p:ph idx="2" type="body"/>
-          </p:nvPr>
-        </p:nvSpPr>
-        <p:spPr>
-          <a:xfrm>
-            <a:off x="4832400" y="1152475"/>
-            <a:ext cx="3999900" cy="3416400"/>
-          </a:xfrm>
-          <a:prstGeom prst="rect">
-            <a:avLst/>
-          </a:prstGeom>
-        </p:spPr>
-        <p:txBody>
-          <a:bodyPr anchorCtr="0" anchor="t" bIns="91425" lIns="91425" spcFirstLastPara="1" rIns="91425" wrap="square" tIns="91425">
-            <a:normAutofit/>
-          </a:bodyPr>
-          <a:lstStyle/>
-          <a:p>
-            <a:pPr indent="0" lvl="0" marL="0" rtl="0" algn="l">
+            <a:pPr marL="0" lvl="0" indent="0" algn="l" rtl="0">
               <a:spcBef>
                 <a:spcPts val="0"/>
               </a:spcBef>
@@ -9565,14 +9990,10 @@
               <a:buFont typeface="Arial"/>
               <a:buNone/>
             </a:pPr>
-            <a:r>
-              <a:rPr lang="en-US"/>
-              <a:t>[insert visualization of the bicycle disparity map using 11x11 blocks with SAD]</a:t>
-            </a:r>
             <a:endParaRPr/>
           </a:p>
           <a:p>
-            <a:pPr indent="0" lvl="0" marL="0" rtl="0" algn="l">
+            <a:pPr marL="0" lvl="0" indent="0" algn="l" rtl="0">
               <a:spcBef>
                 <a:spcPts val="0"/>
               </a:spcBef>
@@ -9586,13 +10007,10 @@
               <a:buFont typeface="Arial"/>
               <a:buNone/>
             </a:pPr>
-            <a:r>
-              <a:t/>
-            </a:r>
             <a:endParaRPr/>
           </a:p>
           <a:p>
-            <a:pPr indent="0" lvl="0" marL="0" rtl="0" algn="l">
+            <a:pPr marL="0" lvl="0" indent="0" algn="l" rtl="0">
               <a:spcBef>
                 <a:spcPts val="0"/>
               </a:spcBef>
@@ -9606,13 +10024,10 @@
               <a:buFont typeface="Arial"/>
               <a:buNone/>
             </a:pPr>
-            <a:r>
-              <a:t/>
-            </a:r>
             <a:endParaRPr/>
           </a:p>
           <a:p>
-            <a:pPr indent="0" lvl="0" marL="0" rtl="0" algn="l">
+            <a:pPr marL="0" lvl="0" indent="0" algn="l" rtl="0">
               <a:spcBef>
                 <a:spcPts val="0"/>
               </a:spcBef>
@@ -9626,13 +10041,10 @@
               <a:buFont typeface="Arial"/>
               <a:buNone/>
             </a:pPr>
-            <a:r>
-              <a:t/>
-            </a:r>
             <a:endParaRPr/>
           </a:p>
           <a:p>
-            <a:pPr indent="0" lvl="0" marL="0" rtl="0" algn="l">
+            <a:pPr marL="0" lvl="0" indent="0" algn="l" rtl="0">
               <a:spcBef>
                 <a:spcPts val="0"/>
               </a:spcBef>
@@ -9646,13 +10058,10 @@
               <a:buFont typeface="Arial"/>
               <a:buNone/>
             </a:pPr>
-            <a:r>
-              <a:t/>
-            </a:r>
             <a:endParaRPr/>
           </a:p>
           <a:p>
-            <a:pPr indent="0" lvl="0" marL="0" rtl="0" algn="l">
+            <a:pPr marL="0" lvl="0" indent="0" algn="l" rtl="0">
               <a:spcBef>
                 <a:spcPts val="0"/>
               </a:spcBef>
@@ -9667,26 +10076,6 @@
               <a:buNone/>
             </a:pPr>
             <a:r>
-              <a:t/>
-            </a:r>
-            <a:endParaRPr/>
-          </a:p>
-          <a:p>
-            <a:pPr indent="0" lvl="0" marL="0" rtl="0" algn="l">
-              <a:spcBef>
-                <a:spcPts val="0"/>
-              </a:spcBef>
-              <a:spcAft>
-                <a:spcPts val="0"/>
-              </a:spcAft>
-              <a:buClr>
-                <a:schemeClr val="dk1"/>
-              </a:buClr>
-              <a:buSzPts val="1100"/>
-              <a:buFont typeface="Arial"/>
-              <a:buNone/>
-            </a:pPr>
-            <a:r>
               <a:rPr lang="en-US"/>
               <a:t>[insert visualization of the bicycle disparity map using 11x11 blocks with MC-CNN]</a:t>
             </a:r>
@@ -9694,6 +10083,66 @@
           </a:p>
         </p:txBody>
       </p:sp>
+      <p:pic>
+        <p:nvPicPr>
+          <p:cNvPr id="2" name="Picture 1">
+            <a:extLst>
+              <a:ext uri="{FF2B5EF4-FFF2-40B4-BE49-F238E27FC236}">
+                <a16:creationId xmlns:a16="http://schemas.microsoft.com/office/drawing/2014/main" id="{FF5B7DAC-7070-2C4D-B7C9-E4D4CEC60B47}"/>
+              </a:ext>
+            </a:extLst>
+          </p:cNvPr>
+          <p:cNvPicPr>
+            <a:picLocks noChangeAspect="1"/>
+          </p:cNvPicPr>
+          <p:nvPr/>
+        </p:nvPicPr>
+        <p:blipFill>
+          <a:blip r:embed="rId3"/>
+          <a:stretch>
+            <a:fillRect/>
+          </a:stretch>
+        </p:blipFill>
+        <p:spPr>
+          <a:xfrm>
+            <a:off x="4832400" y="1017725"/>
+            <a:ext cx="2918018" cy="1951661"/>
+          </a:xfrm>
+          <a:prstGeom prst="rect">
+            <a:avLst/>
+          </a:prstGeom>
+        </p:spPr>
+      </p:pic>
+      <p:pic>
+        <p:nvPicPr>
+          <p:cNvPr id="3" name="Picture 2">
+            <a:extLst>
+              <a:ext uri="{FF2B5EF4-FFF2-40B4-BE49-F238E27FC236}">
+                <a16:creationId xmlns:a16="http://schemas.microsoft.com/office/drawing/2014/main" id="{AB7671A1-9025-5242-92A4-EBC6A39DA759}"/>
+              </a:ext>
+            </a:extLst>
+          </p:cNvPr>
+          <p:cNvPicPr>
+            <a:picLocks noChangeAspect="1"/>
+          </p:cNvPicPr>
+          <p:nvPr/>
+        </p:nvPicPr>
+        <p:blipFill>
+          <a:blip r:embed="rId4"/>
+          <a:stretch>
+            <a:fillRect/>
+          </a:stretch>
+        </p:blipFill>
+        <p:spPr>
+          <a:xfrm>
+            <a:off x="4889250" y="2969386"/>
+            <a:ext cx="2861168" cy="1963547"/>
+          </a:xfrm>
+          <a:prstGeom prst="rect">
+            <a:avLst/>
+          </a:prstGeom>
+        </p:spPr>
+      </p:pic>
     </p:spTree>
   </p:cSld>
   <p:clrMapOvr>
@@ -9703,11 +10152,11 @@
 </file>
 
 <file path=ppt/slides/slide18.xml><?xml version="1.0" encoding="utf-8"?>
-<p:sld xmlns:a="http://schemas.openxmlformats.org/drawingml/2006/main" xmlns:r="http://schemas.openxmlformats.org/officeDocument/2006/relationships" xmlns:mc="http://schemas.openxmlformats.org/markup-compatibility/2006" xmlns:mv="urn:schemas-microsoft-com:mac:vml" xmlns:p="http://schemas.openxmlformats.org/presentationml/2006/main" xmlns:c="http://schemas.openxmlformats.org/drawingml/2006/chart" xmlns:dgm="http://schemas.openxmlformats.org/drawingml/2006/diagram" xmlns:o="urn:schemas-microsoft-com:office:office" xmlns:v="urn:schemas-microsoft-com:vml" xmlns:pvml="urn:schemas-microsoft-com:office:powerpoint" xmlns:com="http://schemas.openxmlformats.org/drawingml/2006/compatibility" xmlns:p14="http://schemas.microsoft.com/office/powerpoint/2010/main" xmlns:p15="http://schemas.microsoft.com/office/powerpoint/2012/main" xmlns:ahyp="http://schemas.microsoft.com/office/drawing/2018/hyperlinkcolor">
+<p:sld xmlns:a="http://schemas.openxmlformats.org/drawingml/2006/main" xmlns:r="http://schemas.openxmlformats.org/officeDocument/2006/relationships" xmlns:p="http://schemas.openxmlformats.org/presentationml/2006/main">
   <p:cSld>
     <p:spTree>
       <p:nvGrpSpPr>
-        <p:cNvPr id="178" name="Shape 178"/>
+        <p:cNvPr id="1" name="Shape 178"/>
         <p:cNvGrpSpPr/>
         <p:nvPr/>
       </p:nvGrpSpPr>
@@ -9722,7 +10171,9 @@
       <p:sp>
         <p:nvSpPr>
           <p:cNvPr id="179" name="Google Shape;179;p32"/>
-          <p:cNvSpPr txBox="1"/>
+          <p:cNvSpPr txBox="1">
+            <a:spLocks noGrp="1"/>
+          </p:cNvSpPr>
           <p:nvPr>
             <p:ph type="title"/>
           </p:nvPr>
@@ -9737,12 +10188,12 @@
           </a:prstGeom>
         </p:spPr>
         <p:txBody>
-          <a:bodyPr anchorCtr="0" anchor="t" bIns="91425" lIns="91425" spcFirstLastPara="1" rIns="91425" wrap="square" tIns="91425">
+          <a:bodyPr spcFirstLastPara="1" wrap="square" lIns="91425" tIns="91425" rIns="91425" bIns="91425" anchor="t" anchorCtr="0">
             <a:normAutofit fontScale="90000"/>
           </a:bodyPr>
           <a:lstStyle/>
           <a:p>
-            <a:pPr indent="0" lvl="0" marL="0" rtl="0" algn="l">
+            <a:pPr marL="0" lvl="0" indent="0" algn="l" rtl="0">
               <a:spcBef>
                 <a:spcPts val="0"/>
               </a:spcBef>
@@ -9762,9 +10213,11 @@
       <p:sp>
         <p:nvSpPr>
           <p:cNvPr id="180" name="Google Shape;180;p32"/>
-          <p:cNvSpPr txBox="1"/>
+          <p:cNvSpPr txBox="1">
+            <a:spLocks noGrp="1"/>
+          </p:cNvSpPr>
           <p:nvPr>
-            <p:ph idx="2" type="body"/>
+            <p:ph type="body" idx="2"/>
           </p:nvPr>
         </p:nvSpPr>
         <p:spPr>
@@ -9777,12 +10230,12 @@
           </a:prstGeom>
         </p:spPr>
         <p:txBody>
-          <a:bodyPr anchorCtr="0" anchor="t" bIns="91425" lIns="91425" spcFirstLastPara="1" rIns="91425" wrap="square" tIns="91425">
+          <a:bodyPr spcFirstLastPara="1" wrap="square" lIns="91425" tIns="91425" rIns="91425" bIns="91425" anchor="t" anchorCtr="0">
             <a:normAutofit/>
           </a:bodyPr>
           <a:lstStyle/>
           <a:p>
-            <a:pPr indent="0" lvl="0" marL="0" rtl="0" algn="l">
+            <a:pPr marL="0" lvl="0" indent="0" algn="l" rtl="0">
               <a:spcBef>
                 <a:spcPts val="0"/>
               </a:spcBef>
@@ -9803,7 +10256,7 @@
             <a:endParaRPr/>
           </a:p>
           <a:p>
-            <a:pPr indent="0" lvl="0" marL="0" rtl="0" algn="l">
+            <a:pPr marL="0" lvl="0" indent="0" algn="l" rtl="0">
               <a:spcBef>
                 <a:spcPts val="0"/>
               </a:spcBef>
@@ -9817,13 +10270,10 @@
               <a:buFont typeface="Arial"/>
               <a:buNone/>
             </a:pPr>
-            <a:r>
-              <a:t/>
-            </a:r>
             <a:endParaRPr/>
           </a:p>
           <a:p>
-            <a:pPr indent="0" lvl="0" marL="0" rtl="0" algn="l">
+            <a:pPr marL="0" lvl="0" indent="0" algn="l" rtl="0">
               <a:spcBef>
                 <a:spcPts val="0"/>
               </a:spcBef>
@@ -9837,13 +10287,10 @@
               <a:buFont typeface="Arial"/>
               <a:buNone/>
             </a:pPr>
-            <a:r>
-              <a:t/>
-            </a:r>
             <a:endParaRPr/>
           </a:p>
           <a:p>
-            <a:pPr indent="0" lvl="0" marL="0" rtl="0" algn="l">
+            <a:pPr marL="0" lvl="0" indent="0" algn="l" rtl="0">
               <a:spcBef>
                 <a:spcPts val="0"/>
               </a:spcBef>
@@ -9857,13 +10304,10 @@
               <a:buFont typeface="Arial"/>
               <a:buNone/>
             </a:pPr>
-            <a:r>
-              <a:t/>
-            </a:r>
             <a:endParaRPr/>
           </a:p>
           <a:p>
-            <a:pPr indent="0" lvl="0" marL="0" rtl="0" algn="l">
+            <a:pPr marL="0" lvl="0" indent="0" algn="l" rtl="0">
               <a:spcBef>
                 <a:spcPts val="0"/>
               </a:spcBef>
@@ -9877,13 +10321,10 @@
               <a:buFont typeface="Arial"/>
               <a:buNone/>
             </a:pPr>
-            <a:r>
-              <a:t/>
-            </a:r>
             <a:endParaRPr/>
           </a:p>
           <a:p>
-            <a:pPr indent="0" lvl="0" marL="0" rtl="0" algn="l">
+            <a:pPr marL="0" lvl="0" indent="0" algn="l" rtl="0">
               <a:spcBef>
                 <a:spcPts val="0"/>
               </a:spcBef>
@@ -9897,13 +10338,10 @@
               <a:buFont typeface="Arial"/>
               <a:buNone/>
             </a:pPr>
-            <a:r>
-              <a:t/>
-            </a:r>
             <a:endParaRPr/>
           </a:p>
           <a:p>
-            <a:pPr indent="0" lvl="0" marL="0" rtl="0" algn="l">
+            <a:pPr marL="0" lvl="0" indent="0" algn="l" rtl="0">
               <a:spcBef>
                 <a:spcPts val="0"/>
               </a:spcBef>
@@ -9912,9 +10350,6 @@
               </a:spcAft>
               <a:buNone/>
             </a:pPr>
-            <a:r>
-              <a:t/>
-            </a:r>
             <a:endParaRPr/>
           </a:p>
         </p:txBody>
@@ -9922,9 +10357,11 @@
       <p:sp>
         <p:nvSpPr>
           <p:cNvPr id="181" name="Google Shape;181;p32"/>
-          <p:cNvSpPr txBox="1"/>
+          <p:cNvSpPr txBox="1">
+            <a:spLocks noGrp="1"/>
+          </p:cNvSpPr>
           <p:nvPr>
-            <p:ph idx="1" type="body"/>
+            <p:ph type="body" idx="1"/>
           </p:nvPr>
         </p:nvSpPr>
         <p:spPr>
@@ -9937,12 +10374,12 @@
           </a:prstGeom>
         </p:spPr>
         <p:txBody>
-          <a:bodyPr anchorCtr="0" anchor="t" bIns="91425" lIns="91425" spcFirstLastPara="1" rIns="91425" wrap="square" tIns="91425">
+          <a:bodyPr spcFirstLastPara="1" wrap="square" lIns="91425" tIns="91425" rIns="91425" bIns="91425" anchor="t" anchorCtr="0">
             <a:normAutofit/>
           </a:bodyPr>
           <a:lstStyle/>
           <a:p>
-            <a:pPr indent="0" lvl="0" marL="0" rtl="0" algn="l">
+            <a:pPr marL="0" lvl="0" indent="0" algn="l" rtl="0">
               <a:spcBef>
                 <a:spcPts val="0"/>
               </a:spcBef>
@@ -9959,6 +10396,66 @@
           </a:p>
         </p:txBody>
       </p:sp>
+      <p:pic>
+        <p:nvPicPr>
+          <p:cNvPr id="2" name="Picture 1">
+            <a:extLst>
+              <a:ext uri="{FF2B5EF4-FFF2-40B4-BE49-F238E27FC236}">
+                <a16:creationId xmlns:a16="http://schemas.microsoft.com/office/drawing/2014/main" id="{2F2465C3-0875-B34B-9C16-CB4466DBDCE7}"/>
+              </a:ext>
+            </a:extLst>
+          </p:cNvPr>
+          <p:cNvPicPr>
+            <a:picLocks noChangeAspect="1"/>
+          </p:cNvPicPr>
+          <p:nvPr/>
+        </p:nvPicPr>
+        <p:blipFill>
+          <a:blip r:embed="rId3"/>
+          <a:stretch>
+            <a:fillRect/>
+          </a:stretch>
+        </p:blipFill>
+        <p:spPr>
+          <a:xfrm>
+            <a:off x="311700" y="1017724"/>
+            <a:ext cx="3775270" cy="2410715"/>
+          </a:xfrm>
+          <a:prstGeom prst="rect">
+            <a:avLst/>
+          </a:prstGeom>
+        </p:spPr>
+      </p:pic>
+      <p:pic>
+        <p:nvPicPr>
+          <p:cNvPr id="3" name="Picture 2">
+            <a:extLst>
+              <a:ext uri="{FF2B5EF4-FFF2-40B4-BE49-F238E27FC236}">
+                <a16:creationId xmlns:a16="http://schemas.microsoft.com/office/drawing/2014/main" id="{9346D96B-B211-B84E-9A0C-F82FA1B860CE}"/>
+              </a:ext>
+            </a:extLst>
+          </p:cNvPr>
+          <p:cNvPicPr>
+            <a:picLocks noChangeAspect="1"/>
+          </p:cNvPicPr>
+          <p:nvPr/>
+        </p:nvPicPr>
+        <p:blipFill>
+          <a:blip r:embed="rId4"/>
+          <a:stretch>
+            <a:fillRect/>
+          </a:stretch>
+        </p:blipFill>
+        <p:spPr>
+          <a:xfrm>
+            <a:off x="4832400" y="1017724"/>
+            <a:ext cx="3775270" cy="2469359"/>
+          </a:xfrm>
+          <a:prstGeom prst="rect">
+            <a:avLst/>
+          </a:prstGeom>
+        </p:spPr>
+      </p:pic>
     </p:spTree>
   </p:cSld>
   <p:clrMapOvr>
@@ -9968,11 +10465,11 @@
 </file>
 
 <file path=ppt/slides/slide2.xml><?xml version="1.0" encoding="utf-8"?>
-<p:sld xmlns:a="http://schemas.openxmlformats.org/drawingml/2006/main" xmlns:r="http://schemas.openxmlformats.org/officeDocument/2006/relationships" xmlns:mc="http://schemas.openxmlformats.org/markup-compatibility/2006" xmlns:mv="urn:schemas-microsoft-com:mac:vml" xmlns:p="http://schemas.openxmlformats.org/presentationml/2006/main" xmlns:c="http://schemas.openxmlformats.org/drawingml/2006/chart" xmlns:dgm="http://schemas.openxmlformats.org/drawingml/2006/diagram" xmlns:o="urn:schemas-microsoft-com:office:office" xmlns:v="urn:schemas-microsoft-com:vml" xmlns:pvml="urn:schemas-microsoft-com:office:powerpoint" xmlns:com="http://schemas.openxmlformats.org/drawingml/2006/compatibility" xmlns:p14="http://schemas.microsoft.com/office/powerpoint/2010/main" xmlns:p15="http://schemas.microsoft.com/office/powerpoint/2012/main" xmlns:ahyp="http://schemas.microsoft.com/office/drawing/2018/hyperlinkcolor">
+<p:sld xmlns:a="http://schemas.openxmlformats.org/drawingml/2006/main" xmlns:r="http://schemas.openxmlformats.org/officeDocument/2006/relationships" xmlns:p="http://schemas.openxmlformats.org/presentationml/2006/main">
   <p:cSld>
     <p:spTree>
       <p:nvGrpSpPr>
-        <p:cNvPr id="66" name="Shape 66"/>
+        <p:cNvPr id="1" name="Shape 66"/>
         <p:cNvGrpSpPr/>
         <p:nvPr/>
       </p:nvGrpSpPr>
@@ -9987,7 +10484,9 @@
       <p:sp>
         <p:nvSpPr>
           <p:cNvPr id="67" name="Google Shape;67;p16"/>
-          <p:cNvSpPr txBox="1"/>
+          <p:cNvSpPr txBox="1">
+            <a:spLocks noGrp="1"/>
+          </p:cNvSpPr>
           <p:nvPr>
             <p:ph type="title"/>
           </p:nvPr>
@@ -10002,12 +10501,12 @@
           </a:prstGeom>
         </p:spPr>
         <p:txBody>
-          <a:bodyPr anchorCtr="0" anchor="t" bIns="91425" lIns="91425" spcFirstLastPara="1" rIns="91425" wrap="square" tIns="91425">
+          <a:bodyPr spcFirstLastPara="1" wrap="square" lIns="91425" tIns="91425" rIns="91425" bIns="91425" anchor="t" anchorCtr="0">
             <a:normAutofit fontScale="90000"/>
           </a:bodyPr>
           <a:lstStyle/>
           <a:p>
-            <a:pPr indent="0" lvl="0" marL="0" rtl="0" algn="l">
+            <a:pPr marL="0" lvl="0" indent="0" algn="l" rtl="0">
               <a:spcBef>
                 <a:spcPts val="0"/>
               </a:spcBef>
@@ -10027,9 +10526,11 @@
       <p:sp>
         <p:nvSpPr>
           <p:cNvPr id="68" name="Google Shape;68;p16"/>
-          <p:cNvSpPr txBox="1"/>
+          <p:cNvSpPr txBox="1">
+            <a:spLocks noGrp="1"/>
+          </p:cNvSpPr>
           <p:nvPr>
-            <p:ph idx="1" type="body"/>
+            <p:ph type="body" idx="1"/>
           </p:nvPr>
         </p:nvSpPr>
         <p:spPr>
@@ -10042,12 +10543,12 @@
           </a:prstGeom>
         </p:spPr>
         <p:txBody>
-          <a:bodyPr anchorCtr="0" anchor="t" bIns="91425" lIns="91425" spcFirstLastPara="1" rIns="91425" wrap="square" tIns="91425">
+          <a:bodyPr spcFirstLastPara="1" wrap="square" lIns="91425" tIns="91425" rIns="91425" bIns="91425" anchor="t" anchorCtr="0">
             <a:normAutofit/>
           </a:bodyPr>
           <a:lstStyle/>
           <a:p>
-            <a:pPr indent="0" lvl="0" marL="0" rtl="0" algn="l">
+            <a:pPr marL="0" lvl="0" indent="0" algn="l" rtl="0">
               <a:spcBef>
                 <a:spcPts val="0"/>
               </a:spcBef>
@@ -10058,11 +10559,7 @@
             </a:pPr>
             <a:r>
               <a:rPr lang="en-US"/>
-              <a:t>[insert visualization of random dot stereogram </a:t>
-            </a:r>
-            <a:r>
-              <a:rPr lang="en-US"/>
-              <a:t>disparity map using 3x3 blocks with SAD]</a:t>
+              <a:t>[insert visualization of random dot stereogram disparity map using 3x3 blocks with SAD]</a:t>
             </a:r>
             <a:endParaRPr/>
           </a:p>
@@ -10071,9 +10568,11 @@
       <p:sp>
         <p:nvSpPr>
           <p:cNvPr id="69" name="Google Shape;69;p16"/>
-          <p:cNvSpPr txBox="1"/>
+          <p:cNvSpPr txBox="1">
+            <a:spLocks noGrp="1"/>
+          </p:cNvSpPr>
           <p:nvPr>
-            <p:ph idx="2" type="body"/>
+            <p:ph type="body" idx="2"/>
           </p:nvPr>
         </p:nvSpPr>
         <p:spPr>
@@ -10086,12 +10585,12 @@
           </a:prstGeom>
         </p:spPr>
         <p:txBody>
-          <a:bodyPr anchorCtr="0" anchor="t" bIns="91425" lIns="91425" spcFirstLastPara="1" rIns="91425" wrap="square" tIns="91425">
+          <a:bodyPr spcFirstLastPara="1" wrap="square" lIns="91425" tIns="91425" rIns="91425" bIns="91425" anchor="t" anchorCtr="0">
             <a:normAutofit/>
           </a:bodyPr>
           <a:lstStyle/>
           <a:p>
-            <a:pPr indent="0" lvl="0" marL="0" rtl="0" algn="l">
+            <a:pPr marL="0" lvl="0" indent="0" algn="l" rtl="0">
               <a:spcBef>
                 <a:spcPts val="0"/>
               </a:spcBef>
@@ -10108,6 +10607,66 @@
           </a:p>
         </p:txBody>
       </p:sp>
+      <p:pic>
+        <p:nvPicPr>
+          <p:cNvPr id="2" name="Picture 1">
+            <a:extLst>
+              <a:ext uri="{FF2B5EF4-FFF2-40B4-BE49-F238E27FC236}">
+                <a16:creationId xmlns:a16="http://schemas.microsoft.com/office/drawing/2014/main" id="{CB649E8F-B09D-364B-91BE-E00C5DFB5FE7}"/>
+              </a:ext>
+            </a:extLst>
+          </p:cNvPr>
+          <p:cNvPicPr>
+            <a:picLocks noChangeAspect="1"/>
+          </p:cNvPicPr>
+          <p:nvPr/>
+        </p:nvPicPr>
+        <p:blipFill>
+          <a:blip r:embed="rId3"/>
+          <a:stretch>
+            <a:fillRect/>
+          </a:stretch>
+        </p:blipFill>
+        <p:spPr>
+          <a:xfrm>
+            <a:off x="546044" y="1858175"/>
+            <a:ext cx="3024536" cy="2840300"/>
+          </a:xfrm>
+          <a:prstGeom prst="rect">
+            <a:avLst/>
+          </a:prstGeom>
+        </p:spPr>
+      </p:pic>
+      <p:pic>
+        <p:nvPicPr>
+          <p:cNvPr id="3" name="Picture 2">
+            <a:extLst>
+              <a:ext uri="{FF2B5EF4-FFF2-40B4-BE49-F238E27FC236}">
+                <a16:creationId xmlns:a16="http://schemas.microsoft.com/office/drawing/2014/main" id="{2777EB92-BEE7-7A4A-8510-DC4E8F6A7138}"/>
+              </a:ext>
+            </a:extLst>
+          </p:cNvPr>
+          <p:cNvPicPr>
+            <a:picLocks noChangeAspect="1"/>
+          </p:cNvPicPr>
+          <p:nvPr/>
+        </p:nvPicPr>
+        <p:blipFill>
+          <a:blip r:embed="rId4"/>
+          <a:stretch>
+            <a:fillRect/>
+          </a:stretch>
+        </p:blipFill>
+        <p:spPr>
+          <a:xfrm>
+            <a:off x="5001923" y="1775458"/>
+            <a:ext cx="3378752" cy="3187173"/>
+          </a:xfrm>
+          <a:prstGeom prst="rect">
+            <a:avLst/>
+          </a:prstGeom>
+        </p:spPr>
+      </p:pic>
     </p:spTree>
   </p:cSld>
   <p:clrMapOvr>
@@ -10117,11 +10676,11 @@
 </file>
 
 <file path=ppt/slides/slide3.xml><?xml version="1.0" encoding="utf-8"?>
-<p:sld xmlns:a="http://schemas.openxmlformats.org/drawingml/2006/main" xmlns:r="http://schemas.openxmlformats.org/officeDocument/2006/relationships" xmlns:mc="http://schemas.openxmlformats.org/markup-compatibility/2006" xmlns:mv="urn:schemas-microsoft-com:mac:vml" xmlns:p="http://schemas.openxmlformats.org/presentationml/2006/main" xmlns:c="http://schemas.openxmlformats.org/drawingml/2006/chart" xmlns:dgm="http://schemas.openxmlformats.org/drawingml/2006/diagram" xmlns:o="urn:schemas-microsoft-com:office:office" xmlns:v="urn:schemas-microsoft-com:vml" xmlns:pvml="urn:schemas-microsoft-com:office:powerpoint" xmlns:com="http://schemas.openxmlformats.org/drawingml/2006/compatibility" xmlns:p14="http://schemas.microsoft.com/office/powerpoint/2010/main" xmlns:p15="http://schemas.microsoft.com/office/powerpoint/2012/main" xmlns:ahyp="http://schemas.microsoft.com/office/drawing/2018/hyperlinkcolor">
+<p:sld xmlns:a="http://schemas.openxmlformats.org/drawingml/2006/main" xmlns:r="http://schemas.openxmlformats.org/officeDocument/2006/relationships" xmlns:p="http://schemas.openxmlformats.org/presentationml/2006/main">
   <p:cSld>
     <p:spTree>
       <p:nvGrpSpPr>
-        <p:cNvPr id="73" name="Shape 73"/>
+        <p:cNvPr id="1" name="Shape 73"/>
         <p:cNvGrpSpPr/>
         <p:nvPr/>
       </p:nvGrpSpPr>
@@ -10136,7 +10695,9 @@
       <p:sp>
         <p:nvSpPr>
           <p:cNvPr id="74" name="Google Shape;74;p17"/>
-          <p:cNvSpPr txBox="1"/>
+          <p:cNvSpPr txBox="1">
+            <a:spLocks noGrp="1"/>
+          </p:cNvSpPr>
           <p:nvPr>
             <p:ph type="title"/>
           </p:nvPr>
@@ -10151,12 +10712,12 @@
           </a:prstGeom>
         </p:spPr>
         <p:txBody>
-          <a:bodyPr anchorCtr="0" anchor="t" bIns="91425" lIns="91425" spcFirstLastPara="1" rIns="91425" wrap="square" tIns="91425">
+          <a:bodyPr spcFirstLastPara="1" wrap="square" lIns="91425" tIns="91425" rIns="91425" bIns="91425" anchor="t" anchorCtr="0">
             <a:normAutofit fontScale="90000"/>
           </a:bodyPr>
           <a:lstStyle/>
           <a:p>
-            <a:pPr indent="0" lvl="0" marL="0" rtl="0" algn="l">
+            <a:pPr marL="0" lvl="0" indent="0" algn="l" rtl="0">
               <a:spcBef>
                 <a:spcPts val="0"/>
               </a:spcBef>
@@ -10176,9 +10737,11 @@
       <p:sp>
         <p:nvSpPr>
           <p:cNvPr id="75" name="Google Shape;75;p17"/>
-          <p:cNvSpPr txBox="1"/>
+          <p:cNvSpPr txBox="1">
+            <a:spLocks noGrp="1"/>
+          </p:cNvSpPr>
           <p:nvPr>
-            <p:ph idx="1" type="body"/>
+            <p:ph type="body" idx="1"/>
           </p:nvPr>
         </p:nvSpPr>
         <p:spPr>
@@ -10191,12 +10754,12 @@
           </a:prstGeom>
         </p:spPr>
         <p:txBody>
-          <a:bodyPr anchorCtr="0" anchor="t" bIns="91425" lIns="91425" spcFirstLastPara="1" rIns="91425" wrap="square" tIns="91425">
+          <a:bodyPr spcFirstLastPara="1" wrap="square" lIns="91425" tIns="91425" rIns="91425" bIns="91425" anchor="t" anchorCtr="0">
             <a:normAutofit/>
           </a:bodyPr>
           <a:lstStyle/>
           <a:p>
-            <a:pPr indent="0" lvl="0" marL="0" rtl="0" algn="l">
+            <a:pPr marL="0" lvl="0" indent="0" algn="l" rtl="0">
               <a:spcBef>
                 <a:spcPts val="0"/>
               </a:spcBef>
@@ -10216,9 +10779,11 @@
       <p:sp>
         <p:nvSpPr>
           <p:cNvPr id="76" name="Google Shape;76;p17"/>
-          <p:cNvSpPr txBox="1"/>
+          <p:cNvSpPr txBox="1">
+            <a:spLocks noGrp="1"/>
+          </p:cNvSpPr>
           <p:nvPr>
-            <p:ph idx="2" type="body"/>
+            <p:ph type="body" idx="2"/>
           </p:nvPr>
         </p:nvSpPr>
         <p:spPr>
@@ -10231,12 +10796,12 @@
           </a:prstGeom>
         </p:spPr>
         <p:txBody>
-          <a:bodyPr anchorCtr="0" anchor="t" bIns="91425" lIns="91425" spcFirstLastPara="1" rIns="91425" wrap="square" tIns="91425">
+          <a:bodyPr spcFirstLastPara="1" wrap="square" lIns="91425" tIns="91425" rIns="91425" bIns="91425" anchor="t" anchorCtr="0">
             <a:normAutofit/>
           </a:bodyPr>
           <a:lstStyle/>
           <a:p>
-            <a:pPr indent="0" lvl="0" marL="0" rtl="0" algn="l">
+            <a:pPr marL="0" lvl="0" indent="0" algn="l" rtl="0">
               <a:spcBef>
                 <a:spcPts val="0"/>
               </a:spcBef>
@@ -10253,6 +10818,66 @@
           </a:p>
         </p:txBody>
       </p:sp>
+      <p:pic>
+        <p:nvPicPr>
+          <p:cNvPr id="2" name="Picture 1">
+            <a:extLst>
+              <a:ext uri="{FF2B5EF4-FFF2-40B4-BE49-F238E27FC236}">
+                <a16:creationId xmlns:a16="http://schemas.microsoft.com/office/drawing/2014/main" id="{5A7BEC35-94AF-4242-9DCC-764EF1B82F70}"/>
+              </a:ext>
+            </a:extLst>
+          </p:cNvPr>
+          <p:cNvPicPr>
+            <a:picLocks noChangeAspect="1"/>
+          </p:cNvPicPr>
+          <p:nvPr/>
+        </p:nvPicPr>
+        <p:blipFill>
+          <a:blip r:embed="rId3"/>
+          <a:stretch>
+            <a:fillRect/>
+          </a:stretch>
+        </p:blipFill>
+        <p:spPr>
+          <a:xfrm>
+            <a:off x="614237" y="1989232"/>
+            <a:ext cx="2844579" cy="2579643"/>
+          </a:xfrm>
+          <a:prstGeom prst="rect">
+            <a:avLst/>
+          </a:prstGeom>
+        </p:spPr>
+      </p:pic>
+      <p:pic>
+        <p:nvPicPr>
+          <p:cNvPr id="3" name="Picture 2">
+            <a:extLst>
+              <a:ext uri="{FF2B5EF4-FFF2-40B4-BE49-F238E27FC236}">
+                <a16:creationId xmlns:a16="http://schemas.microsoft.com/office/drawing/2014/main" id="{8F870214-F26F-E249-B701-E55696CD3B9F}"/>
+              </a:ext>
+            </a:extLst>
+          </p:cNvPr>
+          <p:cNvPicPr>
+            <a:picLocks noChangeAspect="1"/>
+          </p:cNvPicPr>
+          <p:nvPr/>
+        </p:nvPicPr>
+        <p:blipFill>
+          <a:blip r:embed="rId4"/>
+          <a:stretch>
+            <a:fillRect/>
+          </a:stretch>
+        </p:blipFill>
+        <p:spPr>
+          <a:xfrm>
+            <a:off x="5142501" y="1858175"/>
+            <a:ext cx="3079148" cy="2834042"/>
+          </a:xfrm>
+          <a:prstGeom prst="rect">
+            <a:avLst/>
+          </a:prstGeom>
+        </p:spPr>
+      </p:pic>
     </p:spTree>
   </p:cSld>
   <p:clrMapOvr>
@@ -10262,11 +10887,11 @@
 </file>
 
 <file path=ppt/slides/slide4.xml><?xml version="1.0" encoding="utf-8"?>
-<p:sld xmlns:a="http://schemas.openxmlformats.org/drawingml/2006/main" xmlns:r="http://schemas.openxmlformats.org/officeDocument/2006/relationships" xmlns:mc="http://schemas.openxmlformats.org/markup-compatibility/2006" xmlns:mv="urn:schemas-microsoft-com:mac:vml" xmlns:p="http://schemas.openxmlformats.org/presentationml/2006/main" xmlns:c="http://schemas.openxmlformats.org/drawingml/2006/chart" xmlns:dgm="http://schemas.openxmlformats.org/drawingml/2006/diagram" xmlns:o="urn:schemas-microsoft-com:office:office" xmlns:v="urn:schemas-microsoft-com:vml" xmlns:pvml="urn:schemas-microsoft-com:office:powerpoint" xmlns:com="http://schemas.openxmlformats.org/drawingml/2006/compatibility" xmlns:p14="http://schemas.microsoft.com/office/powerpoint/2010/main" xmlns:p15="http://schemas.microsoft.com/office/powerpoint/2012/main" xmlns:ahyp="http://schemas.microsoft.com/office/drawing/2018/hyperlinkcolor">
+<p:sld xmlns:a="http://schemas.openxmlformats.org/drawingml/2006/main" xmlns:r="http://schemas.openxmlformats.org/officeDocument/2006/relationships" xmlns:p="http://schemas.openxmlformats.org/presentationml/2006/main">
   <p:cSld>
     <p:spTree>
       <p:nvGrpSpPr>
-        <p:cNvPr id="80" name="Shape 80"/>
+        <p:cNvPr id="1" name="Shape 80"/>
         <p:cNvGrpSpPr/>
         <p:nvPr/>
       </p:nvGrpSpPr>
@@ -10281,7 +10906,9 @@
       <p:sp>
         <p:nvSpPr>
           <p:cNvPr id="81" name="Google Shape;81;p18"/>
-          <p:cNvSpPr txBox="1"/>
+          <p:cNvSpPr txBox="1">
+            <a:spLocks noGrp="1"/>
+          </p:cNvSpPr>
           <p:nvPr>
             <p:ph type="title"/>
           </p:nvPr>
@@ -10296,12 +10923,12 @@
           </a:prstGeom>
         </p:spPr>
         <p:txBody>
-          <a:bodyPr anchorCtr="0" anchor="t" bIns="91425" lIns="91425" spcFirstLastPara="1" rIns="91425" wrap="square" tIns="91425">
+          <a:bodyPr spcFirstLastPara="1" wrap="square" lIns="91425" tIns="91425" rIns="91425" bIns="91425" anchor="t" anchorCtr="0">
             <a:normAutofit fontScale="90000"/>
           </a:bodyPr>
           <a:lstStyle/>
           <a:p>
-            <a:pPr indent="0" lvl="0" marL="0" rtl="0" algn="l">
+            <a:pPr marL="0" lvl="0" indent="0" algn="l" rtl="0">
               <a:spcBef>
                 <a:spcPts val="0"/>
               </a:spcBef>
@@ -10326,9 +10953,11 @@
       <p:sp>
         <p:nvSpPr>
           <p:cNvPr id="82" name="Google Shape;82;p18"/>
-          <p:cNvSpPr txBox="1"/>
+          <p:cNvSpPr txBox="1">
+            <a:spLocks noGrp="1"/>
+          </p:cNvSpPr>
           <p:nvPr>
-            <p:ph idx="1" type="body"/>
+            <p:ph type="body" idx="1"/>
           </p:nvPr>
         </p:nvSpPr>
         <p:spPr>
@@ -10341,12 +10970,12 @@
           </a:prstGeom>
         </p:spPr>
         <p:txBody>
-          <a:bodyPr anchorCtr="0" anchor="t" bIns="91425" lIns="91425" spcFirstLastPara="1" rIns="91425" wrap="square" tIns="91425">
+          <a:bodyPr spcFirstLastPara="1" wrap="square" lIns="91425" tIns="91425" rIns="91425" bIns="91425" anchor="t" anchorCtr="0">
             <a:normAutofit/>
           </a:bodyPr>
           <a:lstStyle/>
           <a:p>
-            <a:pPr indent="0" lvl="0" marL="0" rtl="0" algn="l">
+            <a:pPr marL="0" lvl="0" indent="0" algn="l" rtl="0">
               <a:spcBef>
                 <a:spcPts val="0"/>
               </a:spcBef>
@@ -10356,19 +10985,37 @@
               <a:buNone/>
             </a:pPr>
             <a:r>
-              <a:rPr lang="en-US"/>
-              <a:t>[What is the effect of increasing the block size for computing the disparity maps?]</a:t>
+              <a:rPr lang="en-US" dirty="0"/>
+              <a:t>Increasing the </a:t>
             </a:r>
-            <a:endParaRPr/>
+            <a:r>
+              <a:rPr lang="en-US" dirty="0" err="1"/>
+              <a:t>blocksize</a:t>
+            </a:r>
+            <a:r>
+              <a:rPr lang="en-US" dirty="0"/>
+              <a:t> gives a smoother disparity map around the edges of the shift. This is because a larger </a:t>
+            </a:r>
+            <a:r>
+              <a:rPr lang="en-US" dirty="0" err="1"/>
+              <a:t>blocksize</a:t>
+            </a:r>
+            <a:r>
+              <a:rPr lang="en-US" dirty="0"/>
+              <a:t> have a larger ratio of matches vs non-matches up to a certain extent.</a:t>
+            </a:r>
+            <a:endParaRPr dirty="0"/>
           </a:p>
         </p:txBody>
       </p:sp>
       <p:sp>
         <p:nvSpPr>
           <p:cNvPr id="83" name="Google Shape;83;p18"/>
-          <p:cNvSpPr txBox="1"/>
+          <p:cNvSpPr txBox="1">
+            <a:spLocks noGrp="1"/>
+          </p:cNvSpPr>
           <p:nvPr>
-            <p:ph idx="2" type="body"/>
+            <p:ph type="body" idx="2"/>
           </p:nvPr>
         </p:nvSpPr>
         <p:spPr>
@@ -10381,12 +11028,12 @@
           </a:prstGeom>
         </p:spPr>
         <p:txBody>
-          <a:bodyPr anchorCtr="0" anchor="t" bIns="91425" lIns="91425" spcFirstLastPara="1" rIns="91425" wrap="square" tIns="91425">
+          <a:bodyPr spcFirstLastPara="1" wrap="square" lIns="91425" tIns="91425" rIns="91425" bIns="91425" anchor="t" anchorCtr="0">
             <a:normAutofit/>
           </a:bodyPr>
           <a:lstStyle/>
           <a:p>
-            <a:pPr indent="0" lvl="0" marL="0" rtl="0" algn="l">
+            <a:pPr marL="0" lvl="0" indent="0" algn="l" rtl="0">
               <a:spcBef>
                 <a:spcPts val="0"/>
               </a:spcBef>
@@ -10396,14 +11043,10 @@
               <a:buNone/>
             </a:pPr>
             <a:r>
-              <a:rPr lang="en-US"/>
-              <a:t>[For the disparity </a:t>
+              <a:rPr lang="en-US" dirty="0"/>
+              <a:t>It is poor around the left edge because a patch in the left image on the edge will see the same edge at a certain disparity in the right image. This is because we shifted left. When we shifted left, we filled the empty space with random bits which is very different from the right edge of the center square, thus giving us clear disparity.</a:t>
             </a:r>
-            <a:r>
-              <a:rPr lang="en-US"/>
-              <a:t>maps, why are the results poor on the left edge but not other edges?]</a:t>
-            </a:r>
-            <a:endParaRPr/>
+            <a:endParaRPr dirty="0"/>
           </a:p>
         </p:txBody>
       </p:sp>
@@ -10416,11 +11059,11 @@
 </file>
 
 <file path=ppt/slides/slide5.xml><?xml version="1.0" encoding="utf-8"?>
-<p:sld xmlns:a="http://schemas.openxmlformats.org/drawingml/2006/main" xmlns:r="http://schemas.openxmlformats.org/officeDocument/2006/relationships" xmlns:mc="http://schemas.openxmlformats.org/markup-compatibility/2006" xmlns:mv="urn:schemas-microsoft-com:mac:vml" xmlns:p="http://schemas.openxmlformats.org/presentationml/2006/main" xmlns:c="http://schemas.openxmlformats.org/drawingml/2006/chart" xmlns:dgm="http://schemas.openxmlformats.org/drawingml/2006/diagram" xmlns:o="urn:schemas-microsoft-com:office:office" xmlns:v="urn:schemas-microsoft-com:vml" xmlns:pvml="urn:schemas-microsoft-com:office:powerpoint" xmlns:com="http://schemas.openxmlformats.org/drawingml/2006/compatibility" xmlns:p14="http://schemas.microsoft.com/office/powerpoint/2010/main" xmlns:p15="http://schemas.microsoft.com/office/powerpoint/2012/main" xmlns:ahyp="http://schemas.microsoft.com/office/drawing/2018/hyperlinkcolor">
+<p:sld xmlns:a="http://schemas.openxmlformats.org/drawingml/2006/main" xmlns:r="http://schemas.openxmlformats.org/officeDocument/2006/relationships" xmlns:p="http://schemas.openxmlformats.org/presentationml/2006/main">
   <p:cSld>
     <p:spTree>
       <p:nvGrpSpPr>
-        <p:cNvPr id="87" name="Shape 87"/>
+        <p:cNvPr id="1" name="Shape 87"/>
         <p:cNvGrpSpPr/>
         <p:nvPr/>
       </p:nvGrpSpPr>
@@ -10435,7 +11078,9 @@
       <p:sp>
         <p:nvSpPr>
           <p:cNvPr id="88" name="Google Shape;88;p19"/>
-          <p:cNvSpPr txBox="1"/>
+          <p:cNvSpPr txBox="1">
+            <a:spLocks noGrp="1"/>
+          </p:cNvSpPr>
           <p:nvPr>
             <p:ph type="title"/>
           </p:nvPr>
@@ -10450,12 +11095,12 @@
           </a:prstGeom>
         </p:spPr>
         <p:txBody>
-          <a:bodyPr anchorCtr="0" anchor="t" bIns="91425" lIns="91425" spcFirstLastPara="1" rIns="91425" wrap="square" tIns="91425">
+          <a:bodyPr spcFirstLastPara="1" wrap="square" lIns="91425" tIns="91425" rIns="91425" bIns="91425" anchor="t" anchorCtr="0">
             <a:normAutofit fontScale="90000"/>
           </a:bodyPr>
           <a:lstStyle/>
           <a:p>
-            <a:pPr indent="0" lvl="0" marL="0" rtl="0" algn="l">
+            <a:pPr marL="0" lvl="0" indent="0" algn="l" rtl="0">
               <a:spcBef>
                 <a:spcPts val="0"/>
               </a:spcBef>
@@ -10475,9 +11120,11 @@
       <p:sp>
         <p:nvSpPr>
           <p:cNvPr id="89" name="Google Shape;89;p19"/>
-          <p:cNvSpPr txBox="1"/>
+          <p:cNvSpPr txBox="1">
+            <a:spLocks noGrp="1"/>
+          </p:cNvSpPr>
           <p:nvPr>
-            <p:ph idx="1" type="body"/>
+            <p:ph type="body" idx="1"/>
           </p:nvPr>
         </p:nvSpPr>
         <p:spPr>
@@ -10490,12 +11137,12 @@
           </a:prstGeom>
         </p:spPr>
         <p:txBody>
-          <a:bodyPr anchorCtr="0" anchor="t" bIns="91425" lIns="91425" spcFirstLastPara="1" rIns="91425" wrap="square" tIns="91425">
+          <a:bodyPr spcFirstLastPara="1" wrap="square" lIns="91425" tIns="91425" rIns="91425" bIns="91425" anchor="t" anchorCtr="0">
             <a:normAutofit/>
           </a:bodyPr>
           <a:lstStyle/>
           <a:p>
-            <a:pPr indent="0" lvl="0" marL="0" rtl="0" algn="l">
+            <a:pPr marL="0" lvl="0" indent="0" algn="l" rtl="0">
               <a:spcBef>
                 <a:spcPts val="0"/>
               </a:spcBef>
@@ -10505,19 +11152,36 @@
               <a:buNone/>
             </a:pPr>
             <a:r>
-              <a:rPr lang="en-US"/>
+              <a:rPr lang="en-US" dirty="0"/>
               <a:t>[What kind of regions will produce convex error profiles?]</a:t>
             </a:r>
-            <a:endParaRPr/>
+          </a:p>
+          <a:p>
+            <a:pPr marL="0" lvl="0" indent="0" algn="l" rtl="0">
+              <a:spcBef>
+                <a:spcPts val="0"/>
+              </a:spcBef>
+              <a:spcAft>
+                <a:spcPts val="1200"/>
+              </a:spcAft>
+              <a:buNone/>
+            </a:pPr>
+            <a:r>
+              <a:rPr lang="en-US" dirty="0"/>
+              <a:t>Non repetitive regions (along the horizontal) that have unique characteristics or have different pixel values.</a:t>
+            </a:r>
+            <a:endParaRPr dirty="0"/>
           </a:p>
         </p:txBody>
       </p:sp>
       <p:sp>
         <p:nvSpPr>
           <p:cNvPr id="90" name="Google Shape;90;p19"/>
-          <p:cNvSpPr txBox="1"/>
+          <p:cNvSpPr txBox="1">
+            <a:spLocks noGrp="1"/>
+          </p:cNvSpPr>
           <p:nvPr>
-            <p:ph idx="2" type="body"/>
+            <p:ph type="body" idx="2"/>
           </p:nvPr>
         </p:nvSpPr>
         <p:spPr>
@@ -10530,12 +11194,12 @@
           </a:prstGeom>
         </p:spPr>
         <p:txBody>
-          <a:bodyPr anchorCtr="0" anchor="t" bIns="91425" lIns="91425" spcFirstLastPara="1" rIns="91425" wrap="square" tIns="91425">
+          <a:bodyPr spcFirstLastPara="1" wrap="square" lIns="91425" tIns="91425" rIns="91425" bIns="91425" anchor="t" anchorCtr="0">
             <a:normAutofit/>
           </a:bodyPr>
           <a:lstStyle/>
           <a:p>
-            <a:pPr indent="0" lvl="0" marL="0" rtl="0" algn="l">
+            <a:pPr marL="0" lvl="0" indent="0" algn="l" rtl="0">
               <a:spcBef>
                 <a:spcPts val="0"/>
               </a:spcBef>
@@ -10545,10 +11209,25 @@
               <a:buNone/>
             </a:pPr>
             <a:r>
-              <a:rPr lang="en-US"/>
+              <a:rPr lang="en-US" dirty="0"/>
               <a:t>[What kind of regions will produce non-convex error profiles?]</a:t>
             </a:r>
-            <a:endParaRPr/>
+          </a:p>
+          <a:p>
+            <a:pPr marL="0" lvl="0" indent="0" algn="l" rtl="0">
+              <a:spcBef>
+                <a:spcPts val="0"/>
+              </a:spcBef>
+              <a:spcAft>
+                <a:spcPts val="1200"/>
+              </a:spcAft>
+              <a:buNone/>
+            </a:pPr>
+            <a:r>
+              <a:rPr lang="en-US" dirty="0"/>
+              <a:t>Repetitive regions that when looked at through a small window, looks similar to other regions. An example would be uniform stripes. In chair, it was the gaps between the wood planks.</a:t>
+            </a:r>
+            <a:endParaRPr dirty="0"/>
           </a:p>
         </p:txBody>
       </p:sp>
@@ -10561,11 +11240,11 @@
 </file>
 
 <file path=ppt/slides/slide6.xml><?xml version="1.0" encoding="utf-8"?>
-<p:sld xmlns:a="http://schemas.openxmlformats.org/drawingml/2006/main" xmlns:r="http://schemas.openxmlformats.org/officeDocument/2006/relationships" xmlns:mc="http://schemas.openxmlformats.org/markup-compatibility/2006" xmlns:mv="urn:schemas-microsoft-com:mac:vml" xmlns:p="http://schemas.openxmlformats.org/presentationml/2006/main" xmlns:c="http://schemas.openxmlformats.org/drawingml/2006/chart" xmlns:dgm="http://schemas.openxmlformats.org/drawingml/2006/diagram" xmlns:o="urn:schemas-microsoft-com:office:office" xmlns:v="urn:schemas-microsoft-com:vml" xmlns:pvml="urn:schemas-microsoft-com:office:powerpoint" xmlns:com="http://schemas.openxmlformats.org/drawingml/2006/compatibility" xmlns:p14="http://schemas.microsoft.com/office/powerpoint/2010/main" xmlns:p15="http://schemas.microsoft.com/office/powerpoint/2012/main" xmlns:ahyp="http://schemas.microsoft.com/office/drawing/2018/hyperlinkcolor">
+<p:sld xmlns:a="http://schemas.openxmlformats.org/drawingml/2006/main" xmlns:r="http://schemas.openxmlformats.org/officeDocument/2006/relationships" xmlns:p="http://schemas.openxmlformats.org/presentationml/2006/main">
   <p:cSld>
     <p:spTree>
       <p:nvGrpSpPr>
-        <p:cNvPr id="94" name="Shape 94"/>
+        <p:cNvPr id="1" name="Shape 94"/>
         <p:cNvGrpSpPr/>
         <p:nvPr/>
       </p:nvGrpSpPr>
@@ -10580,7 +11259,9 @@
       <p:sp>
         <p:nvSpPr>
           <p:cNvPr id="95" name="Google Shape;95;p20"/>
-          <p:cNvSpPr txBox="1"/>
+          <p:cNvSpPr txBox="1">
+            <a:spLocks noGrp="1"/>
+          </p:cNvSpPr>
           <p:nvPr>
             <p:ph type="title"/>
           </p:nvPr>
@@ -10595,12 +11276,12 @@
           </a:prstGeom>
         </p:spPr>
         <p:txBody>
-          <a:bodyPr anchorCtr="0" anchor="t" bIns="91425" lIns="91425" spcFirstLastPara="1" rIns="91425" wrap="square" tIns="91425">
+          <a:bodyPr spcFirstLastPara="1" wrap="square" lIns="91425" tIns="91425" rIns="91425" bIns="91425" anchor="t" anchorCtr="0">
             <a:normAutofit fontScale="90000"/>
           </a:bodyPr>
           <a:lstStyle/>
           <a:p>
-            <a:pPr indent="0" lvl="0" marL="0" rtl="0" algn="l">
+            <a:pPr marL="0" lvl="0" indent="0" algn="l" rtl="0">
               <a:spcBef>
                 <a:spcPts val="0"/>
               </a:spcBef>
@@ -10620,27 +11301,29 @@
       <p:sp>
         <p:nvSpPr>
           <p:cNvPr id="96" name="Google Shape;96;p20"/>
-          <p:cNvSpPr txBox="1"/>
+          <p:cNvSpPr txBox="1">
+            <a:spLocks noGrp="1"/>
+          </p:cNvSpPr>
           <p:nvPr>
-            <p:ph idx="1" type="body"/>
+            <p:ph type="body" idx="1"/>
           </p:nvPr>
         </p:nvSpPr>
         <p:spPr>
           <a:xfrm>
             <a:off x="311700" y="1152475"/>
-            <a:ext cx="3999900" cy="3416400"/>
+            <a:ext cx="2630283" cy="3416400"/>
           </a:xfrm>
           <a:prstGeom prst="rect">
             <a:avLst/>
           </a:prstGeom>
         </p:spPr>
         <p:txBody>
-          <a:bodyPr anchorCtr="0" anchor="t" bIns="91425" lIns="91425" spcFirstLastPara="1" rIns="91425" wrap="square" tIns="91425">
+          <a:bodyPr spcFirstLastPara="1" wrap="square" lIns="91425" tIns="91425" rIns="91425" bIns="91425" anchor="t" anchorCtr="0">
             <a:normAutofit/>
           </a:bodyPr>
           <a:lstStyle/>
           <a:p>
-            <a:pPr indent="0" lvl="0" marL="0" rtl="0" algn="l">
+            <a:pPr marL="0" lvl="0" indent="0" algn="l" rtl="0">
               <a:spcBef>
                 <a:spcPts val="0"/>
               </a:spcBef>
@@ -10656,7 +11339,7 @@
             <a:endParaRPr/>
           </a:p>
           <a:p>
-            <a:pPr indent="0" lvl="0" marL="0" rtl="0" algn="l">
+            <a:pPr marL="0" lvl="0" indent="0" algn="l" rtl="0">
               <a:spcBef>
                 <a:spcPts val="1200"/>
               </a:spcBef>
@@ -10665,13 +11348,10 @@
               </a:spcAft>
               <a:buNone/>
             </a:pPr>
-            <a:r>
-              <a:t/>
-            </a:r>
             <a:endParaRPr/>
           </a:p>
           <a:p>
-            <a:pPr indent="0" lvl="0" marL="0" rtl="0" algn="l">
+            <a:pPr marL="0" lvl="0" indent="0" algn="l" rtl="0">
               <a:spcBef>
                 <a:spcPts val="1200"/>
               </a:spcBef>
@@ -10680,13 +11360,10 @@
               </a:spcAft>
               <a:buNone/>
             </a:pPr>
-            <a:r>
-              <a:t/>
-            </a:r>
             <a:endParaRPr/>
           </a:p>
           <a:p>
-            <a:pPr indent="0" lvl="0" marL="0" rtl="0" algn="l">
+            <a:pPr marL="0" lvl="0" indent="0" algn="l" rtl="0">
               <a:spcBef>
                 <a:spcPts val="1200"/>
               </a:spcBef>
@@ -10695,13 +11372,10 @@
               </a:spcAft>
               <a:buNone/>
             </a:pPr>
-            <a:r>
-              <a:t/>
-            </a:r>
             <a:endParaRPr/>
           </a:p>
           <a:p>
-            <a:pPr indent="0" lvl="0" marL="0" rtl="0" algn="l">
+            <a:pPr marL="0" lvl="0" indent="0" algn="l" rtl="0">
               <a:spcBef>
                 <a:spcPts val="1200"/>
               </a:spcBef>
@@ -10726,27 +11400,29 @@
       <p:sp>
         <p:nvSpPr>
           <p:cNvPr id="97" name="Google Shape;97;p20"/>
-          <p:cNvSpPr txBox="1"/>
+          <p:cNvSpPr txBox="1">
+            <a:spLocks noGrp="1"/>
+          </p:cNvSpPr>
           <p:nvPr>
-            <p:ph idx="2" type="body"/>
+            <p:ph type="body" idx="2"/>
           </p:nvPr>
         </p:nvSpPr>
         <p:spPr>
           <a:xfrm>
             <a:off x="4832400" y="1152475"/>
-            <a:ext cx="3999900" cy="3416400"/>
+            <a:ext cx="2630283" cy="3416400"/>
           </a:xfrm>
           <a:prstGeom prst="rect">
             <a:avLst/>
           </a:prstGeom>
         </p:spPr>
         <p:txBody>
-          <a:bodyPr anchorCtr="0" anchor="t" bIns="91425" lIns="91425" spcFirstLastPara="1" rIns="91425" wrap="square" tIns="91425">
+          <a:bodyPr spcFirstLastPara="1" wrap="square" lIns="91425" tIns="91425" rIns="91425" bIns="91425" anchor="t" anchorCtr="0">
             <a:normAutofit/>
           </a:bodyPr>
           <a:lstStyle/>
           <a:p>
-            <a:pPr indent="0" lvl="0" marL="0" rtl="0" algn="l">
+            <a:pPr marL="0" lvl="0" indent="0" algn="l" rtl="0">
               <a:spcBef>
                 <a:spcPts val="0"/>
               </a:spcBef>
@@ -10756,29 +11432,13 @@
               <a:buNone/>
             </a:pPr>
             <a:r>
-              <a:rPr lang="en-US"/>
-              <a:t>[insert visualization of set 1 (Adirondack) disparity map using </a:t>
+              <a:rPr lang="en-US" dirty="0"/>
+              <a:t>[insert visualization of set 1 (Adirondack) disparity map using 5x5 blocks with SSD]</a:t>
             </a:r>
-            <a:r>
-              <a:rPr lang="en-US"/>
-              <a:t>5</a:t>
-            </a:r>
-            <a:r>
-              <a:rPr lang="en-US"/>
-              <a:t>x</a:t>
-            </a:r>
-            <a:r>
-              <a:rPr lang="en-US"/>
-              <a:t>5</a:t>
-            </a:r>
-            <a:r>
-              <a:rPr lang="en-US"/>
-              <a:t> blocks with SSD]</a:t>
-            </a:r>
-            <a:endParaRPr/>
-          </a:p>
-          <a:p>
-            <a:pPr indent="0" lvl="0" marL="0" rtl="0" algn="l">
+            <a:endParaRPr dirty="0"/>
+          </a:p>
+          <a:p>
+            <a:pPr marL="0" lvl="0" indent="0" algn="l" rtl="0">
               <a:spcBef>
                 <a:spcPts val="1200"/>
               </a:spcBef>
@@ -10787,13 +11447,10 @@
               </a:spcAft>
               <a:buNone/>
             </a:pPr>
-            <a:r>
-              <a:t/>
-            </a:r>
-            <a:endParaRPr/>
-          </a:p>
-          <a:p>
-            <a:pPr indent="0" lvl="0" marL="0" rtl="0" algn="l">
+            <a:endParaRPr dirty="0"/>
+          </a:p>
+          <a:p>
+            <a:pPr marL="0" lvl="0" indent="0" algn="l" rtl="0">
               <a:spcBef>
                 <a:spcPts val="1200"/>
               </a:spcBef>
@@ -10802,13 +11459,10 @@
               </a:spcAft>
               <a:buNone/>
             </a:pPr>
-            <a:r>
-              <a:t/>
-            </a:r>
-            <a:endParaRPr/>
-          </a:p>
-          <a:p>
-            <a:pPr indent="0" lvl="0" marL="0" rtl="0" algn="l">
+            <a:endParaRPr dirty="0"/>
+          </a:p>
+          <a:p>
+            <a:pPr marL="0" lvl="0" indent="0" algn="l" rtl="0">
               <a:spcBef>
                 <a:spcPts val="1200"/>
               </a:spcBef>
@@ -10817,13 +11471,10 @@
               </a:spcAft>
               <a:buNone/>
             </a:pPr>
-            <a:r>
-              <a:t/>
-            </a:r>
-            <a:endParaRPr/>
-          </a:p>
-          <a:p>
-            <a:pPr indent="0" lvl="0" marL="0" rtl="0" algn="l">
+            <a:endParaRPr dirty="0"/>
+          </a:p>
+          <a:p>
+            <a:pPr marL="0" lvl="0" indent="0" algn="l" rtl="0">
               <a:spcBef>
                 <a:spcPts val="1200"/>
               </a:spcBef>
@@ -10838,13 +11489,133 @@
               <a:buNone/>
             </a:pPr>
             <a:r>
-              <a:rPr lang="en-US"/>
+              <a:rPr lang="en-US" dirty="0"/>
               <a:t>[insert visualization of set 1 (Adirondack) disparity map using 13x13 blocks with SSD]</a:t>
             </a:r>
-            <a:endParaRPr/>
+            <a:endParaRPr dirty="0"/>
           </a:p>
         </p:txBody>
       </p:sp>
+      <p:pic>
+        <p:nvPicPr>
+          <p:cNvPr id="2" name="Picture 1">
+            <a:extLst>
+              <a:ext uri="{FF2B5EF4-FFF2-40B4-BE49-F238E27FC236}">
+                <a16:creationId xmlns:a16="http://schemas.microsoft.com/office/drawing/2014/main" id="{3F09418D-9C88-2541-BB92-36095937E757}"/>
+              </a:ext>
+            </a:extLst>
+          </p:cNvPr>
+          <p:cNvPicPr>
+            <a:picLocks noChangeAspect="1"/>
+          </p:cNvPicPr>
+          <p:nvPr/>
+        </p:nvPicPr>
+        <p:blipFill>
+          <a:blip r:embed="rId3"/>
+          <a:stretch>
+            <a:fillRect/>
+          </a:stretch>
+        </p:blipFill>
+        <p:spPr>
+          <a:xfrm>
+            <a:off x="381089" y="849178"/>
+            <a:ext cx="2232582" cy="2013927"/>
+          </a:xfrm>
+          <a:prstGeom prst="rect">
+            <a:avLst/>
+          </a:prstGeom>
+        </p:spPr>
+      </p:pic>
+      <p:pic>
+        <p:nvPicPr>
+          <p:cNvPr id="3" name="Picture 2">
+            <a:extLst>
+              <a:ext uri="{FF2B5EF4-FFF2-40B4-BE49-F238E27FC236}">
+                <a16:creationId xmlns:a16="http://schemas.microsoft.com/office/drawing/2014/main" id="{039DAD28-10B9-4246-93D6-5DD471785BA3}"/>
+              </a:ext>
+            </a:extLst>
+          </p:cNvPr>
+          <p:cNvPicPr>
+            <a:picLocks noChangeAspect="1"/>
+          </p:cNvPicPr>
+          <p:nvPr/>
+        </p:nvPicPr>
+        <p:blipFill>
+          <a:blip r:embed="rId4"/>
+          <a:stretch>
+            <a:fillRect/>
+          </a:stretch>
+        </p:blipFill>
+        <p:spPr>
+          <a:xfrm>
+            <a:off x="4915641" y="872103"/>
+            <a:ext cx="2232582" cy="2094484"/>
+          </a:xfrm>
+          <a:prstGeom prst="rect">
+            <a:avLst/>
+          </a:prstGeom>
+        </p:spPr>
+      </p:pic>
+      <p:pic>
+        <p:nvPicPr>
+          <p:cNvPr id="4" name="Picture 3">
+            <a:extLst>
+              <a:ext uri="{FF2B5EF4-FFF2-40B4-BE49-F238E27FC236}">
+                <a16:creationId xmlns:a16="http://schemas.microsoft.com/office/drawing/2014/main" id="{9A82AF07-3EE7-4349-845F-9D83D641A37D}"/>
+              </a:ext>
+            </a:extLst>
+          </p:cNvPr>
+          <p:cNvPicPr>
+            <a:picLocks noChangeAspect="1"/>
+          </p:cNvPicPr>
+          <p:nvPr/>
+        </p:nvPicPr>
+        <p:blipFill>
+          <a:blip r:embed="rId5"/>
+          <a:stretch>
+            <a:fillRect/>
+          </a:stretch>
+        </p:blipFill>
+        <p:spPr>
+          <a:xfrm>
+            <a:off x="351720" y="2930480"/>
+            <a:ext cx="2384728" cy="2121090"/>
+          </a:xfrm>
+          <a:prstGeom prst="rect">
+            <a:avLst/>
+          </a:prstGeom>
+        </p:spPr>
+      </p:pic>
+      <p:pic>
+        <p:nvPicPr>
+          <p:cNvPr id="5" name="Picture 4">
+            <a:extLst>
+              <a:ext uri="{FF2B5EF4-FFF2-40B4-BE49-F238E27FC236}">
+                <a16:creationId xmlns:a16="http://schemas.microsoft.com/office/drawing/2014/main" id="{3D6806CE-106E-A844-AB83-BFD77DEBB3FF}"/>
+              </a:ext>
+            </a:extLst>
+          </p:cNvPr>
+          <p:cNvPicPr>
+            <a:picLocks noChangeAspect="1"/>
+          </p:cNvPicPr>
+          <p:nvPr/>
+        </p:nvPicPr>
+        <p:blipFill>
+          <a:blip r:embed="rId6"/>
+          <a:stretch>
+            <a:fillRect/>
+          </a:stretch>
+        </p:blipFill>
+        <p:spPr>
+          <a:xfrm>
+            <a:off x="4915641" y="2966587"/>
+            <a:ext cx="2384728" cy="2094484"/>
+          </a:xfrm>
+          <a:prstGeom prst="rect">
+            <a:avLst/>
+          </a:prstGeom>
+        </p:spPr>
+      </p:pic>
     </p:spTree>
   </p:cSld>
   <p:clrMapOvr>
@@ -10854,11 +11625,11 @@
 </file>
 
 <file path=ppt/slides/slide7.xml><?xml version="1.0" encoding="utf-8"?>
-<p:sld xmlns:a="http://schemas.openxmlformats.org/drawingml/2006/main" xmlns:r="http://schemas.openxmlformats.org/officeDocument/2006/relationships" xmlns:mc="http://schemas.openxmlformats.org/markup-compatibility/2006" xmlns:mv="urn:schemas-microsoft-com:mac:vml" xmlns:p="http://schemas.openxmlformats.org/presentationml/2006/main" xmlns:c="http://schemas.openxmlformats.org/drawingml/2006/chart" xmlns:dgm="http://schemas.openxmlformats.org/drawingml/2006/diagram" xmlns:o="urn:schemas-microsoft-com:office:office" xmlns:v="urn:schemas-microsoft-com:vml" xmlns:pvml="urn:schemas-microsoft-com:office:powerpoint" xmlns:com="http://schemas.openxmlformats.org/drawingml/2006/compatibility" xmlns:p14="http://schemas.microsoft.com/office/powerpoint/2010/main" xmlns:p15="http://schemas.microsoft.com/office/powerpoint/2012/main" xmlns:ahyp="http://schemas.microsoft.com/office/drawing/2018/hyperlinkcolor">
+<p:sld xmlns:a="http://schemas.openxmlformats.org/drawingml/2006/main" xmlns:r="http://schemas.openxmlformats.org/officeDocument/2006/relationships" xmlns:p="http://schemas.openxmlformats.org/presentationml/2006/main">
   <p:cSld>
     <p:spTree>
       <p:nvGrpSpPr>
-        <p:cNvPr id="101" name="Shape 101"/>
+        <p:cNvPr id="1" name="Shape 101"/>
         <p:cNvGrpSpPr/>
         <p:nvPr/>
       </p:nvGrpSpPr>
@@ -10873,7 +11644,9 @@
       <p:sp>
         <p:nvSpPr>
           <p:cNvPr id="102" name="Google Shape;102;p21"/>
-          <p:cNvSpPr txBox="1"/>
+          <p:cNvSpPr txBox="1">
+            <a:spLocks noGrp="1"/>
+          </p:cNvSpPr>
           <p:nvPr>
             <p:ph type="title"/>
           </p:nvPr>
@@ -10888,12 +11661,12 @@
           </a:prstGeom>
         </p:spPr>
         <p:txBody>
-          <a:bodyPr anchorCtr="0" anchor="t" bIns="91425" lIns="91425" spcFirstLastPara="1" rIns="91425" wrap="square" tIns="91425">
+          <a:bodyPr spcFirstLastPara="1" wrap="square" lIns="91425" tIns="91425" rIns="91425" bIns="91425" anchor="t" anchorCtr="0">
             <a:normAutofit fontScale="90000"/>
           </a:bodyPr>
           <a:lstStyle/>
           <a:p>
-            <a:pPr indent="0" lvl="0" marL="0" rtl="0" algn="l">
+            <a:pPr marL="0" lvl="0" indent="0" algn="l" rtl="0">
               <a:spcBef>
                 <a:spcPts val="0"/>
               </a:spcBef>
@@ -10913,27 +11686,29 @@
       <p:sp>
         <p:nvSpPr>
           <p:cNvPr id="103" name="Google Shape;103;p21"/>
-          <p:cNvSpPr txBox="1"/>
+          <p:cNvSpPr txBox="1">
+            <a:spLocks noGrp="1"/>
+          </p:cNvSpPr>
           <p:nvPr>
-            <p:ph idx="1" type="body"/>
+            <p:ph type="body" idx="1"/>
           </p:nvPr>
         </p:nvSpPr>
         <p:spPr>
           <a:xfrm>
             <a:off x="311700" y="1152475"/>
-            <a:ext cx="3999900" cy="3416400"/>
+            <a:ext cx="3560585" cy="3416400"/>
           </a:xfrm>
           <a:prstGeom prst="rect">
             <a:avLst/>
           </a:prstGeom>
         </p:spPr>
         <p:txBody>
-          <a:bodyPr anchorCtr="0" anchor="t" bIns="91425" lIns="91425" spcFirstLastPara="1" rIns="91425" wrap="square" tIns="91425">
+          <a:bodyPr spcFirstLastPara="1" wrap="square" lIns="91425" tIns="91425" rIns="91425" bIns="91425" anchor="t" anchorCtr="0">
             <a:normAutofit/>
           </a:bodyPr>
           <a:lstStyle/>
           <a:p>
-            <a:pPr indent="0" lvl="0" marL="0" rtl="0" algn="l">
+            <a:pPr marL="0" lvl="0" indent="0" algn="l" rtl="0">
               <a:spcBef>
                 <a:spcPts val="0"/>
               </a:spcBef>
@@ -10943,13 +11718,13 @@
               <a:buNone/>
             </a:pPr>
             <a:r>
-              <a:rPr lang="en-US"/>
+              <a:rPr lang="en-US" dirty="0"/>
               <a:t>[insert visualization of set 2 (bicycle) disparity map using 11x11 blocks with SAD]</a:t>
             </a:r>
-            <a:endParaRPr/>
-          </a:p>
-          <a:p>
-            <a:pPr indent="0" lvl="0" marL="0" rtl="0" algn="l">
+            <a:endParaRPr dirty="0"/>
+          </a:p>
+          <a:p>
+            <a:pPr marL="0" lvl="0" indent="0" algn="l" rtl="0">
               <a:spcBef>
                 <a:spcPts val="1200"/>
               </a:spcBef>
@@ -10958,13 +11733,10 @@
               </a:spcAft>
               <a:buNone/>
             </a:pPr>
-            <a:r>
-              <a:t/>
-            </a:r>
-            <a:endParaRPr/>
-          </a:p>
-          <a:p>
-            <a:pPr indent="0" lvl="0" marL="0" rtl="0" algn="l">
+            <a:endParaRPr dirty="0"/>
+          </a:p>
+          <a:p>
+            <a:pPr marL="0" lvl="0" indent="0" algn="l" rtl="0">
               <a:spcBef>
                 <a:spcPts val="1200"/>
               </a:spcBef>
@@ -10973,13 +11745,10 @@
               </a:spcAft>
               <a:buNone/>
             </a:pPr>
-            <a:r>
-              <a:t/>
-            </a:r>
-            <a:endParaRPr/>
-          </a:p>
-          <a:p>
-            <a:pPr indent="0" lvl="0" marL="0" rtl="0" algn="l">
+            <a:endParaRPr dirty="0"/>
+          </a:p>
+          <a:p>
+            <a:pPr marL="0" lvl="0" indent="0" algn="l" rtl="0">
               <a:spcBef>
                 <a:spcPts val="1200"/>
               </a:spcBef>
@@ -10988,13 +11757,10 @@
               </a:spcAft>
               <a:buNone/>
             </a:pPr>
-            <a:r>
-              <a:t/>
-            </a:r>
-            <a:endParaRPr/>
-          </a:p>
-          <a:p>
-            <a:pPr indent="0" lvl="0" marL="0" rtl="0" algn="l">
+            <a:endParaRPr dirty="0"/>
+          </a:p>
+          <a:p>
+            <a:pPr marL="0" lvl="0" indent="0" algn="l" rtl="0">
               <a:spcBef>
                 <a:spcPts val="1200"/>
               </a:spcBef>
@@ -11009,37 +11775,39 @@
               <a:buNone/>
             </a:pPr>
             <a:r>
-              <a:rPr lang="en-US"/>
+              <a:rPr lang="en-US" dirty="0"/>
               <a:t>[insert visualization of set 2 (bicycle) disparity map using 11x11 blocks with SSD]</a:t>
             </a:r>
-            <a:endParaRPr/>
+            <a:endParaRPr dirty="0"/>
           </a:p>
         </p:txBody>
       </p:sp>
       <p:sp>
         <p:nvSpPr>
           <p:cNvPr id="104" name="Google Shape;104;p21"/>
-          <p:cNvSpPr txBox="1"/>
+          <p:cNvSpPr txBox="1">
+            <a:spLocks noGrp="1"/>
+          </p:cNvSpPr>
           <p:nvPr>
-            <p:ph idx="2" type="body"/>
+            <p:ph type="body" idx="2"/>
           </p:nvPr>
         </p:nvSpPr>
         <p:spPr>
           <a:xfrm>
             <a:off x="4832400" y="1152475"/>
-            <a:ext cx="3999900" cy="3416400"/>
+            <a:ext cx="3277930" cy="3416400"/>
           </a:xfrm>
           <a:prstGeom prst="rect">
             <a:avLst/>
           </a:prstGeom>
         </p:spPr>
         <p:txBody>
-          <a:bodyPr anchorCtr="0" anchor="t" bIns="91425" lIns="91425" spcFirstLastPara="1" rIns="91425" wrap="square" tIns="91425">
+          <a:bodyPr spcFirstLastPara="1" wrap="square" lIns="91425" tIns="91425" rIns="91425" bIns="91425" anchor="t" anchorCtr="0">
             <a:normAutofit/>
           </a:bodyPr>
           <a:lstStyle/>
           <a:p>
-            <a:pPr indent="0" lvl="0" marL="0" rtl="0" algn="l">
+            <a:pPr marL="0" lvl="0" indent="0" algn="l" rtl="0">
               <a:spcBef>
                 <a:spcPts val="0"/>
               </a:spcBef>
@@ -11060,7 +11828,7 @@
             <a:endParaRPr/>
           </a:p>
           <a:p>
-            <a:pPr indent="0" lvl="0" marL="0" rtl="0" algn="l">
+            <a:pPr marL="0" lvl="0" indent="0" algn="l" rtl="0">
               <a:spcBef>
                 <a:spcPts val="1200"/>
               </a:spcBef>
@@ -11074,13 +11842,10 @@
               <a:buFont typeface="Arial"/>
               <a:buNone/>
             </a:pPr>
-            <a:r>
-              <a:t/>
-            </a:r>
             <a:endParaRPr/>
           </a:p>
           <a:p>
-            <a:pPr indent="0" lvl="0" marL="0" rtl="0" algn="l">
+            <a:pPr marL="0" lvl="0" indent="0" algn="l" rtl="0">
               <a:spcBef>
                 <a:spcPts val="1200"/>
               </a:spcBef>
@@ -11094,13 +11859,10 @@
               <a:buFont typeface="Arial"/>
               <a:buNone/>
             </a:pPr>
-            <a:r>
-              <a:t/>
-            </a:r>
             <a:endParaRPr/>
           </a:p>
           <a:p>
-            <a:pPr indent="0" lvl="0" marL="0" rtl="0" algn="l">
+            <a:pPr marL="0" lvl="0" indent="0" algn="l" rtl="0">
               <a:spcBef>
                 <a:spcPts val="1200"/>
               </a:spcBef>
@@ -11114,13 +11876,10 @@
               <a:buFont typeface="Arial"/>
               <a:buNone/>
             </a:pPr>
-            <a:r>
-              <a:t/>
-            </a:r>
             <a:endParaRPr/>
           </a:p>
           <a:p>
-            <a:pPr indent="0" lvl="0" marL="0" rtl="0" algn="l">
+            <a:pPr marL="0" lvl="0" indent="0" algn="l" rtl="0">
               <a:spcBef>
                 <a:spcPts val="1200"/>
               </a:spcBef>
@@ -11137,6 +11896,126 @@
           </a:p>
         </p:txBody>
       </p:sp>
+      <p:pic>
+        <p:nvPicPr>
+          <p:cNvPr id="2" name="Picture 1">
+            <a:extLst>
+              <a:ext uri="{FF2B5EF4-FFF2-40B4-BE49-F238E27FC236}">
+                <a16:creationId xmlns:a16="http://schemas.microsoft.com/office/drawing/2014/main" id="{A3843E41-F533-CD42-8C4A-76D707F70B95}"/>
+              </a:ext>
+            </a:extLst>
+          </p:cNvPr>
+          <p:cNvPicPr>
+            <a:picLocks noChangeAspect="1"/>
+          </p:cNvPicPr>
+          <p:nvPr/>
+        </p:nvPicPr>
+        <p:blipFill>
+          <a:blip r:embed="rId3"/>
+          <a:stretch>
+            <a:fillRect/>
+          </a:stretch>
+        </p:blipFill>
+        <p:spPr>
+          <a:xfrm>
+            <a:off x="311700" y="834844"/>
+            <a:ext cx="3282290" cy="2222500"/>
+          </a:xfrm>
+          <a:prstGeom prst="rect">
+            <a:avLst/>
+          </a:prstGeom>
+        </p:spPr>
+      </p:pic>
+      <p:pic>
+        <p:nvPicPr>
+          <p:cNvPr id="3" name="Picture 2">
+            <a:extLst>
+              <a:ext uri="{FF2B5EF4-FFF2-40B4-BE49-F238E27FC236}">
+                <a16:creationId xmlns:a16="http://schemas.microsoft.com/office/drawing/2014/main" id="{C45B1DF7-A85B-614D-BE60-31C397D0F15A}"/>
+              </a:ext>
+            </a:extLst>
+          </p:cNvPr>
+          <p:cNvPicPr>
+            <a:picLocks noChangeAspect="1"/>
+          </p:cNvPicPr>
+          <p:nvPr/>
+        </p:nvPicPr>
+        <p:blipFill>
+          <a:blip r:embed="rId4"/>
+          <a:stretch>
+            <a:fillRect/>
+          </a:stretch>
+        </p:blipFill>
+        <p:spPr>
+          <a:xfrm>
+            <a:off x="359797" y="3113759"/>
+            <a:ext cx="3234193" cy="2029741"/>
+          </a:xfrm>
+          <a:prstGeom prst="rect">
+            <a:avLst/>
+          </a:prstGeom>
+        </p:spPr>
+      </p:pic>
+      <p:pic>
+        <p:nvPicPr>
+          <p:cNvPr id="4" name="Picture 3">
+            <a:extLst>
+              <a:ext uri="{FF2B5EF4-FFF2-40B4-BE49-F238E27FC236}">
+                <a16:creationId xmlns:a16="http://schemas.microsoft.com/office/drawing/2014/main" id="{D1E7A62A-0949-374F-94A3-A755D5042BA5}"/>
+              </a:ext>
+            </a:extLst>
+          </p:cNvPr>
+          <p:cNvPicPr>
+            <a:picLocks noChangeAspect="1"/>
+          </p:cNvPicPr>
+          <p:nvPr/>
+        </p:nvPicPr>
+        <p:blipFill>
+          <a:blip r:embed="rId5"/>
+          <a:stretch>
+            <a:fillRect/>
+          </a:stretch>
+        </p:blipFill>
+        <p:spPr>
+          <a:xfrm>
+            <a:off x="4832400" y="919543"/>
+            <a:ext cx="2999634" cy="2047599"/>
+          </a:xfrm>
+          <a:prstGeom prst="rect">
+            <a:avLst/>
+          </a:prstGeom>
+        </p:spPr>
+      </p:pic>
+      <p:pic>
+        <p:nvPicPr>
+          <p:cNvPr id="5" name="Picture 4">
+            <a:extLst>
+              <a:ext uri="{FF2B5EF4-FFF2-40B4-BE49-F238E27FC236}">
+                <a16:creationId xmlns:a16="http://schemas.microsoft.com/office/drawing/2014/main" id="{2DAB987E-9677-004D-99D8-076C846D7303}"/>
+              </a:ext>
+            </a:extLst>
+          </p:cNvPr>
+          <p:cNvPicPr>
+            <a:picLocks noChangeAspect="1"/>
+          </p:cNvPicPr>
+          <p:nvPr/>
+        </p:nvPicPr>
+        <p:blipFill>
+          <a:blip r:embed="rId6"/>
+          <a:stretch>
+            <a:fillRect/>
+          </a:stretch>
+        </p:blipFill>
+        <p:spPr>
+          <a:xfrm>
+            <a:off x="4911123" y="2967142"/>
+            <a:ext cx="2920911" cy="2029741"/>
+          </a:xfrm>
+          <a:prstGeom prst="rect">
+            <a:avLst/>
+          </a:prstGeom>
+        </p:spPr>
+      </p:pic>
     </p:spTree>
   </p:cSld>
   <p:clrMapOvr>
@@ -11146,11 +12025,11 @@
 </file>
 
 <file path=ppt/slides/slide8.xml><?xml version="1.0" encoding="utf-8"?>
-<p:sld xmlns:a="http://schemas.openxmlformats.org/drawingml/2006/main" xmlns:r="http://schemas.openxmlformats.org/officeDocument/2006/relationships" xmlns:mc="http://schemas.openxmlformats.org/markup-compatibility/2006" xmlns:mv="urn:schemas-microsoft-com:mac:vml" xmlns:p="http://schemas.openxmlformats.org/presentationml/2006/main" xmlns:c="http://schemas.openxmlformats.org/drawingml/2006/chart" xmlns:dgm="http://schemas.openxmlformats.org/drawingml/2006/diagram" xmlns:o="urn:schemas-microsoft-com:office:office" xmlns:v="urn:schemas-microsoft-com:vml" xmlns:pvml="urn:schemas-microsoft-com:office:powerpoint" xmlns:com="http://schemas.openxmlformats.org/drawingml/2006/compatibility" xmlns:p14="http://schemas.microsoft.com/office/powerpoint/2010/main" xmlns:p15="http://schemas.microsoft.com/office/powerpoint/2012/main" xmlns:ahyp="http://schemas.microsoft.com/office/drawing/2018/hyperlinkcolor">
+<p:sld xmlns:a="http://schemas.openxmlformats.org/drawingml/2006/main" xmlns:r="http://schemas.openxmlformats.org/officeDocument/2006/relationships" xmlns:p="http://schemas.openxmlformats.org/presentationml/2006/main">
   <p:cSld>
     <p:spTree>
       <p:nvGrpSpPr>
-        <p:cNvPr id="108" name="Shape 108"/>
+        <p:cNvPr id="1" name="Shape 108"/>
         <p:cNvGrpSpPr/>
         <p:nvPr/>
       </p:nvGrpSpPr>
@@ -11165,7 +12044,9 @@
       <p:sp>
         <p:nvSpPr>
           <p:cNvPr id="109" name="Google Shape;109;p22"/>
-          <p:cNvSpPr txBox="1"/>
+          <p:cNvSpPr txBox="1">
+            <a:spLocks noGrp="1"/>
+          </p:cNvSpPr>
           <p:nvPr>
             <p:ph type="title"/>
           </p:nvPr>
@@ -11180,12 +12061,12 @@
           </a:prstGeom>
         </p:spPr>
         <p:txBody>
-          <a:bodyPr anchorCtr="0" anchor="t" bIns="91425" lIns="91425" spcFirstLastPara="1" rIns="91425" wrap="square" tIns="91425">
+          <a:bodyPr spcFirstLastPara="1" wrap="square" lIns="91425" tIns="91425" rIns="91425" bIns="91425" anchor="t" anchorCtr="0">
             <a:normAutofit fontScale="90000"/>
           </a:bodyPr>
           <a:lstStyle/>
           <a:p>
-            <a:pPr indent="0" lvl="0" marL="0" rtl="0" algn="l">
+            <a:pPr marL="0" lvl="0" indent="0" algn="l" rtl="0">
               <a:spcBef>
                 <a:spcPts val="0"/>
               </a:spcBef>
@@ -11206,18 +12087,15 @@
             <a:endParaRPr/>
           </a:p>
           <a:p>
-            <a:pPr indent="0" lvl="0" marL="0" rtl="0" algn="l">
-              <a:spcBef>
-                <a:spcPts val="0"/>
-              </a:spcBef>
-              <a:spcAft>
-                <a:spcPts val="0"/>
-              </a:spcAft>
-              <a:buNone/>
-            </a:pPr>
-            <a:r>
-              <a:t/>
-            </a:r>
+            <a:pPr marL="0" lvl="0" indent="0" algn="l" rtl="0">
+              <a:spcBef>
+                <a:spcPts val="0"/>
+              </a:spcBef>
+              <a:spcAft>
+                <a:spcPts val="0"/>
+              </a:spcAft>
+              <a:buNone/>
+            </a:pPr>
             <a:endParaRPr/>
           </a:p>
         </p:txBody>
@@ -11225,9 +12103,11 @@
       <p:sp>
         <p:nvSpPr>
           <p:cNvPr id="110" name="Google Shape;110;p22"/>
-          <p:cNvSpPr txBox="1"/>
+          <p:cNvSpPr txBox="1">
+            <a:spLocks noGrp="1"/>
+          </p:cNvSpPr>
           <p:nvPr>
-            <p:ph idx="1" type="body"/>
+            <p:ph type="body" idx="1"/>
           </p:nvPr>
         </p:nvSpPr>
         <p:spPr>
@@ -11240,12 +12120,12 @@
           </a:prstGeom>
         </p:spPr>
         <p:txBody>
-          <a:bodyPr anchorCtr="0" anchor="t" bIns="91425" lIns="91425" spcFirstLastPara="1" rIns="91425" wrap="square" tIns="91425">
+          <a:bodyPr spcFirstLastPara="1" wrap="square" lIns="91425" tIns="91425" rIns="91425" bIns="91425" anchor="t" anchorCtr="0">
             <a:normAutofit/>
           </a:bodyPr>
           <a:lstStyle/>
           <a:p>
-            <a:pPr indent="0" lvl="0" marL="0" rtl="0" algn="l">
+            <a:pPr marL="0" lvl="0" indent="0" algn="l" rtl="0">
               <a:spcBef>
                 <a:spcPts val="0"/>
               </a:spcBef>
@@ -11255,19 +12135,37 @@
               <a:buNone/>
             </a:pPr>
             <a:r>
-              <a:rPr lang="en-US"/>
-              <a:t>[Explain your implementation of calculate_disparity_map (don’t just paste code).]</a:t>
+              <a:rPr lang="en-US" dirty="0"/>
+              <a:t>For each pixel, I calculated the disparity by looping through all with-in-bounds patches and calculating the similarity error using the given function. I simply put these in an array where the index of the similarity error was the disparity (since we had disparity from 0 to </a:t>
             </a:r>
-            <a:endParaRPr/>
+            <a:r>
+              <a:rPr lang="en-US" dirty="0" err="1"/>
+              <a:t>max_search_bound</a:t>
+            </a:r>
+            <a:r>
+              <a:rPr lang="en-US" dirty="0"/>
+              <a:t>). The </a:t>
+            </a:r>
+            <a:r>
+              <a:rPr lang="en-US" dirty="0" err="1"/>
+              <a:t>argmin</a:t>
+            </a:r>
+            <a:r>
+              <a:rPr lang="en-US" dirty="0"/>
+              <a:t> of this array is the disparity with the least similarity error.</a:t>
+            </a:r>
+            <a:endParaRPr dirty="0"/>
           </a:p>
         </p:txBody>
       </p:sp>
       <p:sp>
         <p:nvSpPr>
           <p:cNvPr id="111" name="Google Shape;111;p22"/>
-          <p:cNvSpPr txBox="1"/>
+          <p:cNvSpPr txBox="1">
+            <a:spLocks noGrp="1"/>
+          </p:cNvSpPr>
           <p:nvPr>
-            <p:ph idx="2" type="body"/>
+            <p:ph type="body" idx="2"/>
           </p:nvPr>
         </p:nvSpPr>
         <p:spPr>
@@ -11280,14 +12178,14 @@
           </a:prstGeom>
         </p:spPr>
         <p:txBody>
-          <a:bodyPr anchorCtr="0" anchor="t" bIns="91425" lIns="91425" spcFirstLastPara="1" rIns="91425" wrap="square" tIns="91425">
+          <a:bodyPr spcFirstLastPara="1" wrap="square" lIns="91425" tIns="91425" rIns="91425" bIns="91425" anchor="t" anchorCtr="0">
             <a:normAutofit/>
           </a:bodyPr>
           <a:lstStyle/>
           <a:p>
-            <a:pPr indent="0" lvl="0" marL="0" rtl="0" algn="l">
-              <a:spcBef>
-                <a:spcPts val="0"/>
+            <a:pPr marL="0" lvl="0" indent="0" algn="l" rtl="0">
+              <a:spcBef>
+                <a:spcPts val="1200"/>
               </a:spcBef>
               <a:spcAft>
                 <a:spcPts val="0"/>
@@ -11295,13 +12193,13 @@
               <a:buNone/>
             </a:pPr>
             <a:r>
-              <a:rPr lang="en-US"/>
-              <a:t>[What are some qualitative ways that the results look poor when compared to the ground truth?]</a:t>
+              <a:rPr lang="en-US" dirty="0"/>
+              <a:t>Since our disparity map uses a similarity function that is imperfect, we will get results poorer than the ground truth.</a:t>
             </a:r>
-            <a:endParaRPr/>
-          </a:p>
-          <a:p>
-            <a:pPr indent="0" lvl="0" marL="0" rtl="0" algn="l">
+            <a:endParaRPr dirty="0"/>
+          </a:p>
+          <a:p>
+            <a:pPr marL="0" lvl="0" indent="0" algn="l" rtl="0">
               <a:spcBef>
                 <a:spcPts val="1200"/>
               </a:spcBef>
@@ -11310,41 +12208,23 @@
               </a:spcAft>
               <a:buNone/>
             </a:pPr>
+            <a:endParaRPr dirty="0"/>
+          </a:p>
+          <a:p>
+            <a:pPr marL="0" lvl="0" indent="0">
+              <a:spcBef>
+                <a:spcPts val="1200"/>
+              </a:spcBef>
+              <a:spcAft>
+                <a:spcPts val="1200"/>
+              </a:spcAft>
+              <a:buNone/>
+            </a:pPr>
             <a:r>
-              <a:t/>
+              <a:rPr lang="en-US" dirty="0"/>
+              <a:t>Because we are limited to a square window shape, irregular shapes that shift will always have some values that give high similarity error. Our similarity function is also imperfect.</a:t>
             </a:r>
-            <a:endParaRPr/>
-          </a:p>
-          <a:p>
-            <a:pPr indent="0" lvl="0" marL="0" rtl="0" algn="l">
-              <a:spcBef>
-                <a:spcPts val="1200"/>
-              </a:spcBef>
-              <a:spcAft>
-                <a:spcPts val="0"/>
-              </a:spcAft>
-              <a:buNone/>
-            </a:pPr>
-            <a:r>
-              <a:t/>
-            </a:r>
-            <a:endParaRPr/>
-          </a:p>
-          <a:p>
-            <a:pPr indent="0" lvl="0" marL="0" rtl="0" algn="l">
-              <a:spcBef>
-                <a:spcPts val="1200"/>
-              </a:spcBef>
-              <a:spcAft>
-                <a:spcPts val="1200"/>
-              </a:spcAft>
-              <a:buNone/>
-            </a:pPr>
-            <a:r>
-              <a:rPr lang="en-US"/>
-              <a:t>[Why are we not able to get better results with this method? Where does it fail?]</a:t>
-            </a:r>
-            <a:endParaRPr/>
+            <a:endParaRPr dirty="0"/>
           </a:p>
         </p:txBody>
       </p:sp>
@@ -11357,11 +12237,11 @@
 </file>
 
 <file path=ppt/slides/slide9.xml><?xml version="1.0" encoding="utf-8"?>
-<p:sld xmlns:a="http://schemas.openxmlformats.org/drawingml/2006/main" xmlns:r="http://schemas.openxmlformats.org/officeDocument/2006/relationships" xmlns:mc="http://schemas.openxmlformats.org/markup-compatibility/2006" xmlns:mv="urn:schemas-microsoft-com:mac:vml" xmlns:p="http://schemas.openxmlformats.org/presentationml/2006/main" xmlns:c="http://schemas.openxmlformats.org/drawingml/2006/chart" xmlns:dgm="http://schemas.openxmlformats.org/drawingml/2006/diagram" xmlns:o="urn:schemas-microsoft-com:office:office" xmlns:v="urn:schemas-microsoft-com:vml" xmlns:pvml="urn:schemas-microsoft-com:office:powerpoint" xmlns:com="http://schemas.openxmlformats.org/drawingml/2006/compatibility" xmlns:p14="http://schemas.microsoft.com/office/powerpoint/2010/main" xmlns:p15="http://schemas.microsoft.com/office/powerpoint/2012/main" xmlns:ahyp="http://schemas.microsoft.com/office/drawing/2018/hyperlinkcolor">
+<p:sld xmlns:a="http://schemas.openxmlformats.org/drawingml/2006/main" xmlns:r="http://schemas.openxmlformats.org/officeDocument/2006/relationships" xmlns:p="http://schemas.openxmlformats.org/presentationml/2006/main">
   <p:cSld>
     <p:spTree>
       <p:nvGrpSpPr>
-        <p:cNvPr id="115" name="Shape 115"/>
+        <p:cNvPr id="1" name="Shape 115"/>
         <p:cNvGrpSpPr/>
         <p:nvPr/>
       </p:nvGrpSpPr>
@@ -11376,7 +12256,9 @@
       <p:sp>
         <p:nvSpPr>
           <p:cNvPr id="116" name="Google Shape;116;p23"/>
-          <p:cNvSpPr txBox="1"/>
+          <p:cNvSpPr txBox="1">
+            <a:spLocks noGrp="1"/>
+          </p:cNvSpPr>
           <p:nvPr>
             <p:ph type="title"/>
           </p:nvPr>
@@ -11391,12 +12273,12 @@
           </a:prstGeom>
         </p:spPr>
         <p:txBody>
-          <a:bodyPr anchorCtr="0" anchor="t" bIns="91425" lIns="91425" spcFirstLastPara="1" rIns="91425" wrap="square" tIns="91425">
+          <a:bodyPr spcFirstLastPara="1" wrap="square" lIns="91425" tIns="91425" rIns="91425" bIns="91425" anchor="t" anchorCtr="0">
             <a:normAutofit fontScale="90000"/>
           </a:bodyPr>
           <a:lstStyle/>
           <a:p>
-            <a:pPr indent="0" lvl="0" marL="0" rtl="0" algn="l">
+            <a:pPr marL="0" lvl="0" indent="0" algn="l" rtl="0">
               <a:spcBef>
                 <a:spcPts val="0"/>
               </a:spcBef>
@@ -11416,27 +12298,29 @@
       <p:sp>
         <p:nvSpPr>
           <p:cNvPr id="117" name="Google Shape;117;p23"/>
-          <p:cNvSpPr txBox="1"/>
+          <p:cNvSpPr txBox="1">
+            <a:spLocks noGrp="1"/>
+          </p:cNvSpPr>
           <p:nvPr>
-            <p:ph idx="1" type="body"/>
+            <p:ph type="body" idx="1"/>
           </p:nvPr>
         </p:nvSpPr>
         <p:spPr>
           <a:xfrm>
             <a:off x="311700" y="1152475"/>
-            <a:ext cx="3999900" cy="3416400"/>
+            <a:ext cx="3202777" cy="3416400"/>
           </a:xfrm>
           <a:prstGeom prst="rect">
             <a:avLst/>
           </a:prstGeom>
         </p:spPr>
         <p:txBody>
-          <a:bodyPr anchorCtr="0" anchor="t" bIns="91425" lIns="91425" spcFirstLastPara="1" rIns="91425" wrap="square" tIns="91425">
+          <a:bodyPr spcFirstLastPara="1" wrap="square" lIns="91425" tIns="91425" rIns="91425" bIns="91425" anchor="t" anchorCtr="0">
             <a:normAutofit/>
           </a:bodyPr>
           <a:lstStyle/>
           <a:p>
-            <a:pPr indent="0" lvl="0" marL="0" rtl="0" algn="l">
+            <a:pPr marL="0" lvl="0" indent="0" algn="l" rtl="0">
               <a:spcBef>
                 <a:spcPts val="0"/>
               </a:spcBef>
@@ -11446,13 +12330,13 @@
               <a:buNone/>
             </a:pPr>
             <a:r>
-              <a:rPr lang="en-US"/>
+              <a:rPr lang="en-US" dirty="0"/>
               <a:t>[insert visualization of set 1 (Adirondack) disparity map using 9x9 blocks with SAD (without smoothing)]</a:t>
             </a:r>
-            <a:endParaRPr/>
-          </a:p>
-          <a:p>
-            <a:pPr indent="0" lvl="0" marL="0" rtl="0" algn="l">
+            <a:endParaRPr dirty="0"/>
+          </a:p>
+          <a:p>
+            <a:pPr marL="0" lvl="0" indent="0" algn="l" rtl="0">
               <a:spcBef>
                 <a:spcPts val="1200"/>
               </a:spcBef>
@@ -11461,44 +12345,50 @@
               </a:spcAft>
               <a:buNone/>
             </a:pPr>
+            <a:endParaRPr dirty="0"/>
+          </a:p>
+          <a:p>
+            <a:pPr marL="0" lvl="0" indent="0" algn="l" rtl="0">
+              <a:spcBef>
+                <a:spcPts val="1200"/>
+              </a:spcBef>
+              <a:spcAft>
+                <a:spcPts val="0"/>
+              </a:spcAft>
+              <a:buNone/>
+            </a:pPr>
+            <a:endParaRPr dirty="0"/>
+          </a:p>
+          <a:p>
+            <a:pPr marL="0" lvl="0" indent="0" algn="l" rtl="0">
+              <a:spcBef>
+                <a:spcPts val="1200"/>
+              </a:spcBef>
+              <a:spcAft>
+                <a:spcPts val="0"/>
+              </a:spcAft>
+              <a:buNone/>
+            </a:pPr>
+            <a:endParaRPr lang="en-US" dirty="0"/>
+          </a:p>
+          <a:p>
+            <a:pPr marL="0" lvl="0" indent="0" algn="l" rtl="0">
+              <a:spcBef>
+                <a:spcPts val="1200"/>
+              </a:spcBef>
+              <a:spcAft>
+                <a:spcPts val="0"/>
+              </a:spcAft>
+              <a:buNone/>
+            </a:pPr>
             <a:r>
-              <a:t/>
-            </a:r>
-            <a:endParaRPr/>
-          </a:p>
-          <a:p>
-            <a:pPr indent="0" lvl="0" marL="0" rtl="0" algn="l">
-              <a:spcBef>
-                <a:spcPts val="1200"/>
-              </a:spcBef>
-              <a:spcAft>
-                <a:spcPts val="0"/>
-              </a:spcAft>
-              <a:buNone/>
-            </a:pPr>
-            <a:r>
-              <a:t/>
-            </a:r>
-            <a:endParaRPr/>
-          </a:p>
-          <a:p>
-            <a:pPr indent="0" lvl="0" marL="0" rtl="0" algn="l">
-              <a:spcBef>
-                <a:spcPts val="1200"/>
-              </a:spcBef>
-              <a:spcAft>
-                <a:spcPts val="0"/>
-              </a:spcAft>
-              <a:buNone/>
-            </a:pPr>
-            <a:r>
-              <a:rPr lang="en-US"/>
+              <a:rPr lang="en-US" dirty="0"/>
               <a:t>[insert visualization of set 1 (Adirondack) disparity map using 9x9 blocks with SSD (without smoothing)]</a:t>
             </a:r>
-            <a:endParaRPr/>
-          </a:p>
-          <a:p>
-            <a:pPr indent="0" lvl="0" marL="0" rtl="0" algn="l">
+            <a:endParaRPr dirty="0"/>
+          </a:p>
+          <a:p>
+            <a:pPr marL="0" lvl="0" indent="0" algn="l" rtl="0">
               <a:spcBef>
                 <a:spcPts val="1200"/>
               </a:spcBef>
@@ -11507,19 +12397,18 @@
               </a:spcAft>
               <a:buNone/>
             </a:pPr>
-            <a:r>
-              <a:t/>
-            </a:r>
-            <a:endParaRPr/>
+            <a:endParaRPr dirty="0"/>
           </a:p>
         </p:txBody>
       </p:sp>
       <p:sp>
         <p:nvSpPr>
           <p:cNvPr id="118" name="Google Shape;118;p23"/>
-          <p:cNvSpPr txBox="1"/>
+          <p:cNvSpPr txBox="1">
+            <a:spLocks noGrp="1"/>
+          </p:cNvSpPr>
           <p:nvPr>
-            <p:ph idx="2" type="body"/>
+            <p:ph type="body" idx="2"/>
           </p:nvPr>
         </p:nvSpPr>
         <p:spPr>
@@ -11532,12 +12421,12 @@
           </a:prstGeom>
         </p:spPr>
         <p:txBody>
-          <a:bodyPr anchorCtr="0" anchor="t" bIns="91425" lIns="91425" spcFirstLastPara="1" rIns="91425" wrap="square" tIns="91425">
+          <a:bodyPr spcFirstLastPara="1" wrap="square" lIns="91425" tIns="91425" rIns="91425" bIns="91425" anchor="t" anchorCtr="0">
             <a:normAutofit/>
           </a:bodyPr>
           <a:lstStyle/>
           <a:p>
-            <a:pPr indent="0" lvl="0" marL="0" rtl="0" algn="l">
+            <a:pPr marL="0" lvl="0" indent="0" algn="l" rtl="0">
               <a:spcBef>
                 <a:spcPts val="0"/>
               </a:spcBef>
@@ -11554,6 +12443,96 @@
           </a:p>
         </p:txBody>
       </p:sp>
+      <p:pic>
+        <p:nvPicPr>
+          <p:cNvPr id="2" name="Picture 1">
+            <a:extLst>
+              <a:ext uri="{FF2B5EF4-FFF2-40B4-BE49-F238E27FC236}">
+                <a16:creationId xmlns:a16="http://schemas.microsoft.com/office/drawing/2014/main" id="{B01BCEA1-9299-7A4F-BB22-98DFF7E20C82}"/>
+              </a:ext>
+            </a:extLst>
+          </p:cNvPr>
+          <p:cNvPicPr>
+            <a:picLocks noChangeAspect="1"/>
+          </p:cNvPicPr>
+          <p:nvPr/>
+        </p:nvPicPr>
+        <p:blipFill>
+          <a:blip r:embed="rId3"/>
+          <a:stretch>
+            <a:fillRect/>
+          </a:stretch>
+        </p:blipFill>
+        <p:spPr>
+          <a:xfrm>
+            <a:off x="403195" y="1017725"/>
+            <a:ext cx="3437285" cy="2019673"/>
+          </a:xfrm>
+          <a:prstGeom prst="rect">
+            <a:avLst/>
+          </a:prstGeom>
+        </p:spPr>
+      </p:pic>
+      <p:pic>
+        <p:nvPicPr>
+          <p:cNvPr id="4" name="Picture 3">
+            <a:extLst>
+              <a:ext uri="{FF2B5EF4-FFF2-40B4-BE49-F238E27FC236}">
+                <a16:creationId xmlns:a16="http://schemas.microsoft.com/office/drawing/2014/main" id="{35214D94-EB62-5147-9308-34B54CD392E5}"/>
+              </a:ext>
+            </a:extLst>
+          </p:cNvPr>
+          <p:cNvPicPr>
+            <a:picLocks noChangeAspect="1"/>
+          </p:cNvPicPr>
+          <p:nvPr/>
+        </p:nvPicPr>
+        <p:blipFill>
+          <a:blip r:embed="rId4"/>
+          <a:stretch>
+            <a:fillRect/>
+          </a:stretch>
+        </p:blipFill>
+        <p:spPr>
+          <a:xfrm>
+            <a:off x="403195" y="3033311"/>
+            <a:ext cx="3349821" cy="2110189"/>
+          </a:xfrm>
+          <a:prstGeom prst="rect">
+            <a:avLst/>
+          </a:prstGeom>
+        </p:spPr>
+      </p:pic>
+      <p:pic>
+        <p:nvPicPr>
+          <p:cNvPr id="5" name="Picture 4">
+            <a:extLst>
+              <a:ext uri="{FF2B5EF4-FFF2-40B4-BE49-F238E27FC236}">
+                <a16:creationId xmlns:a16="http://schemas.microsoft.com/office/drawing/2014/main" id="{D8C4BAB1-30AB-314A-AE22-6F78B71DDE9B}"/>
+              </a:ext>
+            </a:extLst>
+          </p:cNvPr>
+          <p:cNvPicPr>
+            <a:picLocks noChangeAspect="1"/>
+          </p:cNvPicPr>
+          <p:nvPr/>
+        </p:nvPicPr>
+        <p:blipFill>
+          <a:blip r:embed="rId5"/>
+          <a:stretch>
+            <a:fillRect/>
+          </a:stretch>
+        </p:blipFill>
+        <p:spPr>
+          <a:xfrm>
+            <a:off x="4832400" y="1017725"/>
+            <a:ext cx="3733147" cy="2570364"/>
+          </a:xfrm>
+          <a:prstGeom prst="rect">
+            <a:avLst/>
+          </a:prstGeom>
+        </p:spPr>
+      </p:pic>
     </p:spTree>
   </p:cSld>
   <p:clrMapOvr>
@@ -11563,7 +12542,7 @@
 </file>
 
 <file path=ppt/theme/theme1.xml><?xml version="1.0" encoding="utf-8"?>
-<a:theme xmlns:a="http://schemas.openxmlformats.org/drawingml/2006/main" xmlns:r="http://schemas.openxmlformats.org/officeDocument/2006/relationships" name="Simple Light">
+<a:theme xmlns:a="http://schemas.openxmlformats.org/drawingml/2006/main" name="Simple Light">
   <a:themeElements>
     <a:clrScheme name="Simple Light">
       <a:dk1>
@@ -11838,11 +12817,13 @@
       </a:bgFillStyleLst>
     </a:fmtScheme>
   </a:themeElements>
+  <a:objectDefaults/>
+  <a:extraClrSchemeLst/>
 </a:theme>
 </file>
 
 <file path=ppt/theme/theme2.xml><?xml version="1.0" encoding="utf-8"?>
-<a:theme xmlns:a="http://schemas.openxmlformats.org/drawingml/2006/main" xmlns:r="http://schemas.openxmlformats.org/officeDocument/2006/relationships">
+<a:theme xmlns:a="http://schemas.openxmlformats.org/drawingml/2006/main">
   <a:themeElements>
     <a:clrScheme name="Default">
       <a:dk1>
@@ -12117,5 +13098,7 @@
       </a:bgFillStyleLst>
     </a:fmtScheme>
   </a:themeElements>
+  <a:objectDefaults/>
+  <a:extraClrSchemeLst/>
 </a:theme>
 </file>